--- a/Documentazione/[MNI]_PresentazioneSeminario.pptx
+++ b/Documentazione/[MNI]_PresentazioneSeminario.pptx
@@ -5,7 +5,7 @@
     <p:sldMasterId id="2147483648" r:id="rId1"/>
   </p:sldMasterIdLst>
   <p:notesMasterIdLst>
-    <p:notesMasterId r:id="rId15"/>
+    <p:notesMasterId r:id="rId22"/>
   </p:notesMasterIdLst>
   <p:sldIdLst>
     <p:sldId id="256" r:id="rId2"/>
@@ -21,6 +21,13 @@
     <p:sldId id="268" r:id="rId12"/>
     <p:sldId id="269" r:id="rId13"/>
     <p:sldId id="270" r:id="rId14"/>
+    <p:sldId id="271" r:id="rId15"/>
+    <p:sldId id="272" r:id="rId16"/>
+    <p:sldId id="273" r:id="rId17"/>
+    <p:sldId id="274" r:id="rId18"/>
+    <p:sldId id="275" r:id="rId19"/>
+    <p:sldId id="276" r:id="rId20"/>
+    <p:sldId id="277" r:id="rId21"/>
   </p:sldIdLst>
   <p:sldSz cx="12192000" cy="6858000"/>
   <p:notesSz cx="6858000" cy="9144000"/>
@@ -137,9 +144,19 @@
             <p14:sldId id="268"/>
             <p14:sldId id="269"/>
             <p14:sldId id="270"/>
+            <p14:sldId id="271"/>
+            <p14:sldId id="272"/>
+            <p14:sldId id="273"/>
+            <p14:sldId id="274"/>
+            <p14:sldId id="275"/>
+            <p14:sldId id="276"/>
+            <p14:sldId id="277"/>
           </p14:sldIdLst>
         </p14:section>
       </p14:sectionLst>
+    </p:ext>
+    <p:ext uri="{EFAFB233-063F-42B5-8137-9DF3F51BA10A}">
+      <p15:sldGuideLst xmlns:p15="http://schemas.microsoft.com/office/powerpoint/2012/main"/>
     </p:ext>
   </p:extLst>
 </p:presentation>
@@ -227,7 +244,7 @@
           <a:p>
             <a:fld id="{5BB39080-8F44-46B6-B27F-2DEAA9A68D0D}" type="datetimeFigureOut">
               <a:rPr lang="it-IT" smtClean="0"/>
-              <a:t>08/12/2025</a:t>
+              <a:t>09/12/2025</a:t>
             </a:fld>
             <a:endParaRPr lang="it-IT"/>
           </a:p>
@@ -1158,47 +1175,188 @@
             </a:pPr>
             <a:r>
               <a:rPr lang="it-IT" dirty="0"/>
-              <a:t>La prima grande idea è il cosiddetto Distributed SGD, o DSGD. Si suddivide la matrice dei rating in blocchi, formando una griglia. Si osserva che è possibile selezionare, in ogni iterazione, una collezione di blocchi che non condividono né utenti né item: questa collezione si chiama </a:t>
+              <a:t>In teoria la GPU è perfetta per questo problema: migliaia di </a:t>
             </a:r>
             <a:r>
               <a:rPr lang="it-IT" dirty="0" err="1"/>
-              <a:t>strata</a:t>
+              <a:t>thread</a:t>
             </a:r>
             <a:r>
               <a:rPr lang="it-IT" dirty="0"/>
-              <a:t>. </a:t>
-            </a:r>
-            <a:r>
-              <a:rPr lang="it-IT" b="1" dirty="0"/>
-              <a:t>Ogni </a:t>
-            </a:r>
-            <a:r>
-              <a:rPr lang="it-IT" b="1" dirty="0" err="1"/>
-              <a:t>strata</a:t>
-            </a:r>
-            <a:r>
-              <a:rPr lang="it-IT" b="1" dirty="0"/>
-              <a:t> può essere processata in parallelo senza conflitti</a:t>
-            </a:r>
+              <a:t> che eseguono la stessa formula su dati indipendenti. Tuttavia, nella pratica, l’accesso irregolare alla memoria e il gran numero di conflitti generano difficoltà molto più profonde rispetto a ciò che accade su CPU. I problemi principali sono tre: </a:t>
+            </a:r>
+          </a:p>
+          <a:p>
+            <a:pPr marL="228600" marR="0" lvl="0" indent="-228600" algn="l" defTabSz="914400" rtl="0" eaLnBrk="1" fontAlgn="auto" latinLnBrk="0" hangingPunct="1">
+              <a:lnSpc>
+                <a:spcPct val="100000"/>
+              </a:lnSpc>
+              <a:spcBef>
+                <a:spcPts val="0"/>
+              </a:spcBef>
+              <a:spcAft>
+                <a:spcPts val="0"/>
+              </a:spcAft>
+              <a:buClrTx/>
+              <a:buSzTx/>
+              <a:buFontTx/>
+              <a:buAutoNum type="arabicPeriod"/>
+              <a:tabLst/>
+              <a:defRPr/>
+            </a:pPr>
             <a:r>
               <a:rPr lang="it-IT" dirty="0"/>
-              <a:t>. Dopo ogni iterazione si passa alla </a:t>
+              <a:t>Accessi non coalescenti: i vettori </a:t>
             </a:r>
             <a:r>
               <a:rPr lang="it-IT" dirty="0" err="1"/>
-              <a:t>strata</a:t>
+              <a:t>uk</a:t>
             </a:r>
             <a:r>
               <a:rPr lang="it-IT" dirty="0"/>
-              <a:t> successiva, garantendo che tutti i blocchi vengano </a:t>
+              <a:t> e vi risiedono in memoria in posizioni lontane e imprevedibili. I </a:t>
             </a:r>
             <a:r>
               <a:rPr lang="it-IT" dirty="0" err="1"/>
-              <a:t>aggiornati</a:t>
+              <a:t>thread</a:t>
             </a:r>
             <a:r>
               <a:rPr lang="it-IT" dirty="0"/>
-              <a:t>.</a:t>
+              <a:t> di uno stesso </a:t>
+            </a:r>
+            <a:r>
+              <a:rPr lang="it-IT" dirty="0" err="1"/>
+              <a:t>warp</a:t>
+            </a:r>
+            <a:r>
+              <a:rPr lang="it-IT" dirty="0"/>
+              <a:t> accedono quindi a indirizzi distanti, costringendo la GPU a effettuare molteplici transazioni di memoria indipendenti e riducendo drasticamente l’efficienza del kernel; </a:t>
+            </a:r>
+          </a:p>
+          <a:p>
+            <a:pPr marL="228600" marR="0" lvl="0" indent="-228600" algn="l" defTabSz="914400" rtl="0" eaLnBrk="1" fontAlgn="auto" latinLnBrk="0" hangingPunct="1">
+              <a:lnSpc>
+                <a:spcPct val="100000"/>
+              </a:lnSpc>
+              <a:spcBef>
+                <a:spcPts val="0"/>
+              </a:spcBef>
+              <a:spcAft>
+                <a:spcPts val="0"/>
+              </a:spcAft>
+              <a:buClrTx/>
+              <a:buSzTx/>
+              <a:buFontTx/>
+              <a:buAutoNum type="arabicPeriod"/>
+              <a:tabLst/>
+              <a:defRPr/>
+            </a:pPr>
+            <a:r>
+              <a:rPr lang="it-IT" dirty="0"/>
+              <a:t>Race </a:t>
+            </a:r>
+            <a:r>
+              <a:rPr lang="it-IT" dirty="0" err="1"/>
+              <a:t>condition</a:t>
+            </a:r>
+            <a:r>
+              <a:rPr lang="it-IT" dirty="0"/>
+              <a:t> massivi: centinaia di </a:t>
+            </a:r>
+            <a:r>
+              <a:rPr lang="it-IT" dirty="0" err="1"/>
+              <a:t>thread</a:t>
+            </a:r>
+            <a:r>
+              <a:rPr lang="it-IT" dirty="0"/>
+              <a:t> possono tentare di aggiornare simultaneamente lo stesso item (specialmente se l’item è molto popolare), causando conflitti di scrittura e comportamenti non deterministici; </a:t>
+            </a:r>
+          </a:p>
+          <a:p>
+            <a:pPr marL="228600" marR="0" lvl="0" indent="-228600" algn="l" defTabSz="914400" rtl="0" eaLnBrk="1" fontAlgn="auto" latinLnBrk="0" hangingPunct="1">
+              <a:lnSpc>
+                <a:spcPct val="100000"/>
+              </a:lnSpc>
+              <a:spcBef>
+                <a:spcPts val="0"/>
+              </a:spcBef>
+              <a:spcAft>
+                <a:spcPts val="0"/>
+              </a:spcAft>
+              <a:buClrTx/>
+              <a:buSzTx/>
+              <a:buFontTx/>
+              <a:buAutoNum type="arabicPeriod"/>
+              <a:tabLst/>
+              <a:defRPr/>
+            </a:pPr>
+            <a:r>
+              <a:rPr lang="it-IT" dirty="0"/>
+              <a:t>Alto costo delle </a:t>
+            </a:r>
+            <a:r>
+              <a:rPr lang="it-IT" dirty="0" err="1"/>
+              <a:t>atomic</a:t>
+            </a:r>
+            <a:r>
+              <a:rPr lang="it-IT" dirty="0"/>
+              <a:t> </a:t>
+            </a:r>
+            <a:r>
+              <a:rPr lang="it-IT" dirty="0" err="1"/>
+              <a:t>operation</a:t>
+            </a:r>
+            <a:r>
+              <a:rPr lang="it-IT" dirty="0"/>
+              <a:t>: per garantire la correttezza degli aggiornamenti concorrenti, è necessario ricorrere a operazioni atomiche (come </a:t>
+            </a:r>
+            <a:r>
+              <a:rPr lang="it-IT" dirty="0" err="1"/>
+              <a:t>atomicAdd</a:t>
+            </a:r>
+            <a:r>
+              <a:rPr lang="it-IT" dirty="0"/>
+              <a:t>). Queste impongono che un solo </a:t>
+            </a:r>
+            <a:r>
+              <a:rPr lang="it-IT" dirty="0" err="1"/>
+              <a:t>thread</a:t>
+            </a:r>
+            <a:r>
+              <a:rPr lang="it-IT" dirty="0"/>
+              <a:t> alla volta possa modificare un dato indirizzo di memoria. Quando molti </a:t>
+            </a:r>
+            <a:r>
+              <a:rPr lang="it-IT" dirty="0" err="1"/>
+              <a:t>thread</a:t>
+            </a:r>
+            <a:r>
+              <a:rPr lang="it-IT" dirty="0"/>
+              <a:t> competono per lo stesso parametro, le </a:t>
+            </a:r>
+            <a:r>
+              <a:rPr lang="it-IT" dirty="0" err="1"/>
+              <a:t>atomic</a:t>
+            </a:r>
+            <a:r>
+              <a:rPr lang="it-IT" dirty="0"/>
+              <a:t> serializzano gli accessi: i </a:t>
+            </a:r>
+            <a:r>
+              <a:rPr lang="it-IT" dirty="0" err="1"/>
+              <a:t>thread</a:t>
+            </a:r>
+            <a:r>
+              <a:rPr lang="it-IT" dirty="0"/>
+              <a:t> vengono messi in attesa e l’intero </a:t>
+            </a:r>
+            <a:r>
+              <a:rPr lang="it-IT" dirty="0" err="1"/>
+              <a:t>warp</a:t>
+            </a:r>
+            <a:r>
+              <a:rPr lang="it-IT" dirty="0"/>
+              <a:t> rimane in stallo finché l’operazione non è completata, compromettendo gran parte del parallelismo disponibile.</a:t>
             </a:r>
           </a:p>
         </p:txBody>
@@ -1236,6 +1394,957 @@
     <p:extLst>
       <p:ext uri="{BB962C8B-B14F-4D97-AF65-F5344CB8AC3E}">
         <p14:creationId xmlns:p14="http://schemas.microsoft.com/office/powerpoint/2010/main" val="3993944637"/>
+      </p:ext>
+    </p:extLst>
+  </p:cSld>
+  <p:clrMapOvr>
+    <a:masterClrMapping/>
+  </p:clrMapOvr>
+</p:notes>
+</file>
+
+<file path=ppt/notesSlides/notesSlide14.xml><?xml version="1.0" encoding="utf-8"?>
+<p:notes xmlns:a="http://schemas.openxmlformats.org/drawingml/2006/main" xmlns:r="http://schemas.openxmlformats.org/officeDocument/2006/relationships" xmlns:p="http://schemas.openxmlformats.org/presentationml/2006/main">
+  <p:cSld>
+    <p:spTree>
+      <p:nvGrpSpPr>
+        <p:cNvPr id="1" name="">
+          <a:extLst>
+            <a:ext uri="{FF2B5EF4-FFF2-40B4-BE49-F238E27FC236}">
+              <a16:creationId xmlns:a16="http://schemas.microsoft.com/office/drawing/2014/main" id="{BE4448E1-E28C-87BB-182A-DCF9EC5CF9F5}"/>
+            </a:ext>
+          </a:extLst>
+        </p:cNvPr>
+        <p:cNvGrpSpPr/>
+        <p:nvPr/>
+      </p:nvGrpSpPr>
+      <p:grpSpPr>
+        <a:xfrm>
+          <a:off x="0" y="0"/>
+          <a:ext cx="0" cy="0"/>
+          <a:chOff x="0" y="0"/>
+          <a:chExt cx="0" cy="0"/>
+        </a:xfrm>
+      </p:grpSpPr>
+      <p:sp>
+        <p:nvSpPr>
+          <p:cNvPr id="2" name="Segnaposto immagine diapositiva 1">
+            <a:extLst>
+              <a:ext uri="{FF2B5EF4-FFF2-40B4-BE49-F238E27FC236}">
+                <a16:creationId xmlns:a16="http://schemas.microsoft.com/office/drawing/2014/main" id="{21FF786B-F203-DAF7-221C-3AC15D23B640}"/>
+              </a:ext>
+            </a:extLst>
+          </p:cNvPr>
+          <p:cNvSpPr>
+            <a:spLocks noGrp="1" noRot="1" noChangeAspect="1"/>
+          </p:cNvSpPr>
+          <p:nvPr>
+            <p:ph type="sldImg"/>
+          </p:nvPr>
+        </p:nvSpPr>
+        <p:spPr/>
+      </p:sp>
+      <p:sp>
+        <p:nvSpPr>
+          <p:cNvPr id="3" name="Segnaposto note 2">
+            <a:extLst>
+              <a:ext uri="{FF2B5EF4-FFF2-40B4-BE49-F238E27FC236}">
+                <a16:creationId xmlns:a16="http://schemas.microsoft.com/office/drawing/2014/main" id="{F997BE5E-E14D-AE43-C299-23AEC27C6B7F}"/>
+              </a:ext>
+            </a:extLst>
+          </p:cNvPr>
+          <p:cNvSpPr>
+            <a:spLocks noGrp="1"/>
+          </p:cNvSpPr>
+          <p:nvPr>
+            <p:ph type="body" idx="1"/>
+          </p:nvPr>
+        </p:nvSpPr>
+        <p:spPr/>
+        <p:txBody>
+          <a:bodyPr/>
+          <a:lstStyle/>
+          <a:p>
+            <a:pPr marL="0" marR="0" lvl="0" indent="0" algn="l" defTabSz="914400" rtl="0" eaLnBrk="1" fontAlgn="auto" latinLnBrk="0" hangingPunct="1">
+              <a:lnSpc>
+                <a:spcPct val="100000"/>
+              </a:lnSpc>
+              <a:spcBef>
+                <a:spcPts val="0"/>
+              </a:spcBef>
+              <a:spcAft>
+                <a:spcPts val="0"/>
+              </a:spcAft>
+              <a:buClrTx/>
+              <a:buSzTx/>
+              <a:buFontTx/>
+              <a:buNone/>
+              <a:tabLst/>
+              <a:defRPr/>
+            </a:pPr>
+            <a:r>
+              <a:rPr lang="it-IT" dirty="0" err="1"/>
+              <a:t>AtomicAdd</a:t>
+            </a:r>
+            <a:r>
+              <a:rPr lang="it-IT" dirty="0"/>
+              <a:t> per gli aggiornamenti: utilizzato nelle implementazioni lock-free più semplici, permette a molti </a:t>
+            </a:r>
+            <a:r>
+              <a:rPr lang="it-IT" dirty="0" err="1"/>
+              <a:t>thread</a:t>
+            </a:r>
+            <a:r>
+              <a:rPr lang="it-IT" dirty="0"/>
+              <a:t> di aggiornare gli stessi parametri senza lock espliciti. Funziona bene solo in presenza di bassi livelli di conflitto [7], ma le prestazioni degradano rapidamente se item o utenti sono molto popolari</a:t>
+            </a:r>
+          </a:p>
+        </p:txBody>
+      </p:sp>
+      <p:sp>
+        <p:nvSpPr>
+          <p:cNvPr id="4" name="Segnaposto numero diapositiva 3">
+            <a:extLst>
+              <a:ext uri="{FF2B5EF4-FFF2-40B4-BE49-F238E27FC236}">
+                <a16:creationId xmlns:a16="http://schemas.microsoft.com/office/drawing/2014/main" id="{C85DD0E9-ED67-21D4-A7AE-9678A4A956C0}"/>
+              </a:ext>
+            </a:extLst>
+          </p:cNvPr>
+          <p:cNvSpPr>
+            <a:spLocks noGrp="1"/>
+          </p:cNvSpPr>
+          <p:nvPr>
+            <p:ph type="sldNum" sz="quarter" idx="5"/>
+          </p:nvPr>
+        </p:nvSpPr>
+        <p:spPr/>
+        <p:txBody>
+          <a:bodyPr/>
+          <a:lstStyle/>
+          <a:p>
+            <a:fld id="{5DC66C08-5A08-4C69-AAAE-C19DB0A9B5E5}" type="slidenum">
+              <a:rPr lang="it-IT" smtClean="0"/>
+              <a:t>14</a:t>
+            </a:fld>
+            <a:endParaRPr lang="it-IT"/>
+          </a:p>
+        </p:txBody>
+      </p:sp>
+    </p:spTree>
+    <p:extLst>
+      <p:ext uri="{BB962C8B-B14F-4D97-AF65-F5344CB8AC3E}">
+        <p14:creationId xmlns:p14="http://schemas.microsoft.com/office/powerpoint/2010/main" val="3490807032"/>
+      </p:ext>
+    </p:extLst>
+  </p:cSld>
+  <p:clrMapOvr>
+    <a:masterClrMapping/>
+  </p:clrMapOvr>
+</p:notes>
+</file>
+
+<file path=ppt/notesSlides/notesSlide15.xml><?xml version="1.0" encoding="utf-8"?>
+<p:notes xmlns:a="http://schemas.openxmlformats.org/drawingml/2006/main" xmlns:r="http://schemas.openxmlformats.org/officeDocument/2006/relationships" xmlns:p="http://schemas.openxmlformats.org/presentationml/2006/main">
+  <p:cSld>
+    <p:spTree>
+      <p:nvGrpSpPr>
+        <p:cNvPr id="1" name="">
+          <a:extLst>
+            <a:ext uri="{FF2B5EF4-FFF2-40B4-BE49-F238E27FC236}">
+              <a16:creationId xmlns:a16="http://schemas.microsoft.com/office/drawing/2014/main" id="{D19CF361-A86D-5F4E-1AF7-41F0798C9BCB}"/>
+            </a:ext>
+          </a:extLst>
+        </p:cNvPr>
+        <p:cNvGrpSpPr/>
+        <p:nvPr/>
+      </p:nvGrpSpPr>
+      <p:grpSpPr>
+        <a:xfrm>
+          <a:off x="0" y="0"/>
+          <a:ext cx="0" cy="0"/>
+          <a:chOff x="0" y="0"/>
+          <a:chExt cx="0" cy="0"/>
+        </a:xfrm>
+      </p:grpSpPr>
+      <p:sp>
+        <p:nvSpPr>
+          <p:cNvPr id="2" name="Segnaposto immagine diapositiva 1">
+            <a:extLst>
+              <a:ext uri="{FF2B5EF4-FFF2-40B4-BE49-F238E27FC236}">
+                <a16:creationId xmlns:a16="http://schemas.microsoft.com/office/drawing/2014/main" id="{8B70AC84-7205-CFD0-B28E-2E28574A978A}"/>
+              </a:ext>
+            </a:extLst>
+          </p:cNvPr>
+          <p:cNvSpPr>
+            <a:spLocks noGrp="1" noRot="1" noChangeAspect="1"/>
+          </p:cNvSpPr>
+          <p:nvPr>
+            <p:ph type="sldImg"/>
+          </p:nvPr>
+        </p:nvSpPr>
+        <p:spPr/>
+      </p:sp>
+      <p:sp>
+        <p:nvSpPr>
+          <p:cNvPr id="3" name="Segnaposto note 2">
+            <a:extLst>
+              <a:ext uri="{FF2B5EF4-FFF2-40B4-BE49-F238E27FC236}">
+                <a16:creationId xmlns:a16="http://schemas.microsoft.com/office/drawing/2014/main" id="{503E5E33-0843-7301-B9BD-CD11E4295B16}"/>
+              </a:ext>
+            </a:extLst>
+          </p:cNvPr>
+          <p:cNvSpPr>
+            <a:spLocks noGrp="1"/>
+          </p:cNvSpPr>
+          <p:nvPr>
+            <p:ph type="body" idx="1"/>
+          </p:nvPr>
+        </p:nvSpPr>
+        <p:spPr/>
+        <p:txBody>
+          <a:bodyPr/>
+          <a:lstStyle/>
+          <a:p>
+            <a:pPr marL="0" marR="0" lvl="0" indent="0" algn="l" defTabSz="914400" rtl="0" eaLnBrk="1" fontAlgn="auto" latinLnBrk="0" hangingPunct="1">
+              <a:lnSpc>
+                <a:spcPct val="100000"/>
+              </a:lnSpc>
+              <a:spcBef>
+                <a:spcPts val="0"/>
+              </a:spcBef>
+              <a:spcAft>
+                <a:spcPts val="0"/>
+              </a:spcAft>
+              <a:buClrTx/>
+              <a:buSzTx/>
+              <a:buFontTx/>
+              <a:buNone/>
+              <a:tabLst/>
+              <a:defRPr/>
+            </a:pPr>
+            <a:r>
+              <a:rPr lang="it-IT" dirty="0"/>
+              <a:t>Mini-batch SGD: accumulare più gradienti prima dell’aggiornamento riduce il numero di scritture atomiche e migliora la coalescenza degli accessi [6]. Generalmente, l’uso di batch più grandi migliora il data </a:t>
+            </a:r>
+            <a:r>
+              <a:rPr lang="it-IT" dirty="0" err="1"/>
+              <a:t>reuse</a:t>
+            </a:r>
+            <a:r>
+              <a:rPr lang="it-IT" dirty="0"/>
+              <a:t> e riduce il traffico verso la global </a:t>
+            </a:r>
+            <a:r>
+              <a:rPr lang="it-IT" dirty="0" err="1"/>
+              <a:t>memory</a:t>
+            </a:r>
+            <a:r>
+              <a:rPr lang="it-IT" dirty="0"/>
+              <a:t>.</a:t>
+            </a:r>
+          </a:p>
+        </p:txBody>
+      </p:sp>
+      <p:sp>
+        <p:nvSpPr>
+          <p:cNvPr id="4" name="Segnaposto numero diapositiva 3">
+            <a:extLst>
+              <a:ext uri="{FF2B5EF4-FFF2-40B4-BE49-F238E27FC236}">
+                <a16:creationId xmlns:a16="http://schemas.microsoft.com/office/drawing/2014/main" id="{EB837DA8-1D2E-B4D7-97D8-B453E3223657}"/>
+              </a:ext>
+            </a:extLst>
+          </p:cNvPr>
+          <p:cNvSpPr>
+            <a:spLocks noGrp="1"/>
+          </p:cNvSpPr>
+          <p:nvPr>
+            <p:ph type="sldNum" sz="quarter" idx="5"/>
+          </p:nvPr>
+        </p:nvSpPr>
+        <p:spPr/>
+        <p:txBody>
+          <a:bodyPr/>
+          <a:lstStyle/>
+          <a:p>
+            <a:fld id="{5DC66C08-5A08-4C69-AAAE-C19DB0A9B5E5}" type="slidenum">
+              <a:rPr lang="it-IT" smtClean="0"/>
+              <a:t>15</a:t>
+            </a:fld>
+            <a:endParaRPr lang="it-IT"/>
+          </a:p>
+        </p:txBody>
+      </p:sp>
+    </p:spTree>
+    <p:extLst>
+      <p:ext uri="{BB962C8B-B14F-4D97-AF65-F5344CB8AC3E}">
+        <p14:creationId xmlns:p14="http://schemas.microsoft.com/office/powerpoint/2010/main" val="1543712076"/>
+      </p:ext>
+    </p:extLst>
+  </p:cSld>
+  <p:clrMapOvr>
+    <a:masterClrMapping/>
+  </p:clrMapOvr>
+</p:notes>
+</file>
+
+<file path=ppt/notesSlides/notesSlide16.xml><?xml version="1.0" encoding="utf-8"?>
+<p:notes xmlns:a="http://schemas.openxmlformats.org/drawingml/2006/main" xmlns:r="http://schemas.openxmlformats.org/officeDocument/2006/relationships" xmlns:p="http://schemas.openxmlformats.org/presentationml/2006/main">
+  <p:cSld>
+    <p:spTree>
+      <p:nvGrpSpPr>
+        <p:cNvPr id="1" name="">
+          <a:extLst>
+            <a:ext uri="{FF2B5EF4-FFF2-40B4-BE49-F238E27FC236}">
+              <a16:creationId xmlns:a16="http://schemas.microsoft.com/office/drawing/2014/main" id="{563FE0AA-1AE4-B18D-2344-6406795668B9}"/>
+            </a:ext>
+          </a:extLst>
+        </p:cNvPr>
+        <p:cNvGrpSpPr/>
+        <p:nvPr/>
+      </p:nvGrpSpPr>
+      <p:grpSpPr>
+        <a:xfrm>
+          <a:off x="0" y="0"/>
+          <a:ext cx="0" cy="0"/>
+          <a:chOff x="0" y="0"/>
+          <a:chExt cx="0" cy="0"/>
+        </a:xfrm>
+      </p:grpSpPr>
+      <p:sp>
+        <p:nvSpPr>
+          <p:cNvPr id="2" name="Segnaposto immagine diapositiva 1">
+            <a:extLst>
+              <a:ext uri="{FF2B5EF4-FFF2-40B4-BE49-F238E27FC236}">
+                <a16:creationId xmlns:a16="http://schemas.microsoft.com/office/drawing/2014/main" id="{9C431B16-55F6-7FCE-CA2E-F6AF7E3E7B39}"/>
+              </a:ext>
+            </a:extLst>
+          </p:cNvPr>
+          <p:cNvSpPr>
+            <a:spLocks noGrp="1" noRot="1" noChangeAspect="1"/>
+          </p:cNvSpPr>
+          <p:nvPr>
+            <p:ph type="sldImg"/>
+          </p:nvPr>
+        </p:nvSpPr>
+        <p:spPr/>
+      </p:sp>
+      <p:sp>
+        <p:nvSpPr>
+          <p:cNvPr id="3" name="Segnaposto note 2">
+            <a:extLst>
+              <a:ext uri="{FF2B5EF4-FFF2-40B4-BE49-F238E27FC236}">
+                <a16:creationId xmlns:a16="http://schemas.microsoft.com/office/drawing/2014/main" id="{20D9C9DD-21EC-CB00-CCDA-7685D71EB701}"/>
+              </a:ext>
+            </a:extLst>
+          </p:cNvPr>
+          <p:cNvSpPr>
+            <a:spLocks noGrp="1"/>
+          </p:cNvSpPr>
+          <p:nvPr>
+            <p:ph type="body" idx="1"/>
+          </p:nvPr>
+        </p:nvSpPr>
+        <p:spPr/>
+        <p:txBody>
+          <a:bodyPr/>
+          <a:lstStyle/>
+          <a:p>
+            <a:pPr marL="0" marR="0" lvl="0" indent="0" algn="l" defTabSz="914400" rtl="0" eaLnBrk="1" fontAlgn="auto" latinLnBrk="0" hangingPunct="1">
+              <a:lnSpc>
+                <a:spcPct val="100000"/>
+              </a:lnSpc>
+              <a:spcBef>
+                <a:spcPts val="0"/>
+              </a:spcBef>
+              <a:spcAft>
+                <a:spcPts val="0"/>
+              </a:spcAft>
+              <a:buClrTx/>
+              <a:buSzTx/>
+              <a:buFontTx/>
+              <a:buNone/>
+              <a:tabLst/>
+              <a:defRPr/>
+            </a:pPr>
+            <a:r>
+              <a:rPr lang="it-IT" dirty="0" err="1"/>
+              <a:t>Partitioning</a:t>
+            </a:r>
+            <a:r>
+              <a:rPr lang="it-IT" dirty="0"/>
+              <a:t> per utenti o item: dividere la matrice R in blocchi disgiunti, assegnando ciascun blocco a </a:t>
+            </a:r>
+            <a:r>
+              <a:rPr lang="it-IT" dirty="0" err="1"/>
+              <a:t>thread</a:t>
+            </a:r>
+            <a:r>
+              <a:rPr lang="it-IT" dirty="0"/>
+              <a:t> </a:t>
+            </a:r>
+            <a:r>
+              <a:rPr lang="it-IT" dirty="0" err="1"/>
+              <a:t>block</a:t>
+            </a:r>
+            <a:r>
+              <a:rPr lang="it-IT" dirty="0"/>
+              <a:t> o SM differenti, elimina i conflitti all’interno dello stesso blocco e riduce drasticamente l’uso di </a:t>
+            </a:r>
+            <a:r>
+              <a:rPr lang="it-IT" dirty="0" err="1"/>
+              <a:t>atomic</a:t>
+            </a:r>
+            <a:r>
+              <a:rPr lang="it-IT" dirty="0"/>
+              <a:t> </a:t>
+            </a:r>
+            <a:r>
+              <a:rPr lang="it-IT" dirty="0" err="1"/>
+              <a:t>operation</a:t>
+            </a:r>
+            <a:r>
+              <a:rPr lang="it-IT" dirty="0"/>
+              <a:t>. </a:t>
+            </a:r>
+          </a:p>
+        </p:txBody>
+      </p:sp>
+      <p:sp>
+        <p:nvSpPr>
+          <p:cNvPr id="4" name="Segnaposto numero diapositiva 3">
+            <a:extLst>
+              <a:ext uri="{FF2B5EF4-FFF2-40B4-BE49-F238E27FC236}">
+                <a16:creationId xmlns:a16="http://schemas.microsoft.com/office/drawing/2014/main" id="{E3E67AC2-EAB4-D507-7196-DE66A7731718}"/>
+              </a:ext>
+            </a:extLst>
+          </p:cNvPr>
+          <p:cNvSpPr>
+            <a:spLocks noGrp="1"/>
+          </p:cNvSpPr>
+          <p:nvPr>
+            <p:ph type="sldNum" sz="quarter" idx="5"/>
+          </p:nvPr>
+        </p:nvSpPr>
+        <p:spPr/>
+        <p:txBody>
+          <a:bodyPr/>
+          <a:lstStyle/>
+          <a:p>
+            <a:fld id="{5DC66C08-5A08-4C69-AAAE-C19DB0A9B5E5}" type="slidenum">
+              <a:rPr lang="it-IT" smtClean="0"/>
+              <a:t>16</a:t>
+            </a:fld>
+            <a:endParaRPr lang="it-IT"/>
+          </a:p>
+        </p:txBody>
+      </p:sp>
+    </p:spTree>
+    <p:extLst>
+      <p:ext uri="{BB962C8B-B14F-4D97-AF65-F5344CB8AC3E}">
+        <p14:creationId xmlns:p14="http://schemas.microsoft.com/office/powerpoint/2010/main" val="883216828"/>
+      </p:ext>
+    </p:extLst>
+  </p:cSld>
+  <p:clrMapOvr>
+    <a:masterClrMapping/>
+  </p:clrMapOvr>
+</p:notes>
+</file>
+
+<file path=ppt/notesSlides/notesSlide17.xml><?xml version="1.0" encoding="utf-8"?>
+<p:notes xmlns:a="http://schemas.openxmlformats.org/drawingml/2006/main" xmlns:r="http://schemas.openxmlformats.org/officeDocument/2006/relationships" xmlns:p="http://schemas.openxmlformats.org/presentationml/2006/main">
+  <p:cSld>
+    <p:spTree>
+      <p:nvGrpSpPr>
+        <p:cNvPr id="1" name="">
+          <a:extLst>
+            <a:ext uri="{FF2B5EF4-FFF2-40B4-BE49-F238E27FC236}">
+              <a16:creationId xmlns:a16="http://schemas.microsoft.com/office/drawing/2014/main" id="{AC32E618-CDF4-2ABE-16D8-83E64219F8F3}"/>
+            </a:ext>
+          </a:extLst>
+        </p:cNvPr>
+        <p:cNvGrpSpPr/>
+        <p:nvPr/>
+      </p:nvGrpSpPr>
+      <p:grpSpPr>
+        <a:xfrm>
+          <a:off x="0" y="0"/>
+          <a:ext cx="0" cy="0"/>
+          <a:chOff x="0" y="0"/>
+          <a:chExt cx="0" cy="0"/>
+        </a:xfrm>
+      </p:grpSpPr>
+      <p:sp>
+        <p:nvSpPr>
+          <p:cNvPr id="2" name="Segnaposto immagine diapositiva 1">
+            <a:extLst>
+              <a:ext uri="{FF2B5EF4-FFF2-40B4-BE49-F238E27FC236}">
+                <a16:creationId xmlns:a16="http://schemas.microsoft.com/office/drawing/2014/main" id="{60E1E960-948D-E6C8-CE0F-6D410121A8C4}"/>
+              </a:ext>
+            </a:extLst>
+          </p:cNvPr>
+          <p:cNvSpPr>
+            <a:spLocks noGrp="1" noRot="1" noChangeAspect="1"/>
+          </p:cNvSpPr>
+          <p:nvPr>
+            <p:ph type="sldImg"/>
+          </p:nvPr>
+        </p:nvSpPr>
+        <p:spPr/>
+      </p:sp>
+      <p:sp>
+        <p:nvSpPr>
+          <p:cNvPr id="3" name="Segnaposto note 2">
+            <a:extLst>
+              <a:ext uri="{FF2B5EF4-FFF2-40B4-BE49-F238E27FC236}">
+                <a16:creationId xmlns:a16="http://schemas.microsoft.com/office/drawing/2014/main" id="{6BA7E6F1-892B-3E48-64BB-DB9D27540DDA}"/>
+              </a:ext>
+            </a:extLst>
+          </p:cNvPr>
+          <p:cNvSpPr>
+            <a:spLocks noGrp="1"/>
+          </p:cNvSpPr>
+          <p:nvPr>
+            <p:ph type="body" idx="1"/>
+          </p:nvPr>
+        </p:nvSpPr>
+        <p:spPr/>
+        <p:txBody>
+          <a:bodyPr/>
+          <a:lstStyle/>
+          <a:p>
+            <a:pPr marL="0" marR="0" lvl="0" indent="0" algn="l" defTabSz="914400" rtl="0" eaLnBrk="1" fontAlgn="auto" latinLnBrk="0" hangingPunct="1">
+              <a:lnSpc>
+                <a:spcPct val="100000"/>
+              </a:lnSpc>
+              <a:spcBef>
+                <a:spcPts val="0"/>
+              </a:spcBef>
+              <a:spcAft>
+                <a:spcPts val="0"/>
+              </a:spcAft>
+              <a:buClrTx/>
+              <a:buSzTx/>
+              <a:buFontTx/>
+              <a:buNone/>
+              <a:tabLst/>
+              <a:defRPr/>
+            </a:pPr>
+            <a:r>
+              <a:rPr lang="it-IT" dirty="0"/>
+              <a:t>Caching in </a:t>
+            </a:r>
+            <a:r>
+              <a:rPr lang="it-IT" dirty="0" err="1"/>
+              <a:t>shared</a:t>
+            </a:r>
+            <a:r>
+              <a:rPr lang="it-IT" dirty="0"/>
+              <a:t> </a:t>
+            </a:r>
+            <a:r>
+              <a:rPr lang="it-IT" dirty="0" err="1"/>
+              <a:t>memory</a:t>
+            </a:r>
+            <a:r>
+              <a:rPr lang="it-IT" dirty="0"/>
+              <a:t>: spostare nella </a:t>
+            </a:r>
+            <a:r>
+              <a:rPr lang="it-IT" dirty="0" err="1"/>
+              <a:t>shared</a:t>
+            </a:r>
+            <a:r>
+              <a:rPr lang="it-IT" dirty="0"/>
+              <a:t> </a:t>
+            </a:r>
+            <a:r>
+              <a:rPr lang="it-IT" dirty="0" err="1"/>
+              <a:t>memory</a:t>
+            </a:r>
+            <a:r>
+              <a:rPr lang="it-IT" dirty="0"/>
+              <a:t> gli item o gli utenti più popolari consente di ridurre l’accesso alla memoria globale, migliorando la località e la coalescenza [6]. Una gestione gerarchica della memoria (</a:t>
+            </a:r>
+            <a:r>
+              <a:rPr lang="it-IT" dirty="0" err="1"/>
+              <a:t>shared</a:t>
+            </a:r>
+            <a:r>
+              <a:rPr lang="it-IT" dirty="0"/>
+              <a:t>, </a:t>
+            </a:r>
+            <a:r>
+              <a:rPr lang="it-IT" dirty="0" err="1"/>
+              <a:t>registers</a:t>
+            </a:r>
+            <a:r>
+              <a:rPr lang="it-IT" dirty="0"/>
+              <a:t>, global) rappresenta uno dei fattori chiave per l’efficienza di MF su GPU.</a:t>
+            </a:r>
+          </a:p>
+          <a:p>
+            <a:pPr marL="0" marR="0" lvl="0" indent="0" algn="l" defTabSz="914400" rtl="0" eaLnBrk="1" fontAlgn="auto" latinLnBrk="0" hangingPunct="1">
+              <a:lnSpc>
+                <a:spcPct val="100000"/>
+              </a:lnSpc>
+              <a:spcBef>
+                <a:spcPts val="0"/>
+              </a:spcBef>
+              <a:spcAft>
+                <a:spcPts val="0"/>
+              </a:spcAft>
+              <a:buClrTx/>
+              <a:buSzTx/>
+              <a:buFontTx/>
+              <a:buNone/>
+              <a:tabLst/>
+              <a:defRPr/>
+            </a:pPr>
+            <a:r>
+              <a:rPr lang="it-IT" b="1" dirty="0"/>
+              <a:t>Nessun singolo articolo garantisce che tutte e quattro le strategie siano la "ricetta magica"</a:t>
+            </a:r>
+            <a:r>
+              <a:rPr lang="it-IT" dirty="0"/>
+              <a:t>: i lavori di successo tipicamente ne combinano alcune, scegliendo in base al dataset, alla memoria GPU, alla </a:t>
+            </a:r>
+            <a:r>
+              <a:rPr lang="it-IT" dirty="0" err="1"/>
+              <a:t>sparsità</a:t>
+            </a:r>
+            <a:r>
+              <a:rPr lang="it-IT" dirty="0"/>
+              <a:t>, etc.</a:t>
+            </a:r>
+          </a:p>
+        </p:txBody>
+      </p:sp>
+      <p:sp>
+        <p:nvSpPr>
+          <p:cNvPr id="4" name="Segnaposto numero diapositiva 3">
+            <a:extLst>
+              <a:ext uri="{FF2B5EF4-FFF2-40B4-BE49-F238E27FC236}">
+                <a16:creationId xmlns:a16="http://schemas.microsoft.com/office/drawing/2014/main" id="{E5C74AF6-F849-FA73-0D73-035955D09017}"/>
+              </a:ext>
+            </a:extLst>
+          </p:cNvPr>
+          <p:cNvSpPr>
+            <a:spLocks noGrp="1"/>
+          </p:cNvSpPr>
+          <p:nvPr>
+            <p:ph type="sldNum" sz="quarter" idx="5"/>
+          </p:nvPr>
+        </p:nvSpPr>
+        <p:spPr/>
+        <p:txBody>
+          <a:bodyPr/>
+          <a:lstStyle/>
+          <a:p>
+            <a:fld id="{5DC66C08-5A08-4C69-AAAE-C19DB0A9B5E5}" type="slidenum">
+              <a:rPr lang="it-IT" smtClean="0"/>
+              <a:t>17</a:t>
+            </a:fld>
+            <a:endParaRPr lang="it-IT"/>
+          </a:p>
+        </p:txBody>
+      </p:sp>
+    </p:spTree>
+    <p:extLst>
+      <p:ext uri="{BB962C8B-B14F-4D97-AF65-F5344CB8AC3E}">
+        <p14:creationId xmlns:p14="http://schemas.microsoft.com/office/powerpoint/2010/main" val="4281617357"/>
+      </p:ext>
+    </p:extLst>
+  </p:cSld>
+  <p:clrMapOvr>
+    <a:masterClrMapping/>
+  </p:clrMapOvr>
+</p:notes>
+</file>
+
+<file path=ppt/notesSlides/notesSlide18.xml><?xml version="1.0" encoding="utf-8"?>
+<p:notes xmlns:a="http://schemas.openxmlformats.org/drawingml/2006/main" xmlns:r="http://schemas.openxmlformats.org/officeDocument/2006/relationships" xmlns:p="http://schemas.openxmlformats.org/presentationml/2006/main">
+  <p:cSld>
+    <p:spTree>
+      <p:nvGrpSpPr>
+        <p:cNvPr id="1" name="">
+          <a:extLst>
+            <a:ext uri="{FF2B5EF4-FFF2-40B4-BE49-F238E27FC236}">
+              <a16:creationId xmlns:a16="http://schemas.microsoft.com/office/drawing/2014/main" id="{EA2F0A57-5806-B7F9-B976-D6E0260BE214}"/>
+            </a:ext>
+          </a:extLst>
+        </p:cNvPr>
+        <p:cNvGrpSpPr/>
+        <p:nvPr/>
+      </p:nvGrpSpPr>
+      <p:grpSpPr>
+        <a:xfrm>
+          <a:off x="0" y="0"/>
+          <a:ext cx="0" cy="0"/>
+          <a:chOff x="0" y="0"/>
+          <a:chExt cx="0" cy="0"/>
+        </a:xfrm>
+      </p:grpSpPr>
+      <p:sp>
+        <p:nvSpPr>
+          <p:cNvPr id="2" name="Segnaposto immagine diapositiva 1">
+            <a:extLst>
+              <a:ext uri="{FF2B5EF4-FFF2-40B4-BE49-F238E27FC236}">
+                <a16:creationId xmlns:a16="http://schemas.microsoft.com/office/drawing/2014/main" id="{080F48A9-8FD7-4BEE-8E77-9EA9EB811FCE}"/>
+              </a:ext>
+            </a:extLst>
+          </p:cNvPr>
+          <p:cNvSpPr>
+            <a:spLocks noGrp="1" noRot="1" noChangeAspect="1"/>
+          </p:cNvSpPr>
+          <p:nvPr>
+            <p:ph type="sldImg"/>
+          </p:nvPr>
+        </p:nvSpPr>
+        <p:spPr/>
+      </p:sp>
+      <p:sp>
+        <p:nvSpPr>
+          <p:cNvPr id="3" name="Segnaposto note 2">
+            <a:extLst>
+              <a:ext uri="{FF2B5EF4-FFF2-40B4-BE49-F238E27FC236}">
+                <a16:creationId xmlns:a16="http://schemas.microsoft.com/office/drawing/2014/main" id="{45773B4E-7CD1-7739-BEA3-C47765F80839}"/>
+              </a:ext>
+            </a:extLst>
+          </p:cNvPr>
+          <p:cNvSpPr>
+            <a:spLocks noGrp="1"/>
+          </p:cNvSpPr>
+          <p:nvPr>
+            <p:ph type="body" idx="1"/>
+          </p:nvPr>
+        </p:nvSpPr>
+        <p:spPr/>
+        <p:txBody>
+          <a:bodyPr/>
+          <a:lstStyle/>
+          <a:p>
+            <a:pPr marL="0" marR="0" lvl="0" indent="0" algn="l" defTabSz="914400" rtl="0" eaLnBrk="1" fontAlgn="auto" latinLnBrk="0" hangingPunct="1">
+              <a:lnSpc>
+                <a:spcPct val="100000"/>
+              </a:lnSpc>
+              <a:spcBef>
+                <a:spcPts val="0"/>
+              </a:spcBef>
+              <a:spcAft>
+                <a:spcPts val="0"/>
+              </a:spcAft>
+              <a:buClrTx/>
+              <a:buSzTx/>
+              <a:buFontTx/>
+              <a:buNone/>
+              <a:tabLst/>
+              <a:defRPr/>
+            </a:pPr>
+            <a:r>
+              <a:rPr lang="it-IT" dirty="0"/>
+              <a:t>Lo </a:t>
+            </a:r>
+            <a:r>
+              <a:rPr lang="it-IT" dirty="0" err="1"/>
+              <a:t>Stochastic</a:t>
+            </a:r>
+            <a:r>
+              <a:rPr lang="it-IT" dirty="0"/>
+              <a:t> </a:t>
+            </a:r>
+            <a:r>
+              <a:rPr lang="it-IT" dirty="0" err="1"/>
+              <a:t>Gradient</a:t>
+            </a:r>
+            <a:r>
+              <a:rPr lang="it-IT" dirty="0"/>
+              <a:t> </a:t>
+            </a:r>
+            <a:r>
+              <a:rPr lang="it-IT" dirty="0" err="1"/>
+              <a:t>Descent</a:t>
+            </a:r>
+            <a:r>
+              <a:rPr lang="it-IT" dirty="0"/>
+              <a:t> rimane uno degli algoritmi più efficaci per la fattorizzazione delle matrici di rating, grazie alla sua semplicità, scalabilità teorica e capacità di gestire dataset di dimensioni enormi. Tuttavia, la sua parallelizzazione introduce sfide non banali: i conflitti sugli aggiornamenti, gli accessi irregolari alla memoria e i vincoli imposti dall’hardware rendono necessario ripensare profondamente l’implementazione rispetto alla versione sequenziale. Le tecniche parallele su CPU, come Distributed SGD e </a:t>
+            </a:r>
+            <a:r>
+              <a:rPr lang="it-IT" dirty="0" err="1"/>
+              <a:t>Hogwild</a:t>
+            </a:r>
+            <a:r>
+              <a:rPr lang="it-IT" dirty="0"/>
+              <a:t>!, mostrano che è possibile ottenere accelerazioni significative aggirando o ignorando i conflitti, purché siano soddisfatte determinate condizioni di indipendenza dei dati o di sufficiente </a:t>
+            </a:r>
+            <a:r>
+              <a:rPr lang="it-IT" dirty="0" err="1"/>
+              <a:t>sparsità</a:t>
+            </a:r>
+            <a:r>
+              <a:rPr lang="it-IT" dirty="0"/>
+              <a:t>. Nei sistemi distribuiti, l’adozione di modelli asincroni come l’ASGD conferma che la convergenza può essere mantenuta anche in presenza di ritardi e parametri non aggiornati in modo sincrono. Sul fronte GPU, il quadro è più complesso: nonostante il parallelismo massivo offerto dall’hardware, la natura irregolare dell’accesso ai fattori utente e prodotto rende difficile ottenere i guadagni teorici. I metodi più moderni adottano una combinazione di tecniche — partizionamento, caching, batch, ottimizzazioni della memoria — per mitigare i colli di bottiglia legati alla coalescenza degli accessi, ai conflitti e alle </a:t>
+            </a:r>
+            <a:r>
+              <a:rPr lang="it-IT" dirty="0" err="1"/>
+              <a:t>atomic</a:t>
+            </a:r>
+            <a:r>
+              <a:rPr lang="it-IT" dirty="0"/>
+              <a:t> </a:t>
+            </a:r>
+            <a:r>
+              <a:rPr lang="it-IT" dirty="0" err="1"/>
+              <a:t>operation</a:t>
+            </a:r>
+            <a:r>
+              <a:rPr lang="it-IT" dirty="0"/>
+              <a:t>. In conclusione, la parallelizzazione dello SGD nei sistemi di raccomandazione non è un problema risolto in modo definitivo: ogni piattaforma (CPU multicore, cluster distribuiti, GPU) richiede strategie differenti, e nessuna soluzione risulta universalmente ottimale. </a:t>
+            </a:r>
+          </a:p>
+        </p:txBody>
+      </p:sp>
+      <p:sp>
+        <p:nvSpPr>
+          <p:cNvPr id="4" name="Segnaposto numero diapositiva 3">
+            <a:extLst>
+              <a:ext uri="{FF2B5EF4-FFF2-40B4-BE49-F238E27FC236}">
+                <a16:creationId xmlns:a16="http://schemas.microsoft.com/office/drawing/2014/main" id="{54DC752B-8B1D-727D-F187-E540CF86A0D6}"/>
+              </a:ext>
+            </a:extLst>
+          </p:cNvPr>
+          <p:cNvSpPr>
+            <a:spLocks noGrp="1"/>
+          </p:cNvSpPr>
+          <p:nvPr>
+            <p:ph type="sldNum" sz="quarter" idx="5"/>
+          </p:nvPr>
+        </p:nvSpPr>
+        <p:spPr/>
+        <p:txBody>
+          <a:bodyPr/>
+          <a:lstStyle/>
+          <a:p>
+            <a:fld id="{5DC66C08-5A08-4C69-AAAE-C19DB0A9B5E5}" type="slidenum">
+              <a:rPr lang="it-IT" smtClean="0"/>
+              <a:t>18</a:t>
+            </a:fld>
+            <a:endParaRPr lang="it-IT"/>
+          </a:p>
+        </p:txBody>
+      </p:sp>
+    </p:spTree>
+    <p:extLst>
+      <p:ext uri="{BB962C8B-B14F-4D97-AF65-F5344CB8AC3E}">
+        <p14:creationId xmlns:p14="http://schemas.microsoft.com/office/powerpoint/2010/main" val="104536870"/>
+      </p:ext>
+    </p:extLst>
+  </p:cSld>
+  <p:clrMapOvr>
+    <a:masterClrMapping/>
+  </p:clrMapOvr>
+</p:notes>
+</file>
+
+<file path=ppt/notesSlides/notesSlide19.xml><?xml version="1.0" encoding="utf-8"?>
+<p:notes xmlns:a="http://schemas.openxmlformats.org/drawingml/2006/main" xmlns:r="http://schemas.openxmlformats.org/officeDocument/2006/relationships" xmlns:p="http://schemas.openxmlformats.org/presentationml/2006/main">
+  <p:cSld>
+    <p:spTree>
+      <p:nvGrpSpPr>
+        <p:cNvPr id="1" name="">
+          <a:extLst>
+            <a:ext uri="{FF2B5EF4-FFF2-40B4-BE49-F238E27FC236}">
+              <a16:creationId xmlns:a16="http://schemas.microsoft.com/office/drawing/2014/main" id="{B01E3957-9F35-C7FD-FDB8-BAAC8EB11063}"/>
+            </a:ext>
+          </a:extLst>
+        </p:cNvPr>
+        <p:cNvGrpSpPr/>
+        <p:nvPr/>
+      </p:nvGrpSpPr>
+      <p:grpSpPr>
+        <a:xfrm>
+          <a:off x="0" y="0"/>
+          <a:ext cx="0" cy="0"/>
+          <a:chOff x="0" y="0"/>
+          <a:chExt cx="0" cy="0"/>
+        </a:xfrm>
+      </p:grpSpPr>
+      <p:sp>
+        <p:nvSpPr>
+          <p:cNvPr id="2" name="Segnaposto immagine diapositiva 1">
+            <a:extLst>
+              <a:ext uri="{FF2B5EF4-FFF2-40B4-BE49-F238E27FC236}">
+                <a16:creationId xmlns:a16="http://schemas.microsoft.com/office/drawing/2014/main" id="{6C998C9E-541B-3440-5FB5-6BF43F89C670}"/>
+              </a:ext>
+            </a:extLst>
+          </p:cNvPr>
+          <p:cNvSpPr>
+            <a:spLocks noGrp="1" noRot="1" noChangeAspect="1"/>
+          </p:cNvSpPr>
+          <p:nvPr>
+            <p:ph type="sldImg"/>
+          </p:nvPr>
+        </p:nvSpPr>
+        <p:spPr/>
+      </p:sp>
+      <p:sp>
+        <p:nvSpPr>
+          <p:cNvPr id="3" name="Segnaposto note 2">
+            <a:extLst>
+              <a:ext uri="{FF2B5EF4-FFF2-40B4-BE49-F238E27FC236}">
+                <a16:creationId xmlns:a16="http://schemas.microsoft.com/office/drawing/2014/main" id="{A6A1F088-3AF1-EC6F-BB89-F2265AC844C6}"/>
+              </a:ext>
+            </a:extLst>
+          </p:cNvPr>
+          <p:cNvSpPr>
+            <a:spLocks noGrp="1"/>
+          </p:cNvSpPr>
+          <p:nvPr>
+            <p:ph type="body" idx="1"/>
+          </p:nvPr>
+        </p:nvSpPr>
+        <p:spPr/>
+        <p:txBody>
+          <a:bodyPr/>
+          <a:lstStyle/>
+          <a:p>
+            <a:endParaRPr lang="it-IT" dirty="0"/>
+          </a:p>
+        </p:txBody>
+      </p:sp>
+      <p:sp>
+        <p:nvSpPr>
+          <p:cNvPr id="4" name="Segnaposto numero diapositiva 3">
+            <a:extLst>
+              <a:ext uri="{FF2B5EF4-FFF2-40B4-BE49-F238E27FC236}">
+                <a16:creationId xmlns:a16="http://schemas.microsoft.com/office/drawing/2014/main" id="{F824EEE9-2BDA-BF4E-443B-275FAA12C4FA}"/>
+              </a:ext>
+            </a:extLst>
+          </p:cNvPr>
+          <p:cNvSpPr>
+            <a:spLocks noGrp="1"/>
+          </p:cNvSpPr>
+          <p:nvPr>
+            <p:ph type="sldNum" sz="quarter" idx="5"/>
+          </p:nvPr>
+        </p:nvSpPr>
+        <p:spPr/>
+        <p:txBody>
+          <a:bodyPr/>
+          <a:lstStyle/>
+          <a:p>
+            <a:fld id="{5DC66C08-5A08-4C69-AAAE-C19DB0A9B5E5}" type="slidenum">
+              <a:rPr lang="it-IT" smtClean="0"/>
+              <a:t>19</a:t>
+            </a:fld>
+            <a:endParaRPr lang="it-IT"/>
+          </a:p>
+        </p:txBody>
+      </p:sp>
+    </p:spTree>
+    <p:extLst>
+      <p:ext uri="{BB962C8B-B14F-4D97-AF65-F5344CB8AC3E}">
+        <p14:creationId xmlns:p14="http://schemas.microsoft.com/office/powerpoint/2010/main" val="432665375"/>
       </p:ext>
     </p:extLst>
   </p:cSld>
@@ -1344,6 +2453,128 @@
     <p:extLst>
       <p:ext uri="{BB962C8B-B14F-4D97-AF65-F5344CB8AC3E}">
         <p14:creationId xmlns:p14="http://schemas.microsoft.com/office/powerpoint/2010/main" val="1231358698"/>
+      </p:ext>
+    </p:extLst>
+  </p:cSld>
+  <p:clrMapOvr>
+    <a:masterClrMapping/>
+  </p:clrMapOvr>
+</p:notes>
+</file>
+
+<file path=ppt/notesSlides/notesSlide20.xml><?xml version="1.0" encoding="utf-8"?>
+<p:notes xmlns:a="http://schemas.openxmlformats.org/drawingml/2006/main" xmlns:r="http://schemas.openxmlformats.org/officeDocument/2006/relationships" xmlns:p="http://schemas.openxmlformats.org/presentationml/2006/main">
+  <p:cSld>
+    <p:spTree>
+      <p:nvGrpSpPr>
+        <p:cNvPr id="1" name="">
+          <a:extLst>
+            <a:ext uri="{FF2B5EF4-FFF2-40B4-BE49-F238E27FC236}">
+              <a16:creationId xmlns:a16="http://schemas.microsoft.com/office/drawing/2014/main" id="{AC70577C-F6EB-0ED7-69C5-17CF93F8A144}"/>
+            </a:ext>
+          </a:extLst>
+        </p:cNvPr>
+        <p:cNvGrpSpPr/>
+        <p:nvPr/>
+      </p:nvGrpSpPr>
+      <p:grpSpPr>
+        <a:xfrm>
+          <a:off x="0" y="0"/>
+          <a:ext cx="0" cy="0"/>
+          <a:chOff x="0" y="0"/>
+          <a:chExt cx="0" cy="0"/>
+        </a:xfrm>
+      </p:grpSpPr>
+      <p:sp>
+        <p:nvSpPr>
+          <p:cNvPr id="2" name="Segnaposto immagine diapositiva 1">
+            <a:extLst>
+              <a:ext uri="{FF2B5EF4-FFF2-40B4-BE49-F238E27FC236}">
+                <a16:creationId xmlns:a16="http://schemas.microsoft.com/office/drawing/2014/main" id="{AFE13A92-3B48-68B6-3473-82857EBA9639}"/>
+              </a:ext>
+            </a:extLst>
+          </p:cNvPr>
+          <p:cNvSpPr>
+            <a:spLocks noGrp="1" noRot="1" noChangeAspect="1"/>
+          </p:cNvSpPr>
+          <p:nvPr>
+            <p:ph type="sldImg"/>
+          </p:nvPr>
+        </p:nvSpPr>
+        <p:spPr/>
+      </p:sp>
+      <p:sp>
+        <p:nvSpPr>
+          <p:cNvPr id="3" name="Segnaposto note 2">
+            <a:extLst>
+              <a:ext uri="{FF2B5EF4-FFF2-40B4-BE49-F238E27FC236}">
+                <a16:creationId xmlns:a16="http://schemas.microsoft.com/office/drawing/2014/main" id="{E74BE294-B9B8-5D16-6A03-8BD6402E7238}"/>
+              </a:ext>
+            </a:extLst>
+          </p:cNvPr>
+          <p:cNvSpPr>
+            <a:spLocks noGrp="1"/>
+          </p:cNvSpPr>
+          <p:nvPr>
+            <p:ph type="body" idx="1"/>
+          </p:nvPr>
+        </p:nvSpPr>
+        <p:spPr/>
+        <p:txBody>
+          <a:bodyPr/>
+          <a:lstStyle/>
+          <a:p>
+            <a:r>
+              <a:rPr lang="it-IT" dirty="0"/>
+              <a:t>Buongiorno a tutti. In questo seminario presenterò una panoramica dei principali metodi </a:t>
+            </a:r>
+            <a:r>
+              <a:rPr lang="it-IT" dirty="0" err="1"/>
+              <a:t>gradient-based</a:t>
+            </a:r>
+            <a:r>
+              <a:rPr lang="it-IT" dirty="0"/>
+              <a:t> per la fattorizzazione delle matrici di rating nei sistemi di raccomandazione, concentrandomi però non tanto sugli aspetti modellistici, quanto sui problemi e sulle soluzioni legati alla loro parallelizzazione su CPU e GPU.</a:t>
+            </a:r>
+          </a:p>
+          <a:p>
+            <a:endParaRPr lang="it-IT" dirty="0"/>
+          </a:p>
+        </p:txBody>
+      </p:sp>
+      <p:sp>
+        <p:nvSpPr>
+          <p:cNvPr id="4" name="Segnaposto numero diapositiva 3">
+            <a:extLst>
+              <a:ext uri="{FF2B5EF4-FFF2-40B4-BE49-F238E27FC236}">
+                <a16:creationId xmlns:a16="http://schemas.microsoft.com/office/drawing/2014/main" id="{1A9B1040-3CA1-1512-C6B6-1B83DCB5ED6F}"/>
+              </a:ext>
+            </a:extLst>
+          </p:cNvPr>
+          <p:cNvSpPr>
+            <a:spLocks noGrp="1"/>
+          </p:cNvSpPr>
+          <p:nvPr>
+            <p:ph type="sldNum" sz="quarter" idx="5"/>
+          </p:nvPr>
+        </p:nvSpPr>
+        <p:spPr/>
+        <p:txBody>
+          <a:bodyPr/>
+          <a:lstStyle/>
+          <a:p>
+            <a:fld id="{5DC66C08-5A08-4C69-AAAE-C19DB0A9B5E5}" type="slidenum">
+              <a:rPr lang="it-IT" smtClean="0"/>
+              <a:t>20</a:t>
+            </a:fld>
+            <a:endParaRPr lang="it-IT"/>
+          </a:p>
+        </p:txBody>
+      </p:sp>
+    </p:spTree>
+    <p:extLst>
+      <p:ext uri="{BB962C8B-B14F-4D97-AF65-F5344CB8AC3E}">
+        <p14:creationId xmlns:p14="http://schemas.microsoft.com/office/powerpoint/2010/main" val="1788267180"/>
       </p:ext>
     </p:extLst>
   </p:cSld>
@@ -2420,7 +3651,7 @@
           <a:p>
             <a:fld id="{6E4C13E4-AE53-4D7F-831B-9D7C1470C077}" type="datetimeFigureOut">
               <a:rPr lang="it-IT" smtClean="0"/>
-              <a:t>08/12/2025</a:t>
+              <a:t>09/12/2025</a:t>
             </a:fld>
             <a:endParaRPr lang="it-IT"/>
           </a:p>
@@ -2618,7 +3849,7 @@
           <a:p>
             <a:fld id="{6E4C13E4-AE53-4D7F-831B-9D7C1470C077}" type="datetimeFigureOut">
               <a:rPr lang="it-IT" smtClean="0"/>
-              <a:t>08/12/2025</a:t>
+              <a:t>09/12/2025</a:t>
             </a:fld>
             <a:endParaRPr lang="it-IT"/>
           </a:p>
@@ -2826,7 +4057,7 @@
           <a:p>
             <a:fld id="{6E4C13E4-AE53-4D7F-831B-9D7C1470C077}" type="datetimeFigureOut">
               <a:rPr lang="it-IT" smtClean="0"/>
-              <a:t>08/12/2025</a:t>
+              <a:t>09/12/2025</a:t>
             </a:fld>
             <a:endParaRPr lang="it-IT"/>
           </a:p>
@@ -3024,7 +4255,7 @@
           <a:p>
             <a:fld id="{6E4C13E4-AE53-4D7F-831B-9D7C1470C077}" type="datetimeFigureOut">
               <a:rPr lang="it-IT" smtClean="0"/>
-              <a:t>08/12/2025</a:t>
+              <a:t>09/12/2025</a:t>
             </a:fld>
             <a:endParaRPr lang="it-IT"/>
           </a:p>
@@ -3299,7 +4530,7 @@
           <a:p>
             <a:fld id="{6E4C13E4-AE53-4D7F-831B-9D7C1470C077}" type="datetimeFigureOut">
               <a:rPr lang="it-IT" smtClean="0"/>
-              <a:t>08/12/2025</a:t>
+              <a:t>09/12/2025</a:t>
             </a:fld>
             <a:endParaRPr lang="it-IT"/>
           </a:p>
@@ -3564,7 +4795,7 @@
           <a:p>
             <a:fld id="{6E4C13E4-AE53-4D7F-831B-9D7C1470C077}" type="datetimeFigureOut">
               <a:rPr lang="it-IT" smtClean="0"/>
-              <a:t>08/12/2025</a:t>
+              <a:t>09/12/2025</a:t>
             </a:fld>
             <a:endParaRPr lang="it-IT"/>
           </a:p>
@@ -3976,7 +5207,7 @@
           <a:p>
             <a:fld id="{6E4C13E4-AE53-4D7F-831B-9D7C1470C077}" type="datetimeFigureOut">
               <a:rPr lang="it-IT" smtClean="0"/>
-              <a:t>08/12/2025</a:t>
+              <a:t>09/12/2025</a:t>
             </a:fld>
             <a:endParaRPr lang="it-IT"/>
           </a:p>
@@ -4117,7 +5348,7 @@
           <a:p>
             <a:fld id="{6E4C13E4-AE53-4D7F-831B-9D7C1470C077}" type="datetimeFigureOut">
               <a:rPr lang="it-IT" smtClean="0"/>
-              <a:t>08/12/2025</a:t>
+              <a:t>09/12/2025</a:t>
             </a:fld>
             <a:endParaRPr lang="it-IT"/>
           </a:p>
@@ -4230,7 +5461,7 @@
           <a:p>
             <a:fld id="{6E4C13E4-AE53-4D7F-831B-9D7C1470C077}" type="datetimeFigureOut">
               <a:rPr lang="it-IT" smtClean="0"/>
-              <a:t>08/12/2025</a:t>
+              <a:t>09/12/2025</a:t>
             </a:fld>
             <a:endParaRPr lang="it-IT"/>
           </a:p>
@@ -4541,7 +5772,7 @@
           <a:p>
             <a:fld id="{6E4C13E4-AE53-4D7F-831B-9D7C1470C077}" type="datetimeFigureOut">
               <a:rPr lang="it-IT" smtClean="0"/>
-              <a:t>08/12/2025</a:t>
+              <a:t>09/12/2025</a:t>
             </a:fld>
             <a:endParaRPr lang="it-IT"/>
           </a:p>
@@ -4829,7 +6060,7 @@
           <a:p>
             <a:fld id="{6E4C13E4-AE53-4D7F-831B-9D7C1470C077}" type="datetimeFigureOut">
               <a:rPr lang="it-IT" smtClean="0"/>
-              <a:t>08/12/2025</a:t>
+              <a:t>09/12/2025</a:t>
             </a:fld>
             <a:endParaRPr lang="it-IT"/>
           </a:p>
@@ -5070,7 +6301,7 @@
           <a:p>
             <a:fld id="{6E4C13E4-AE53-4D7F-831B-9D7C1470C077}" type="datetimeFigureOut">
               <a:rPr lang="it-IT" smtClean="0"/>
-              <a:t>08/12/2025</a:t>
+              <a:t>09/12/2025</a:t>
             </a:fld>
             <a:endParaRPr lang="it-IT"/>
           </a:p>
@@ -8769,6 +10000,846 @@
           </a:prstGeom>
         </p:spPr>
       </p:pic>
+      <p:sp>
+        <p:nvSpPr>
+          <p:cNvPr id="3" name="Rettangolo con angoli arrotondati 2">
+            <a:extLst>
+              <a:ext uri="{FF2B5EF4-FFF2-40B4-BE49-F238E27FC236}">
+                <a16:creationId xmlns:a16="http://schemas.microsoft.com/office/drawing/2014/main" id="{4764E368-8707-0E55-6D48-ABB05D3EF547}"/>
+              </a:ext>
+            </a:extLst>
+          </p:cNvPr>
+          <p:cNvSpPr/>
+          <p:nvPr/>
+        </p:nvSpPr>
+        <p:spPr>
+          <a:xfrm>
+            <a:off x="284600" y="1906125"/>
+            <a:ext cx="3746582" cy="5399163"/>
+          </a:xfrm>
+          <a:prstGeom prst="roundRect">
+            <a:avLst/>
+          </a:prstGeom>
+          <a:solidFill>
+            <a:srgbClr val="667C6F"/>
+          </a:solidFill>
+          <a:ln>
+            <a:noFill/>
+          </a:ln>
+          <a:effectLst/>
+        </p:spPr>
+        <p:style>
+          <a:lnRef idx="2">
+            <a:schemeClr val="accent1">
+              <a:shade val="15000"/>
+            </a:schemeClr>
+          </a:lnRef>
+          <a:fillRef idx="1">
+            <a:schemeClr val="accent1"/>
+          </a:fillRef>
+          <a:effectRef idx="0">
+            <a:schemeClr val="accent1"/>
+          </a:effectRef>
+          <a:fontRef idx="minor">
+            <a:schemeClr val="lt1"/>
+          </a:fontRef>
+        </p:style>
+        <p:txBody>
+          <a:bodyPr rtlCol="0" anchor="ctr"/>
+          <a:lstStyle/>
+          <a:p>
+            <a:pPr algn="ctr"/>
+            <a:endParaRPr lang="it-IT" dirty="0"/>
+          </a:p>
+        </p:txBody>
+      </p:sp>
+      <p:sp>
+        <p:nvSpPr>
+          <p:cNvPr id="4" name="Rettangolo con angoli arrotondati 3">
+            <a:extLst>
+              <a:ext uri="{FF2B5EF4-FFF2-40B4-BE49-F238E27FC236}">
+                <a16:creationId xmlns:a16="http://schemas.microsoft.com/office/drawing/2014/main" id="{3E87C5FD-C180-B8CB-7996-B717AA2826C2}"/>
+              </a:ext>
+            </a:extLst>
+          </p:cNvPr>
+          <p:cNvSpPr/>
+          <p:nvPr/>
+        </p:nvSpPr>
+        <p:spPr>
+          <a:xfrm>
+            <a:off x="4222710" y="1906125"/>
+            <a:ext cx="3746582" cy="5399163"/>
+          </a:xfrm>
+          <a:prstGeom prst="roundRect">
+            <a:avLst/>
+          </a:prstGeom>
+          <a:solidFill>
+            <a:srgbClr val="667C6F"/>
+          </a:solidFill>
+          <a:ln>
+            <a:noFill/>
+          </a:ln>
+          <a:effectLst/>
+        </p:spPr>
+        <p:style>
+          <a:lnRef idx="2">
+            <a:schemeClr val="accent1">
+              <a:shade val="15000"/>
+            </a:schemeClr>
+          </a:lnRef>
+          <a:fillRef idx="1">
+            <a:schemeClr val="accent1"/>
+          </a:fillRef>
+          <a:effectRef idx="0">
+            <a:schemeClr val="accent1"/>
+          </a:effectRef>
+          <a:fontRef idx="minor">
+            <a:schemeClr val="lt1"/>
+          </a:fontRef>
+        </p:style>
+        <p:txBody>
+          <a:bodyPr rtlCol="0" anchor="ctr"/>
+          <a:lstStyle/>
+          <a:p>
+            <a:pPr algn="ctr"/>
+            <a:endParaRPr lang="it-IT" dirty="0"/>
+          </a:p>
+        </p:txBody>
+      </p:sp>
+      <p:sp>
+        <p:nvSpPr>
+          <p:cNvPr id="5" name="Rettangolo con angoli arrotondati 4">
+            <a:extLst>
+              <a:ext uri="{FF2B5EF4-FFF2-40B4-BE49-F238E27FC236}">
+                <a16:creationId xmlns:a16="http://schemas.microsoft.com/office/drawing/2014/main" id="{0DAEEAAD-BAB6-EBCD-F596-B51829F97A4A}"/>
+              </a:ext>
+            </a:extLst>
+          </p:cNvPr>
+          <p:cNvSpPr/>
+          <p:nvPr/>
+        </p:nvSpPr>
+        <p:spPr>
+          <a:xfrm>
+            <a:off x="8160820" y="1887586"/>
+            <a:ext cx="3746582" cy="5399163"/>
+          </a:xfrm>
+          <a:prstGeom prst="roundRect">
+            <a:avLst/>
+          </a:prstGeom>
+          <a:solidFill>
+            <a:srgbClr val="667C6F"/>
+          </a:solidFill>
+          <a:ln>
+            <a:noFill/>
+          </a:ln>
+          <a:effectLst/>
+        </p:spPr>
+        <p:style>
+          <a:lnRef idx="2">
+            <a:schemeClr val="accent1">
+              <a:shade val="15000"/>
+            </a:schemeClr>
+          </a:lnRef>
+          <a:fillRef idx="1">
+            <a:schemeClr val="accent1"/>
+          </a:fillRef>
+          <a:effectRef idx="0">
+            <a:schemeClr val="accent1"/>
+          </a:effectRef>
+          <a:fontRef idx="minor">
+            <a:schemeClr val="lt1"/>
+          </a:fontRef>
+        </p:style>
+        <p:txBody>
+          <a:bodyPr rtlCol="0" anchor="ctr"/>
+          <a:lstStyle/>
+          <a:p>
+            <a:pPr algn="ctr"/>
+            <a:endParaRPr lang="it-IT" dirty="0"/>
+          </a:p>
+        </p:txBody>
+      </p:sp>
+      <p:sp>
+        <p:nvSpPr>
+          <p:cNvPr id="8" name="Sottotitolo 2">
+            <a:extLst>
+              <a:ext uri="{FF2B5EF4-FFF2-40B4-BE49-F238E27FC236}">
+                <a16:creationId xmlns:a16="http://schemas.microsoft.com/office/drawing/2014/main" id="{FD1F069F-5EF8-D3D5-635B-293DDB290FF1}"/>
+              </a:ext>
+            </a:extLst>
+          </p:cNvPr>
+          <p:cNvSpPr txBox="1">
+            <a:spLocks/>
+          </p:cNvSpPr>
+          <p:nvPr/>
+        </p:nvSpPr>
+        <p:spPr>
+          <a:xfrm>
+            <a:off x="658856" y="3429000"/>
+            <a:ext cx="2966660" cy="1175084"/>
+          </a:xfrm>
+          <a:prstGeom prst="rect">
+            <a:avLst/>
+          </a:prstGeom>
+        </p:spPr>
+        <p:txBody>
+          <a:bodyPr vert="horz" lIns="91440" tIns="45720" rIns="91440" bIns="45720" rtlCol="0">
+            <a:noAutofit/>
+          </a:bodyPr>
+          <a:lstStyle>
+            <a:lvl1pPr marL="0" indent="0" algn="ctr" defTabSz="914400" rtl="0" eaLnBrk="1" latinLnBrk="0" hangingPunct="1">
+              <a:lnSpc>
+                <a:spcPct val="90000"/>
+              </a:lnSpc>
+              <a:spcBef>
+                <a:spcPts val="1000"/>
+              </a:spcBef>
+              <a:buFont typeface="Arial" panose="020B0604020202020204" pitchFamily="34" charset="0"/>
+              <a:buNone/>
+              <a:defRPr sz="2400" kern="1200">
+                <a:solidFill>
+                  <a:schemeClr val="tx1"/>
+                </a:solidFill>
+                <a:latin typeface="+mn-lt"/>
+                <a:ea typeface="+mn-ea"/>
+                <a:cs typeface="+mn-cs"/>
+              </a:defRPr>
+            </a:lvl1pPr>
+            <a:lvl2pPr marL="457200" indent="0" algn="ctr" defTabSz="914400" rtl="0" eaLnBrk="1" latinLnBrk="0" hangingPunct="1">
+              <a:lnSpc>
+                <a:spcPct val="90000"/>
+              </a:lnSpc>
+              <a:spcBef>
+                <a:spcPts val="500"/>
+              </a:spcBef>
+              <a:buFont typeface="Arial" panose="020B0604020202020204" pitchFamily="34" charset="0"/>
+              <a:buNone/>
+              <a:defRPr sz="2000" kern="1200">
+                <a:solidFill>
+                  <a:schemeClr val="tx1"/>
+                </a:solidFill>
+                <a:latin typeface="+mn-lt"/>
+                <a:ea typeface="+mn-ea"/>
+                <a:cs typeface="+mn-cs"/>
+              </a:defRPr>
+            </a:lvl2pPr>
+            <a:lvl3pPr marL="914400" indent="0" algn="ctr" defTabSz="914400" rtl="0" eaLnBrk="1" latinLnBrk="0" hangingPunct="1">
+              <a:lnSpc>
+                <a:spcPct val="90000"/>
+              </a:lnSpc>
+              <a:spcBef>
+                <a:spcPts val="500"/>
+              </a:spcBef>
+              <a:buFont typeface="Arial" panose="020B0604020202020204" pitchFamily="34" charset="0"/>
+              <a:buNone/>
+              <a:defRPr sz="1800" kern="1200">
+                <a:solidFill>
+                  <a:schemeClr val="tx1"/>
+                </a:solidFill>
+                <a:latin typeface="+mn-lt"/>
+                <a:ea typeface="+mn-ea"/>
+                <a:cs typeface="+mn-cs"/>
+              </a:defRPr>
+            </a:lvl3pPr>
+            <a:lvl4pPr marL="1371600" indent="0" algn="ctr" defTabSz="914400" rtl="0" eaLnBrk="1" latinLnBrk="0" hangingPunct="1">
+              <a:lnSpc>
+                <a:spcPct val="90000"/>
+              </a:lnSpc>
+              <a:spcBef>
+                <a:spcPts val="500"/>
+              </a:spcBef>
+              <a:buFont typeface="Arial" panose="020B0604020202020204" pitchFamily="34" charset="0"/>
+              <a:buNone/>
+              <a:defRPr sz="1600" kern="1200">
+                <a:solidFill>
+                  <a:schemeClr val="tx1"/>
+                </a:solidFill>
+                <a:latin typeface="+mn-lt"/>
+                <a:ea typeface="+mn-ea"/>
+                <a:cs typeface="+mn-cs"/>
+              </a:defRPr>
+            </a:lvl4pPr>
+            <a:lvl5pPr marL="1828800" indent="0" algn="ctr" defTabSz="914400" rtl="0" eaLnBrk="1" latinLnBrk="0" hangingPunct="1">
+              <a:lnSpc>
+                <a:spcPct val="90000"/>
+              </a:lnSpc>
+              <a:spcBef>
+                <a:spcPts val="500"/>
+              </a:spcBef>
+              <a:buFont typeface="Arial" panose="020B0604020202020204" pitchFamily="34" charset="0"/>
+              <a:buNone/>
+              <a:defRPr sz="1600" kern="1200">
+                <a:solidFill>
+                  <a:schemeClr val="tx1"/>
+                </a:solidFill>
+                <a:latin typeface="+mn-lt"/>
+                <a:ea typeface="+mn-ea"/>
+                <a:cs typeface="+mn-cs"/>
+              </a:defRPr>
+            </a:lvl5pPr>
+            <a:lvl6pPr marL="2286000" indent="0" algn="ctr" defTabSz="914400" rtl="0" eaLnBrk="1" latinLnBrk="0" hangingPunct="1">
+              <a:lnSpc>
+                <a:spcPct val="90000"/>
+              </a:lnSpc>
+              <a:spcBef>
+                <a:spcPts val="500"/>
+              </a:spcBef>
+              <a:buFont typeface="Arial" panose="020B0604020202020204" pitchFamily="34" charset="0"/>
+              <a:buNone/>
+              <a:defRPr sz="1600" kern="1200">
+                <a:solidFill>
+                  <a:schemeClr val="tx1"/>
+                </a:solidFill>
+                <a:latin typeface="+mn-lt"/>
+                <a:ea typeface="+mn-ea"/>
+                <a:cs typeface="+mn-cs"/>
+              </a:defRPr>
+            </a:lvl6pPr>
+            <a:lvl7pPr marL="2743200" indent="0" algn="ctr" defTabSz="914400" rtl="0" eaLnBrk="1" latinLnBrk="0" hangingPunct="1">
+              <a:lnSpc>
+                <a:spcPct val="90000"/>
+              </a:lnSpc>
+              <a:spcBef>
+                <a:spcPts val="500"/>
+              </a:spcBef>
+              <a:buFont typeface="Arial" panose="020B0604020202020204" pitchFamily="34" charset="0"/>
+              <a:buNone/>
+              <a:defRPr sz="1600" kern="1200">
+                <a:solidFill>
+                  <a:schemeClr val="tx1"/>
+                </a:solidFill>
+                <a:latin typeface="+mn-lt"/>
+                <a:ea typeface="+mn-ea"/>
+                <a:cs typeface="+mn-cs"/>
+              </a:defRPr>
+            </a:lvl7pPr>
+            <a:lvl8pPr marL="3200400" indent="0" algn="ctr" defTabSz="914400" rtl="0" eaLnBrk="1" latinLnBrk="0" hangingPunct="1">
+              <a:lnSpc>
+                <a:spcPct val="90000"/>
+              </a:lnSpc>
+              <a:spcBef>
+                <a:spcPts val="500"/>
+              </a:spcBef>
+              <a:buFont typeface="Arial" panose="020B0604020202020204" pitchFamily="34" charset="0"/>
+              <a:buNone/>
+              <a:defRPr sz="1600" kern="1200">
+                <a:solidFill>
+                  <a:schemeClr val="tx1"/>
+                </a:solidFill>
+                <a:latin typeface="+mn-lt"/>
+                <a:ea typeface="+mn-ea"/>
+                <a:cs typeface="+mn-cs"/>
+              </a:defRPr>
+            </a:lvl8pPr>
+            <a:lvl9pPr marL="3657600" indent="0" algn="ctr" defTabSz="914400" rtl="0" eaLnBrk="1" latinLnBrk="0" hangingPunct="1">
+              <a:lnSpc>
+                <a:spcPct val="90000"/>
+              </a:lnSpc>
+              <a:spcBef>
+                <a:spcPts val="500"/>
+              </a:spcBef>
+              <a:buFont typeface="Arial" panose="020B0604020202020204" pitchFamily="34" charset="0"/>
+              <a:buNone/>
+              <a:defRPr sz="1600" kern="1200">
+                <a:solidFill>
+                  <a:schemeClr val="tx1"/>
+                </a:solidFill>
+                <a:latin typeface="+mn-lt"/>
+                <a:ea typeface="+mn-ea"/>
+                <a:cs typeface="+mn-cs"/>
+              </a:defRPr>
+            </a:lvl9pPr>
+          </a:lstStyle>
+          <a:p>
+            <a:r>
+              <a:rPr lang="it-IT" sz="4000" dirty="0">
+                <a:solidFill>
+                  <a:srgbClr val="FCFCFC"/>
+                </a:solidFill>
+                <a:latin typeface="Questrial" pitchFamily="2" charset="0"/>
+                <a:ea typeface="Questrial" pitchFamily="2" charset="0"/>
+                <a:cs typeface="Questrial" pitchFamily="2" charset="0"/>
+              </a:rPr>
+              <a:t>Accessi non coalescenti</a:t>
+            </a:r>
+          </a:p>
+        </p:txBody>
+      </p:sp>
+      <p:sp>
+        <p:nvSpPr>
+          <p:cNvPr id="9" name="Sottotitolo 2">
+            <a:extLst>
+              <a:ext uri="{FF2B5EF4-FFF2-40B4-BE49-F238E27FC236}">
+                <a16:creationId xmlns:a16="http://schemas.microsoft.com/office/drawing/2014/main" id="{09B17E5A-2048-2005-3EB6-16C61B2922AB}"/>
+              </a:ext>
+            </a:extLst>
+          </p:cNvPr>
+          <p:cNvSpPr txBox="1">
+            <a:spLocks/>
+          </p:cNvSpPr>
+          <p:nvPr/>
+        </p:nvSpPr>
+        <p:spPr>
+          <a:xfrm>
+            <a:off x="4612670" y="3429000"/>
+            <a:ext cx="2966660" cy="1175084"/>
+          </a:xfrm>
+          <a:prstGeom prst="rect">
+            <a:avLst/>
+          </a:prstGeom>
+        </p:spPr>
+        <p:txBody>
+          <a:bodyPr vert="horz" lIns="91440" tIns="45720" rIns="91440" bIns="45720" rtlCol="0">
+            <a:noAutofit/>
+          </a:bodyPr>
+          <a:lstStyle>
+            <a:lvl1pPr marL="0" indent="0" algn="ctr" defTabSz="914400" rtl="0" eaLnBrk="1" latinLnBrk="0" hangingPunct="1">
+              <a:lnSpc>
+                <a:spcPct val="90000"/>
+              </a:lnSpc>
+              <a:spcBef>
+                <a:spcPts val="1000"/>
+              </a:spcBef>
+              <a:buFont typeface="Arial" panose="020B0604020202020204" pitchFamily="34" charset="0"/>
+              <a:buNone/>
+              <a:defRPr sz="2400" kern="1200">
+                <a:solidFill>
+                  <a:schemeClr val="tx1"/>
+                </a:solidFill>
+                <a:latin typeface="+mn-lt"/>
+                <a:ea typeface="+mn-ea"/>
+                <a:cs typeface="+mn-cs"/>
+              </a:defRPr>
+            </a:lvl1pPr>
+            <a:lvl2pPr marL="457200" indent="0" algn="ctr" defTabSz="914400" rtl="0" eaLnBrk="1" latinLnBrk="0" hangingPunct="1">
+              <a:lnSpc>
+                <a:spcPct val="90000"/>
+              </a:lnSpc>
+              <a:spcBef>
+                <a:spcPts val="500"/>
+              </a:spcBef>
+              <a:buFont typeface="Arial" panose="020B0604020202020204" pitchFamily="34" charset="0"/>
+              <a:buNone/>
+              <a:defRPr sz="2000" kern="1200">
+                <a:solidFill>
+                  <a:schemeClr val="tx1"/>
+                </a:solidFill>
+                <a:latin typeface="+mn-lt"/>
+                <a:ea typeface="+mn-ea"/>
+                <a:cs typeface="+mn-cs"/>
+              </a:defRPr>
+            </a:lvl2pPr>
+            <a:lvl3pPr marL="914400" indent="0" algn="ctr" defTabSz="914400" rtl="0" eaLnBrk="1" latinLnBrk="0" hangingPunct="1">
+              <a:lnSpc>
+                <a:spcPct val="90000"/>
+              </a:lnSpc>
+              <a:spcBef>
+                <a:spcPts val="500"/>
+              </a:spcBef>
+              <a:buFont typeface="Arial" panose="020B0604020202020204" pitchFamily="34" charset="0"/>
+              <a:buNone/>
+              <a:defRPr sz="1800" kern="1200">
+                <a:solidFill>
+                  <a:schemeClr val="tx1"/>
+                </a:solidFill>
+                <a:latin typeface="+mn-lt"/>
+                <a:ea typeface="+mn-ea"/>
+                <a:cs typeface="+mn-cs"/>
+              </a:defRPr>
+            </a:lvl3pPr>
+            <a:lvl4pPr marL="1371600" indent="0" algn="ctr" defTabSz="914400" rtl="0" eaLnBrk="1" latinLnBrk="0" hangingPunct="1">
+              <a:lnSpc>
+                <a:spcPct val="90000"/>
+              </a:lnSpc>
+              <a:spcBef>
+                <a:spcPts val="500"/>
+              </a:spcBef>
+              <a:buFont typeface="Arial" panose="020B0604020202020204" pitchFamily="34" charset="0"/>
+              <a:buNone/>
+              <a:defRPr sz="1600" kern="1200">
+                <a:solidFill>
+                  <a:schemeClr val="tx1"/>
+                </a:solidFill>
+                <a:latin typeface="+mn-lt"/>
+                <a:ea typeface="+mn-ea"/>
+                <a:cs typeface="+mn-cs"/>
+              </a:defRPr>
+            </a:lvl4pPr>
+            <a:lvl5pPr marL="1828800" indent="0" algn="ctr" defTabSz="914400" rtl="0" eaLnBrk="1" latinLnBrk="0" hangingPunct="1">
+              <a:lnSpc>
+                <a:spcPct val="90000"/>
+              </a:lnSpc>
+              <a:spcBef>
+                <a:spcPts val="500"/>
+              </a:spcBef>
+              <a:buFont typeface="Arial" panose="020B0604020202020204" pitchFamily="34" charset="0"/>
+              <a:buNone/>
+              <a:defRPr sz="1600" kern="1200">
+                <a:solidFill>
+                  <a:schemeClr val="tx1"/>
+                </a:solidFill>
+                <a:latin typeface="+mn-lt"/>
+                <a:ea typeface="+mn-ea"/>
+                <a:cs typeface="+mn-cs"/>
+              </a:defRPr>
+            </a:lvl5pPr>
+            <a:lvl6pPr marL="2286000" indent="0" algn="ctr" defTabSz="914400" rtl="0" eaLnBrk="1" latinLnBrk="0" hangingPunct="1">
+              <a:lnSpc>
+                <a:spcPct val="90000"/>
+              </a:lnSpc>
+              <a:spcBef>
+                <a:spcPts val="500"/>
+              </a:spcBef>
+              <a:buFont typeface="Arial" panose="020B0604020202020204" pitchFamily="34" charset="0"/>
+              <a:buNone/>
+              <a:defRPr sz="1600" kern="1200">
+                <a:solidFill>
+                  <a:schemeClr val="tx1"/>
+                </a:solidFill>
+                <a:latin typeface="+mn-lt"/>
+                <a:ea typeface="+mn-ea"/>
+                <a:cs typeface="+mn-cs"/>
+              </a:defRPr>
+            </a:lvl6pPr>
+            <a:lvl7pPr marL="2743200" indent="0" algn="ctr" defTabSz="914400" rtl="0" eaLnBrk="1" latinLnBrk="0" hangingPunct="1">
+              <a:lnSpc>
+                <a:spcPct val="90000"/>
+              </a:lnSpc>
+              <a:spcBef>
+                <a:spcPts val="500"/>
+              </a:spcBef>
+              <a:buFont typeface="Arial" panose="020B0604020202020204" pitchFamily="34" charset="0"/>
+              <a:buNone/>
+              <a:defRPr sz="1600" kern="1200">
+                <a:solidFill>
+                  <a:schemeClr val="tx1"/>
+                </a:solidFill>
+                <a:latin typeface="+mn-lt"/>
+                <a:ea typeface="+mn-ea"/>
+                <a:cs typeface="+mn-cs"/>
+              </a:defRPr>
+            </a:lvl7pPr>
+            <a:lvl8pPr marL="3200400" indent="0" algn="ctr" defTabSz="914400" rtl="0" eaLnBrk="1" latinLnBrk="0" hangingPunct="1">
+              <a:lnSpc>
+                <a:spcPct val="90000"/>
+              </a:lnSpc>
+              <a:spcBef>
+                <a:spcPts val="500"/>
+              </a:spcBef>
+              <a:buFont typeface="Arial" panose="020B0604020202020204" pitchFamily="34" charset="0"/>
+              <a:buNone/>
+              <a:defRPr sz="1600" kern="1200">
+                <a:solidFill>
+                  <a:schemeClr val="tx1"/>
+                </a:solidFill>
+                <a:latin typeface="+mn-lt"/>
+                <a:ea typeface="+mn-ea"/>
+                <a:cs typeface="+mn-cs"/>
+              </a:defRPr>
+            </a:lvl8pPr>
+            <a:lvl9pPr marL="3657600" indent="0" algn="ctr" defTabSz="914400" rtl="0" eaLnBrk="1" latinLnBrk="0" hangingPunct="1">
+              <a:lnSpc>
+                <a:spcPct val="90000"/>
+              </a:lnSpc>
+              <a:spcBef>
+                <a:spcPts val="500"/>
+              </a:spcBef>
+              <a:buFont typeface="Arial" panose="020B0604020202020204" pitchFamily="34" charset="0"/>
+              <a:buNone/>
+              <a:defRPr sz="1600" kern="1200">
+                <a:solidFill>
+                  <a:schemeClr val="tx1"/>
+                </a:solidFill>
+                <a:latin typeface="+mn-lt"/>
+                <a:ea typeface="+mn-ea"/>
+                <a:cs typeface="+mn-cs"/>
+              </a:defRPr>
+            </a:lvl9pPr>
+          </a:lstStyle>
+          <a:p>
+            <a:r>
+              <a:rPr lang="it-IT" sz="4000" dirty="0">
+                <a:solidFill>
+                  <a:srgbClr val="FCFCFC"/>
+                </a:solidFill>
+                <a:latin typeface="Questrial" pitchFamily="2" charset="0"/>
+                <a:ea typeface="Questrial" pitchFamily="2" charset="0"/>
+                <a:cs typeface="Questrial" pitchFamily="2" charset="0"/>
+              </a:rPr>
+              <a:t>Race </a:t>
+            </a:r>
+            <a:r>
+              <a:rPr lang="it-IT" sz="4000" dirty="0" err="1">
+                <a:solidFill>
+                  <a:srgbClr val="FCFCFC"/>
+                </a:solidFill>
+                <a:latin typeface="Questrial" pitchFamily="2" charset="0"/>
+                <a:ea typeface="Questrial" pitchFamily="2" charset="0"/>
+                <a:cs typeface="Questrial" pitchFamily="2" charset="0"/>
+              </a:rPr>
+              <a:t>condition</a:t>
+            </a:r>
+            <a:r>
+              <a:rPr lang="it-IT" sz="4000" dirty="0">
+                <a:solidFill>
+                  <a:srgbClr val="FCFCFC"/>
+                </a:solidFill>
+                <a:latin typeface="Questrial" pitchFamily="2" charset="0"/>
+                <a:ea typeface="Questrial" pitchFamily="2" charset="0"/>
+                <a:cs typeface="Questrial" pitchFamily="2" charset="0"/>
+              </a:rPr>
+              <a:t> massivi</a:t>
+            </a:r>
+          </a:p>
+        </p:txBody>
+      </p:sp>
+      <p:sp>
+        <p:nvSpPr>
+          <p:cNvPr id="10" name="Sottotitolo 2">
+            <a:extLst>
+              <a:ext uri="{FF2B5EF4-FFF2-40B4-BE49-F238E27FC236}">
+                <a16:creationId xmlns:a16="http://schemas.microsoft.com/office/drawing/2014/main" id="{B1E09023-8BBF-23A6-9A5A-A33FB7AAC8B4}"/>
+              </a:ext>
+            </a:extLst>
+          </p:cNvPr>
+          <p:cNvSpPr txBox="1">
+            <a:spLocks/>
+          </p:cNvSpPr>
+          <p:nvPr/>
+        </p:nvSpPr>
+        <p:spPr>
+          <a:xfrm>
+            <a:off x="8550781" y="3429000"/>
+            <a:ext cx="2966660" cy="1175084"/>
+          </a:xfrm>
+          <a:prstGeom prst="rect">
+            <a:avLst/>
+          </a:prstGeom>
+        </p:spPr>
+        <p:txBody>
+          <a:bodyPr vert="horz" lIns="91440" tIns="45720" rIns="91440" bIns="45720" rtlCol="0">
+            <a:noAutofit/>
+          </a:bodyPr>
+          <a:lstStyle>
+            <a:lvl1pPr marL="0" indent="0" algn="ctr" defTabSz="914400" rtl="0" eaLnBrk="1" latinLnBrk="0" hangingPunct="1">
+              <a:lnSpc>
+                <a:spcPct val="90000"/>
+              </a:lnSpc>
+              <a:spcBef>
+                <a:spcPts val="1000"/>
+              </a:spcBef>
+              <a:buFont typeface="Arial" panose="020B0604020202020204" pitchFamily="34" charset="0"/>
+              <a:buNone/>
+              <a:defRPr sz="2400" kern="1200">
+                <a:solidFill>
+                  <a:schemeClr val="tx1"/>
+                </a:solidFill>
+                <a:latin typeface="+mn-lt"/>
+                <a:ea typeface="+mn-ea"/>
+                <a:cs typeface="+mn-cs"/>
+              </a:defRPr>
+            </a:lvl1pPr>
+            <a:lvl2pPr marL="457200" indent="0" algn="ctr" defTabSz="914400" rtl="0" eaLnBrk="1" latinLnBrk="0" hangingPunct="1">
+              <a:lnSpc>
+                <a:spcPct val="90000"/>
+              </a:lnSpc>
+              <a:spcBef>
+                <a:spcPts val="500"/>
+              </a:spcBef>
+              <a:buFont typeface="Arial" panose="020B0604020202020204" pitchFamily="34" charset="0"/>
+              <a:buNone/>
+              <a:defRPr sz="2000" kern="1200">
+                <a:solidFill>
+                  <a:schemeClr val="tx1"/>
+                </a:solidFill>
+                <a:latin typeface="+mn-lt"/>
+                <a:ea typeface="+mn-ea"/>
+                <a:cs typeface="+mn-cs"/>
+              </a:defRPr>
+            </a:lvl2pPr>
+            <a:lvl3pPr marL="914400" indent="0" algn="ctr" defTabSz="914400" rtl="0" eaLnBrk="1" latinLnBrk="0" hangingPunct="1">
+              <a:lnSpc>
+                <a:spcPct val="90000"/>
+              </a:lnSpc>
+              <a:spcBef>
+                <a:spcPts val="500"/>
+              </a:spcBef>
+              <a:buFont typeface="Arial" panose="020B0604020202020204" pitchFamily="34" charset="0"/>
+              <a:buNone/>
+              <a:defRPr sz="1800" kern="1200">
+                <a:solidFill>
+                  <a:schemeClr val="tx1"/>
+                </a:solidFill>
+                <a:latin typeface="+mn-lt"/>
+                <a:ea typeface="+mn-ea"/>
+                <a:cs typeface="+mn-cs"/>
+              </a:defRPr>
+            </a:lvl3pPr>
+            <a:lvl4pPr marL="1371600" indent="0" algn="ctr" defTabSz="914400" rtl="0" eaLnBrk="1" latinLnBrk="0" hangingPunct="1">
+              <a:lnSpc>
+                <a:spcPct val="90000"/>
+              </a:lnSpc>
+              <a:spcBef>
+                <a:spcPts val="500"/>
+              </a:spcBef>
+              <a:buFont typeface="Arial" panose="020B0604020202020204" pitchFamily="34" charset="0"/>
+              <a:buNone/>
+              <a:defRPr sz="1600" kern="1200">
+                <a:solidFill>
+                  <a:schemeClr val="tx1"/>
+                </a:solidFill>
+                <a:latin typeface="+mn-lt"/>
+                <a:ea typeface="+mn-ea"/>
+                <a:cs typeface="+mn-cs"/>
+              </a:defRPr>
+            </a:lvl4pPr>
+            <a:lvl5pPr marL="1828800" indent="0" algn="ctr" defTabSz="914400" rtl="0" eaLnBrk="1" latinLnBrk="0" hangingPunct="1">
+              <a:lnSpc>
+                <a:spcPct val="90000"/>
+              </a:lnSpc>
+              <a:spcBef>
+                <a:spcPts val="500"/>
+              </a:spcBef>
+              <a:buFont typeface="Arial" panose="020B0604020202020204" pitchFamily="34" charset="0"/>
+              <a:buNone/>
+              <a:defRPr sz="1600" kern="1200">
+                <a:solidFill>
+                  <a:schemeClr val="tx1"/>
+                </a:solidFill>
+                <a:latin typeface="+mn-lt"/>
+                <a:ea typeface="+mn-ea"/>
+                <a:cs typeface="+mn-cs"/>
+              </a:defRPr>
+            </a:lvl5pPr>
+            <a:lvl6pPr marL="2286000" indent="0" algn="ctr" defTabSz="914400" rtl="0" eaLnBrk="1" latinLnBrk="0" hangingPunct="1">
+              <a:lnSpc>
+                <a:spcPct val="90000"/>
+              </a:lnSpc>
+              <a:spcBef>
+                <a:spcPts val="500"/>
+              </a:spcBef>
+              <a:buFont typeface="Arial" panose="020B0604020202020204" pitchFamily="34" charset="0"/>
+              <a:buNone/>
+              <a:defRPr sz="1600" kern="1200">
+                <a:solidFill>
+                  <a:schemeClr val="tx1"/>
+                </a:solidFill>
+                <a:latin typeface="+mn-lt"/>
+                <a:ea typeface="+mn-ea"/>
+                <a:cs typeface="+mn-cs"/>
+              </a:defRPr>
+            </a:lvl6pPr>
+            <a:lvl7pPr marL="2743200" indent="0" algn="ctr" defTabSz="914400" rtl="0" eaLnBrk="1" latinLnBrk="0" hangingPunct="1">
+              <a:lnSpc>
+                <a:spcPct val="90000"/>
+              </a:lnSpc>
+              <a:spcBef>
+                <a:spcPts val="500"/>
+              </a:spcBef>
+              <a:buFont typeface="Arial" panose="020B0604020202020204" pitchFamily="34" charset="0"/>
+              <a:buNone/>
+              <a:defRPr sz="1600" kern="1200">
+                <a:solidFill>
+                  <a:schemeClr val="tx1"/>
+                </a:solidFill>
+                <a:latin typeface="+mn-lt"/>
+                <a:ea typeface="+mn-ea"/>
+                <a:cs typeface="+mn-cs"/>
+              </a:defRPr>
+            </a:lvl7pPr>
+            <a:lvl8pPr marL="3200400" indent="0" algn="ctr" defTabSz="914400" rtl="0" eaLnBrk="1" latinLnBrk="0" hangingPunct="1">
+              <a:lnSpc>
+                <a:spcPct val="90000"/>
+              </a:lnSpc>
+              <a:spcBef>
+                <a:spcPts val="500"/>
+              </a:spcBef>
+              <a:buFont typeface="Arial" panose="020B0604020202020204" pitchFamily="34" charset="0"/>
+              <a:buNone/>
+              <a:defRPr sz="1600" kern="1200">
+                <a:solidFill>
+                  <a:schemeClr val="tx1"/>
+                </a:solidFill>
+                <a:latin typeface="+mn-lt"/>
+                <a:ea typeface="+mn-ea"/>
+                <a:cs typeface="+mn-cs"/>
+              </a:defRPr>
+            </a:lvl8pPr>
+            <a:lvl9pPr marL="3657600" indent="0" algn="ctr" defTabSz="914400" rtl="0" eaLnBrk="1" latinLnBrk="0" hangingPunct="1">
+              <a:lnSpc>
+                <a:spcPct val="90000"/>
+              </a:lnSpc>
+              <a:spcBef>
+                <a:spcPts val="500"/>
+              </a:spcBef>
+              <a:buFont typeface="Arial" panose="020B0604020202020204" pitchFamily="34" charset="0"/>
+              <a:buNone/>
+              <a:defRPr sz="1600" kern="1200">
+                <a:solidFill>
+                  <a:schemeClr val="tx1"/>
+                </a:solidFill>
+                <a:latin typeface="+mn-lt"/>
+                <a:ea typeface="+mn-ea"/>
+                <a:cs typeface="+mn-cs"/>
+              </a:defRPr>
+            </a:lvl9pPr>
+          </a:lstStyle>
+          <a:p>
+            <a:r>
+              <a:rPr lang="it-IT" sz="4000" dirty="0">
+                <a:solidFill>
+                  <a:srgbClr val="FCFCFC"/>
+                </a:solidFill>
+                <a:latin typeface="Questrial" pitchFamily="2" charset="0"/>
+                <a:ea typeface="Questrial" pitchFamily="2" charset="0"/>
+                <a:cs typeface="Questrial" pitchFamily="2" charset="0"/>
+              </a:rPr>
+              <a:t>Alto costo delle </a:t>
+            </a:r>
+            <a:r>
+              <a:rPr lang="it-IT" sz="4000" dirty="0" err="1">
+                <a:solidFill>
+                  <a:srgbClr val="FCFCFC"/>
+                </a:solidFill>
+                <a:latin typeface="Questrial" pitchFamily="2" charset="0"/>
+                <a:ea typeface="Questrial" pitchFamily="2" charset="0"/>
+                <a:cs typeface="Questrial" pitchFamily="2" charset="0"/>
+              </a:rPr>
+              <a:t>atomic</a:t>
+            </a:r>
+            <a:r>
+              <a:rPr lang="it-IT" sz="4000" dirty="0">
+                <a:solidFill>
+                  <a:srgbClr val="FCFCFC"/>
+                </a:solidFill>
+                <a:latin typeface="Questrial" pitchFamily="2" charset="0"/>
+                <a:ea typeface="Questrial" pitchFamily="2" charset="0"/>
+                <a:cs typeface="Questrial" pitchFamily="2" charset="0"/>
+              </a:rPr>
+              <a:t> </a:t>
+            </a:r>
+            <a:r>
+              <a:rPr lang="it-IT" sz="4000" dirty="0" err="1">
+                <a:solidFill>
+                  <a:srgbClr val="FCFCFC"/>
+                </a:solidFill>
+                <a:latin typeface="Questrial" pitchFamily="2" charset="0"/>
+                <a:ea typeface="Questrial" pitchFamily="2" charset="0"/>
+                <a:cs typeface="Questrial" pitchFamily="2" charset="0"/>
+              </a:rPr>
+              <a:t>operation</a:t>
+            </a:r>
+            <a:endParaRPr lang="it-IT" sz="4000" dirty="0">
+              <a:solidFill>
+                <a:srgbClr val="FCFCFC"/>
+              </a:solidFill>
+              <a:latin typeface="Questrial" pitchFamily="2" charset="0"/>
+              <a:ea typeface="Questrial" pitchFamily="2" charset="0"/>
+              <a:cs typeface="Questrial" pitchFamily="2" charset="0"/>
+            </a:endParaRPr>
+          </a:p>
+        </p:txBody>
+      </p:sp>
     </p:spTree>
     <p:extLst>
       <p:ext uri="{BB962C8B-B14F-4D97-AF65-F5344CB8AC3E}">
@@ -8782,7 +10853,7 @@
 </p:sld>
 </file>
 
-<file path=ppt/slides/slide2.xml><?xml version="1.0" encoding="utf-8"?>
+<file path=ppt/slides/slide14.xml><?xml version="1.0" encoding="utf-8"?>
 <p:sld xmlns:a="http://schemas.openxmlformats.org/drawingml/2006/main" xmlns:r="http://schemas.openxmlformats.org/officeDocument/2006/relationships" xmlns:p="http://schemas.openxmlformats.org/presentationml/2006/main">
   <p:cSld>
     <p:spTree>
@@ -8790,7 +10861,7 @@
         <p:cNvPr id="1" name="">
           <a:extLst>
             <a:ext uri="{FF2B5EF4-FFF2-40B4-BE49-F238E27FC236}">
-              <a16:creationId xmlns:a16="http://schemas.microsoft.com/office/drawing/2014/main" id="{B45D7B5C-7293-798A-0521-27A7834A9A72}"/>
+              <a16:creationId xmlns:a16="http://schemas.microsoft.com/office/drawing/2014/main" id="{371EDB8D-BB62-F903-F486-F9818FE6BC76}"/>
             </a:ext>
           </a:extLst>
         </p:cNvPr>
@@ -8810,7 +10881,7 @@
           <p:cNvPr id="7" name="Rettangolo 6">
             <a:extLst>
               <a:ext uri="{FF2B5EF4-FFF2-40B4-BE49-F238E27FC236}">
-                <a16:creationId xmlns:a16="http://schemas.microsoft.com/office/drawing/2014/main" id="{A19786BA-3167-EFB4-138F-67A4056DDAAD}"/>
+                <a16:creationId xmlns:a16="http://schemas.microsoft.com/office/drawing/2014/main" id="{6C0154AE-6955-5416-F5F9-2590665EDDAC}"/>
               </a:ext>
             </a:extLst>
           </p:cNvPr>
@@ -8851,6 +10922,5069 @@
           <a:bodyPr rtlCol="0" anchor="ctr"/>
           <a:lstStyle/>
           <a:p>
+            <a:pPr algn="just"/>
+            <a:endParaRPr lang="it-IT" dirty="0"/>
+          </a:p>
+        </p:txBody>
+      </p:sp>
+      <p:sp>
+        <p:nvSpPr>
+          <p:cNvPr id="5" name="Rettangolo con angoli arrotondati 4">
+            <a:extLst>
+              <a:ext uri="{FF2B5EF4-FFF2-40B4-BE49-F238E27FC236}">
+                <a16:creationId xmlns:a16="http://schemas.microsoft.com/office/drawing/2014/main" id="{025309A8-C70D-AD5D-07E2-A64F946865A5}"/>
+              </a:ext>
+            </a:extLst>
+          </p:cNvPr>
+          <p:cNvSpPr/>
+          <p:nvPr/>
+        </p:nvSpPr>
+        <p:spPr>
+          <a:xfrm>
+            <a:off x="-593558" y="2869202"/>
+            <a:ext cx="6689558" cy="5147933"/>
+          </a:xfrm>
+          <a:prstGeom prst="roundRect">
+            <a:avLst/>
+          </a:prstGeom>
+          <a:solidFill>
+            <a:srgbClr val="FC993E"/>
+          </a:solidFill>
+          <a:ln>
+            <a:noFill/>
+          </a:ln>
+        </p:spPr>
+        <p:style>
+          <a:lnRef idx="2">
+            <a:schemeClr val="accent1">
+              <a:shade val="15000"/>
+            </a:schemeClr>
+          </a:lnRef>
+          <a:fillRef idx="1">
+            <a:schemeClr val="accent1"/>
+          </a:fillRef>
+          <a:effectRef idx="0">
+            <a:schemeClr val="accent1"/>
+          </a:effectRef>
+          <a:fontRef idx="minor">
+            <a:schemeClr val="lt1"/>
+          </a:fontRef>
+        </p:style>
+        <p:txBody>
+          <a:bodyPr rtlCol="0" anchor="ctr"/>
+          <a:lstStyle/>
+          <a:p>
+            <a:pPr algn="ctr"/>
+            <a:endParaRPr lang="it-IT" dirty="0"/>
+          </a:p>
+        </p:txBody>
+      </p:sp>
+      <p:sp>
+        <p:nvSpPr>
+          <p:cNvPr id="2" name="Titolo 1">
+            <a:extLst>
+              <a:ext uri="{FF2B5EF4-FFF2-40B4-BE49-F238E27FC236}">
+                <a16:creationId xmlns:a16="http://schemas.microsoft.com/office/drawing/2014/main" id="{26C589F0-CF1E-2936-1A0E-16473E0FD764}"/>
+              </a:ext>
+            </a:extLst>
+          </p:cNvPr>
+          <p:cNvSpPr>
+            <a:spLocks noGrp="1"/>
+          </p:cNvSpPr>
+          <p:nvPr>
+            <p:ph type="ctrTitle"/>
+          </p:nvPr>
+        </p:nvSpPr>
+        <p:spPr>
+          <a:xfrm>
+            <a:off x="284599" y="894578"/>
+            <a:ext cx="9276495" cy="861428"/>
+          </a:xfrm>
+        </p:spPr>
+        <p:txBody>
+          <a:bodyPr>
+            <a:noAutofit/>
+          </a:bodyPr>
+          <a:lstStyle/>
+          <a:p>
+            <a:pPr algn="l"/>
+            <a:r>
+              <a:rPr lang="en-US" sz="5400" b="1" dirty="0">
+                <a:latin typeface="Questrial" panose="020F0502020204030204" pitchFamily="2" charset="0"/>
+                <a:ea typeface="Questrial" panose="020F0502020204030204" pitchFamily="2" charset="0"/>
+                <a:cs typeface="Questrial" panose="020F0502020204030204" pitchFamily="2" charset="0"/>
+              </a:rPr>
+              <a:t>S1: </a:t>
+            </a:r>
+            <a:r>
+              <a:rPr lang="en-US" sz="5400" b="1" dirty="0" err="1">
+                <a:latin typeface="Questrial" panose="020F0502020204030204" pitchFamily="2" charset="0"/>
+                <a:ea typeface="Questrial" panose="020F0502020204030204" pitchFamily="2" charset="0"/>
+                <a:cs typeface="Questrial" panose="020F0502020204030204" pitchFamily="2" charset="0"/>
+              </a:rPr>
+              <a:t>Utilizzare</a:t>
+            </a:r>
+            <a:r>
+              <a:rPr lang="en-US" sz="5400" b="1" dirty="0">
+                <a:latin typeface="Questrial" panose="020F0502020204030204" pitchFamily="2" charset="0"/>
+                <a:ea typeface="Questrial" panose="020F0502020204030204" pitchFamily="2" charset="0"/>
+                <a:cs typeface="Questrial" panose="020F0502020204030204" pitchFamily="2" charset="0"/>
+              </a:rPr>
+              <a:t> Atomic Add</a:t>
+            </a:r>
+            <a:endParaRPr lang="it-IT" sz="5400" b="1" dirty="0">
+              <a:latin typeface="Questrial" panose="020F0502020204030204" pitchFamily="2" charset="0"/>
+              <a:ea typeface="Questrial" panose="020F0502020204030204" pitchFamily="2" charset="0"/>
+              <a:cs typeface="Questrial" panose="020F0502020204030204" pitchFamily="2" charset="0"/>
+            </a:endParaRPr>
+          </a:p>
+        </p:txBody>
+      </p:sp>
+      <p:sp>
+        <p:nvSpPr>
+          <p:cNvPr id="8" name="Sottotitolo 2">
+            <a:extLst>
+              <a:ext uri="{FF2B5EF4-FFF2-40B4-BE49-F238E27FC236}">
+                <a16:creationId xmlns:a16="http://schemas.microsoft.com/office/drawing/2014/main" id="{9246E600-AB6B-C33A-3C3E-93C3FB186A8E}"/>
+              </a:ext>
+            </a:extLst>
+          </p:cNvPr>
+          <p:cNvSpPr txBox="1">
+            <a:spLocks/>
+          </p:cNvSpPr>
+          <p:nvPr/>
+        </p:nvSpPr>
+        <p:spPr>
+          <a:xfrm>
+            <a:off x="313438" y="3032878"/>
+            <a:ext cx="4907018" cy="3184660"/>
+          </a:xfrm>
+          <a:prstGeom prst="rect">
+            <a:avLst/>
+          </a:prstGeom>
+        </p:spPr>
+        <p:txBody>
+          <a:bodyPr vert="horz" lIns="91440" tIns="45720" rIns="91440" bIns="45720" rtlCol="0">
+            <a:noAutofit/>
+          </a:bodyPr>
+          <a:lstStyle>
+            <a:lvl1pPr marL="0" indent="0" algn="ctr" defTabSz="914400" rtl="0" eaLnBrk="1" latinLnBrk="0" hangingPunct="1">
+              <a:lnSpc>
+                <a:spcPct val="90000"/>
+              </a:lnSpc>
+              <a:spcBef>
+                <a:spcPts val="1000"/>
+              </a:spcBef>
+              <a:buFont typeface="Arial" panose="020B0604020202020204" pitchFamily="34" charset="0"/>
+              <a:buNone/>
+              <a:defRPr sz="2400" kern="1200">
+                <a:solidFill>
+                  <a:schemeClr val="tx1"/>
+                </a:solidFill>
+                <a:latin typeface="+mn-lt"/>
+                <a:ea typeface="+mn-ea"/>
+                <a:cs typeface="+mn-cs"/>
+              </a:defRPr>
+            </a:lvl1pPr>
+            <a:lvl2pPr marL="457200" indent="0" algn="ctr" defTabSz="914400" rtl="0" eaLnBrk="1" latinLnBrk="0" hangingPunct="1">
+              <a:lnSpc>
+                <a:spcPct val="90000"/>
+              </a:lnSpc>
+              <a:spcBef>
+                <a:spcPts val="500"/>
+              </a:spcBef>
+              <a:buFont typeface="Arial" panose="020B0604020202020204" pitchFamily="34" charset="0"/>
+              <a:buNone/>
+              <a:defRPr sz="2000" kern="1200">
+                <a:solidFill>
+                  <a:schemeClr val="tx1"/>
+                </a:solidFill>
+                <a:latin typeface="+mn-lt"/>
+                <a:ea typeface="+mn-ea"/>
+                <a:cs typeface="+mn-cs"/>
+              </a:defRPr>
+            </a:lvl2pPr>
+            <a:lvl3pPr marL="914400" indent="0" algn="ctr" defTabSz="914400" rtl="0" eaLnBrk="1" latinLnBrk="0" hangingPunct="1">
+              <a:lnSpc>
+                <a:spcPct val="90000"/>
+              </a:lnSpc>
+              <a:spcBef>
+                <a:spcPts val="500"/>
+              </a:spcBef>
+              <a:buFont typeface="Arial" panose="020B0604020202020204" pitchFamily="34" charset="0"/>
+              <a:buNone/>
+              <a:defRPr sz="1800" kern="1200">
+                <a:solidFill>
+                  <a:schemeClr val="tx1"/>
+                </a:solidFill>
+                <a:latin typeface="+mn-lt"/>
+                <a:ea typeface="+mn-ea"/>
+                <a:cs typeface="+mn-cs"/>
+              </a:defRPr>
+            </a:lvl3pPr>
+            <a:lvl4pPr marL="1371600" indent="0" algn="ctr" defTabSz="914400" rtl="0" eaLnBrk="1" latinLnBrk="0" hangingPunct="1">
+              <a:lnSpc>
+                <a:spcPct val="90000"/>
+              </a:lnSpc>
+              <a:spcBef>
+                <a:spcPts val="500"/>
+              </a:spcBef>
+              <a:buFont typeface="Arial" panose="020B0604020202020204" pitchFamily="34" charset="0"/>
+              <a:buNone/>
+              <a:defRPr sz="1600" kern="1200">
+                <a:solidFill>
+                  <a:schemeClr val="tx1"/>
+                </a:solidFill>
+                <a:latin typeface="+mn-lt"/>
+                <a:ea typeface="+mn-ea"/>
+                <a:cs typeface="+mn-cs"/>
+              </a:defRPr>
+            </a:lvl4pPr>
+            <a:lvl5pPr marL="1828800" indent="0" algn="ctr" defTabSz="914400" rtl="0" eaLnBrk="1" latinLnBrk="0" hangingPunct="1">
+              <a:lnSpc>
+                <a:spcPct val="90000"/>
+              </a:lnSpc>
+              <a:spcBef>
+                <a:spcPts val="500"/>
+              </a:spcBef>
+              <a:buFont typeface="Arial" panose="020B0604020202020204" pitchFamily="34" charset="0"/>
+              <a:buNone/>
+              <a:defRPr sz="1600" kern="1200">
+                <a:solidFill>
+                  <a:schemeClr val="tx1"/>
+                </a:solidFill>
+                <a:latin typeface="+mn-lt"/>
+                <a:ea typeface="+mn-ea"/>
+                <a:cs typeface="+mn-cs"/>
+              </a:defRPr>
+            </a:lvl5pPr>
+            <a:lvl6pPr marL="2286000" indent="0" algn="ctr" defTabSz="914400" rtl="0" eaLnBrk="1" latinLnBrk="0" hangingPunct="1">
+              <a:lnSpc>
+                <a:spcPct val="90000"/>
+              </a:lnSpc>
+              <a:spcBef>
+                <a:spcPts val="500"/>
+              </a:spcBef>
+              <a:buFont typeface="Arial" panose="020B0604020202020204" pitchFamily="34" charset="0"/>
+              <a:buNone/>
+              <a:defRPr sz="1600" kern="1200">
+                <a:solidFill>
+                  <a:schemeClr val="tx1"/>
+                </a:solidFill>
+                <a:latin typeface="+mn-lt"/>
+                <a:ea typeface="+mn-ea"/>
+                <a:cs typeface="+mn-cs"/>
+              </a:defRPr>
+            </a:lvl6pPr>
+            <a:lvl7pPr marL="2743200" indent="0" algn="ctr" defTabSz="914400" rtl="0" eaLnBrk="1" latinLnBrk="0" hangingPunct="1">
+              <a:lnSpc>
+                <a:spcPct val="90000"/>
+              </a:lnSpc>
+              <a:spcBef>
+                <a:spcPts val="500"/>
+              </a:spcBef>
+              <a:buFont typeface="Arial" panose="020B0604020202020204" pitchFamily="34" charset="0"/>
+              <a:buNone/>
+              <a:defRPr sz="1600" kern="1200">
+                <a:solidFill>
+                  <a:schemeClr val="tx1"/>
+                </a:solidFill>
+                <a:latin typeface="+mn-lt"/>
+                <a:ea typeface="+mn-ea"/>
+                <a:cs typeface="+mn-cs"/>
+              </a:defRPr>
+            </a:lvl7pPr>
+            <a:lvl8pPr marL="3200400" indent="0" algn="ctr" defTabSz="914400" rtl="0" eaLnBrk="1" latinLnBrk="0" hangingPunct="1">
+              <a:lnSpc>
+                <a:spcPct val="90000"/>
+              </a:lnSpc>
+              <a:spcBef>
+                <a:spcPts val="500"/>
+              </a:spcBef>
+              <a:buFont typeface="Arial" panose="020B0604020202020204" pitchFamily="34" charset="0"/>
+              <a:buNone/>
+              <a:defRPr sz="1600" kern="1200">
+                <a:solidFill>
+                  <a:schemeClr val="tx1"/>
+                </a:solidFill>
+                <a:latin typeface="+mn-lt"/>
+                <a:ea typeface="+mn-ea"/>
+                <a:cs typeface="+mn-cs"/>
+              </a:defRPr>
+            </a:lvl8pPr>
+            <a:lvl9pPr marL="3657600" indent="0" algn="ctr" defTabSz="914400" rtl="0" eaLnBrk="1" latinLnBrk="0" hangingPunct="1">
+              <a:lnSpc>
+                <a:spcPct val="90000"/>
+              </a:lnSpc>
+              <a:spcBef>
+                <a:spcPts val="500"/>
+              </a:spcBef>
+              <a:buFont typeface="Arial" panose="020B0604020202020204" pitchFamily="34" charset="0"/>
+              <a:buNone/>
+              <a:defRPr sz="1600" kern="1200">
+                <a:solidFill>
+                  <a:schemeClr val="tx1"/>
+                </a:solidFill>
+                <a:latin typeface="+mn-lt"/>
+                <a:ea typeface="+mn-ea"/>
+                <a:cs typeface="+mn-cs"/>
+              </a:defRPr>
+            </a:lvl9pPr>
+          </a:lstStyle>
+          <a:p>
+            <a:pPr algn="l"/>
+            <a:r>
+              <a:rPr lang="it-IT" sz="4000" b="1" dirty="0">
+                <a:solidFill>
+                  <a:srgbClr val="FCFCFC"/>
+                </a:solidFill>
+                <a:latin typeface="Questrial" pitchFamily="2" charset="0"/>
+                <a:ea typeface="Questrial" pitchFamily="2" charset="0"/>
+                <a:cs typeface="Questrial" pitchFamily="2" charset="0"/>
+              </a:rPr>
+              <a:t>Vantaggi</a:t>
+            </a:r>
+          </a:p>
+          <a:p>
+            <a:pPr algn="l"/>
+            <a:r>
+              <a:rPr lang="it-IT" sz="4000" dirty="0">
+                <a:solidFill>
+                  <a:srgbClr val="FCFCFC"/>
+                </a:solidFill>
+                <a:latin typeface="Questrial" pitchFamily="2" charset="0"/>
+                <a:ea typeface="Questrial" pitchFamily="2" charset="0"/>
+                <a:cs typeface="Questrial" pitchFamily="2" charset="0"/>
+              </a:rPr>
+              <a:t>Permette a molti </a:t>
+            </a:r>
+            <a:r>
+              <a:rPr lang="it-IT" sz="4000" dirty="0" err="1">
+                <a:solidFill>
+                  <a:srgbClr val="FCFCFC"/>
+                </a:solidFill>
+                <a:latin typeface="Questrial" pitchFamily="2" charset="0"/>
+                <a:ea typeface="Questrial" pitchFamily="2" charset="0"/>
+                <a:cs typeface="Questrial" pitchFamily="2" charset="0"/>
+              </a:rPr>
+              <a:t>thread</a:t>
+            </a:r>
+            <a:r>
+              <a:rPr lang="it-IT" sz="4000" dirty="0">
+                <a:solidFill>
+                  <a:srgbClr val="FCFCFC"/>
+                </a:solidFill>
+                <a:latin typeface="Questrial" pitchFamily="2" charset="0"/>
+                <a:ea typeface="Questrial" pitchFamily="2" charset="0"/>
+                <a:cs typeface="Questrial" pitchFamily="2" charset="0"/>
+              </a:rPr>
+              <a:t> di aggiornare gli stessi parametri senza lock </a:t>
+            </a:r>
+            <a:r>
+              <a:rPr lang="it-IT" sz="4000" dirty="0" err="1">
+                <a:solidFill>
+                  <a:srgbClr val="FCFCFC"/>
+                </a:solidFill>
+                <a:latin typeface="Questrial" pitchFamily="2" charset="0"/>
+                <a:ea typeface="Questrial" pitchFamily="2" charset="0"/>
+                <a:cs typeface="Questrial" pitchFamily="2" charset="0"/>
+              </a:rPr>
+              <a:t>epsliciti</a:t>
+            </a:r>
+            <a:r>
+              <a:rPr lang="it-IT" sz="4000" dirty="0">
+                <a:solidFill>
+                  <a:srgbClr val="FCFCFC"/>
+                </a:solidFill>
+                <a:latin typeface="Questrial" pitchFamily="2" charset="0"/>
+                <a:ea typeface="Questrial" pitchFamily="2" charset="0"/>
+                <a:cs typeface="Questrial" pitchFamily="2" charset="0"/>
+              </a:rPr>
+              <a:t>.</a:t>
+            </a:r>
+          </a:p>
+        </p:txBody>
+      </p:sp>
+      <p:sp>
+        <p:nvSpPr>
+          <p:cNvPr id="6" name="Rettangolo con angoli arrotondati 5">
+            <a:extLst>
+              <a:ext uri="{FF2B5EF4-FFF2-40B4-BE49-F238E27FC236}">
+                <a16:creationId xmlns:a16="http://schemas.microsoft.com/office/drawing/2014/main" id="{72DEC873-9CB5-C343-3A63-8B9AE1AFEDFD}"/>
+              </a:ext>
+            </a:extLst>
+          </p:cNvPr>
+          <p:cNvSpPr/>
+          <p:nvPr/>
+        </p:nvSpPr>
+        <p:spPr>
+          <a:xfrm>
+            <a:off x="6409439" y="3411188"/>
+            <a:ext cx="5497961" cy="4341390"/>
+          </a:xfrm>
+          <a:prstGeom prst="roundRect">
+            <a:avLst/>
+          </a:prstGeom>
+          <a:solidFill>
+            <a:srgbClr val="667C6F"/>
+          </a:solidFill>
+          <a:ln>
+            <a:noFill/>
+          </a:ln>
+        </p:spPr>
+        <p:style>
+          <a:lnRef idx="2">
+            <a:schemeClr val="accent1">
+              <a:shade val="15000"/>
+            </a:schemeClr>
+          </a:lnRef>
+          <a:fillRef idx="1">
+            <a:schemeClr val="accent1"/>
+          </a:fillRef>
+          <a:effectRef idx="0">
+            <a:schemeClr val="accent1"/>
+          </a:effectRef>
+          <a:fontRef idx="minor">
+            <a:schemeClr val="lt1"/>
+          </a:fontRef>
+        </p:style>
+        <p:txBody>
+          <a:bodyPr rtlCol="0" anchor="ctr"/>
+          <a:lstStyle/>
+          <a:p>
+            <a:pPr algn="ctr"/>
+            <a:endParaRPr lang="it-IT"/>
+          </a:p>
+        </p:txBody>
+      </p:sp>
+      <p:sp>
+        <p:nvSpPr>
+          <p:cNvPr id="23" name="Sottotitolo 2">
+            <a:extLst>
+              <a:ext uri="{FF2B5EF4-FFF2-40B4-BE49-F238E27FC236}">
+                <a16:creationId xmlns:a16="http://schemas.microsoft.com/office/drawing/2014/main" id="{1A53F3D5-2D2F-7A1F-63E1-FA5156CEDF18}"/>
+              </a:ext>
+            </a:extLst>
+          </p:cNvPr>
+          <p:cNvSpPr txBox="1">
+            <a:spLocks/>
+          </p:cNvSpPr>
+          <p:nvPr/>
+        </p:nvSpPr>
+        <p:spPr>
+          <a:xfrm>
+            <a:off x="313438" y="1825044"/>
+            <a:ext cx="11622800" cy="549291"/>
+          </a:xfrm>
+          <a:prstGeom prst="rect">
+            <a:avLst/>
+          </a:prstGeom>
+        </p:spPr>
+        <p:txBody>
+          <a:bodyPr vert="horz" lIns="91440" tIns="45720" rIns="91440" bIns="45720" rtlCol="0">
+            <a:noAutofit/>
+          </a:bodyPr>
+          <a:lstStyle>
+            <a:lvl1pPr marL="0" indent="0" algn="ctr" defTabSz="914400" rtl="0" eaLnBrk="1" latinLnBrk="0" hangingPunct="1">
+              <a:lnSpc>
+                <a:spcPct val="90000"/>
+              </a:lnSpc>
+              <a:spcBef>
+                <a:spcPts val="1000"/>
+              </a:spcBef>
+              <a:buFont typeface="Arial" panose="020B0604020202020204" pitchFamily="34" charset="0"/>
+              <a:buNone/>
+              <a:defRPr sz="2400" kern="1200">
+                <a:solidFill>
+                  <a:schemeClr val="tx1"/>
+                </a:solidFill>
+                <a:latin typeface="+mn-lt"/>
+                <a:ea typeface="+mn-ea"/>
+                <a:cs typeface="+mn-cs"/>
+              </a:defRPr>
+            </a:lvl1pPr>
+            <a:lvl2pPr marL="457200" indent="0" algn="ctr" defTabSz="914400" rtl="0" eaLnBrk="1" latinLnBrk="0" hangingPunct="1">
+              <a:lnSpc>
+                <a:spcPct val="90000"/>
+              </a:lnSpc>
+              <a:spcBef>
+                <a:spcPts val="500"/>
+              </a:spcBef>
+              <a:buFont typeface="Arial" panose="020B0604020202020204" pitchFamily="34" charset="0"/>
+              <a:buNone/>
+              <a:defRPr sz="2000" kern="1200">
+                <a:solidFill>
+                  <a:schemeClr val="tx1"/>
+                </a:solidFill>
+                <a:latin typeface="+mn-lt"/>
+                <a:ea typeface="+mn-ea"/>
+                <a:cs typeface="+mn-cs"/>
+              </a:defRPr>
+            </a:lvl2pPr>
+            <a:lvl3pPr marL="914400" indent="0" algn="ctr" defTabSz="914400" rtl="0" eaLnBrk="1" latinLnBrk="0" hangingPunct="1">
+              <a:lnSpc>
+                <a:spcPct val="90000"/>
+              </a:lnSpc>
+              <a:spcBef>
+                <a:spcPts val="500"/>
+              </a:spcBef>
+              <a:buFont typeface="Arial" panose="020B0604020202020204" pitchFamily="34" charset="0"/>
+              <a:buNone/>
+              <a:defRPr sz="1800" kern="1200">
+                <a:solidFill>
+                  <a:schemeClr val="tx1"/>
+                </a:solidFill>
+                <a:latin typeface="+mn-lt"/>
+                <a:ea typeface="+mn-ea"/>
+                <a:cs typeface="+mn-cs"/>
+              </a:defRPr>
+            </a:lvl3pPr>
+            <a:lvl4pPr marL="1371600" indent="0" algn="ctr" defTabSz="914400" rtl="0" eaLnBrk="1" latinLnBrk="0" hangingPunct="1">
+              <a:lnSpc>
+                <a:spcPct val="90000"/>
+              </a:lnSpc>
+              <a:spcBef>
+                <a:spcPts val="500"/>
+              </a:spcBef>
+              <a:buFont typeface="Arial" panose="020B0604020202020204" pitchFamily="34" charset="0"/>
+              <a:buNone/>
+              <a:defRPr sz="1600" kern="1200">
+                <a:solidFill>
+                  <a:schemeClr val="tx1"/>
+                </a:solidFill>
+                <a:latin typeface="+mn-lt"/>
+                <a:ea typeface="+mn-ea"/>
+                <a:cs typeface="+mn-cs"/>
+              </a:defRPr>
+            </a:lvl4pPr>
+            <a:lvl5pPr marL="1828800" indent="0" algn="ctr" defTabSz="914400" rtl="0" eaLnBrk="1" latinLnBrk="0" hangingPunct="1">
+              <a:lnSpc>
+                <a:spcPct val="90000"/>
+              </a:lnSpc>
+              <a:spcBef>
+                <a:spcPts val="500"/>
+              </a:spcBef>
+              <a:buFont typeface="Arial" panose="020B0604020202020204" pitchFamily="34" charset="0"/>
+              <a:buNone/>
+              <a:defRPr sz="1600" kern="1200">
+                <a:solidFill>
+                  <a:schemeClr val="tx1"/>
+                </a:solidFill>
+                <a:latin typeface="+mn-lt"/>
+                <a:ea typeface="+mn-ea"/>
+                <a:cs typeface="+mn-cs"/>
+              </a:defRPr>
+            </a:lvl5pPr>
+            <a:lvl6pPr marL="2286000" indent="0" algn="ctr" defTabSz="914400" rtl="0" eaLnBrk="1" latinLnBrk="0" hangingPunct="1">
+              <a:lnSpc>
+                <a:spcPct val="90000"/>
+              </a:lnSpc>
+              <a:spcBef>
+                <a:spcPts val="500"/>
+              </a:spcBef>
+              <a:buFont typeface="Arial" panose="020B0604020202020204" pitchFamily="34" charset="0"/>
+              <a:buNone/>
+              <a:defRPr sz="1600" kern="1200">
+                <a:solidFill>
+                  <a:schemeClr val="tx1"/>
+                </a:solidFill>
+                <a:latin typeface="+mn-lt"/>
+                <a:ea typeface="+mn-ea"/>
+                <a:cs typeface="+mn-cs"/>
+              </a:defRPr>
+            </a:lvl6pPr>
+            <a:lvl7pPr marL="2743200" indent="0" algn="ctr" defTabSz="914400" rtl="0" eaLnBrk="1" latinLnBrk="0" hangingPunct="1">
+              <a:lnSpc>
+                <a:spcPct val="90000"/>
+              </a:lnSpc>
+              <a:spcBef>
+                <a:spcPts val="500"/>
+              </a:spcBef>
+              <a:buFont typeface="Arial" panose="020B0604020202020204" pitchFamily="34" charset="0"/>
+              <a:buNone/>
+              <a:defRPr sz="1600" kern="1200">
+                <a:solidFill>
+                  <a:schemeClr val="tx1"/>
+                </a:solidFill>
+                <a:latin typeface="+mn-lt"/>
+                <a:ea typeface="+mn-ea"/>
+                <a:cs typeface="+mn-cs"/>
+              </a:defRPr>
+            </a:lvl7pPr>
+            <a:lvl8pPr marL="3200400" indent="0" algn="ctr" defTabSz="914400" rtl="0" eaLnBrk="1" latinLnBrk="0" hangingPunct="1">
+              <a:lnSpc>
+                <a:spcPct val="90000"/>
+              </a:lnSpc>
+              <a:spcBef>
+                <a:spcPts val="500"/>
+              </a:spcBef>
+              <a:buFont typeface="Arial" panose="020B0604020202020204" pitchFamily="34" charset="0"/>
+              <a:buNone/>
+              <a:defRPr sz="1600" kern="1200">
+                <a:solidFill>
+                  <a:schemeClr val="tx1"/>
+                </a:solidFill>
+                <a:latin typeface="+mn-lt"/>
+                <a:ea typeface="+mn-ea"/>
+                <a:cs typeface="+mn-cs"/>
+              </a:defRPr>
+            </a:lvl8pPr>
+            <a:lvl9pPr marL="3657600" indent="0" algn="ctr" defTabSz="914400" rtl="0" eaLnBrk="1" latinLnBrk="0" hangingPunct="1">
+              <a:lnSpc>
+                <a:spcPct val="90000"/>
+              </a:lnSpc>
+              <a:spcBef>
+                <a:spcPts val="500"/>
+              </a:spcBef>
+              <a:buFont typeface="Arial" panose="020B0604020202020204" pitchFamily="34" charset="0"/>
+              <a:buNone/>
+              <a:defRPr sz="1600" kern="1200">
+                <a:solidFill>
+                  <a:schemeClr val="tx1"/>
+                </a:solidFill>
+                <a:latin typeface="+mn-lt"/>
+                <a:ea typeface="+mn-ea"/>
+                <a:cs typeface="+mn-cs"/>
+              </a:defRPr>
+            </a:lvl9pPr>
+          </a:lstStyle>
+          <a:p>
+            <a:pPr algn="l"/>
+            <a:r>
+              <a:rPr lang="it-IT" sz="3200" dirty="0">
+                <a:latin typeface="Questrial" pitchFamily="2" charset="0"/>
+                <a:ea typeface="Questrial" pitchFamily="2" charset="0"/>
+                <a:cs typeface="Questrial" pitchFamily="2" charset="0"/>
+              </a:rPr>
+              <a:t>È possibile utilizzare </a:t>
+            </a:r>
+            <a:r>
+              <a:rPr lang="it-IT" sz="3200" b="1" dirty="0" err="1">
+                <a:latin typeface="Questrial" pitchFamily="2" charset="0"/>
+                <a:ea typeface="Questrial" pitchFamily="2" charset="0"/>
+                <a:cs typeface="Questrial" pitchFamily="2" charset="0"/>
+              </a:rPr>
+              <a:t>Atomic</a:t>
+            </a:r>
+            <a:r>
+              <a:rPr lang="it-IT" sz="3200" b="1" dirty="0">
+                <a:latin typeface="Questrial" pitchFamily="2" charset="0"/>
+                <a:ea typeface="Questrial" pitchFamily="2" charset="0"/>
+                <a:cs typeface="Questrial" pitchFamily="2" charset="0"/>
+              </a:rPr>
+              <a:t> </a:t>
+            </a:r>
+            <a:r>
+              <a:rPr lang="it-IT" sz="3200" b="1" dirty="0" err="1">
+                <a:latin typeface="Questrial" pitchFamily="2" charset="0"/>
+                <a:ea typeface="Questrial" pitchFamily="2" charset="0"/>
+                <a:cs typeface="Questrial" pitchFamily="2" charset="0"/>
+              </a:rPr>
+              <a:t>Add</a:t>
+            </a:r>
+            <a:r>
+              <a:rPr lang="it-IT" sz="3200" b="1" dirty="0">
+                <a:latin typeface="Questrial" pitchFamily="2" charset="0"/>
+                <a:ea typeface="Questrial" pitchFamily="2" charset="0"/>
+                <a:cs typeface="Questrial" pitchFamily="2" charset="0"/>
+              </a:rPr>
+              <a:t> </a:t>
+            </a:r>
+            <a:r>
+              <a:rPr lang="it-IT" sz="3200" dirty="0">
+                <a:latin typeface="Questrial" pitchFamily="2" charset="0"/>
+                <a:ea typeface="Questrial" pitchFamily="2" charset="0"/>
+                <a:cs typeface="Questrial" pitchFamily="2" charset="0"/>
+              </a:rPr>
+              <a:t>per gli aggiornamenti nelle implementazioni lock-free più semplici.</a:t>
+            </a:r>
+          </a:p>
+        </p:txBody>
+      </p:sp>
+      <p:sp>
+        <p:nvSpPr>
+          <p:cNvPr id="3" name="Sottotitolo 2">
+            <a:extLst>
+              <a:ext uri="{FF2B5EF4-FFF2-40B4-BE49-F238E27FC236}">
+                <a16:creationId xmlns:a16="http://schemas.microsoft.com/office/drawing/2014/main" id="{273007FA-0071-849C-F1B5-D35A5ACEE36B}"/>
+              </a:ext>
+            </a:extLst>
+          </p:cNvPr>
+          <p:cNvSpPr txBox="1">
+            <a:spLocks/>
+          </p:cNvSpPr>
+          <p:nvPr/>
+        </p:nvSpPr>
+        <p:spPr>
+          <a:xfrm>
+            <a:off x="6689558" y="2861897"/>
+            <a:ext cx="2453509" cy="549291"/>
+          </a:xfrm>
+          <a:prstGeom prst="rect">
+            <a:avLst/>
+          </a:prstGeom>
+        </p:spPr>
+        <p:txBody>
+          <a:bodyPr vert="horz" lIns="91440" tIns="45720" rIns="91440" bIns="45720" rtlCol="0">
+            <a:noAutofit/>
+          </a:bodyPr>
+          <a:lstStyle>
+            <a:lvl1pPr marL="0" indent="0" algn="ctr" defTabSz="914400" rtl="0" eaLnBrk="1" latinLnBrk="0" hangingPunct="1">
+              <a:lnSpc>
+                <a:spcPct val="90000"/>
+              </a:lnSpc>
+              <a:spcBef>
+                <a:spcPts val="1000"/>
+              </a:spcBef>
+              <a:buFont typeface="Arial" panose="020B0604020202020204" pitchFamily="34" charset="0"/>
+              <a:buNone/>
+              <a:defRPr sz="2400" kern="1200">
+                <a:solidFill>
+                  <a:schemeClr val="tx1"/>
+                </a:solidFill>
+                <a:latin typeface="+mn-lt"/>
+                <a:ea typeface="+mn-ea"/>
+                <a:cs typeface="+mn-cs"/>
+              </a:defRPr>
+            </a:lvl1pPr>
+            <a:lvl2pPr marL="457200" indent="0" algn="ctr" defTabSz="914400" rtl="0" eaLnBrk="1" latinLnBrk="0" hangingPunct="1">
+              <a:lnSpc>
+                <a:spcPct val="90000"/>
+              </a:lnSpc>
+              <a:spcBef>
+                <a:spcPts val="500"/>
+              </a:spcBef>
+              <a:buFont typeface="Arial" panose="020B0604020202020204" pitchFamily="34" charset="0"/>
+              <a:buNone/>
+              <a:defRPr sz="2000" kern="1200">
+                <a:solidFill>
+                  <a:schemeClr val="tx1"/>
+                </a:solidFill>
+                <a:latin typeface="+mn-lt"/>
+                <a:ea typeface="+mn-ea"/>
+                <a:cs typeface="+mn-cs"/>
+              </a:defRPr>
+            </a:lvl2pPr>
+            <a:lvl3pPr marL="914400" indent="0" algn="ctr" defTabSz="914400" rtl="0" eaLnBrk="1" latinLnBrk="0" hangingPunct="1">
+              <a:lnSpc>
+                <a:spcPct val="90000"/>
+              </a:lnSpc>
+              <a:spcBef>
+                <a:spcPts val="500"/>
+              </a:spcBef>
+              <a:buFont typeface="Arial" panose="020B0604020202020204" pitchFamily="34" charset="0"/>
+              <a:buNone/>
+              <a:defRPr sz="1800" kern="1200">
+                <a:solidFill>
+                  <a:schemeClr val="tx1"/>
+                </a:solidFill>
+                <a:latin typeface="+mn-lt"/>
+                <a:ea typeface="+mn-ea"/>
+                <a:cs typeface="+mn-cs"/>
+              </a:defRPr>
+            </a:lvl3pPr>
+            <a:lvl4pPr marL="1371600" indent="0" algn="ctr" defTabSz="914400" rtl="0" eaLnBrk="1" latinLnBrk="0" hangingPunct="1">
+              <a:lnSpc>
+                <a:spcPct val="90000"/>
+              </a:lnSpc>
+              <a:spcBef>
+                <a:spcPts val="500"/>
+              </a:spcBef>
+              <a:buFont typeface="Arial" panose="020B0604020202020204" pitchFamily="34" charset="0"/>
+              <a:buNone/>
+              <a:defRPr sz="1600" kern="1200">
+                <a:solidFill>
+                  <a:schemeClr val="tx1"/>
+                </a:solidFill>
+                <a:latin typeface="+mn-lt"/>
+                <a:ea typeface="+mn-ea"/>
+                <a:cs typeface="+mn-cs"/>
+              </a:defRPr>
+            </a:lvl4pPr>
+            <a:lvl5pPr marL="1828800" indent="0" algn="ctr" defTabSz="914400" rtl="0" eaLnBrk="1" latinLnBrk="0" hangingPunct="1">
+              <a:lnSpc>
+                <a:spcPct val="90000"/>
+              </a:lnSpc>
+              <a:spcBef>
+                <a:spcPts val="500"/>
+              </a:spcBef>
+              <a:buFont typeface="Arial" panose="020B0604020202020204" pitchFamily="34" charset="0"/>
+              <a:buNone/>
+              <a:defRPr sz="1600" kern="1200">
+                <a:solidFill>
+                  <a:schemeClr val="tx1"/>
+                </a:solidFill>
+                <a:latin typeface="+mn-lt"/>
+                <a:ea typeface="+mn-ea"/>
+                <a:cs typeface="+mn-cs"/>
+              </a:defRPr>
+            </a:lvl5pPr>
+            <a:lvl6pPr marL="2286000" indent="0" algn="ctr" defTabSz="914400" rtl="0" eaLnBrk="1" latinLnBrk="0" hangingPunct="1">
+              <a:lnSpc>
+                <a:spcPct val="90000"/>
+              </a:lnSpc>
+              <a:spcBef>
+                <a:spcPts val="500"/>
+              </a:spcBef>
+              <a:buFont typeface="Arial" panose="020B0604020202020204" pitchFamily="34" charset="0"/>
+              <a:buNone/>
+              <a:defRPr sz="1600" kern="1200">
+                <a:solidFill>
+                  <a:schemeClr val="tx1"/>
+                </a:solidFill>
+                <a:latin typeface="+mn-lt"/>
+                <a:ea typeface="+mn-ea"/>
+                <a:cs typeface="+mn-cs"/>
+              </a:defRPr>
+            </a:lvl6pPr>
+            <a:lvl7pPr marL="2743200" indent="0" algn="ctr" defTabSz="914400" rtl="0" eaLnBrk="1" latinLnBrk="0" hangingPunct="1">
+              <a:lnSpc>
+                <a:spcPct val="90000"/>
+              </a:lnSpc>
+              <a:spcBef>
+                <a:spcPts val="500"/>
+              </a:spcBef>
+              <a:buFont typeface="Arial" panose="020B0604020202020204" pitchFamily="34" charset="0"/>
+              <a:buNone/>
+              <a:defRPr sz="1600" kern="1200">
+                <a:solidFill>
+                  <a:schemeClr val="tx1"/>
+                </a:solidFill>
+                <a:latin typeface="+mn-lt"/>
+                <a:ea typeface="+mn-ea"/>
+                <a:cs typeface="+mn-cs"/>
+              </a:defRPr>
+            </a:lvl7pPr>
+            <a:lvl8pPr marL="3200400" indent="0" algn="ctr" defTabSz="914400" rtl="0" eaLnBrk="1" latinLnBrk="0" hangingPunct="1">
+              <a:lnSpc>
+                <a:spcPct val="90000"/>
+              </a:lnSpc>
+              <a:spcBef>
+                <a:spcPts val="500"/>
+              </a:spcBef>
+              <a:buFont typeface="Arial" panose="020B0604020202020204" pitchFamily="34" charset="0"/>
+              <a:buNone/>
+              <a:defRPr sz="1600" kern="1200">
+                <a:solidFill>
+                  <a:schemeClr val="tx1"/>
+                </a:solidFill>
+                <a:latin typeface="+mn-lt"/>
+                <a:ea typeface="+mn-ea"/>
+                <a:cs typeface="+mn-cs"/>
+              </a:defRPr>
+            </a:lvl8pPr>
+            <a:lvl9pPr marL="3657600" indent="0" algn="ctr" defTabSz="914400" rtl="0" eaLnBrk="1" latinLnBrk="0" hangingPunct="1">
+              <a:lnSpc>
+                <a:spcPct val="90000"/>
+              </a:lnSpc>
+              <a:spcBef>
+                <a:spcPts val="500"/>
+              </a:spcBef>
+              <a:buFont typeface="Arial" panose="020B0604020202020204" pitchFamily="34" charset="0"/>
+              <a:buNone/>
+              <a:defRPr sz="1600" kern="1200">
+                <a:solidFill>
+                  <a:schemeClr val="tx1"/>
+                </a:solidFill>
+                <a:latin typeface="+mn-lt"/>
+                <a:ea typeface="+mn-ea"/>
+                <a:cs typeface="+mn-cs"/>
+              </a:defRPr>
+            </a:lvl9pPr>
+          </a:lstStyle>
+          <a:p>
+            <a:pPr algn="l"/>
+            <a:r>
+              <a:rPr lang="it-IT" sz="4000" b="1" dirty="0">
+                <a:latin typeface="Questrial" pitchFamily="2" charset="0"/>
+                <a:ea typeface="Questrial" pitchFamily="2" charset="0"/>
+                <a:cs typeface="Questrial" pitchFamily="2" charset="0"/>
+              </a:rPr>
+              <a:t>Limiti</a:t>
+            </a:r>
+          </a:p>
+        </p:txBody>
+      </p:sp>
+      <p:sp>
+        <p:nvSpPr>
+          <p:cNvPr id="4" name="Sottotitolo 2">
+            <a:extLst>
+              <a:ext uri="{FF2B5EF4-FFF2-40B4-BE49-F238E27FC236}">
+                <a16:creationId xmlns:a16="http://schemas.microsoft.com/office/drawing/2014/main" id="{640EE076-4F78-10AD-9CFC-588A50136574}"/>
+              </a:ext>
+            </a:extLst>
+          </p:cNvPr>
+          <p:cNvSpPr txBox="1">
+            <a:spLocks/>
+          </p:cNvSpPr>
+          <p:nvPr/>
+        </p:nvSpPr>
+        <p:spPr>
+          <a:xfrm>
+            <a:off x="6840680" y="3673340"/>
+            <a:ext cx="4604774" cy="2290082"/>
+          </a:xfrm>
+          <a:prstGeom prst="rect">
+            <a:avLst/>
+          </a:prstGeom>
+        </p:spPr>
+        <p:txBody>
+          <a:bodyPr vert="horz" lIns="91440" tIns="45720" rIns="91440" bIns="45720" rtlCol="0">
+            <a:noAutofit/>
+          </a:bodyPr>
+          <a:lstStyle>
+            <a:lvl1pPr marL="0" indent="0" algn="ctr" defTabSz="914400" rtl="0" eaLnBrk="1" latinLnBrk="0" hangingPunct="1">
+              <a:lnSpc>
+                <a:spcPct val="90000"/>
+              </a:lnSpc>
+              <a:spcBef>
+                <a:spcPts val="1000"/>
+              </a:spcBef>
+              <a:buFont typeface="Arial" panose="020B0604020202020204" pitchFamily="34" charset="0"/>
+              <a:buNone/>
+              <a:defRPr sz="2400" kern="1200">
+                <a:solidFill>
+                  <a:schemeClr val="tx1"/>
+                </a:solidFill>
+                <a:latin typeface="+mn-lt"/>
+                <a:ea typeface="+mn-ea"/>
+                <a:cs typeface="+mn-cs"/>
+              </a:defRPr>
+            </a:lvl1pPr>
+            <a:lvl2pPr marL="457200" indent="0" algn="ctr" defTabSz="914400" rtl="0" eaLnBrk="1" latinLnBrk="0" hangingPunct="1">
+              <a:lnSpc>
+                <a:spcPct val="90000"/>
+              </a:lnSpc>
+              <a:spcBef>
+                <a:spcPts val="500"/>
+              </a:spcBef>
+              <a:buFont typeface="Arial" panose="020B0604020202020204" pitchFamily="34" charset="0"/>
+              <a:buNone/>
+              <a:defRPr sz="2000" kern="1200">
+                <a:solidFill>
+                  <a:schemeClr val="tx1"/>
+                </a:solidFill>
+                <a:latin typeface="+mn-lt"/>
+                <a:ea typeface="+mn-ea"/>
+                <a:cs typeface="+mn-cs"/>
+              </a:defRPr>
+            </a:lvl2pPr>
+            <a:lvl3pPr marL="914400" indent="0" algn="ctr" defTabSz="914400" rtl="0" eaLnBrk="1" latinLnBrk="0" hangingPunct="1">
+              <a:lnSpc>
+                <a:spcPct val="90000"/>
+              </a:lnSpc>
+              <a:spcBef>
+                <a:spcPts val="500"/>
+              </a:spcBef>
+              <a:buFont typeface="Arial" panose="020B0604020202020204" pitchFamily="34" charset="0"/>
+              <a:buNone/>
+              <a:defRPr sz="1800" kern="1200">
+                <a:solidFill>
+                  <a:schemeClr val="tx1"/>
+                </a:solidFill>
+                <a:latin typeface="+mn-lt"/>
+                <a:ea typeface="+mn-ea"/>
+                <a:cs typeface="+mn-cs"/>
+              </a:defRPr>
+            </a:lvl3pPr>
+            <a:lvl4pPr marL="1371600" indent="0" algn="ctr" defTabSz="914400" rtl="0" eaLnBrk="1" latinLnBrk="0" hangingPunct="1">
+              <a:lnSpc>
+                <a:spcPct val="90000"/>
+              </a:lnSpc>
+              <a:spcBef>
+                <a:spcPts val="500"/>
+              </a:spcBef>
+              <a:buFont typeface="Arial" panose="020B0604020202020204" pitchFamily="34" charset="0"/>
+              <a:buNone/>
+              <a:defRPr sz="1600" kern="1200">
+                <a:solidFill>
+                  <a:schemeClr val="tx1"/>
+                </a:solidFill>
+                <a:latin typeface="+mn-lt"/>
+                <a:ea typeface="+mn-ea"/>
+                <a:cs typeface="+mn-cs"/>
+              </a:defRPr>
+            </a:lvl4pPr>
+            <a:lvl5pPr marL="1828800" indent="0" algn="ctr" defTabSz="914400" rtl="0" eaLnBrk="1" latinLnBrk="0" hangingPunct="1">
+              <a:lnSpc>
+                <a:spcPct val="90000"/>
+              </a:lnSpc>
+              <a:spcBef>
+                <a:spcPts val="500"/>
+              </a:spcBef>
+              <a:buFont typeface="Arial" panose="020B0604020202020204" pitchFamily="34" charset="0"/>
+              <a:buNone/>
+              <a:defRPr sz="1600" kern="1200">
+                <a:solidFill>
+                  <a:schemeClr val="tx1"/>
+                </a:solidFill>
+                <a:latin typeface="+mn-lt"/>
+                <a:ea typeface="+mn-ea"/>
+                <a:cs typeface="+mn-cs"/>
+              </a:defRPr>
+            </a:lvl5pPr>
+            <a:lvl6pPr marL="2286000" indent="0" algn="ctr" defTabSz="914400" rtl="0" eaLnBrk="1" latinLnBrk="0" hangingPunct="1">
+              <a:lnSpc>
+                <a:spcPct val="90000"/>
+              </a:lnSpc>
+              <a:spcBef>
+                <a:spcPts val="500"/>
+              </a:spcBef>
+              <a:buFont typeface="Arial" panose="020B0604020202020204" pitchFamily="34" charset="0"/>
+              <a:buNone/>
+              <a:defRPr sz="1600" kern="1200">
+                <a:solidFill>
+                  <a:schemeClr val="tx1"/>
+                </a:solidFill>
+                <a:latin typeface="+mn-lt"/>
+                <a:ea typeface="+mn-ea"/>
+                <a:cs typeface="+mn-cs"/>
+              </a:defRPr>
+            </a:lvl6pPr>
+            <a:lvl7pPr marL="2743200" indent="0" algn="ctr" defTabSz="914400" rtl="0" eaLnBrk="1" latinLnBrk="0" hangingPunct="1">
+              <a:lnSpc>
+                <a:spcPct val="90000"/>
+              </a:lnSpc>
+              <a:spcBef>
+                <a:spcPts val="500"/>
+              </a:spcBef>
+              <a:buFont typeface="Arial" panose="020B0604020202020204" pitchFamily="34" charset="0"/>
+              <a:buNone/>
+              <a:defRPr sz="1600" kern="1200">
+                <a:solidFill>
+                  <a:schemeClr val="tx1"/>
+                </a:solidFill>
+                <a:latin typeface="+mn-lt"/>
+                <a:ea typeface="+mn-ea"/>
+                <a:cs typeface="+mn-cs"/>
+              </a:defRPr>
+            </a:lvl7pPr>
+            <a:lvl8pPr marL="3200400" indent="0" algn="ctr" defTabSz="914400" rtl="0" eaLnBrk="1" latinLnBrk="0" hangingPunct="1">
+              <a:lnSpc>
+                <a:spcPct val="90000"/>
+              </a:lnSpc>
+              <a:spcBef>
+                <a:spcPts val="500"/>
+              </a:spcBef>
+              <a:buFont typeface="Arial" panose="020B0604020202020204" pitchFamily="34" charset="0"/>
+              <a:buNone/>
+              <a:defRPr sz="1600" kern="1200">
+                <a:solidFill>
+                  <a:schemeClr val="tx1"/>
+                </a:solidFill>
+                <a:latin typeface="+mn-lt"/>
+                <a:ea typeface="+mn-ea"/>
+                <a:cs typeface="+mn-cs"/>
+              </a:defRPr>
+            </a:lvl8pPr>
+            <a:lvl9pPr marL="3657600" indent="0" algn="ctr" defTabSz="914400" rtl="0" eaLnBrk="1" latinLnBrk="0" hangingPunct="1">
+              <a:lnSpc>
+                <a:spcPct val="90000"/>
+              </a:lnSpc>
+              <a:spcBef>
+                <a:spcPts val="500"/>
+              </a:spcBef>
+              <a:buFont typeface="Arial" panose="020B0604020202020204" pitchFamily="34" charset="0"/>
+              <a:buNone/>
+              <a:defRPr sz="1600" kern="1200">
+                <a:solidFill>
+                  <a:schemeClr val="tx1"/>
+                </a:solidFill>
+                <a:latin typeface="+mn-lt"/>
+                <a:ea typeface="+mn-ea"/>
+                <a:cs typeface="+mn-cs"/>
+              </a:defRPr>
+            </a:lvl9pPr>
+          </a:lstStyle>
+          <a:p>
+            <a:pPr algn="l"/>
+            <a:r>
+              <a:rPr lang="it-IT" sz="4000" dirty="0">
+                <a:solidFill>
+                  <a:srgbClr val="FCFCFC"/>
+                </a:solidFill>
+                <a:latin typeface="Questrial" pitchFamily="2" charset="0"/>
+                <a:ea typeface="Questrial" pitchFamily="2" charset="0"/>
+                <a:cs typeface="Questrial" pitchFamily="2" charset="0"/>
+              </a:rPr>
+              <a:t>Le prestazioni degradano se item o utenti sono molo popolari.</a:t>
+            </a:r>
+          </a:p>
+        </p:txBody>
+      </p:sp>
+      <p:pic>
+        <p:nvPicPr>
+          <p:cNvPr id="9" name="Immagine 8" descr="Immagine che contiene nero, oscurità&#10;&#10;Il contenuto generato dall'IA potrebbe non essere corretto.">
+            <a:extLst>
+              <a:ext uri="{FF2B5EF4-FFF2-40B4-BE49-F238E27FC236}">
+                <a16:creationId xmlns:a16="http://schemas.microsoft.com/office/drawing/2014/main" id="{9EDB8292-0DD1-87EB-64A8-CFB9C371EC38}"/>
+              </a:ext>
+            </a:extLst>
+          </p:cNvPr>
+          <p:cNvPicPr>
+            <a:picLocks noChangeAspect="1"/>
+          </p:cNvPicPr>
+          <p:nvPr/>
+        </p:nvPicPr>
+        <p:blipFill>
+          <a:blip r:embed="rId3">
+            <a:extLst>
+              <a:ext uri="{28A0092B-C50C-407E-A947-70E740481C1C}">
+                <a14:useLocalDpi xmlns:a14="http://schemas.microsoft.com/office/drawing/2010/main" val="0"/>
+              </a:ext>
+            </a:extLst>
+          </a:blip>
+          <a:stretch>
+            <a:fillRect/>
+          </a:stretch>
+        </p:blipFill>
+        <p:spPr>
+          <a:xfrm>
+            <a:off x="11027503" y="454094"/>
+            <a:ext cx="871198" cy="871198"/>
+          </a:xfrm>
+          <a:prstGeom prst="rect">
+            <a:avLst/>
+          </a:prstGeom>
+        </p:spPr>
+      </p:pic>
+    </p:spTree>
+    <p:extLst>
+      <p:ext uri="{BB962C8B-B14F-4D97-AF65-F5344CB8AC3E}">
+        <p14:creationId xmlns:p14="http://schemas.microsoft.com/office/powerpoint/2010/main" val="1637786106"/>
+      </p:ext>
+    </p:extLst>
+  </p:cSld>
+  <p:clrMapOvr>
+    <a:masterClrMapping/>
+  </p:clrMapOvr>
+</p:sld>
+</file>
+
+<file path=ppt/slides/slide15.xml><?xml version="1.0" encoding="utf-8"?>
+<p:sld xmlns:a="http://schemas.openxmlformats.org/drawingml/2006/main" xmlns:r="http://schemas.openxmlformats.org/officeDocument/2006/relationships" xmlns:p="http://schemas.openxmlformats.org/presentationml/2006/main">
+  <p:cSld>
+    <p:spTree>
+      <p:nvGrpSpPr>
+        <p:cNvPr id="1" name="">
+          <a:extLst>
+            <a:ext uri="{FF2B5EF4-FFF2-40B4-BE49-F238E27FC236}">
+              <a16:creationId xmlns:a16="http://schemas.microsoft.com/office/drawing/2014/main" id="{A7CA3543-D5A0-D8FE-0D67-BCE14833E53B}"/>
+            </a:ext>
+          </a:extLst>
+        </p:cNvPr>
+        <p:cNvGrpSpPr/>
+        <p:nvPr/>
+      </p:nvGrpSpPr>
+      <p:grpSpPr>
+        <a:xfrm>
+          <a:off x="0" y="0"/>
+          <a:ext cx="0" cy="0"/>
+          <a:chOff x="0" y="0"/>
+          <a:chExt cx="0" cy="0"/>
+        </a:xfrm>
+      </p:grpSpPr>
+      <p:sp>
+        <p:nvSpPr>
+          <p:cNvPr id="7" name="Rettangolo 6">
+            <a:extLst>
+              <a:ext uri="{FF2B5EF4-FFF2-40B4-BE49-F238E27FC236}">
+                <a16:creationId xmlns:a16="http://schemas.microsoft.com/office/drawing/2014/main" id="{8FA7A9FF-9251-D573-EEBF-F4016ED76EF9}"/>
+              </a:ext>
+            </a:extLst>
+          </p:cNvPr>
+          <p:cNvSpPr>
+            <a:spLocks noGrp="1" noRot="1" noMove="1" noResize="1" noEditPoints="1" noAdjustHandles="1" noChangeArrowheads="1" noChangeShapeType="1"/>
+          </p:cNvSpPr>
+          <p:nvPr/>
+        </p:nvSpPr>
+        <p:spPr>
+          <a:xfrm>
+            <a:off x="0" y="0"/>
+            <a:ext cx="12192000" cy="6858000"/>
+          </a:xfrm>
+          <a:prstGeom prst="rect">
+            <a:avLst/>
+          </a:prstGeom>
+          <a:solidFill>
+            <a:srgbClr val="FCFCFC"/>
+          </a:solidFill>
+        </p:spPr>
+        <p:style>
+          <a:lnRef idx="2">
+            <a:schemeClr val="accent1">
+              <a:shade val="15000"/>
+            </a:schemeClr>
+          </a:lnRef>
+          <a:fillRef idx="1">
+            <a:schemeClr val="accent1"/>
+          </a:fillRef>
+          <a:effectRef idx="0">
+            <a:schemeClr val="accent1"/>
+          </a:effectRef>
+          <a:fontRef idx="minor">
+            <a:schemeClr val="lt1"/>
+          </a:fontRef>
+        </p:style>
+        <p:txBody>
+          <a:bodyPr rtlCol="0" anchor="ctr"/>
+          <a:lstStyle/>
+          <a:p>
+            <a:pPr algn="just"/>
+            <a:endParaRPr lang="it-IT" dirty="0"/>
+          </a:p>
+        </p:txBody>
+      </p:sp>
+      <p:sp>
+        <p:nvSpPr>
+          <p:cNvPr id="5" name="Rettangolo con angoli arrotondati 4">
+            <a:extLst>
+              <a:ext uri="{FF2B5EF4-FFF2-40B4-BE49-F238E27FC236}">
+                <a16:creationId xmlns:a16="http://schemas.microsoft.com/office/drawing/2014/main" id="{68812DA2-20A6-E91C-3463-7C85D8E7A4BA}"/>
+              </a:ext>
+            </a:extLst>
+          </p:cNvPr>
+          <p:cNvSpPr/>
+          <p:nvPr/>
+        </p:nvSpPr>
+        <p:spPr>
+          <a:xfrm>
+            <a:off x="-711655" y="2869203"/>
+            <a:ext cx="6689558" cy="3348336"/>
+          </a:xfrm>
+          <a:prstGeom prst="roundRect">
+            <a:avLst/>
+          </a:prstGeom>
+          <a:solidFill>
+            <a:srgbClr val="FC993E"/>
+          </a:solidFill>
+          <a:ln>
+            <a:noFill/>
+          </a:ln>
+        </p:spPr>
+        <p:style>
+          <a:lnRef idx="2">
+            <a:schemeClr val="accent1">
+              <a:shade val="15000"/>
+            </a:schemeClr>
+          </a:lnRef>
+          <a:fillRef idx="1">
+            <a:schemeClr val="accent1"/>
+          </a:fillRef>
+          <a:effectRef idx="0">
+            <a:schemeClr val="accent1"/>
+          </a:effectRef>
+          <a:fontRef idx="minor">
+            <a:schemeClr val="lt1"/>
+          </a:fontRef>
+        </p:style>
+        <p:txBody>
+          <a:bodyPr rtlCol="0" anchor="ctr"/>
+          <a:lstStyle/>
+          <a:p>
+            <a:pPr algn="ctr"/>
+            <a:endParaRPr lang="it-IT" dirty="0"/>
+          </a:p>
+        </p:txBody>
+      </p:sp>
+      <p:sp>
+        <p:nvSpPr>
+          <p:cNvPr id="2" name="Titolo 1">
+            <a:extLst>
+              <a:ext uri="{FF2B5EF4-FFF2-40B4-BE49-F238E27FC236}">
+                <a16:creationId xmlns:a16="http://schemas.microsoft.com/office/drawing/2014/main" id="{3D7B9BCF-F34A-BC02-8B90-3F6DA1A1E547}"/>
+              </a:ext>
+            </a:extLst>
+          </p:cNvPr>
+          <p:cNvSpPr>
+            <a:spLocks noGrp="1"/>
+          </p:cNvSpPr>
+          <p:nvPr>
+            <p:ph type="ctrTitle"/>
+          </p:nvPr>
+        </p:nvSpPr>
+        <p:spPr>
+          <a:xfrm>
+            <a:off x="284599" y="894578"/>
+            <a:ext cx="9276495" cy="861428"/>
+          </a:xfrm>
+        </p:spPr>
+        <p:txBody>
+          <a:bodyPr>
+            <a:noAutofit/>
+          </a:bodyPr>
+          <a:lstStyle/>
+          <a:p>
+            <a:pPr algn="l"/>
+            <a:r>
+              <a:rPr lang="en-US" sz="5400" b="1" dirty="0">
+                <a:latin typeface="Questrial" panose="020F0502020204030204" pitchFamily="2" charset="0"/>
+                <a:ea typeface="Questrial" panose="020F0502020204030204" pitchFamily="2" charset="0"/>
+                <a:cs typeface="Questrial" panose="020F0502020204030204" pitchFamily="2" charset="0"/>
+              </a:rPr>
+              <a:t>S2: </a:t>
+            </a:r>
+            <a:r>
+              <a:rPr lang="it-IT" sz="5400" dirty="0">
+                <a:latin typeface="Posterama" panose="020B0502040204020203" pitchFamily="34" charset="0"/>
+                <a:ea typeface="Questrial" pitchFamily="2" charset="0"/>
+                <a:cs typeface="Posterama" panose="020B0502040204020203" pitchFamily="34" charset="0"/>
+              </a:rPr>
+              <a:t>Mini-batch SGD</a:t>
+            </a:r>
+            <a:endParaRPr lang="it-IT" sz="5400" b="1" dirty="0">
+              <a:latin typeface="Posterama" panose="020B0502040204020203" pitchFamily="34" charset="0"/>
+              <a:ea typeface="Questrial" pitchFamily="2" charset="0"/>
+              <a:cs typeface="Posterama" panose="020B0502040204020203" pitchFamily="34" charset="0"/>
+            </a:endParaRPr>
+          </a:p>
+        </p:txBody>
+      </p:sp>
+      <p:sp>
+        <p:nvSpPr>
+          <p:cNvPr id="8" name="Sottotitolo 2">
+            <a:extLst>
+              <a:ext uri="{FF2B5EF4-FFF2-40B4-BE49-F238E27FC236}">
+                <a16:creationId xmlns:a16="http://schemas.microsoft.com/office/drawing/2014/main" id="{FC919349-5F65-AB60-CE6A-732F1D8C543C}"/>
+              </a:ext>
+            </a:extLst>
+          </p:cNvPr>
+          <p:cNvSpPr txBox="1">
+            <a:spLocks/>
+          </p:cNvSpPr>
+          <p:nvPr/>
+        </p:nvSpPr>
+        <p:spPr>
+          <a:xfrm>
+            <a:off x="602195" y="3824841"/>
+            <a:ext cx="4907018" cy="1346617"/>
+          </a:xfrm>
+          <a:prstGeom prst="rect">
+            <a:avLst/>
+          </a:prstGeom>
+        </p:spPr>
+        <p:txBody>
+          <a:bodyPr vert="horz" lIns="91440" tIns="45720" rIns="91440" bIns="45720" rtlCol="0">
+            <a:noAutofit/>
+          </a:bodyPr>
+          <a:lstStyle>
+            <a:lvl1pPr marL="0" indent="0" algn="ctr" defTabSz="914400" rtl="0" eaLnBrk="1" latinLnBrk="0" hangingPunct="1">
+              <a:lnSpc>
+                <a:spcPct val="90000"/>
+              </a:lnSpc>
+              <a:spcBef>
+                <a:spcPts val="1000"/>
+              </a:spcBef>
+              <a:buFont typeface="Arial" panose="020B0604020202020204" pitchFamily="34" charset="0"/>
+              <a:buNone/>
+              <a:defRPr sz="2400" kern="1200">
+                <a:solidFill>
+                  <a:schemeClr val="tx1"/>
+                </a:solidFill>
+                <a:latin typeface="+mn-lt"/>
+                <a:ea typeface="+mn-ea"/>
+                <a:cs typeface="+mn-cs"/>
+              </a:defRPr>
+            </a:lvl1pPr>
+            <a:lvl2pPr marL="457200" indent="0" algn="ctr" defTabSz="914400" rtl="0" eaLnBrk="1" latinLnBrk="0" hangingPunct="1">
+              <a:lnSpc>
+                <a:spcPct val="90000"/>
+              </a:lnSpc>
+              <a:spcBef>
+                <a:spcPts val="500"/>
+              </a:spcBef>
+              <a:buFont typeface="Arial" panose="020B0604020202020204" pitchFamily="34" charset="0"/>
+              <a:buNone/>
+              <a:defRPr sz="2000" kern="1200">
+                <a:solidFill>
+                  <a:schemeClr val="tx1"/>
+                </a:solidFill>
+                <a:latin typeface="+mn-lt"/>
+                <a:ea typeface="+mn-ea"/>
+                <a:cs typeface="+mn-cs"/>
+              </a:defRPr>
+            </a:lvl2pPr>
+            <a:lvl3pPr marL="914400" indent="0" algn="ctr" defTabSz="914400" rtl="0" eaLnBrk="1" latinLnBrk="0" hangingPunct="1">
+              <a:lnSpc>
+                <a:spcPct val="90000"/>
+              </a:lnSpc>
+              <a:spcBef>
+                <a:spcPts val="500"/>
+              </a:spcBef>
+              <a:buFont typeface="Arial" panose="020B0604020202020204" pitchFamily="34" charset="0"/>
+              <a:buNone/>
+              <a:defRPr sz="1800" kern="1200">
+                <a:solidFill>
+                  <a:schemeClr val="tx1"/>
+                </a:solidFill>
+                <a:latin typeface="+mn-lt"/>
+                <a:ea typeface="+mn-ea"/>
+                <a:cs typeface="+mn-cs"/>
+              </a:defRPr>
+            </a:lvl3pPr>
+            <a:lvl4pPr marL="1371600" indent="0" algn="ctr" defTabSz="914400" rtl="0" eaLnBrk="1" latinLnBrk="0" hangingPunct="1">
+              <a:lnSpc>
+                <a:spcPct val="90000"/>
+              </a:lnSpc>
+              <a:spcBef>
+                <a:spcPts val="500"/>
+              </a:spcBef>
+              <a:buFont typeface="Arial" panose="020B0604020202020204" pitchFamily="34" charset="0"/>
+              <a:buNone/>
+              <a:defRPr sz="1600" kern="1200">
+                <a:solidFill>
+                  <a:schemeClr val="tx1"/>
+                </a:solidFill>
+                <a:latin typeface="+mn-lt"/>
+                <a:ea typeface="+mn-ea"/>
+                <a:cs typeface="+mn-cs"/>
+              </a:defRPr>
+            </a:lvl4pPr>
+            <a:lvl5pPr marL="1828800" indent="0" algn="ctr" defTabSz="914400" rtl="0" eaLnBrk="1" latinLnBrk="0" hangingPunct="1">
+              <a:lnSpc>
+                <a:spcPct val="90000"/>
+              </a:lnSpc>
+              <a:spcBef>
+                <a:spcPts val="500"/>
+              </a:spcBef>
+              <a:buFont typeface="Arial" panose="020B0604020202020204" pitchFamily="34" charset="0"/>
+              <a:buNone/>
+              <a:defRPr sz="1600" kern="1200">
+                <a:solidFill>
+                  <a:schemeClr val="tx1"/>
+                </a:solidFill>
+                <a:latin typeface="+mn-lt"/>
+                <a:ea typeface="+mn-ea"/>
+                <a:cs typeface="+mn-cs"/>
+              </a:defRPr>
+            </a:lvl5pPr>
+            <a:lvl6pPr marL="2286000" indent="0" algn="ctr" defTabSz="914400" rtl="0" eaLnBrk="1" latinLnBrk="0" hangingPunct="1">
+              <a:lnSpc>
+                <a:spcPct val="90000"/>
+              </a:lnSpc>
+              <a:spcBef>
+                <a:spcPts val="500"/>
+              </a:spcBef>
+              <a:buFont typeface="Arial" panose="020B0604020202020204" pitchFamily="34" charset="0"/>
+              <a:buNone/>
+              <a:defRPr sz="1600" kern="1200">
+                <a:solidFill>
+                  <a:schemeClr val="tx1"/>
+                </a:solidFill>
+                <a:latin typeface="+mn-lt"/>
+                <a:ea typeface="+mn-ea"/>
+                <a:cs typeface="+mn-cs"/>
+              </a:defRPr>
+            </a:lvl6pPr>
+            <a:lvl7pPr marL="2743200" indent="0" algn="ctr" defTabSz="914400" rtl="0" eaLnBrk="1" latinLnBrk="0" hangingPunct="1">
+              <a:lnSpc>
+                <a:spcPct val="90000"/>
+              </a:lnSpc>
+              <a:spcBef>
+                <a:spcPts val="500"/>
+              </a:spcBef>
+              <a:buFont typeface="Arial" panose="020B0604020202020204" pitchFamily="34" charset="0"/>
+              <a:buNone/>
+              <a:defRPr sz="1600" kern="1200">
+                <a:solidFill>
+                  <a:schemeClr val="tx1"/>
+                </a:solidFill>
+                <a:latin typeface="+mn-lt"/>
+                <a:ea typeface="+mn-ea"/>
+                <a:cs typeface="+mn-cs"/>
+              </a:defRPr>
+            </a:lvl7pPr>
+            <a:lvl8pPr marL="3200400" indent="0" algn="ctr" defTabSz="914400" rtl="0" eaLnBrk="1" latinLnBrk="0" hangingPunct="1">
+              <a:lnSpc>
+                <a:spcPct val="90000"/>
+              </a:lnSpc>
+              <a:spcBef>
+                <a:spcPts val="500"/>
+              </a:spcBef>
+              <a:buFont typeface="Arial" panose="020B0604020202020204" pitchFamily="34" charset="0"/>
+              <a:buNone/>
+              <a:defRPr sz="1600" kern="1200">
+                <a:solidFill>
+                  <a:schemeClr val="tx1"/>
+                </a:solidFill>
+                <a:latin typeface="+mn-lt"/>
+                <a:ea typeface="+mn-ea"/>
+                <a:cs typeface="+mn-cs"/>
+              </a:defRPr>
+            </a:lvl8pPr>
+            <a:lvl9pPr marL="3657600" indent="0" algn="ctr" defTabSz="914400" rtl="0" eaLnBrk="1" latinLnBrk="0" hangingPunct="1">
+              <a:lnSpc>
+                <a:spcPct val="90000"/>
+              </a:lnSpc>
+              <a:spcBef>
+                <a:spcPts val="500"/>
+              </a:spcBef>
+              <a:buFont typeface="Arial" panose="020B0604020202020204" pitchFamily="34" charset="0"/>
+              <a:buNone/>
+              <a:defRPr sz="1600" kern="1200">
+                <a:solidFill>
+                  <a:schemeClr val="tx1"/>
+                </a:solidFill>
+                <a:latin typeface="+mn-lt"/>
+                <a:ea typeface="+mn-ea"/>
+                <a:cs typeface="+mn-cs"/>
+              </a:defRPr>
+            </a:lvl9pPr>
+          </a:lstStyle>
+          <a:p>
+            <a:pPr algn="l"/>
+            <a:r>
+              <a:rPr lang="it-IT" sz="4000" b="1" dirty="0">
+                <a:solidFill>
+                  <a:srgbClr val="FCFCFC"/>
+                </a:solidFill>
+                <a:latin typeface="Questrial" pitchFamily="2" charset="0"/>
+                <a:ea typeface="Questrial" pitchFamily="2" charset="0"/>
+                <a:cs typeface="Questrial" pitchFamily="2" charset="0"/>
+              </a:rPr>
+              <a:t>Riduce il numero di scritture atomiche</a:t>
+            </a:r>
+            <a:endParaRPr lang="it-IT" sz="4000" dirty="0">
+              <a:solidFill>
+                <a:srgbClr val="FCFCFC"/>
+              </a:solidFill>
+              <a:latin typeface="Questrial" pitchFamily="2" charset="0"/>
+              <a:ea typeface="Questrial" pitchFamily="2" charset="0"/>
+              <a:cs typeface="Questrial" pitchFamily="2" charset="0"/>
+            </a:endParaRPr>
+          </a:p>
+        </p:txBody>
+      </p:sp>
+      <p:sp>
+        <p:nvSpPr>
+          <p:cNvPr id="6" name="Rettangolo con angoli arrotondati 5">
+            <a:extLst>
+              <a:ext uri="{FF2B5EF4-FFF2-40B4-BE49-F238E27FC236}">
+                <a16:creationId xmlns:a16="http://schemas.microsoft.com/office/drawing/2014/main" id="{388E5C54-56A1-E2BE-9ECA-65E3A28673F7}"/>
+              </a:ext>
+            </a:extLst>
+          </p:cNvPr>
+          <p:cNvSpPr/>
+          <p:nvPr/>
+        </p:nvSpPr>
+        <p:spPr>
+          <a:xfrm>
+            <a:off x="6538436" y="2869203"/>
+            <a:ext cx="6516341" cy="3257895"/>
+          </a:xfrm>
+          <a:prstGeom prst="roundRect">
+            <a:avLst/>
+          </a:prstGeom>
+          <a:solidFill>
+            <a:srgbClr val="667C6F"/>
+          </a:solidFill>
+          <a:ln>
+            <a:noFill/>
+          </a:ln>
+        </p:spPr>
+        <p:style>
+          <a:lnRef idx="2">
+            <a:schemeClr val="accent1">
+              <a:shade val="15000"/>
+            </a:schemeClr>
+          </a:lnRef>
+          <a:fillRef idx="1">
+            <a:schemeClr val="accent1"/>
+          </a:fillRef>
+          <a:effectRef idx="0">
+            <a:schemeClr val="accent1"/>
+          </a:effectRef>
+          <a:fontRef idx="minor">
+            <a:schemeClr val="lt1"/>
+          </a:fontRef>
+        </p:style>
+        <p:txBody>
+          <a:bodyPr rtlCol="0" anchor="ctr"/>
+          <a:lstStyle/>
+          <a:p>
+            <a:pPr algn="ctr"/>
+            <a:endParaRPr lang="it-IT"/>
+          </a:p>
+        </p:txBody>
+      </p:sp>
+      <p:sp>
+        <p:nvSpPr>
+          <p:cNvPr id="23" name="Sottotitolo 2">
+            <a:extLst>
+              <a:ext uri="{FF2B5EF4-FFF2-40B4-BE49-F238E27FC236}">
+                <a16:creationId xmlns:a16="http://schemas.microsoft.com/office/drawing/2014/main" id="{B976E9C0-46FF-269B-1450-102486FB0413}"/>
+              </a:ext>
+            </a:extLst>
+          </p:cNvPr>
+          <p:cNvSpPr txBox="1">
+            <a:spLocks/>
+          </p:cNvSpPr>
+          <p:nvPr/>
+        </p:nvSpPr>
+        <p:spPr>
+          <a:xfrm>
+            <a:off x="313438" y="1825044"/>
+            <a:ext cx="11622800" cy="953718"/>
+          </a:xfrm>
+          <a:prstGeom prst="rect">
+            <a:avLst/>
+          </a:prstGeom>
+        </p:spPr>
+        <p:txBody>
+          <a:bodyPr vert="horz" lIns="91440" tIns="45720" rIns="91440" bIns="45720" rtlCol="0">
+            <a:noAutofit/>
+          </a:bodyPr>
+          <a:lstStyle>
+            <a:lvl1pPr marL="0" indent="0" algn="ctr" defTabSz="914400" rtl="0" eaLnBrk="1" latinLnBrk="0" hangingPunct="1">
+              <a:lnSpc>
+                <a:spcPct val="90000"/>
+              </a:lnSpc>
+              <a:spcBef>
+                <a:spcPts val="1000"/>
+              </a:spcBef>
+              <a:buFont typeface="Arial" panose="020B0604020202020204" pitchFamily="34" charset="0"/>
+              <a:buNone/>
+              <a:defRPr sz="2400" kern="1200">
+                <a:solidFill>
+                  <a:schemeClr val="tx1"/>
+                </a:solidFill>
+                <a:latin typeface="+mn-lt"/>
+                <a:ea typeface="+mn-ea"/>
+                <a:cs typeface="+mn-cs"/>
+              </a:defRPr>
+            </a:lvl1pPr>
+            <a:lvl2pPr marL="457200" indent="0" algn="ctr" defTabSz="914400" rtl="0" eaLnBrk="1" latinLnBrk="0" hangingPunct="1">
+              <a:lnSpc>
+                <a:spcPct val="90000"/>
+              </a:lnSpc>
+              <a:spcBef>
+                <a:spcPts val="500"/>
+              </a:spcBef>
+              <a:buFont typeface="Arial" panose="020B0604020202020204" pitchFamily="34" charset="0"/>
+              <a:buNone/>
+              <a:defRPr sz="2000" kern="1200">
+                <a:solidFill>
+                  <a:schemeClr val="tx1"/>
+                </a:solidFill>
+                <a:latin typeface="+mn-lt"/>
+                <a:ea typeface="+mn-ea"/>
+                <a:cs typeface="+mn-cs"/>
+              </a:defRPr>
+            </a:lvl2pPr>
+            <a:lvl3pPr marL="914400" indent="0" algn="ctr" defTabSz="914400" rtl="0" eaLnBrk="1" latinLnBrk="0" hangingPunct="1">
+              <a:lnSpc>
+                <a:spcPct val="90000"/>
+              </a:lnSpc>
+              <a:spcBef>
+                <a:spcPts val="500"/>
+              </a:spcBef>
+              <a:buFont typeface="Arial" panose="020B0604020202020204" pitchFamily="34" charset="0"/>
+              <a:buNone/>
+              <a:defRPr sz="1800" kern="1200">
+                <a:solidFill>
+                  <a:schemeClr val="tx1"/>
+                </a:solidFill>
+                <a:latin typeface="+mn-lt"/>
+                <a:ea typeface="+mn-ea"/>
+                <a:cs typeface="+mn-cs"/>
+              </a:defRPr>
+            </a:lvl3pPr>
+            <a:lvl4pPr marL="1371600" indent="0" algn="ctr" defTabSz="914400" rtl="0" eaLnBrk="1" latinLnBrk="0" hangingPunct="1">
+              <a:lnSpc>
+                <a:spcPct val="90000"/>
+              </a:lnSpc>
+              <a:spcBef>
+                <a:spcPts val="500"/>
+              </a:spcBef>
+              <a:buFont typeface="Arial" panose="020B0604020202020204" pitchFamily="34" charset="0"/>
+              <a:buNone/>
+              <a:defRPr sz="1600" kern="1200">
+                <a:solidFill>
+                  <a:schemeClr val="tx1"/>
+                </a:solidFill>
+                <a:latin typeface="+mn-lt"/>
+                <a:ea typeface="+mn-ea"/>
+                <a:cs typeface="+mn-cs"/>
+              </a:defRPr>
+            </a:lvl4pPr>
+            <a:lvl5pPr marL="1828800" indent="0" algn="ctr" defTabSz="914400" rtl="0" eaLnBrk="1" latinLnBrk="0" hangingPunct="1">
+              <a:lnSpc>
+                <a:spcPct val="90000"/>
+              </a:lnSpc>
+              <a:spcBef>
+                <a:spcPts val="500"/>
+              </a:spcBef>
+              <a:buFont typeface="Arial" panose="020B0604020202020204" pitchFamily="34" charset="0"/>
+              <a:buNone/>
+              <a:defRPr sz="1600" kern="1200">
+                <a:solidFill>
+                  <a:schemeClr val="tx1"/>
+                </a:solidFill>
+                <a:latin typeface="+mn-lt"/>
+                <a:ea typeface="+mn-ea"/>
+                <a:cs typeface="+mn-cs"/>
+              </a:defRPr>
+            </a:lvl5pPr>
+            <a:lvl6pPr marL="2286000" indent="0" algn="ctr" defTabSz="914400" rtl="0" eaLnBrk="1" latinLnBrk="0" hangingPunct="1">
+              <a:lnSpc>
+                <a:spcPct val="90000"/>
+              </a:lnSpc>
+              <a:spcBef>
+                <a:spcPts val="500"/>
+              </a:spcBef>
+              <a:buFont typeface="Arial" panose="020B0604020202020204" pitchFamily="34" charset="0"/>
+              <a:buNone/>
+              <a:defRPr sz="1600" kern="1200">
+                <a:solidFill>
+                  <a:schemeClr val="tx1"/>
+                </a:solidFill>
+                <a:latin typeface="+mn-lt"/>
+                <a:ea typeface="+mn-ea"/>
+                <a:cs typeface="+mn-cs"/>
+              </a:defRPr>
+            </a:lvl6pPr>
+            <a:lvl7pPr marL="2743200" indent="0" algn="ctr" defTabSz="914400" rtl="0" eaLnBrk="1" latinLnBrk="0" hangingPunct="1">
+              <a:lnSpc>
+                <a:spcPct val="90000"/>
+              </a:lnSpc>
+              <a:spcBef>
+                <a:spcPts val="500"/>
+              </a:spcBef>
+              <a:buFont typeface="Arial" panose="020B0604020202020204" pitchFamily="34" charset="0"/>
+              <a:buNone/>
+              <a:defRPr sz="1600" kern="1200">
+                <a:solidFill>
+                  <a:schemeClr val="tx1"/>
+                </a:solidFill>
+                <a:latin typeface="+mn-lt"/>
+                <a:ea typeface="+mn-ea"/>
+                <a:cs typeface="+mn-cs"/>
+              </a:defRPr>
+            </a:lvl7pPr>
+            <a:lvl8pPr marL="3200400" indent="0" algn="ctr" defTabSz="914400" rtl="0" eaLnBrk="1" latinLnBrk="0" hangingPunct="1">
+              <a:lnSpc>
+                <a:spcPct val="90000"/>
+              </a:lnSpc>
+              <a:spcBef>
+                <a:spcPts val="500"/>
+              </a:spcBef>
+              <a:buFont typeface="Arial" panose="020B0604020202020204" pitchFamily="34" charset="0"/>
+              <a:buNone/>
+              <a:defRPr sz="1600" kern="1200">
+                <a:solidFill>
+                  <a:schemeClr val="tx1"/>
+                </a:solidFill>
+                <a:latin typeface="+mn-lt"/>
+                <a:ea typeface="+mn-ea"/>
+                <a:cs typeface="+mn-cs"/>
+              </a:defRPr>
+            </a:lvl8pPr>
+            <a:lvl9pPr marL="3657600" indent="0" algn="ctr" defTabSz="914400" rtl="0" eaLnBrk="1" latinLnBrk="0" hangingPunct="1">
+              <a:lnSpc>
+                <a:spcPct val="90000"/>
+              </a:lnSpc>
+              <a:spcBef>
+                <a:spcPts val="500"/>
+              </a:spcBef>
+              <a:buFont typeface="Arial" panose="020B0604020202020204" pitchFamily="34" charset="0"/>
+              <a:buNone/>
+              <a:defRPr sz="1600" kern="1200">
+                <a:solidFill>
+                  <a:schemeClr val="tx1"/>
+                </a:solidFill>
+                <a:latin typeface="+mn-lt"/>
+                <a:ea typeface="+mn-ea"/>
+                <a:cs typeface="+mn-cs"/>
+              </a:defRPr>
+            </a:lvl9pPr>
+          </a:lstStyle>
+          <a:p>
+            <a:pPr algn="l"/>
+            <a:r>
+              <a:rPr lang="it-IT" sz="3200" dirty="0">
+                <a:latin typeface="Questrial" pitchFamily="2" charset="0"/>
+                <a:ea typeface="Questrial" pitchFamily="2" charset="0"/>
+                <a:cs typeface="Questrial" pitchFamily="2" charset="0"/>
+              </a:rPr>
+              <a:t>Accumulare più gradienti prima dell’aggiornamento permette di ottenere un duplice vantaggio:</a:t>
+            </a:r>
+          </a:p>
+        </p:txBody>
+      </p:sp>
+      <p:sp>
+        <p:nvSpPr>
+          <p:cNvPr id="9" name="Sottotitolo 2">
+            <a:extLst>
+              <a:ext uri="{FF2B5EF4-FFF2-40B4-BE49-F238E27FC236}">
+                <a16:creationId xmlns:a16="http://schemas.microsoft.com/office/drawing/2014/main" id="{325FAE16-C6C4-8DAF-0905-844F3781375E}"/>
+              </a:ext>
+            </a:extLst>
+          </p:cNvPr>
+          <p:cNvSpPr txBox="1">
+            <a:spLocks/>
+          </p:cNvSpPr>
+          <p:nvPr/>
+        </p:nvSpPr>
+        <p:spPr>
+          <a:xfrm>
+            <a:off x="7107585" y="3586586"/>
+            <a:ext cx="4907018" cy="1823125"/>
+          </a:xfrm>
+          <a:prstGeom prst="rect">
+            <a:avLst/>
+          </a:prstGeom>
+        </p:spPr>
+        <p:txBody>
+          <a:bodyPr vert="horz" lIns="91440" tIns="45720" rIns="91440" bIns="45720" rtlCol="0">
+            <a:noAutofit/>
+          </a:bodyPr>
+          <a:lstStyle>
+            <a:lvl1pPr marL="0" indent="0" algn="ctr" defTabSz="914400" rtl="0" eaLnBrk="1" latinLnBrk="0" hangingPunct="1">
+              <a:lnSpc>
+                <a:spcPct val="90000"/>
+              </a:lnSpc>
+              <a:spcBef>
+                <a:spcPts val="1000"/>
+              </a:spcBef>
+              <a:buFont typeface="Arial" panose="020B0604020202020204" pitchFamily="34" charset="0"/>
+              <a:buNone/>
+              <a:defRPr sz="2400" kern="1200">
+                <a:solidFill>
+                  <a:schemeClr val="tx1"/>
+                </a:solidFill>
+                <a:latin typeface="+mn-lt"/>
+                <a:ea typeface="+mn-ea"/>
+                <a:cs typeface="+mn-cs"/>
+              </a:defRPr>
+            </a:lvl1pPr>
+            <a:lvl2pPr marL="457200" indent="0" algn="ctr" defTabSz="914400" rtl="0" eaLnBrk="1" latinLnBrk="0" hangingPunct="1">
+              <a:lnSpc>
+                <a:spcPct val="90000"/>
+              </a:lnSpc>
+              <a:spcBef>
+                <a:spcPts val="500"/>
+              </a:spcBef>
+              <a:buFont typeface="Arial" panose="020B0604020202020204" pitchFamily="34" charset="0"/>
+              <a:buNone/>
+              <a:defRPr sz="2000" kern="1200">
+                <a:solidFill>
+                  <a:schemeClr val="tx1"/>
+                </a:solidFill>
+                <a:latin typeface="+mn-lt"/>
+                <a:ea typeface="+mn-ea"/>
+                <a:cs typeface="+mn-cs"/>
+              </a:defRPr>
+            </a:lvl2pPr>
+            <a:lvl3pPr marL="914400" indent="0" algn="ctr" defTabSz="914400" rtl="0" eaLnBrk="1" latinLnBrk="0" hangingPunct="1">
+              <a:lnSpc>
+                <a:spcPct val="90000"/>
+              </a:lnSpc>
+              <a:spcBef>
+                <a:spcPts val="500"/>
+              </a:spcBef>
+              <a:buFont typeface="Arial" panose="020B0604020202020204" pitchFamily="34" charset="0"/>
+              <a:buNone/>
+              <a:defRPr sz="1800" kern="1200">
+                <a:solidFill>
+                  <a:schemeClr val="tx1"/>
+                </a:solidFill>
+                <a:latin typeface="+mn-lt"/>
+                <a:ea typeface="+mn-ea"/>
+                <a:cs typeface="+mn-cs"/>
+              </a:defRPr>
+            </a:lvl3pPr>
+            <a:lvl4pPr marL="1371600" indent="0" algn="ctr" defTabSz="914400" rtl="0" eaLnBrk="1" latinLnBrk="0" hangingPunct="1">
+              <a:lnSpc>
+                <a:spcPct val="90000"/>
+              </a:lnSpc>
+              <a:spcBef>
+                <a:spcPts val="500"/>
+              </a:spcBef>
+              <a:buFont typeface="Arial" panose="020B0604020202020204" pitchFamily="34" charset="0"/>
+              <a:buNone/>
+              <a:defRPr sz="1600" kern="1200">
+                <a:solidFill>
+                  <a:schemeClr val="tx1"/>
+                </a:solidFill>
+                <a:latin typeface="+mn-lt"/>
+                <a:ea typeface="+mn-ea"/>
+                <a:cs typeface="+mn-cs"/>
+              </a:defRPr>
+            </a:lvl4pPr>
+            <a:lvl5pPr marL="1828800" indent="0" algn="ctr" defTabSz="914400" rtl="0" eaLnBrk="1" latinLnBrk="0" hangingPunct="1">
+              <a:lnSpc>
+                <a:spcPct val="90000"/>
+              </a:lnSpc>
+              <a:spcBef>
+                <a:spcPts val="500"/>
+              </a:spcBef>
+              <a:buFont typeface="Arial" panose="020B0604020202020204" pitchFamily="34" charset="0"/>
+              <a:buNone/>
+              <a:defRPr sz="1600" kern="1200">
+                <a:solidFill>
+                  <a:schemeClr val="tx1"/>
+                </a:solidFill>
+                <a:latin typeface="+mn-lt"/>
+                <a:ea typeface="+mn-ea"/>
+                <a:cs typeface="+mn-cs"/>
+              </a:defRPr>
+            </a:lvl5pPr>
+            <a:lvl6pPr marL="2286000" indent="0" algn="ctr" defTabSz="914400" rtl="0" eaLnBrk="1" latinLnBrk="0" hangingPunct="1">
+              <a:lnSpc>
+                <a:spcPct val="90000"/>
+              </a:lnSpc>
+              <a:spcBef>
+                <a:spcPts val="500"/>
+              </a:spcBef>
+              <a:buFont typeface="Arial" panose="020B0604020202020204" pitchFamily="34" charset="0"/>
+              <a:buNone/>
+              <a:defRPr sz="1600" kern="1200">
+                <a:solidFill>
+                  <a:schemeClr val="tx1"/>
+                </a:solidFill>
+                <a:latin typeface="+mn-lt"/>
+                <a:ea typeface="+mn-ea"/>
+                <a:cs typeface="+mn-cs"/>
+              </a:defRPr>
+            </a:lvl6pPr>
+            <a:lvl7pPr marL="2743200" indent="0" algn="ctr" defTabSz="914400" rtl="0" eaLnBrk="1" latinLnBrk="0" hangingPunct="1">
+              <a:lnSpc>
+                <a:spcPct val="90000"/>
+              </a:lnSpc>
+              <a:spcBef>
+                <a:spcPts val="500"/>
+              </a:spcBef>
+              <a:buFont typeface="Arial" panose="020B0604020202020204" pitchFamily="34" charset="0"/>
+              <a:buNone/>
+              <a:defRPr sz="1600" kern="1200">
+                <a:solidFill>
+                  <a:schemeClr val="tx1"/>
+                </a:solidFill>
+                <a:latin typeface="+mn-lt"/>
+                <a:ea typeface="+mn-ea"/>
+                <a:cs typeface="+mn-cs"/>
+              </a:defRPr>
+            </a:lvl7pPr>
+            <a:lvl8pPr marL="3200400" indent="0" algn="ctr" defTabSz="914400" rtl="0" eaLnBrk="1" latinLnBrk="0" hangingPunct="1">
+              <a:lnSpc>
+                <a:spcPct val="90000"/>
+              </a:lnSpc>
+              <a:spcBef>
+                <a:spcPts val="500"/>
+              </a:spcBef>
+              <a:buFont typeface="Arial" panose="020B0604020202020204" pitchFamily="34" charset="0"/>
+              <a:buNone/>
+              <a:defRPr sz="1600" kern="1200">
+                <a:solidFill>
+                  <a:schemeClr val="tx1"/>
+                </a:solidFill>
+                <a:latin typeface="+mn-lt"/>
+                <a:ea typeface="+mn-ea"/>
+                <a:cs typeface="+mn-cs"/>
+              </a:defRPr>
+            </a:lvl8pPr>
+            <a:lvl9pPr marL="3657600" indent="0" algn="ctr" defTabSz="914400" rtl="0" eaLnBrk="1" latinLnBrk="0" hangingPunct="1">
+              <a:lnSpc>
+                <a:spcPct val="90000"/>
+              </a:lnSpc>
+              <a:spcBef>
+                <a:spcPts val="500"/>
+              </a:spcBef>
+              <a:buFont typeface="Arial" panose="020B0604020202020204" pitchFamily="34" charset="0"/>
+              <a:buNone/>
+              <a:defRPr sz="1600" kern="1200">
+                <a:solidFill>
+                  <a:schemeClr val="tx1"/>
+                </a:solidFill>
+                <a:latin typeface="+mn-lt"/>
+                <a:ea typeface="+mn-ea"/>
+                <a:cs typeface="+mn-cs"/>
+              </a:defRPr>
+            </a:lvl9pPr>
+          </a:lstStyle>
+          <a:p>
+            <a:pPr algn="l"/>
+            <a:r>
+              <a:rPr lang="it-IT" sz="4000" b="1" dirty="0">
+                <a:solidFill>
+                  <a:srgbClr val="FCFCFC"/>
+                </a:solidFill>
+                <a:latin typeface="Questrial" pitchFamily="2" charset="0"/>
+                <a:ea typeface="Questrial" pitchFamily="2" charset="0"/>
+                <a:cs typeface="Questrial" pitchFamily="2" charset="0"/>
+              </a:rPr>
+              <a:t>Migliora la coalescenza degli accessi</a:t>
+            </a:r>
+            <a:endParaRPr lang="it-IT" sz="4000" dirty="0">
+              <a:solidFill>
+                <a:srgbClr val="FCFCFC"/>
+              </a:solidFill>
+              <a:latin typeface="Questrial" pitchFamily="2" charset="0"/>
+              <a:ea typeface="Questrial" pitchFamily="2" charset="0"/>
+              <a:cs typeface="Questrial" pitchFamily="2" charset="0"/>
+            </a:endParaRPr>
+          </a:p>
+        </p:txBody>
+      </p:sp>
+      <p:pic>
+        <p:nvPicPr>
+          <p:cNvPr id="10" name="Immagine 9" descr="Immagine che contiene nero, oscurità&#10;&#10;Il contenuto generato dall'IA potrebbe non essere corretto.">
+            <a:extLst>
+              <a:ext uri="{FF2B5EF4-FFF2-40B4-BE49-F238E27FC236}">
+                <a16:creationId xmlns:a16="http://schemas.microsoft.com/office/drawing/2014/main" id="{187E3A6F-1009-C222-FB4D-D09D3B560149}"/>
+              </a:ext>
+            </a:extLst>
+          </p:cNvPr>
+          <p:cNvPicPr>
+            <a:picLocks noChangeAspect="1"/>
+          </p:cNvPicPr>
+          <p:nvPr/>
+        </p:nvPicPr>
+        <p:blipFill>
+          <a:blip r:embed="rId3">
+            <a:extLst>
+              <a:ext uri="{28A0092B-C50C-407E-A947-70E740481C1C}">
+                <a14:useLocalDpi xmlns:a14="http://schemas.microsoft.com/office/drawing/2010/main" val="0"/>
+              </a:ext>
+            </a:extLst>
+          </a:blip>
+          <a:stretch>
+            <a:fillRect/>
+          </a:stretch>
+        </p:blipFill>
+        <p:spPr>
+          <a:xfrm>
+            <a:off x="11027503" y="454094"/>
+            <a:ext cx="871198" cy="871198"/>
+          </a:xfrm>
+          <a:prstGeom prst="rect">
+            <a:avLst/>
+          </a:prstGeom>
+        </p:spPr>
+      </p:pic>
+    </p:spTree>
+    <p:extLst>
+      <p:ext uri="{BB962C8B-B14F-4D97-AF65-F5344CB8AC3E}">
+        <p14:creationId xmlns:p14="http://schemas.microsoft.com/office/powerpoint/2010/main" val="1854017013"/>
+      </p:ext>
+    </p:extLst>
+  </p:cSld>
+  <p:clrMapOvr>
+    <a:masterClrMapping/>
+  </p:clrMapOvr>
+</p:sld>
+</file>
+
+<file path=ppt/slides/slide16.xml><?xml version="1.0" encoding="utf-8"?>
+<p:sld xmlns:a="http://schemas.openxmlformats.org/drawingml/2006/main" xmlns:r="http://schemas.openxmlformats.org/officeDocument/2006/relationships" xmlns:p="http://schemas.openxmlformats.org/presentationml/2006/main">
+  <p:cSld>
+    <p:spTree>
+      <p:nvGrpSpPr>
+        <p:cNvPr id="1" name="">
+          <a:extLst>
+            <a:ext uri="{FF2B5EF4-FFF2-40B4-BE49-F238E27FC236}">
+              <a16:creationId xmlns:a16="http://schemas.microsoft.com/office/drawing/2014/main" id="{93C68DC2-4747-659D-9D20-587D946978EC}"/>
+            </a:ext>
+          </a:extLst>
+        </p:cNvPr>
+        <p:cNvGrpSpPr/>
+        <p:nvPr/>
+      </p:nvGrpSpPr>
+      <p:grpSpPr>
+        <a:xfrm>
+          <a:off x="0" y="0"/>
+          <a:ext cx="0" cy="0"/>
+          <a:chOff x="0" y="0"/>
+          <a:chExt cx="0" cy="0"/>
+        </a:xfrm>
+      </p:grpSpPr>
+      <p:sp>
+        <p:nvSpPr>
+          <p:cNvPr id="7" name="Rettangolo 6">
+            <a:extLst>
+              <a:ext uri="{FF2B5EF4-FFF2-40B4-BE49-F238E27FC236}">
+                <a16:creationId xmlns:a16="http://schemas.microsoft.com/office/drawing/2014/main" id="{00A5491A-29A4-1798-94E5-AAE7E8B548B9}"/>
+              </a:ext>
+            </a:extLst>
+          </p:cNvPr>
+          <p:cNvSpPr>
+            <a:spLocks noGrp="1" noRot="1" noMove="1" noResize="1" noEditPoints="1" noAdjustHandles="1" noChangeArrowheads="1" noChangeShapeType="1"/>
+          </p:cNvSpPr>
+          <p:nvPr/>
+        </p:nvSpPr>
+        <p:spPr>
+          <a:xfrm>
+            <a:off x="0" y="0"/>
+            <a:ext cx="12192000" cy="6858000"/>
+          </a:xfrm>
+          <a:prstGeom prst="rect">
+            <a:avLst/>
+          </a:prstGeom>
+          <a:solidFill>
+            <a:srgbClr val="FCFCFC"/>
+          </a:solidFill>
+        </p:spPr>
+        <p:style>
+          <a:lnRef idx="2">
+            <a:schemeClr val="accent1">
+              <a:shade val="15000"/>
+            </a:schemeClr>
+          </a:lnRef>
+          <a:fillRef idx="1">
+            <a:schemeClr val="accent1"/>
+          </a:fillRef>
+          <a:effectRef idx="0">
+            <a:schemeClr val="accent1"/>
+          </a:effectRef>
+          <a:fontRef idx="minor">
+            <a:schemeClr val="lt1"/>
+          </a:fontRef>
+        </p:style>
+        <p:txBody>
+          <a:bodyPr rtlCol="0" anchor="ctr"/>
+          <a:lstStyle/>
+          <a:p>
+            <a:pPr algn="just"/>
+            <a:endParaRPr lang="it-IT" dirty="0"/>
+          </a:p>
+        </p:txBody>
+      </p:sp>
+      <p:sp>
+        <p:nvSpPr>
+          <p:cNvPr id="2" name="Titolo 1">
+            <a:extLst>
+              <a:ext uri="{FF2B5EF4-FFF2-40B4-BE49-F238E27FC236}">
+                <a16:creationId xmlns:a16="http://schemas.microsoft.com/office/drawing/2014/main" id="{A51DD914-1770-9676-65A9-E4A9DFC55492}"/>
+              </a:ext>
+            </a:extLst>
+          </p:cNvPr>
+          <p:cNvSpPr>
+            <a:spLocks noGrp="1"/>
+          </p:cNvSpPr>
+          <p:nvPr>
+            <p:ph type="ctrTitle"/>
+          </p:nvPr>
+        </p:nvSpPr>
+        <p:spPr>
+          <a:xfrm>
+            <a:off x="284599" y="894578"/>
+            <a:ext cx="9276495" cy="861428"/>
+          </a:xfrm>
+        </p:spPr>
+        <p:txBody>
+          <a:bodyPr>
+            <a:noAutofit/>
+          </a:bodyPr>
+          <a:lstStyle/>
+          <a:p>
+            <a:pPr algn="l"/>
+            <a:r>
+              <a:rPr lang="en-US" sz="5400" b="1" dirty="0">
+                <a:latin typeface="Questrial" panose="020F0502020204030204" pitchFamily="2" charset="0"/>
+                <a:ea typeface="Questrial" panose="020F0502020204030204" pitchFamily="2" charset="0"/>
+                <a:cs typeface="Questrial" panose="020F0502020204030204" pitchFamily="2" charset="0"/>
+              </a:rPr>
+              <a:t>S3: Partitioning di user e item</a:t>
+            </a:r>
+            <a:endParaRPr lang="it-IT" sz="5400" b="1" dirty="0">
+              <a:latin typeface="Posterama" panose="020B0502040204020203" pitchFamily="34" charset="0"/>
+              <a:ea typeface="Questrial" pitchFamily="2" charset="0"/>
+              <a:cs typeface="Posterama" panose="020B0502040204020203" pitchFamily="34" charset="0"/>
+            </a:endParaRPr>
+          </a:p>
+        </p:txBody>
+      </p:sp>
+      <p:sp>
+        <p:nvSpPr>
+          <p:cNvPr id="6" name="Rettangolo con angoli arrotondati 5">
+            <a:extLst>
+              <a:ext uri="{FF2B5EF4-FFF2-40B4-BE49-F238E27FC236}">
+                <a16:creationId xmlns:a16="http://schemas.microsoft.com/office/drawing/2014/main" id="{F2C65C95-FD39-ADB4-13F1-E6ABFE0A0A8B}"/>
+              </a:ext>
+            </a:extLst>
+          </p:cNvPr>
+          <p:cNvSpPr/>
+          <p:nvPr/>
+        </p:nvSpPr>
+        <p:spPr>
+          <a:xfrm>
+            <a:off x="6538435" y="2069432"/>
+            <a:ext cx="7049227" cy="5871410"/>
+          </a:xfrm>
+          <a:prstGeom prst="roundRect">
+            <a:avLst/>
+          </a:prstGeom>
+          <a:solidFill>
+            <a:srgbClr val="667C6F"/>
+          </a:solidFill>
+          <a:ln>
+            <a:noFill/>
+          </a:ln>
+        </p:spPr>
+        <p:style>
+          <a:lnRef idx="2">
+            <a:schemeClr val="accent1">
+              <a:shade val="15000"/>
+            </a:schemeClr>
+          </a:lnRef>
+          <a:fillRef idx="1">
+            <a:schemeClr val="accent1"/>
+          </a:fillRef>
+          <a:effectRef idx="0">
+            <a:schemeClr val="accent1"/>
+          </a:effectRef>
+          <a:fontRef idx="minor">
+            <a:schemeClr val="lt1"/>
+          </a:fontRef>
+        </p:style>
+        <p:txBody>
+          <a:bodyPr rtlCol="0" anchor="ctr"/>
+          <a:lstStyle/>
+          <a:p>
+            <a:pPr algn="ctr"/>
+            <a:endParaRPr lang="it-IT"/>
+          </a:p>
+        </p:txBody>
+      </p:sp>
+      <p:sp>
+        <p:nvSpPr>
+          <p:cNvPr id="23" name="Sottotitolo 2">
+            <a:extLst>
+              <a:ext uri="{FF2B5EF4-FFF2-40B4-BE49-F238E27FC236}">
+                <a16:creationId xmlns:a16="http://schemas.microsoft.com/office/drawing/2014/main" id="{1B718851-4A31-5778-0A47-3930BFD7E071}"/>
+              </a:ext>
+            </a:extLst>
+          </p:cNvPr>
+          <p:cNvSpPr txBox="1">
+            <a:spLocks/>
+          </p:cNvSpPr>
+          <p:nvPr/>
+        </p:nvSpPr>
+        <p:spPr>
+          <a:xfrm>
+            <a:off x="313437" y="2414338"/>
+            <a:ext cx="6224998" cy="4411578"/>
+          </a:xfrm>
+          <a:prstGeom prst="rect">
+            <a:avLst/>
+          </a:prstGeom>
+        </p:spPr>
+        <p:txBody>
+          <a:bodyPr vert="horz" lIns="91440" tIns="45720" rIns="91440" bIns="45720" rtlCol="0">
+            <a:noAutofit/>
+          </a:bodyPr>
+          <a:lstStyle>
+            <a:lvl1pPr marL="0" indent="0" algn="ctr" defTabSz="914400" rtl="0" eaLnBrk="1" latinLnBrk="0" hangingPunct="1">
+              <a:lnSpc>
+                <a:spcPct val="90000"/>
+              </a:lnSpc>
+              <a:spcBef>
+                <a:spcPts val="1000"/>
+              </a:spcBef>
+              <a:buFont typeface="Arial" panose="020B0604020202020204" pitchFamily="34" charset="0"/>
+              <a:buNone/>
+              <a:defRPr sz="2400" kern="1200">
+                <a:solidFill>
+                  <a:schemeClr val="tx1"/>
+                </a:solidFill>
+                <a:latin typeface="+mn-lt"/>
+                <a:ea typeface="+mn-ea"/>
+                <a:cs typeface="+mn-cs"/>
+              </a:defRPr>
+            </a:lvl1pPr>
+            <a:lvl2pPr marL="457200" indent="0" algn="ctr" defTabSz="914400" rtl="0" eaLnBrk="1" latinLnBrk="0" hangingPunct="1">
+              <a:lnSpc>
+                <a:spcPct val="90000"/>
+              </a:lnSpc>
+              <a:spcBef>
+                <a:spcPts val="500"/>
+              </a:spcBef>
+              <a:buFont typeface="Arial" panose="020B0604020202020204" pitchFamily="34" charset="0"/>
+              <a:buNone/>
+              <a:defRPr sz="2000" kern="1200">
+                <a:solidFill>
+                  <a:schemeClr val="tx1"/>
+                </a:solidFill>
+                <a:latin typeface="+mn-lt"/>
+                <a:ea typeface="+mn-ea"/>
+                <a:cs typeface="+mn-cs"/>
+              </a:defRPr>
+            </a:lvl2pPr>
+            <a:lvl3pPr marL="914400" indent="0" algn="ctr" defTabSz="914400" rtl="0" eaLnBrk="1" latinLnBrk="0" hangingPunct="1">
+              <a:lnSpc>
+                <a:spcPct val="90000"/>
+              </a:lnSpc>
+              <a:spcBef>
+                <a:spcPts val="500"/>
+              </a:spcBef>
+              <a:buFont typeface="Arial" panose="020B0604020202020204" pitchFamily="34" charset="0"/>
+              <a:buNone/>
+              <a:defRPr sz="1800" kern="1200">
+                <a:solidFill>
+                  <a:schemeClr val="tx1"/>
+                </a:solidFill>
+                <a:latin typeface="+mn-lt"/>
+                <a:ea typeface="+mn-ea"/>
+                <a:cs typeface="+mn-cs"/>
+              </a:defRPr>
+            </a:lvl3pPr>
+            <a:lvl4pPr marL="1371600" indent="0" algn="ctr" defTabSz="914400" rtl="0" eaLnBrk="1" latinLnBrk="0" hangingPunct="1">
+              <a:lnSpc>
+                <a:spcPct val="90000"/>
+              </a:lnSpc>
+              <a:spcBef>
+                <a:spcPts val="500"/>
+              </a:spcBef>
+              <a:buFont typeface="Arial" panose="020B0604020202020204" pitchFamily="34" charset="0"/>
+              <a:buNone/>
+              <a:defRPr sz="1600" kern="1200">
+                <a:solidFill>
+                  <a:schemeClr val="tx1"/>
+                </a:solidFill>
+                <a:latin typeface="+mn-lt"/>
+                <a:ea typeface="+mn-ea"/>
+                <a:cs typeface="+mn-cs"/>
+              </a:defRPr>
+            </a:lvl4pPr>
+            <a:lvl5pPr marL="1828800" indent="0" algn="ctr" defTabSz="914400" rtl="0" eaLnBrk="1" latinLnBrk="0" hangingPunct="1">
+              <a:lnSpc>
+                <a:spcPct val="90000"/>
+              </a:lnSpc>
+              <a:spcBef>
+                <a:spcPts val="500"/>
+              </a:spcBef>
+              <a:buFont typeface="Arial" panose="020B0604020202020204" pitchFamily="34" charset="0"/>
+              <a:buNone/>
+              <a:defRPr sz="1600" kern="1200">
+                <a:solidFill>
+                  <a:schemeClr val="tx1"/>
+                </a:solidFill>
+                <a:latin typeface="+mn-lt"/>
+                <a:ea typeface="+mn-ea"/>
+                <a:cs typeface="+mn-cs"/>
+              </a:defRPr>
+            </a:lvl5pPr>
+            <a:lvl6pPr marL="2286000" indent="0" algn="ctr" defTabSz="914400" rtl="0" eaLnBrk="1" latinLnBrk="0" hangingPunct="1">
+              <a:lnSpc>
+                <a:spcPct val="90000"/>
+              </a:lnSpc>
+              <a:spcBef>
+                <a:spcPts val="500"/>
+              </a:spcBef>
+              <a:buFont typeface="Arial" panose="020B0604020202020204" pitchFamily="34" charset="0"/>
+              <a:buNone/>
+              <a:defRPr sz="1600" kern="1200">
+                <a:solidFill>
+                  <a:schemeClr val="tx1"/>
+                </a:solidFill>
+                <a:latin typeface="+mn-lt"/>
+                <a:ea typeface="+mn-ea"/>
+                <a:cs typeface="+mn-cs"/>
+              </a:defRPr>
+            </a:lvl6pPr>
+            <a:lvl7pPr marL="2743200" indent="0" algn="ctr" defTabSz="914400" rtl="0" eaLnBrk="1" latinLnBrk="0" hangingPunct="1">
+              <a:lnSpc>
+                <a:spcPct val="90000"/>
+              </a:lnSpc>
+              <a:spcBef>
+                <a:spcPts val="500"/>
+              </a:spcBef>
+              <a:buFont typeface="Arial" panose="020B0604020202020204" pitchFamily="34" charset="0"/>
+              <a:buNone/>
+              <a:defRPr sz="1600" kern="1200">
+                <a:solidFill>
+                  <a:schemeClr val="tx1"/>
+                </a:solidFill>
+                <a:latin typeface="+mn-lt"/>
+                <a:ea typeface="+mn-ea"/>
+                <a:cs typeface="+mn-cs"/>
+              </a:defRPr>
+            </a:lvl7pPr>
+            <a:lvl8pPr marL="3200400" indent="0" algn="ctr" defTabSz="914400" rtl="0" eaLnBrk="1" latinLnBrk="0" hangingPunct="1">
+              <a:lnSpc>
+                <a:spcPct val="90000"/>
+              </a:lnSpc>
+              <a:spcBef>
+                <a:spcPts val="500"/>
+              </a:spcBef>
+              <a:buFont typeface="Arial" panose="020B0604020202020204" pitchFamily="34" charset="0"/>
+              <a:buNone/>
+              <a:defRPr sz="1600" kern="1200">
+                <a:solidFill>
+                  <a:schemeClr val="tx1"/>
+                </a:solidFill>
+                <a:latin typeface="+mn-lt"/>
+                <a:ea typeface="+mn-ea"/>
+                <a:cs typeface="+mn-cs"/>
+              </a:defRPr>
+            </a:lvl8pPr>
+            <a:lvl9pPr marL="3657600" indent="0" algn="ctr" defTabSz="914400" rtl="0" eaLnBrk="1" latinLnBrk="0" hangingPunct="1">
+              <a:lnSpc>
+                <a:spcPct val="90000"/>
+              </a:lnSpc>
+              <a:spcBef>
+                <a:spcPts val="500"/>
+              </a:spcBef>
+              <a:buFont typeface="Arial" panose="020B0604020202020204" pitchFamily="34" charset="0"/>
+              <a:buNone/>
+              <a:defRPr sz="1600" kern="1200">
+                <a:solidFill>
+                  <a:schemeClr val="tx1"/>
+                </a:solidFill>
+                <a:latin typeface="+mn-lt"/>
+                <a:ea typeface="+mn-ea"/>
+                <a:cs typeface="+mn-cs"/>
+              </a:defRPr>
+            </a:lvl9pPr>
+          </a:lstStyle>
+          <a:p>
+            <a:pPr algn="l"/>
+            <a:r>
+              <a:rPr lang="it-IT" sz="4400" dirty="0">
+                <a:latin typeface="Questrial" pitchFamily="2" charset="0"/>
+                <a:ea typeface="Questrial" pitchFamily="2" charset="0"/>
+                <a:cs typeface="Questrial" pitchFamily="2" charset="0"/>
+              </a:rPr>
+              <a:t>Si divide la matrice </a:t>
+            </a:r>
+            <a:r>
+              <a:rPr lang="it-IT" sz="4400" b="1" dirty="0">
+                <a:latin typeface="Questrial" pitchFamily="2" charset="0"/>
+                <a:ea typeface="Questrial" pitchFamily="2" charset="0"/>
+                <a:cs typeface="Questrial" pitchFamily="2" charset="0"/>
+              </a:rPr>
+              <a:t>R</a:t>
+            </a:r>
+            <a:r>
+              <a:rPr lang="it-IT" sz="4400" i="1" dirty="0">
+                <a:latin typeface="Questrial" pitchFamily="2" charset="0"/>
+                <a:ea typeface="Questrial" pitchFamily="2" charset="0"/>
+                <a:cs typeface="Questrial" pitchFamily="2" charset="0"/>
+              </a:rPr>
+              <a:t> </a:t>
+            </a:r>
+            <a:r>
+              <a:rPr lang="it-IT" sz="4400" dirty="0">
+                <a:latin typeface="Questrial" pitchFamily="2" charset="0"/>
+                <a:ea typeface="Questrial" pitchFamily="2" charset="0"/>
+                <a:cs typeface="Questrial" pitchFamily="2" charset="0"/>
+              </a:rPr>
+              <a:t>in blocchi</a:t>
+            </a:r>
+            <a:r>
+              <a:rPr lang="it-IT" sz="4400" b="1" dirty="0">
+                <a:latin typeface="Questrial" pitchFamily="2" charset="0"/>
+                <a:ea typeface="Questrial" pitchFamily="2" charset="0"/>
+                <a:cs typeface="Questrial" pitchFamily="2" charset="0"/>
+              </a:rPr>
+              <a:t> </a:t>
+            </a:r>
+            <a:r>
+              <a:rPr lang="it-IT" sz="4400" dirty="0">
+                <a:latin typeface="Questrial" pitchFamily="2" charset="0"/>
+                <a:ea typeface="Questrial" pitchFamily="2" charset="0"/>
+                <a:cs typeface="Questrial" pitchFamily="2" charset="0"/>
+              </a:rPr>
+              <a:t>disgiunti, assegnando ciascun blocco a un diverso </a:t>
+            </a:r>
+            <a:r>
+              <a:rPr lang="it-IT" sz="4400" b="1" dirty="0" err="1">
+                <a:latin typeface="Questrial" pitchFamily="2" charset="0"/>
+                <a:ea typeface="Questrial" pitchFamily="2" charset="0"/>
+                <a:cs typeface="Questrial" pitchFamily="2" charset="0"/>
+              </a:rPr>
+              <a:t>thread</a:t>
+            </a:r>
+            <a:r>
+              <a:rPr lang="it-IT" sz="4400" b="1" dirty="0">
+                <a:latin typeface="Questrial" pitchFamily="2" charset="0"/>
+                <a:ea typeface="Questrial" pitchFamily="2" charset="0"/>
+                <a:cs typeface="Questrial" pitchFamily="2" charset="0"/>
+              </a:rPr>
+              <a:t> </a:t>
+            </a:r>
+            <a:r>
+              <a:rPr lang="it-IT" sz="4400" b="1" dirty="0" err="1">
+                <a:latin typeface="Questrial" pitchFamily="2" charset="0"/>
+                <a:ea typeface="Questrial" pitchFamily="2" charset="0"/>
+                <a:cs typeface="Questrial" pitchFamily="2" charset="0"/>
+              </a:rPr>
+              <a:t>block</a:t>
+            </a:r>
+            <a:r>
+              <a:rPr lang="it-IT" sz="4400" b="1" dirty="0">
+                <a:latin typeface="Questrial" pitchFamily="2" charset="0"/>
+                <a:ea typeface="Questrial" pitchFamily="2" charset="0"/>
+                <a:cs typeface="Questrial" pitchFamily="2" charset="0"/>
+              </a:rPr>
+              <a:t> </a:t>
+            </a:r>
+            <a:r>
+              <a:rPr lang="it-IT" sz="4400" dirty="0">
+                <a:latin typeface="Questrial" pitchFamily="2" charset="0"/>
+                <a:ea typeface="Questrial" pitchFamily="2" charset="0"/>
+                <a:cs typeface="Questrial" pitchFamily="2" charset="0"/>
+              </a:rPr>
+              <a:t>o a </a:t>
+            </a:r>
+            <a:r>
+              <a:rPr lang="it-IT" sz="4400" b="1" dirty="0">
+                <a:latin typeface="Questrial" pitchFamily="2" charset="0"/>
+                <a:ea typeface="Questrial" pitchFamily="2" charset="0"/>
+                <a:cs typeface="Questrial" pitchFamily="2" charset="0"/>
+              </a:rPr>
+              <a:t>SM differenti</a:t>
+            </a:r>
+            <a:r>
+              <a:rPr lang="it-IT" sz="4400" dirty="0">
+                <a:latin typeface="Questrial" pitchFamily="2" charset="0"/>
+                <a:ea typeface="Questrial" pitchFamily="2" charset="0"/>
+                <a:cs typeface="Questrial" pitchFamily="2" charset="0"/>
+              </a:rPr>
+              <a:t>.</a:t>
+            </a:r>
+          </a:p>
+        </p:txBody>
+      </p:sp>
+      <p:sp>
+        <p:nvSpPr>
+          <p:cNvPr id="9" name="Sottotitolo 2">
+            <a:extLst>
+              <a:ext uri="{FF2B5EF4-FFF2-40B4-BE49-F238E27FC236}">
+                <a16:creationId xmlns:a16="http://schemas.microsoft.com/office/drawing/2014/main" id="{4F2FB26B-409A-A9C0-67F9-7A521B86FC08}"/>
+              </a:ext>
+            </a:extLst>
+          </p:cNvPr>
+          <p:cNvSpPr txBox="1">
+            <a:spLocks/>
+          </p:cNvSpPr>
+          <p:nvPr/>
+        </p:nvSpPr>
+        <p:spPr>
+          <a:xfrm>
+            <a:off x="7107585" y="2414338"/>
+            <a:ext cx="4907018" cy="4130841"/>
+          </a:xfrm>
+          <a:prstGeom prst="rect">
+            <a:avLst/>
+          </a:prstGeom>
+        </p:spPr>
+        <p:txBody>
+          <a:bodyPr vert="horz" lIns="91440" tIns="45720" rIns="91440" bIns="45720" rtlCol="0">
+            <a:noAutofit/>
+          </a:bodyPr>
+          <a:lstStyle>
+            <a:lvl1pPr marL="0" indent="0" algn="ctr" defTabSz="914400" rtl="0" eaLnBrk="1" latinLnBrk="0" hangingPunct="1">
+              <a:lnSpc>
+                <a:spcPct val="90000"/>
+              </a:lnSpc>
+              <a:spcBef>
+                <a:spcPts val="1000"/>
+              </a:spcBef>
+              <a:buFont typeface="Arial" panose="020B0604020202020204" pitchFamily="34" charset="0"/>
+              <a:buNone/>
+              <a:defRPr sz="2400" kern="1200">
+                <a:solidFill>
+                  <a:schemeClr val="tx1"/>
+                </a:solidFill>
+                <a:latin typeface="+mn-lt"/>
+                <a:ea typeface="+mn-ea"/>
+                <a:cs typeface="+mn-cs"/>
+              </a:defRPr>
+            </a:lvl1pPr>
+            <a:lvl2pPr marL="457200" indent="0" algn="ctr" defTabSz="914400" rtl="0" eaLnBrk="1" latinLnBrk="0" hangingPunct="1">
+              <a:lnSpc>
+                <a:spcPct val="90000"/>
+              </a:lnSpc>
+              <a:spcBef>
+                <a:spcPts val="500"/>
+              </a:spcBef>
+              <a:buFont typeface="Arial" panose="020B0604020202020204" pitchFamily="34" charset="0"/>
+              <a:buNone/>
+              <a:defRPr sz="2000" kern="1200">
+                <a:solidFill>
+                  <a:schemeClr val="tx1"/>
+                </a:solidFill>
+                <a:latin typeface="+mn-lt"/>
+                <a:ea typeface="+mn-ea"/>
+                <a:cs typeface="+mn-cs"/>
+              </a:defRPr>
+            </a:lvl2pPr>
+            <a:lvl3pPr marL="914400" indent="0" algn="ctr" defTabSz="914400" rtl="0" eaLnBrk="1" latinLnBrk="0" hangingPunct="1">
+              <a:lnSpc>
+                <a:spcPct val="90000"/>
+              </a:lnSpc>
+              <a:spcBef>
+                <a:spcPts val="500"/>
+              </a:spcBef>
+              <a:buFont typeface="Arial" panose="020B0604020202020204" pitchFamily="34" charset="0"/>
+              <a:buNone/>
+              <a:defRPr sz="1800" kern="1200">
+                <a:solidFill>
+                  <a:schemeClr val="tx1"/>
+                </a:solidFill>
+                <a:latin typeface="+mn-lt"/>
+                <a:ea typeface="+mn-ea"/>
+                <a:cs typeface="+mn-cs"/>
+              </a:defRPr>
+            </a:lvl3pPr>
+            <a:lvl4pPr marL="1371600" indent="0" algn="ctr" defTabSz="914400" rtl="0" eaLnBrk="1" latinLnBrk="0" hangingPunct="1">
+              <a:lnSpc>
+                <a:spcPct val="90000"/>
+              </a:lnSpc>
+              <a:spcBef>
+                <a:spcPts val="500"/>
+              </a:spcBef>
+              <a:buFont typeface="Arial" panose="020B0604020202020204" pitchFamily="34" charset="0"/>
+              <a:buNone/>
+              <a:defRPr sz="1600" kern="1200">
+                <a:solidFill>
+                  <a:schemeClr val="tx1"/>
+                </a:solidFill>
+                <a:latin typeface="+mn-lt"/>
+                <a:ea typeface="+mn-ea"/>
+                <a:cs typeface="+mn-cs"/>
+              </a:defRPr>
+            </a:lvl4pPr>
+            <a:lvl5pPr marL="1828800" indent="0" algn="ctr" defTabSz="914400" rtl="0" eaLnBrk="1" latinLnBrk="0" hangingPunct="1">
+              <a:lnSpc>
+                <a:spcPct val="90000"/>
+              </a:lnSpc>
+              <a:spcBef>
+                <a:spcPts val="500"/>
+              </a:spcBef>
+              <a:buFont typeface="Arial" panose="020B0604020202020204" pitchFamily="34" charset="0"/>
+              <a:buNone/>
+              <a:defRPr sz="1600" kern="1200">
+                <a:solidFill>
+                  <a:schemeClr val="tx1"/>
+                </a:solidFill>
+                <a:latin typeface="+mn-lt"/>
+                <a:ea typeface="+mn-ea"/>
+                <a:cs typeface="+mn-cs"/>
+              </a:defRPr>
+            </a:lvl5pPr>
+            <a:lvl6pPr marL="2286000" indent="0" algn="ctr" defTabSz="914400" rtl="0" eaLnBrk="1" latinLnBrk="0" hangingPunct="1">
+              <a:lnSpc>
+                <a:spcPct val="90000"/>
+              </a:lnSpc>
+              <a:spcBef>
+                <a:spcPts val="500"/>
+              </a:spcBef>
+              <a:buFont typeface="Arial" panose="020B0604020202020204" pitchFamily="34" charset="0"/>
+              <a:buNone/>
+              <a:defRPr sz="1600" kern="1200">
+                <a:solidFill>
+                  <a:schemeClr val="tx1"/>
+                </a:solidFill>
+                <a:latin typeface="+mn-lt"/>
+                <a:ea typeface="+mn-ea"/>
+                <a:cs typeface="+mn-cs"/>
+              </a:defRPr>
+            </a:lvl6pPr>
+            <a:lvl7pPr marL="2743200" indent="0" algn="ctr" defTabSz="914400" rtl="0" eaLnBrk="1" latinLnBrk="0" hangingPunct="1">
+              <a:lnSpc>
+                <a:spcPct val="90000"/>
+              </a:lnSpc>
+              <a:spcBef>
+                <a:spcPts val="500"/>
+              </a:spcBef>
+              <a:buFont typeface="Arial" panose="020B0604020202020204" pitchFamily="34" charset="0"/>
+              <a:buNone/>
+              <a:defRPr sz="1600" kern="1200">
+                <a:solidFill>
+                  <a:schemeClr val="tx1"/>
+                </a:solidFill>
+                <a:latin typeface="+mn-lt"/>
+                <a:ea typeface="+mn-ea"/>
+                <a:cs typeface="+mn-cs"/>
+              </a:defRPr>
+            </a:lvl7pPr>
+            <a:lvl8pPr marL="3200400" indent="0" algn="ctr" defTabSz="914400" rtl="0" eaLnBrk="1" latinLnBrk="0" hangingPunct="1">
+              <a:lnSpc>
+                <a:spcPct val="90000"/>
+              </a:lnSpc>
+              <a:spcBef>
+                <a:spcPts val="500"/>
+              </a:spcBef>
+              <a:buFont typeface="Arial" panose="020B0604020202020204" pitchFamily="34" charset="0"/>
+              <a:buNone/>
+              <a:defRPr sz="1600" kern="1200">
+                <a:solidFill>
+                  <a:schemeClr val="tx1"/>
+                </a:solidFill>
+                <a:latin typeface="+mn-lt"/>
+                <a:ea typeface="+mn-ea"/>
+                <a:cs typeface="+mn-cs"/>
+              </a:defRPr>
+            </a:lvl8pPr>
+            <a:lvl9pPr marL="3657600" indent="0" algn="ctr" defTabSz="914400" rtl="0" eaLnBrk="1" latinLnBrk="0" hangingPunct="1">
+              <a:lnSpc>
+                <a:spcPct val="90000"/>
+              </a:lnSpc>
+              <a:spcBef>
+                <a:spcPts val="500"/>
+              </a:spcBef>
+              <a:buFont typeface="Arial" panose="020B0604020202020204" pitchFamily="34" charset="0"/>
+              <a:buNone/>
+              <a:defRPr sz="1600" kern="1200">
+                <a:solidFill>
+                  <a:schemeClr val="tx1"/>
+                </a:solidFill>
+                <a:latin typeface="+mn-lt"/>
+                <a:ea typeface="+mn-ea"/>
+                <a:cs typeface="+mn-cs"/>
+              </a:defRPr>
+            </a:lvl9pPr>
+          </a:lstStyle>
+          <a:p>
+            <a:pPr algn="l"/>
+            <a:r>
+              <a:rPr lang="it-IT" sz="4000" dirty="0">
+                <a:solidFill>
+                  <a:srgbClr val="FCFCFC"/>
+                </a:solidFill>
+                <a:latin typeface="Questrial" pitchFamily="2" charset="0"/>
+                <a:ea typeface="Questrial" pitchFamily="2" charset="0"/>
+                <a:cs typeface="Questrial" pitchFamily="2" charset="0"/>
+              </a:rPr>
+              <a:t>Elimina i conflitti all’interno dello stesso blocco. </a:t>
+            </a:r>
+          </a:p>
+          <a:p>
+            <a:pPr algn="l"/>
+            <a:r>
+              <a:rPr lang="it-IT" sz="4000" dirty="0">
+                <a:solidFill>
+                  <a:srgbClr val="FCFCFC"/>
+                </a:solidFill>
+                <a:latin typeface="Questrial" pitchFamily="2" charset="0"/>
+                <a:ea typeface="Questrial" pitchFamily="2" charset="0"/>
+                <a:cs typeface="Questrial" pitchFamily="2" charset="0"/>
+              </a:rPr>
+              <a:t>Riduce </a:t>
+            </a:r>
+            <a:r>
+              <a:rPr lang="it-IT" sz="4400" dirty="0">
+                <a:solidFill>
+                  <a:srgbClr val="FCFCFC"/>
+                </a:solidFill>
+                <a:latin typeface="Questrial" pitchFamily="2" charset="0"/>
+                <a:ea typeface="Questrial" pitchFamily="2" charset="0"/>
+                <a:cs typeface="Questrial" pitchFamily="2" charset="0"/>
+              </a:rPr>
+              <a:t>drasticamente</a:t>
+            </a:r>
+            <a:r>
+              <a:rPr lang="it-IT" sz="4000" dirty="0">
+                <a:solidFill>
+                  <a:srgbClr val="FCFCFC"/>
+                </a:solidFill>
+                <a:latin typeface="Questrial" pitchFamily="2" charset="0"/>
+                <a:ea typeface="Questrial" pitchFamily="2" charset="0"/>
+                <a:cs typeface="Questrial" pitchFamily="2" charset="0"/>
+              </a:rPr>
+              <a:t> l’uso di </a:t>
+            </a:r>
+            <a:r>
+              <a:rPr lang="it-IT" sz="4000" dirty="0" err="1">
+                <a:solidFill>
+                  <a:srgbClr val="FCFCFC"/>
+                </a:solidFill>
+                <a:latin typeface="Questrial" pitchFamily="2" charset="0"/>
+                <a:ea typeface="Questrial" pitchFamily="2" charset="0"/>
+                <a:cs typeface="Questrial" pitchFamily="2" charset="0"/>
+              </a:rPr>
+              <a:t>atomic</a:t>
+            </a:r>
+            <a:r>
+              <a:rPr lang="it-IT" sz="4000" dirty="0">
+                <a:solidFill>
+                  <a:srgbClr val="FCFCFC"/>
+                </a:solidFill>
+                <a:latin typeface="Questrial" pitchFamily="2" charset="0"/>
+                <a:ea typeface="Questrial" pitchFamily="2" charset="0"/>
+                <a:cs typeface="Questrial" pitchFamily="2" charset="0"/>
+              </a:rPr>
+              <a:t> </a:t>
+            </a:r>
+            <a:r>
+              <a:rPr lang="it-IT" sz="4000" dirty="0" err="1">
+                <a:solidFill>
+                  <a:srgbClr val="FCFCFC"/>
+                </a:solidFill>
+                <a:latin typeface="Questrial" pitchFamily="2" charset="0"/>
+                <a:ea typeface="Questrial" pitchFamily="2" charset="0"/>
+                <a:cs typeface="Questrial" pitchFamily="2" charset="0"/>
+              </a:rPr>
+              <a:t>operation</a:t>
+            </a:r>
+            <a:endParaRPr lang="it-IT" sz="4000" dirty="0">
+              <a:solidFill>
+                <a:srgbClr val="FCFCFC"/>
+              </a:solidFill>
+              <a:latin typeface="Questrial" pitchFamily="2" charset="0"/>
+              <a:ea typeface="Questrial" pitchFamily="2" charset="0"/>
+              <a:cs typeface="Questrial" pitchFamily="2" charset="0"/>
+            </a:endParaRPr>
+          </a:p>
+        </p:txBody>
+      </p:sp>
+      <p:pic>
+        <p:nvPicPr>
+          <p:cNvPr id="10" name="Immagine 9" descr="Immagine che contiene nero, oscurità&#10;&#10;Il contenuto generato dall'IA potrebbe non essere corretto.">
+            <a:extLst>
+              <a:ext uri="{FF2B5EF4-FFF2-40B4-BE49-F238E27FC236}">
+                <a16:creationId xmlns:a16="http://schemas.microsoft.com/office/drawing/2014/main" id="{A0C0536C-55B9-A51F-FAB1-CCCA025F91D9}"/>
+              </a:ext>
+            </a:extLst>
+          </p:cNvPr>
+          <p:cNvPicPr>
+            <a:picLocks noChangeAspect="1"/>
+          </p:cNvPicPr>
+          <p:nvPr/>
+        </p:nvPicPr>
+        <p:blipFill>
+          <a:blip r:embed="rId3">
+            <a:extLst>
+              <a:ext uri="{28A0092B-C50C-407E-A947-70E740481C1C}">
+                <a14:useLocalDpi xmlns:a14="http://schemas.microsoft.com/office/drawing/2010/main" val="0"/>
+              </a:ext>
+            </a:extLst>
+          </a:blip>
+          <a:stretch>
+            <a:fillRect/>
+          </a:stretch>
+        </p:blipFill>
+        <p:spPr>
+          <a:xfrm>
+            <a:off x="11027503" y="454094"/>
+            <a:ext cx="871198" cy="871198"/>
+          </a:xfrm>
+          <a:prstGeom prst="rect">
+            <a:avLst/>
+          </a:prstGeom>
+        </p:spPr>
+      </p:pic>
+    </p:spTree>
+    <p:extLst>
+      <p:ext uri="{BB962C8B-B14F-4D97-AF65-F5344CB8AC3E}">
+        <p14:creationId xmlns:p14="http://schemas.microsoft.com/office/powerpoint/2010/main" val="368070117"/>
+      </p:ext>
+    </p:extLst>
+  </p:cSld>
+  <p:clrMapOvr>
+    <a:masterClrMapping/>
+  </p:clrMapOvr>
+</p:sld>
+</file>
+
+<file path=ppt/slides/slide17.xml><?xml version="1.0" encoding="utf-8"?>
+<p:sld xmlns:a="http://schemas.openxmlformats.org/drawingml/2006/main" xmlns:r="http://schemas.openxmlformats.org/officeDocument/2006/relationships" xmlns:p="http://schemas.openxmlformats.org/presentationml/2006/main">
+  <p:cSld>
+    <p:spTree>
+      <p:nvGrpSpPr>
+        <p:cNvPr id="1" name="">
+          <a:extLst>
+            <a:ext uri="{FF2B5EF4-FFF2-40B4-BE49-F238E27FC236}">
+              <a16:creationId xmlns:a16="http://schemas.microsoft.com/office/drawing/2014/main" id="{A44B2410-5BE3-5194-E36B-8F20EF06C676}"/>
+            </a:ext>
+          </a:extLst>
+        </p:cNvPr>
+        <p:cNvGrpSpPr/>
+        <p:nvPr/>
+      </p:nvGrpSpPr>
+      <p:grpSpPr>
+        <a:xfrm>
+          <a:off x="0" y="0"/>
+          <a:ext cx="0" cy="0"/>
+          <a:chOff x="0" y="0"/>
+          <a:chExt cx="0" cy="0"/>
+        </a:xfrm>
+      </p:grpSpPr>
+      <p:sp>
+        <p:nvSpPr>
+          <p:cNvPr id="7" name="Rettangolo 6">
+            <a:extLst>
+              <a:ext uri="{FF2B5EF4-FFF2-40B4-BE49-F238E27FC236}">
+                <a16:creationId xmlns:a16="http://schemas.microsoft.com/office/drawing/2014/main" id="{61EF1F7A-5AD1-1E2D-EB5D-51C5F4FFE335}"/>
+              </a:ext>
+            </a:extLst>
+          </p:cNvPr>
+          <p:cNvSpPr>
+            <a:spLocks noGrp="1" noRot="1" noMove="1" noResize="1" noEditPoints="1" noAdjustHandles="1" noChangeArrowheads="1" noChangeShapeType="1"/>
+          </p:cNvSpPr>
+          <p:nvPr/>
+        </p:nvSpPr>
+        <p:spPr>
+          <a:xfrm>
+            <a:off x="0" y="0"/>
+            <a:ext cx="12192000" cy="6858000"/>
+          </a:xfrm>
+          <a:prstGeom prst="rect">
+            <a:avLst/>
+          </a:prstGeom>
+          <a:solidFill>
+            <a:srgbClr val="FCFCFC"/>
+          </a:solidFill>
+        </p:spPr>
+        <p:style>
+          <a:lnRef idx="2">
+            <a:schemeClr val="accent1">
+              <a:shade val="15000"/>
+            </a:schemeClr>
+          </a:lnRef>
+          <a:fillRef idx="1">
+            <a:schemeClr val="accent1"/>
+          </a:fillRef>
+          <a:effectRef idx="0">
+            <a:schemeClr val="accent1"/>
+          </a:effectRef>
+          <a:fontRef idx="minor">
+            <a:schemeClr val="lt1"/>
+          </a:fontRef>
+        </p:style>
+        <p:txBody>
+          <a:bodyPr rtlCol="0" anchor="ctr"/>
+          <a:lstStyle/>
+          <a:p>
+            <a:pPr marL="285750" indent="-285750" algn="just">
+              <a:buFont typeface="Arial" panose="020B0604020202020204" pitchFamily="34" charset="0"/>
+              <a:buChar char="•"/>
+            </a:pPr>
+            <a:endParaRPr lang="it-IT" dirty="0"/>
+          </a:p>
+        </p:txBody>
+      </p:sp>
+      <p:sp>
+        <p:nvSpPr>
+          <p:cNvPr id="2" name="Titolo 1">
+            <a:extLst>
+              <a:ext uri="{FF2B5EF4-FFF2-40B4-BE49-F238E27FC236}">
+                <a16:creationId xmlns:a16="http://schemas.microsoft.com/office/drawing/2014/main" id="{512DB835-E8E7-6D2A-BEE4-0174C8002AF0}"/>
+              </a:ext>
+            </a:extLst>
+          </p:cNvPr>
+          <p:cNvSpPr>
+            <a:spLocks noGrp="1"/>
+          </p:cNvSpPr>
+          <p:nvPr>
+            <p:ph type="ctrTitle"/>
+          </p:nvPr>
+        </p:nvSpPr>
+        <p:spPr>
+          <a:xfrm>
+            <a:off x="284599" y="894578"/>
+            <a:ext cx="9581296" cy="861428"/>
+          </a:xfrm>
+        </p:spPr>
+        <p:txBody>
+          <a:bodyPr>
+            <a:noAutofit/>
+          </a:bodyPr>
+          <a:lstStyle/>
+          <a:p>
+            <a:pPr algn="l"/>
+            <a:r>
+              <a:rPr lang="en-US" sz="5400" b="1" dirty="0">
+                <a:latin typeface="Questrial" panose="020F0502020204030204" pitchFamily="2" charset="0"/>
+                <a:ea typeface="Questrial" panose="020F0502020204030204" pitchFamily="2" charset="0"/>
+                <a:cs typeface="Questrial" panose="020F0502020204030204" pitchFamily="2" charset="0"/>
+              </a:rPr>
+              <a:t>S4: Caching in Shared Memory</a:t>
+            </a:r>
+            <a:endParaRPr lang="it-IT" sz="5400" b="1" dirty="0">
+              <a:latin typeface="Posterama" panose="020B0502040204020203" pitchFamily="34" charset="0"/>
+              <a:ea typeface="Questrial" pitchFamily="2" charset="0"/>
+              <a:cs typeface="Posterama" panose="020B0502040204020203" pitchFamily="34" charset="0"/>
+            </a:endParaRPr>
+          </a:p>
+        </p:txBody>
+      </p:sp>
+      <p:sp>
+        <p:nvSpPr>
+          <p:cNvPr id="6" name="Rettangolo con angoli arrotondati 5">
+            <a:extLst>
+              <a:ext uri="{FF2B5EF4-FFF2-40B4-BE49-F238E27FC236}">
+                <a16:creationId xmlns:a16="http://schemas.microsoft.com/office/drawing/2014/main" id="{643C9554-9452-FCE3-0D9D-1B73D024FD14}"/>
+              </a:ext>
+            </a:extLst>
+          </p:cNvPr>
+          <p:cNvSpPr/>
+          <p:nvPr/>
+        </p:nvSpPr>
+        <p:spPr>
+          <a:xfrm>
+            <a:off x="-1371600" y="2133601"/>
+            <a:ext cx="7275095" cy="4411578"/>
+          </a:xfrm>
+          <a:prstGeom prst="roundRect">
+            <a:avLst/>
+          </a:prstGeom>
+          <a:solidFill>
+            <a:srgbClr val="FC993E"/>
+          </a:solidFill>
+          <a:ln>
+            <a:noFill/>
+          </a:ln>
+        </p:spPr>
+        <p:style>
+          <a:lnRef idx="2">
+            <a:schemeClr val="accent1">
+              <a:shade val="15000"/>
+            </a:schemeClr>
+          </a:lnRef>
+          <a:fillRef idx="1">
+            <a:schemeClr val="accent1"/>
+          </a:fillRef>
+          <a:effectRef idx="0">
+            <a:schemeClr val="accent1"/>
+          </a:effectRef>
+          <a:fontRef idx="minor">
+            <a:schemeClr val="lt1"/>
+          </a:fontRef>
+        </p:style>
+        <p:txBody>
+          <a:bodyPr rtlCol="0" anchor="ctr"/>
+          <a:lstStyle/>
+          <a:p>
+            <a:pPr algn="ctr"/>
+            <a:endParaRPr lang="it-IT" dirty="0"/>
+          </a:p>
+        </p:txBody>
+      </p:sp>
+      <p:sp>
+        <p:nvSpPr>
+          <p:cNvPr id="23" name="Sottotitolo 2">
+            <a:extLst>
+              <a:ext uri="{FF2B5EF4-FFF2-40B4-BE49-F238E27FC236}">
+                <a16:creationId xmlns:a16="http://schemas.microsoft.com/office/drawing/2014/main" id="{305D718F-6930-781D-0299-8616B8CB85B6}"/>
+              </a:ext>
+            </a:extLst>
+          </p:cNvPr>
+          <p:cNvSpPr txBox="1">
+            <a:spLocks/>
+          </p:cNvSpPr>
+          <p:nvPr/>
+        </p:nvSpPr>
+        <p:spPr>
+          <a:xfrm>
+            <a:off x="384080" y="2824623"/>
+            <a:ext cx="4652210" cy="4411578"/>
+          </a:xfrm>
+          <a:prstGeom prst="rect">
+            <a:avLst/>
+          </a:prstGeom>
+        </p:spPr>
+        <p:txBody>
+          <a:bodyPr vert="horz" lIns="91440" tIns="45720" rIns="91440" bIns="45720" rtlCol="0">
+            <a:noAutofit/>
+          </a:bodyPr>
+          <a:lstStyle>
+            <a:lvl1pPr marL="0" indent="0" algn="ctr" defTabSz="914400" rtl="0" eaLnBrk="1" latinLnBrk="0" hangingPunct="1">
+              <a:lnSpc>
+                <a:spcPct val="90000"/>
+              </a:lnSpc>
+              <a:spcBef>
+                <a:spcPts val="1000"/>
+              </a:spcBef>
+              <a:buFont typeface="Arial" panose="020B0604020202020204" pitchFamily="34" charset="0"/>
+              <a:buNone/>
+              <a:defRPr sz="2400" kern="1200">
+                <a:solidFill>
+                  <a:schemeClr val="tx1"/>
+                </a:solidFill>
+                <a:latin typeface="+mn-lt"/>
+                <a:ea typeface="+mn-ea"/>
+                <a:cs typeface="+mn-cs"/>
+              </a:defRPr>
+            </a:lvl1pPr>
+            <a:lvl2pPr marL="457200" indent="0" algn="ctr" defTabSz="914400" rtl="0" eaLnBrk="1" latinLnBrk="0" hangingPunct="1">
+              <a:lnSpc>
+                <a:spcPct val="90000"/>
+              </a:lnSpc>
+              <a:spcBef>
+                <a:spcPts val="500"/>
+              </a:spcBef>
+              <a:buFont typeface="Arial" panose="020B0604020202020204" pitchFamily="34" charset="0"/>
+              <a:buNone/>
+              <a:defRPr sz="2000" kern="1200">
+                <a:solidFill>
+                  <a:schemeClr val="tx1"/>
+                </a:solidFill>
+                <a:latin typeface="+mn-lt"/>
+                <a:ea typeface="+mn-ea"/>
+                <a:cs typeface="+mn-cs"/>
+              </a:defRPr>
+            </a:lvl2pPr>
+            <a:lvl3pPr marL="914400" indent="0" algn="ctr" defTabSz="914400" rtl="0" eaLnBrk="1" latinLnBrk="0" hangingPunct="1">
+              <a:lnSpc>
+                <a:spcPct val="90000"/>
+              </a:lnSpc>
+              <a:spcBef>
+                <a:spcPts val="500"/>
+              </a:spcBef>
+              <a:buFont typeface="Arial" panose="020B0604020202020204" pitchFamily="34" charset="0"/>
+              <a:buNone/>
+              <a:defRPr sz="1800" kern="1200">
+                <a:solidFill>
+                  <a:schemeClr val="tx1"/>
+                </a:solidFill>
+                <a:latin typeface="+mn-lt"/>
+                <a:ea typeface="+mn-ea"/>
+                <a:cs typeface="+mn-cs"/>
+              </a:defRPr>
+            </a:lvl3pPr>
+            <a:lvl4pPr marL="1371600" indent="0" algn="ctr" defTabSz="914400" rtl="0" eaLnBrk="1" latinLnBrk="0" hangingPunct="1">
+              <a:lnSpc>
+                <a:spcPct val="90000"/>
+              </a:lnSpc>
+              <a:spcBef>
+                <a:spcPts val="500"/>
+              </a:spcBef>
+              <a:buFont typeface="Arial" panose="020B0604020202020204" pitchFamily="34" charset="0"/>
+              <a:buNone/>
+              <a:defRPr sz="1600" kern="1200">
+                <a:solidFill>
+                  <a:schemeClr val="tx1"/>
+                </a:solidFill>
+                <a:latin typeface="+mn-lt"/>
+                <a:ea typeface="+mn-ea"/>
+                <a:cs typeface="+mn-cs"/>
+              </a:defRPr>
+            </a:lvl4pPr>
+            <a:lvl5pPr marL="1828800" indent="0" algn="ctr" defTabSz="914400" rtl="0" eaLnBrk="1" latinLnBrk="0" hangingPunct="1">
+              <a:lnSpc>
+                <a:spcPct val="90000"/>
+              </a:lnSpc>
+              <a:spcBef>
+                <a:spcPts val="500"/>
+              </a:spcBef>
+              <a:buFont typeface="Arial" panose="020B0604020202020204" pitchFamily="34" charset="0"/>
+              <a:buNone/>
+              <a:defRPr sz="1600" kern="1200">
+                <a:solidFill>
+                  <a:schemeClr val="tx1"/>
+                </a:solidFill>
+                <a:latin typeface="+mn-lt"/>
+                <a:ea typeface="+mn-ea"/>
+                <a:cs typeface="+mn-cs"/>
+              </a:defRPr>
+            </a:lvl5pPr>
+            <a:lvl6pPr marL="2286000" indent="0" algn="ctr" defTabSz="914400" rtl="0" eaLnBrk="1" latinLnBrk="0" hangingPunct="1">
+              <a:lnSpc>
+                <a:spcPct val="90000"/>
+              </a:lnSpc>
+              <a:spcBef>
+                <a:spcPts val="500"/>
+              </a:spcBef>
+              <a:buFont typeface="Arial" panose="020B0604020202020204" pitchFamily="34" charset="0"/>
+              <a:buNone/>
+              <a:defRPr sz="1600" kern="1200">
+                <a:solidFill>
+                  <a:schemeClr val="tx1"/>
+                </a:solidFill>
+                <a:latin typeface="+mn-lt"/>
+                <a:ea typeface="+mn-ea"/>
+                <a:cs typeface="+mn-cs"/>
+              </a:defRPr>
+            </a:lvl6pPr>
+            <a:lvl7pPr marL="2743200" indent="0" algn="ctr" defTabSz="914400" rtl="0" eaLnBrk="1" latinLnBrk="0" hangingPunct="1">
+              <a:lnSpc>
+                <a:spcPct val="90000"/>
+              </a:lnSpc>
+              <a:spcBef>
+                <a:spcPts val="500"/>
+              </a:spcBef>
+              <a:buFont typeface="Arial" panose="020B0604020202020204" pitchFamily="34" charset="0"/>
+              <a:buNone/>
+              <a:defRPr sz="1600" kern="1200">
+                <a:solidFill>
+                  <a:schemeClr val="tx1"/>
+                </a:solidFill>
+                <a:latin typeface="+mn-lt"/>
+                <a:ea typeface="+mn-ea"/>
+                <a:cs typeface="+mn-cs"/>
+              </a:defRPr>
+            </a:lvl7pPr>
+            <a:lvl8pPr marL="3200400" indent="0" algn="ctr" defTabSz="914400" rtl="0" eaLnBrk="1" latinLnBrk="0" hangingPunct="1">
+              <a:lnSpc>
+                <a:spcPct val="90000"/>
+              </a:lnSpc>
+              <a:spcBef>
+                <a:spcPts val="500"/>
+              </a:spcBef>
+              <a:buFont typeface="Arial" panose="020B0604020202020204" pitchFamily="34" charset="0"/>
+              <a:buNone/>
+              <a:defRPr sz="1600" kern="1200">
+                <a:solidFill>
+                  <a:schemeClr val="tx1"/>
+                </a:solidFill>
+                <a:latin typeface="+mn-lt"/>
+                <a:ea typeface="+mn-ea"/>
+                <a:cs typeface="+mn-cs"/>
+              </a:defRPr>
+            </a:lvl8pPr>
+            <a:lvl9pPr marL="3657600" indent="0" algn="ctr" defTabSz="914400" rtl="0" eaLnBrk="1" latinLnBrk="0" hangingPunct="1">
+              <a:lnSpc>
+                <a:spcPct val="90000"/>
+              </a:lnSpc>
+              <a:spcBef>
+                <a:spcPts val="500"/>
+              </a:spcBef>
+              <a:buFont typeface="Arial" panose="020B0604020202020204" pitchFamily="34" charset="0"/>
+              <a:buNone/>
+              <a:defRPr sz="1600" kern="1200">
+                <a:solidFill>
+                  <a:schemeClr val="tx1"/>
+                </a:solidFill>
+                <a:latin typeface="+mn-lt"/>
+                <a:ea typeface="+mn-ea"/>
+                <a:cs typeface="+mn-cs"/>
+              </a:defRPr>
+            </a:lvl9pPr>
+          </a:lstStyle>
+          <a:p>
+            <a:pPr algn="l"/>
+            <a:r>
+              <a:rPr lang="it-IT" sz="4400" dirty="0">
+                <a:solidFill>
+                  <a:srgbClr val="FCFCFC"/>
+                </a:solidFill>
+                <a:latin typeface="Questrial" pitchFamily="2" charset="0"/>
+                <a:ea typeface="Questrial" pitchFamily="2" charset="0"/>
+                <a:cs typeface="Questrial" pitchFamily="2" charset="0"/>
+              </a:rPr>
+              <a:t>Si spostano in </a:t>
+            </a:r>
+            <a:r>
+              <a:rPr lang="it-IT" sz="4400" b="1" dirty="0" err="1">
+                <a:solidFill>
+                  <a:srgbClr val="FCFCFC"/>
+                </a:solidFill>
+                <a:latin typeface="Questrial" pitchFamily="2" charset="0"/>
+                <a:ea typeface="Questrial" pitchFamily="2" charset="0"/>
+                <a:cs typeface="Questrial" pitchFamily="2" charset="0"/>
+              </a:rPr>
+              <a:t>shared</a:t>
+            </a:r>
+            <a:r>
+              <a:rPr lang="it-IT" sz="4400" b="1" dirty="0">
+                <a:solidFill>
+                  <a:srgbClr val="FCFCFC"/>
+                </a:solidFill>
+                <a:latin typeface="Questrial" pitchFamily="2" charset="0"/>
+                <a:ea typeface="Questrial" pitchFamily="2" charset="0"/>
+                <a:cs typeface="Questrial" pitchFamily="2" charset="0"/>
+              </a:rPr>
+              <a:t> </a:t>
+            </a:r>
+            <a:r>
+              <a:rPr lang="it-IT" sz="4400" b="1" dirty="0" err="1">
+                <a:solidFill>
+                  <a:srgbClr val="FCFCFC"/>
+                </a:solidFill>
+                <a:latin typeface="Questrial" pitchFamily="2" charset="0"/>
+                <a:ea typeface="Questrial" pitchFamily="2" charset="0"/>
+                <a:cs typeface="Questrial" pitchFamily="2" charset="0"/>
+              </a:rPr>
+              <a:t>memory</a:t>
+            </a:r>
+            <a:r>
+              <a:rPr lang="it-IT" sz="4400" b="1" dirty="0">
+                <a:solidFill>
+                  <a:srgbClr val="FCFCFC"/>
+                </a:solidFill>
+                <a:latin typeface="Questrial" pitchFamily="2" charset="0"/>
+                <a:ea typeface="Questrial" pitchFamily="2" charset="0"/>
+                <a:cs typeface="Questrial" pitchFamily="2" charset="0"/>
+              </a:rPr>
+              <a:t> </a:t>
+            </a:r>
+            <a:r>
+              <a:rPr lang="it-IT" sz="4400" dirty="0">
+                <a:solidFill>
+                  <a:srgbClr val="FCFCFC"/>
+                </a:solidFill>
+                <a:latin typeface="Questrial" pitchFamily="2" charset="0"/>
+                <a:ea typeface="Questrial" pitchFamily="2" charset="0"/>
+                <a:cs typeface="Questrial" pitchFamily="2" charset="0"/>
+              </a:rPr>
+              <a:t>gli item o gli utenti più popolari.</a:t>
+            </a:r>
+          </a:p>
+        </p:txBody>
+      </p:sp>
+      <p:sp>
+        <p:nvSpPr>
+          <p:cNvPr id="9" name="Sottotitolo 2">
+            <a:extLst>
+              <a:ext uri="{FF2B5EF4-FFF2-40B4-BE49-F238E27FC236}">
+                <a16:creationId xmlns:a16="http://schemas.microsoft.com/office/drawing/2014/main" id="{0B5E3DE7-3357-1EC3-8C80-E74F605F415A}"/>
+              </a:ext>
+            </a:extLst>
+          </p:cNvPr>
+          <p:cNvSpPr txBox="1">
+            <a:spLocks/>
+          </p:cNvSpPr>
+          <p:nvPr/>
+        </p:nvSpPr>
+        <p:spPr>
+          <a:xfrm>
+            <a:off x="6432884" y="2824017"/>
+            <a:ext cx="5629845" cy="4130841"/>
+          </a:xfrm>
+          <a:prstGeom prst="rect">
+            <a:avLst/>
+          </a:prstGeom>
+        </p:spPr>
+        <p:txBody>
+          <a:bodyPr vert="horz" lIns="91440" tIns="45720" rIns="91440" bIns="45720" rtlCol="0">
+            <a:noAutofit/>
+          </a:bodyPr>
+          <a:lstStyle>
+            <a:lvl1pPr marL="0" indent="0" algn="ctr" defTabSz="914400" rtl="0" eaLnBrk="1" latinLnBrk="0" hangingPunct="1">
+              <a:lnSpc>
+                <a:spcPct val="90000"/>
+              </a:lnSpc>
+              <a:spcBef>
+                <a:spcPts val="1000"/>
+              </a:spcBef>
+              <a:buFont typeface="Arial" panose="020B0604020202020204" pitchFamily="34" charset="0"/>
+              <a:buNone/>
+              <a:defRPr sz="2400" kern="1200">
+                <a:solidFill>
+                  <a:schemeClr val="tx1"/>
+                </a:solidFill>
+                <a:latin typeface="+mn-lt"/>
+                <a:ea typeface="+mn-ea"/>
+                <a:cs typeface="+mn-cs"/>
+              </a:defRPr>
+            </a:lvl1pPr>
+            <a:lvl2pPr marL="457200" indent="0" algn="ctr" defTabSz="914400" rtl="0" eaLnBrk="1" latinLnBrk="0" hangingPunct="1">
+              <a:lnSpc>
+                <a:spcPct val="90000"/>
+              </a:lnSpc>
+              <a:spcBef>
+                <a:spcPts val="500"/>
+              </a:spcBef>
+              <a:buFont typeface="Arial" panose="020B0604020202020204" pitchFamily="34" charset="0"/>
+              <a:buNone/>
+              <a:defRPr sz="2000" kern="1200">
+                <a:solidFill>
+                  <a:schemeClr val="tx1"/>
+                </a:solidFill>
+                <a:latin typeface="+mn-lt"/>
+                <a:ea typeface="+mn-ea"/>
+                <a:cs typeface="+mn-cs"/>
+              </a:defRPr>
+            </a:lvl2pPr>
+            <a:lvl3pPr marL="914400" indent="0" algn="ctr" defTabSz="914400" rtl="0" eaLnBrk="1" latinLnBrk="0" hangingPunct="1">
+              <a:lnSpc>
+                <a:spcPct val="90000"/>
+              </a:lnSpc>
+              <a:spcBef>
+                <a:spcPts val="500"/>
+              </a:spcBef>
+              <a:buFont typeface="Arial" panose="020B0604020202020204" pitchFamily="34" charset="0"/>
+              <a:buNone/>
+              <a:defRPr sz="1800" kern="1200">
+                <a:solidFill>
+                  <a:schemeClr val="tx1"/>
+                </a:solidFill>
+                <a:latin typeface="+mn-lt"/>
+                <a:ea typeface="+mn-ea"/>
+                <a:cs typeface="+mn-cs"/>
+              </a:defRPr>
+            </a:lvl3pPr>
+            <a:lvl4pPr marL="1371600" indent="0" algn="ctr" defTabSz="914400" rtl="0" eaLnBrk="1" latinLnBrk="0" hangingPunct="1">
+              <a:lnSpc>
+                <a:spcPct val="90000"/>
+              </a:lnSpc>
+              <a:spcBef>
+                <a:spcPts val="500"/>
+              </a:spcBef>
+              <a:buFont typeface="Arial" panose="020B0604020202020204" pitchFamily="34" charset="0"/>
+              <a:buNone/>
+              <a:defRPr sz="1600" kern="1200">
+                <a:solidFill>
+                  <a:schemeClr val="tx1"/>
+                </a:solidFill>
+                <a:latin typeface="+mn-lt"/>
+                <a:ea typeface="+mn-ea"/>
+                <a:cs typeface="+mn-cs"/>
+              </a:defRPr>
+            </a:lvl4pPr>
+            <a:lvl5pPr marL="1828800" indent="0" algn="ctr" defTabSz="914400" rtl="0" eaLnBrk="1" latinLnBrk="0" hangingPunct="1">
+              <a:lnSpc>
+                <a:spcPct val="90000"/>
+              </a:lnSpc>
+              <a:spcBef>
+                <a:spcPts val="500"/>
+              </a:spcBef>
+              <a:buFont typeface="Arial" panose="020B0604020202020204" pitchFamily="34" charset="0"/>
+              <a:buNone/>
+              <a:defRPr sz="1600" kern="1200">
+                <a:solidFill>
+                  <a:schemeClr val="tx1"/>
+                </a:solidFill>
+                <a:latin typeface="+mn-lt"/>
+                <a:ea typeface="+mn-ea"/>
+                <a:cs typeface="+mn-cs"/>
+              </a:defRPr>
+            </a:lvl5pPr>
+            <a:lvl6pPr marL="2286000" indent="0" algn="ctr" defTabSz="914400" rtl="0" eaLnBrk="1" latinLnBrk="0" hangingPunct="1">
+              <a:lnSpc>
+                <a:spcPct val="90000"/>
+              </a:lnSpc>
+              <a:spcBef>
+                <a:spcPts val="500"/>
+              </a:spcBef>
+              <a:buFont typeface="Arial" panose="020B0604020202020204" pitchFamily="34" charset="0"/>
+              <a:buNone/>
+              <a:defRPr sz="1600" kern="1200">
+                <a:solidFill>
+                  <a:schemeClr val="tx1"/>
+                </a:solidFill>
+                <a:latin typeface="+mn-lt"/>
+                <a:ea typeface="+mn-ea"/>
+                <a:cs typeface="+mn-cs"/>
+              </a:defRPr>
+            </a:lvl6pPr>
+            <a:lvl7pPr marL="2743200" indent="0" algn="ctr" defTabSz="914400" rtl="0" eaLnBrk="1" latinLnBrk="0" hangingPunct="1">
+              <a:lnSpc>
+                <a:spcPct val="90000"/>
+              </a:lnSpc>
+              <a:spcBef>
+                <a:spcPts val="500"/>
+              </a:spcBef>
+              <a:buFont typeface="Arial" panose="020B0604020202020204" pitchFamily="34" charset="0"/>
+              <a:buNone/>
+              <a:defRPr sz="1600" kern="1200">
+                <a:solidFill>
+                  <a:schemeClr val="tx1"/>
+                </a:solidFill>
+                <a:latin typeface="+mn-lt"/>
+                <a:ea typeface="+mn-ea"/>
+                <a:cs typeface="+mn-cs"/>
+              </a:defRPr>
+            </a:lvl7pPr>
+            <a:lvl8pPr marL="3200400" indent="0" algn="ctr" defTabSz="914400" rtl="0" eaLnBrk="1" latinLnBrk="0" hangingPunct="1">
+              <a:lnSpc>
+                <a:spcPct val="90000"/>
+              </a:lnSpc>
+              <a:spcBef>
+                <a:spcPts val="500"/>
+              </a:spcBef>
+              <a:buFont typeface="Arial" panose="020B0604020202020204" pitchFamily="34" charset="0"/>
+              <a:buNone/>
+              <a:defRPr sz="1600" kern="1200">
+                <a:solidFill>
+                  <a:schemeClr val="tx1"/>
+                </a:solidFill>
+                <a:latin typeface="+mn-lt"/>
+                <a:ea typeface="+mn-ea"/>
+                <a:cs typeface="+mn-cs"/>
+              </a:defRPr>
+            </a:lvl8pPr>
+            <a:lvl9pPr marL="3657600" indent="0" algn="ctr" defTabSz="914400" rtl="0" eaLnBrk="1" latinLnBrk="0" hangingPunct="1">
+              <a:lnSpc>
+                <a:spcPct val="90000"/>
+              </a:lnSpc>
+              <a:spcBef>
+                <a:spcPts val="500"/>
+              </a:spcBef>
+              <a:buFont typeface="Arial" panose="020B0604020202020204" pitchFamily="34" charset="0"/>
+              <a:buNone/>
+              <a:defRPr sz="1600" kern="1200">
+                <a:solidFill>
+                  <a:schemeClr val="tx1"/>
+                </a:solidFill>
+                <a:latin typeface="+mn-lt"/>
+                <a:ea typeface="+mn-ea"/>
+                <a:cs typeface="+mn-cs"/>
+              </a:defRPr>
+            </a:lvl9pPr>
+          </a:lstStyle>
+          <a:p>
+            <a:pPr marL="571500" indent="-571500" algn="l">
+              <a:buFont typeface="Arial" panose="020B0604020202020204" pitchFamily="34" charset="0"/>
+              <a:buChar char="•"/>
+            </a:pPr>
+            <a:r>
+              <a:rPr lang="it-IT" sz="4000" dirty="0">
+                <a:latin typeface="Questrial" pitchFamily="2" charset="0"/>
+                <a:ea typeface="Questrial" pitchFamily="2" charset="0"/>
+                <a:cs typeface="Questrial" pitchFamily="2" charset="0"/>
+              </a:rPr>
+              <a:t>Riduzione degli accessi alla memoria globale.</a:t>
+            </a:r>
+          </a:p>
+          <a:p>
+            <a:pPr marL="571500" indent="-571500" algn="l">
+              <a:buFont typeface="Arial" panose="020B0604020202020204" pitchFamily="34" charset="0"/>
+              <a:buChar char="•"/>
+            </a:pPr>
+            <a:r>
+              <a:rPr lang="it-IT" sz="4000" dirty="0">
+                <a:latin typeface="Questrial" pitchFamily="2" charset="0"/>
+                <a:ea typeface="Questrial" pitchFamily="2" charset="0"/>
+                <a:cs typeface="Questrial" pitchFamily="2" charset="0"/>
+              </a:rPr>
+              <a:t>Miglioramento della coalescenza.</a:t>
+            </a:r>
+          </a:p>
+        </p:txBody>
+      </p:sp>
+      <p:pic>
+        <p:nvPicPr>
+          <p:cNvPr id="10" name="Immagine 9" descr="Immagine che contiene nero, oscurità&#10;&#10;Il contenuto generato dall'IA potrebbe non essere corretto.">
+            <a:extLst>
+              <a:ext uri="{FF2B5EF4-FFF2-40B4-BE49-F238E27FC236}">
+                <a16:creationId xmlns:a16="http://schemas.microsoft.com/office/drawing/2014/main" id="{A73E46F3-5996-470B-76A1-1CCB88C24896}"/>
+              </a:ext>
+            </a:extLst>
+          </p:cNvPr>
+          <p:cNvPicPr>
+            <a:picLocks noChangeAspect="1"/>
+          </p:cNvPicPr>
+          <p:nvPr/>
+        </p:nvPicPr>
+        <p:blipFill>
+          <a:blip r:embed="rId3">
+            <a:extLst>
+              <a:ext uri="{28A0092B-C50C-407E-A947-70E740481C1C}">
+                <a14:useLocalDpi xmlns:a14="http://schemas.microsoft.com/office/drawing/2010/main" val="0"/>
+              </a:ext>
+            </a:extLst>
+          </a:blip>
+          <a:stretch>
+            <a:fillRect/>
+          </a:stretch>
+        </p:blipFill>
+        <p:spPr>
+          <a:xfrm>
+            <a:off x="11027503" y="454094"/>
+            <a:ext cx="871198" cy="871198"/>
+          </a:xfrm>
+          <a:prstGeom prst="rect">
+            <a:avLst/>
+          </a:prstGeom>
+        </p:spPr>
+      </p:pic>
+    </p:spTree>
+    <p:extLst>
+      <p:ext uri="{BB962C8B-B14F-4D97-AF65-F5344CB8AC3E}">
+        <p14:creationId xmlns:p14="http://schemas.microsoft.com/office/powerpoint/2010/main" val="2305944392"/>
+      </p:ext>
+    </p:extLst>
+  </p:cSld>
+  <p:clrMapOvr>
+    <a:masterClrMapping/>
+  </p:clrMapOvr>
+</p:sld>
+</file>
+
+<file path=ppt/slides/slide18.xml><?xml version="1.0" encoding="utf-8"?>
+<p:sld xmlns:a="http://schemas.openxmlformats.org/drawingml/2006/main" xmlns:r="http://schemas.openxmlformats.org/officeDocument/2006/relationships" xmlns:p="http://schemas.openxmlformats.org/presentationml/2006/main">
+  <p:cSld>
+    <p:spTree>
+      <p:nvGrpSpPr>
+        <p:cNvPr id="1" name="">
+          <a:extLst>
+            <a:ext uri="{FF2B5EF4-FFF2-40B4-BE49-F238E27FC236}">
+              <a16:creationId xmlns:a16="http://schemas.microsoft.com/office/drawing/2014/main" id="{CDD29A71-5EA3-00B7-E11E-24DBB9A0BD1A}"/>
+            </a:ext>
+          </a:extLst>
+        </p:cNvPr>
+        <p:cNvGrpSpPr/>
+        <p:nvPr/>
+      </p:nvGrpSpPr>
+      <p:grpSpPr>
+        <a:xfrm>
+          <a:off x="0" y="0"/>
+          <a:ext cx="0" cy="0"/>
+          <a:chOff x="0" y="0"/>
+          <a:chExt cx="0" cy="0"/>
+        </a:xfrm>
+      </p:grpSpPr>
+      <p:sp>
+        <p:nvSpPr>
+          <p:cNvPr id="7" name="Rettangolo 6">
+            <a:extLst>
+              <a:ext uri="{FF2B5EF4-FFF2-40B4-BE49-F238E27FC236}">
+                <a16:creationId xmlns:a16="http://schemas.microsoft.com/office/drawing/2014/main" id="{AB123A2E-BEAF-5536-48B7-E0E833668276}"/>
+              </a:ext>
+            </a:extLst>
+          </p:cNvPr>
+          <p:cNvSpPr>
+            <a:spLocks noGrp="1" noRot="1" noMove="1" noResize="1" noEditPoints="1" noAdjustHandles="1" noChangeArrowheads="1" noChangeShapeType="1"/>
+          </p:cNvSpPr>
+          <p:nvPr/>
+        </p:nvSpPr>
+        <p:spPr>
+          <a:xfrm>
+            <a:off x="0" y="0"/>
+            <a:ext cx="12192000" cy="6858000"/>
+          </a:xfrm>
+          <a:prstGeom prst="rect">
+            <a:avLst/>
+          </a:prstGeom>
+          <a:solidFill>
+            <a:srgbClr val="FCFCFC"/>
+          </a:solidFill>
+        </p:spPr>
+        <p:style>
+          <a:lnRef idx="2">
+            <a:schemeClr val="accent1">
+              <a:shade val="15000"/>
+            </a:schemeClr>
+          </a:lnRef>
+          <a:fillRef idx="1">
+            <a:schemeClr val="accent1"/>
+          </a:fillRef>
+          <a:effectRef idx="0">
+            <a:schemeClr val="accent1"/>
+          </a:effectRef>
+          <a:fontRef idx="minor">
+            <a:schemeClr val="lt1"/>
+          </a:fontRef>
+        </p:style>
+        <p:txBody>
+          <a:bodyPr rtlCol="0" anchor="ctr"/>
+          <a:lstStyle/>
+          <a:p>
+            <a:pPr marL="285750" indent="-285750" algn="just">
+              <a:buFont typeface="Arial" panose="020B0604020202020204" pitchFamily="34" charset="0"/>
+              <a:buChar char="•"/>
+            </a:pPr>
+            <a:endParaRPr lang="it-IT" dirty="0"/>
+          </a:p>
+        </p:txBody>
+      </p:sp>
+      <p:pic>
+        <p:nvPicPr>
+          <p:cNvPr id="3" name="Immagine 2" descr="Immagine che contiene notte, Policromia, circuito, città&#10;&#10;Il contenuto generato dall'IA potrebbe non essere corretto.">
+            <a:extLst>
+              <a:ext uri="{FF2B5EF4-FFF2-40B4-BE49-F238E27FC236}">
+                <a16:creationId xmlns:a16="http://schemas.microsoft.com/office/drawing/2014/main" id="{EE62D464-9707-4099-7545-356E2AD625C9}"/>
+              </a:ext>
+            </a:extLst>
+          </p:cNvPr>
+          <p:cNvPicPr>
+            <a:picLocks noChangeAspect="1"/>
+          </p:cNvPicPr>
+          <p:nvPr/>
+        </p:nvPicPr>
+        <p:blipFill>
+          <a:blip r:embed="rId3">
+            <a:extLst>
+              <a:ext uri="{28A0092B-C50C-407E-A947-70E740481C1C}">
+                <a14:useLocalDpi xmlns:a14="http://schemas.microsoft.com/office/drawing/2010/main" val="0"/>
+              </a:ext>
+            </a:extLst>
+          </a:blip>
+          <a:srcRect l="48516" r="1"/>
+          <a:stretch>
+            <a:fillRect/>
+          </a:stretch>
+        </p:blipFill>
+        <p:spPr>
+          <a:xfrm>
+            <a:off x="0" y="0"/>
+            <a:ext cx="5036290" cy="6858000"/>
+          </a:xfrm>
+          <a:prstGeom prst="rect">
+            <a:avLst/>
+          </a:prstGeom>
+          <a:effectLst>
+            <a:outerShdw blurRad="50800" dist="38100" dir="2700000" algn="tl" rotWithShape="0">
+              <a:prstClr val="black">
+                <a:alpha val="40000"/>
+              </a:prstClr>
+            </a:outerShdw>
+          </a:effectLst>
+        </p:spPr>
+      </p:pic>
+      <p:sp>
+        <p:nvSpPr>
+          <p:cNvPr id="23" name="Sottotitolo 2">
+            <a:extLst>
+              <a:ext uri="{FF2B5EF4-FFF2-40B4-BE49-F238E27FC236}">
+                <a16:creationId xmlns:a16="http://schemas.microsoft.com/office/drawing/2014/main" id="{81CD1D09-0D3B-816A-ABAC-489DDC38EDFF}"/>
+              </a:ext>
+            </a:extLst>
+          </p:cNvPr>
+          <p:cNvSpPr txBox="1">
+            <a:spLocks/>
+          </p:cNvSpPr>
+          <p:nvPr/>
+        </p:nvSpPr>
+        <p:spPr>
+          <a:xfrm>
+            <a:off x="384080" y="2824623"/>
+            <a:ext cx="4652210" cy="4411578"/>
+          </a:xfrm>
+          <a:prstGeom prst="rect">
+            <a:avLst/>
+          </a:prstGeom>
+        </p:spPr>
+        <p:txBody>
+          <a:bodyPr vert="horz" lIns="91440" tIns="45720" rIns="91440" bIns="45720" rtlCol="0">
+            <a:noAutofit/>
+          </a:bodyPr>
+          <a:lstStyle>
+            <a:lvl1pPr marL="0" indent="0" algn="ctr" defTabSz="914400" rtl="0" eaLnBrk="1" latinLnBrk="0" hangingPunct="1">
+              <a:lnSpc>
+                <a:spcPct val="90000"/>
+              </a:lnSpc>
+              <a:spcBef>
+                <a:spcPts val="1000"/>
+              </a:spcBef>
+              <a:buFont typeface="Arial" panose="020B0604020202020204" pitchFamily="34" charset="0"/>
+              <a:buNone/>
+              <a:defRPr sz="2400" kern="1200">
+                <a:solidFill>
+                  <a:schemeClr val="tx1"/>
+                </a:solidFill>
+                <a:latin typeface="+mn-lt"/>
+                <a:ea typeface="+mn-ea"/>
+                <a:cs typeface="+mn-cs"/>
+              </a:defRPr>
+            </a:lvl1pPr>
+            <a:lvl2pPr marL="457200" indent="0" algn="ctr" defTabSz="914400" rtl="0" eaLnBrk="1" latinLnBrk="0" hangingPunct="1">
+              <a:lnSpc>
+                <a:spcPct val="90000"/>
+              </a:lnSpc>
+              <a:spcBef>
+                <a:spcPts val="500"/>
+              </a:spcBef>
+              <a:buFont typeface="Arial" panose="020B0604020202020204" pitchFamily="34" charset="0"/>
+              <a:buNone/>
+              <a:defRPr sz="2000" kern="1200">
+                <a:solidFill>
+                  <a:schemeClr val="tx1"/>
+                </a:solidFill>
+                <a:latin typeface="+mn-lt"/>
+                <a:ea typeface="+mn-ea"/>
+                <a:cs typeface="+mn-cs"/>
+              </a:defRPr>
+            </a:lvl2pPr>
+            <a:lvl3pPr marL="914400" indent="0" algn="ctr" defTabSz="914400" rtl="0" eaLnBrk="1" latinLnBrk="0" hangingPunct="1">
+              <a:lnSpc>
+                <a:spcPct val="90000"/>
+              </a:lnSpc>
+              <a:spcBef>
+                <a:spcPts val="500"/>
+              </a:spcBef>
+              <a:buFont typeface="Arial" panose="020B0604020202020204" pitchFamily="34" charset="0"/>
+              <a:buNone/>
+              <a:defRPr sz="1800" kern="1200">
+                <a:solidFill>
+                  <a:schemeClr val="tx1"/>
+                </a:solidFill>
+                <a:latin typeface="+mn-lt"/>
+                <a:ea typeface="+mn-ea"/>
+                <a:cs typeface="+mn-cs"/>
+              </a:defRPr>
+            </a:lvl3pPr>
+            <a:lvl4pPr marL="1371600" indent="0" algn="ctr" defTabSz="914400" rtl="0" eaLnBrk="1" latinLnBrk="0" hangingPunct="1">
+              <a:lnSpc>
+                <a:spcPct val="90000"/>
+              </a:lnSpc>
+              <a:spcBef>
+                <a:spcPts val="500"/>
+              </a:spcBef>
+              <a:buFont typeface="Arial" panose="020B0604020202020204" pitchFamily="34" charset="0"/>
+              <a:buNone/>
+              <a:defRPr sz="1600" kern="1200">
+                <a:solidFill>
+                  <a:schemeClr val="tx1"/>
+                </a:solidFill>
+                <a:latin typeface="+mn-lt"/>
+                <a:ea typeface="+mn-ea"/>
+                <a:cs typeface="+mn-cs"/>
+              </a:defRPr>
+            </a:lvl4pPr>
+            <a:lvl5pPr marL="1828800" indent="0" algn="ctr" defTabSz="914400" rtl="0" eaLnBrk="1" latinLnBrk="0" hangingPunct="1">
+              <a:lnSpc>
+                <a:spcPct val="90000"/>
+              </a:lnSpc>
+              <a:spcBef>
+                <a:spcPts val="500"/>
+              </a:spcBef>
+              <a:buFont typeface="Arial" panose="020B0604020202020204" pitchFamily="34" charset="0"/>
+              <a:buNone/>
+              <a:defRPr sz="1600" kern="1200">
+                <a:solidFill>
+                  <a:schemeClr val="tx1"/>
+                </a:solidFill>
+                <a:latin typeface="+mn-lt"/>
+                <a:ea typeface="+mn-ea"/>
+                <a:cs typeface="+mn-cs"/>
+              </a:defRPr>
+            </a:lvl5pPr>
+            <a:lvl6pPr marL="2286000" indent="0" algn="ctr" defTabSz="914400" rtl="0" eaLnBrk="1" latinLnBrk="0" hangingPunct="1">
+              <a:lnSpc>
+                <a:spcPct val="90000"/>
+              </a:lnSpc>
+              <a:spcBef>
+                <a:spcPts val="500"/>
+              </a:spcBef>
+              <a:buFont typeface="Arial" panose="020B0604020202020204" pitchFamily="34" charset="0"/>
+              <a:buNone/>
+              <a:defRPr sz="1600" kern="1200">
+                <a:solidFill>
+                  <a:schemeClr val="tx1"/>
+                </a:solidFill>
+                <a:latin typeface="+mn-lt"/>
+                <a:ea typeface="+mn-ea"/>
+                <a:cs typeface="+mn-cs"/>
+              </a:defRPr>
+            </a:lvl6pPr>
+            <a:lvl7pPr marL="2743200" indent="0" algn="ctr" defTabSz="914400" rtl="0" eaLnBrk="1" latinLnBrk="0" hangingPunct="1">
+              <a:lnSpc>
+                <a:spcPct val="90000"/>
+              </a:lnSpc>
+              <a:spcBef>
+                <a:spcPts val="500"/>
+              </a:spcBef>
+              <a:buFont typeface="Arial" panose="020B0604020202020204" pitchFamily="34" charset="0"/>
+              <a:buNone/>
+              <a:defRPr sz="1600" kern="1200">
+                <a:solidFill>
+                  <a:schemeClr val="tx1"/>
+                </a:solidFill>
+                <a:latin typeface="+mn-lt"/>
+                <a:ea typeface="+mn-ea"/>
+                <a:cs typeface="+mn-cs"/>
+              </a:defRPr>
+            </a:lvl7pPr>
+            <a:lvl8pPr marL="3200400" indent="0" algn="ctr" defTabSz="914400" rtl="0" eaLnBrk="1" latinLnBrk="0" hangingPunct="1">
+              <a:lnSpc>
+                <a:spcPct val="90000"/>
+              </a:lnSpc>
+              <a:spcBef>
+                <a:spcPts val="500"/>
+              </a:spcBef>
+              <a:buFont typeface="Arial" panose="020B0604020202020204" pitchFamily="34" charset="0"/>
+              <a:buNone/>
+              <a:defRPr sz="1600" kern="1200">
+                <a:solidFill>
+                  <a:schemeClr val="tx1"/>
+                </a:solidFill>
+                <a:latin typeface="+mn-lt"/>
+                <a:ea typeface="+mn-ea"/>
+                <a:cs typeface="+mn-cs"/>
+              </a:defRPr>
+            </a:lvl8pPr>
+            <a:lvl9pPr marL="3657600" indent="0" algn="ctr" defTabSz="914400" rtl="0" eaLnBrk="1" latinLnBrk="0" hangingPunct="1">
+              <a:lnSpc>
+                <a:spcPct val="90000"/>
+              </a:lnSpc>
+              <a:spcBef>
+                <a:spcPts val="500"/>
+              </a:spcBef>
+              <a:buFont typeface="Arial" panose="020B0604020202020204" pitchFamily="34" charset="0"/>
+              <a:buNone/>
+              <a:defRPr sz="1600" kern="1200">
+                <a:solidFill>
+                  <a:schemeClr val="tx1"/>
+                </a:solidFill>
+                <a:latin typeface="+mn-lt"/>
+                <a:ea typeface="+mn-ea"/>
+                <a:cs typeface="+mn-cs"/>
+              </a:defRPr>
+            </a:lvl9pPr>
+          </a:lstStyle>
+          <a:p>
+            <a:pPr algn="l"/>
+            <a:endParaRPr lang="it-IT" sz="4400" dirty="0">
+              <a:solidFill>
+                <a:srgbClr val="FCFCFC"/>
+              </a:solidFill>
+              <a:latin typeface="Questrial" pitchFamily="2" charset="0"/>
+              <a:ea typeface="Questrial" pitchFamily="2" charset="0"/>
+              <a:cs typeface="Questrial" pitchFamily="2" charset="0"/>
+            </a:endParaRPr>
+          </a:p>
+        </p:txBody>
+      </p:sp>
+      <p:sp>
+        <p:nvSpPr>
+          <p:cNvPr id="9" name="Sottotitolo 2">
+            <a:extLst>
+              <a:ext uri="{FF2B5EF4-FFF2-40B4-BE49-F238E27FC236}">
+                <a16:creationId xmlns:a16="http://schemas.microsoft.com/office/drawing/2014/main" id="{A095BCCE-BBDC-BAF5-1007-0FF131B15A27}"/>
+              </a:ext>
+            </a:extLst>
+          </p:cNvPr>
+          <p:cNvSpPr txBox="1">
+            <a:spLocks/>
+          </p:cNvSpPr>
+          <p:nvPr/>
+        </p:nvSpPr>
+        <p:spPr>
+          <a:xfrm>
+            <a:off x="5213684" y="807720"/>
+            <a:ext cx="6578195" cy="5705375"/>
+          </a:xfrm>
+          <a:prstGeom prst="rect">
+            <a:avLst/>
+          </a:prstGeom>
+        </p:spPr>
+        <p:txBody>
+          <a:bodyPr vert="horz" lIns="91440" tIns="45720" rIns="91440" bIns="45720" rtlCol="0">
+            <a:noAutofit/>
+          </a:bodyPr>
+          <a:lstStyle>
+            <a:lvl1pPr marL="0" indent="0" algn="ctr" defTabSz="914400" rtl="0" eaLnBrk="1" latinLnBrk="0" hangingPunct="1">
+              <a:lnSpc>
+                <a:spcPct val="90000"/>
+              </a:lnSpc>
+              <a:spcBef>
+                <a:spcPts val="1000"/>
+              </a:spcBef>
+              <a:buFont typeface="Arial" panose="020B0604020202020204" pitchFamily="34" charset="0"/>
+              <a:buNone/>
+              <a:defRPr sz="2400" kern="1200">
+                <a:solidFill>
+                  <a:schemeClr val="tx1"/>
+                </a:solidFill>
+                <a:latin typeface="+mn-lt"/>
+                <a:ea typeface="+mn-ea"/>
+                <a:cs typeface="+mn-cs"/>
+              </a:defRPr>
+            </a:lvl1pPr>
+            <a:lvl2pPr marL="457200" indent="0" algn="ctr" defTabSz="914400" rtl="0" eaLnBrk="1" latinLnBrk="0" hangingPunct="1">
+              <a:lnSpc>
+                <a:spcPct val="90000"/>
+              </a:lnSpc>
+              <a:spcBef>
+                <a:spcPts val="500"/>
+              </a:spcBef>
+              <a:buFont typeface="Arial" panose="020B0604020202020204" pitchFamily="34" charset="0"/>
+              <a:buNone/>
+              <a:defRPr sz="2000" kern="1200">
+                <a:solidFill>
+                  <a:schemeClr val="tx1"/>
+                </a:solidFill>
+                <a:latin typeface="+mn-lt"/>
+                <a:ea typeface="+mn-ea"/>
+                <a:cs typeface="+mn-cs"/>
+              </a:defRPr>
+            </a:lvl2pPr>
+            <a:lvl3pPr marL="914400" indent="0" algn="ctr" defTabSz="914400" rtl="0" eaLnBrk="1" latinLnBrk="0" hangingPunct="1">
+              <a:lnSpc>
+                <a:spcPct val="90000"/>
+              </a:lnSpc>
+              <a:spcBef>
+                <a:spcPts val="500"/>
+              </a:spcBef>
+              <a:buFont typeface="Arial" panose="020B0604020202020204" pitchFamily="34" charset="0"/>
+              <a:buNone/>
+              <a:defRPr sz="1800" kern="1200">
+                <a:solidFill>
+                  <a:schemeClr val="tx1"/>
+                </a:solidFill>
+                <a:latin typeface="+mn-lt"/>
+                <a:ea typeface="+mn-ea"/>
+                <a:cs typeface="+mn-cs"/>
+              </a:defRPr>
+            </a:lvl3pPr>
+            <a:lvl4pPr marL="1371600" indent="0" algn="ctr" defTabSz="914400" rtl="0" eaLnBrk="1" latinLnBrk="0" hangingPunct="1">
+              <a:lnSpc>
+                <a:spcPct val="90000"/>
+              </a:lnSpc>
+              <a:spcBef>
+                <a:spcPts val="500"/>
+              </a:spcBef>
+              <a:buFont typeface="Arial" panose="020B0604020202020204" pitchFamily="34" charset="0"/>
+              <a:buNone/>
+              <a:defRPr sz="1600" kern="1200">
+                <a:solidFill>
+                  <a:schemeClr val="tx1"/>
+                </a:solidFill>
+                <a:latin typeface="+mn-lt"/>
+                <a:ea typeface="+mn-ea"/>
+                <a:cs typeface="+mn-cs"/>
+              </a:defRPr>
+            </a:lvl4pPr>
+            <a:lvl5pPr marL="1828800" indent="0" algn="ctr" defTabSz="914400" rtl="0" eaLnBrk="1" latinLnBrk="0" hangingPunct="1">
+              <a:lnSpc>
+                <a:spcPct val="90000"/>
+              </a:lnSpc>
+              <a:spcBef>
+                <a:spcPts val="500"/>
+              </a:spcBef>
+              <a:buFont typeface="Arial" panose="020B0604020202020204" pitchFamily="34" charset="0"/>
+              <a:buNone/>
+              <a:defRPr sz="1600" kern="1200">
+                <a:solidFill>
+                  <a:schemeClr val="tx1"/>
+                </a:solidFill>
+                <a:latin typeface="+mn-lt"/>
+                <a:ea typeface="+mn-ea"/>
+                <a:cs typeface="+mn-cs"/>
+              </a:defRPr>
+            </a:lvl5pPr>
+            <a:lvl6pPr marL="2286000" indent="0" algn="ctr" defTabSz="914400" rtl="0" eaLnBrk="1" latinLnBrk="0" hangingPunct="1">
+              <a:lnSpc>
+                <a:spcPct val="90000"/>
+              </a:lnSpc>
+              <a:spcBef>
+                <a:spcPts val="500"/>
+              </a:spcBef>
+              <a:buFont typeface="Arial" panose="020B0604020202020204" pitchFamily="34" charset="0"/>
+              <a:buNone/>
+              <a:defRPr sz="1600" kern="1200">
+                <a:solidFill>
+                  <a:schemeClr val="tx1"/>
+                </a:solidFill>
+                <a:latin typeface="+mn-lt"/>
+                <a:ea typeface="+mn-ea"/>
+                <a:cs typeface="+mn-cs"/>
+              </a:defRPr>
+            </a:lvl6pPr>
+            <a:lvl7pPr marL="2743200" indent="0" algn="ctr" defTabSz="914400" rtl="0" eaLnBrk="1" latinLnBrk="0" hangingPunct="1">
+              <a:lnSpc>
+                <a:spcPct val="90000"/>
+              </a:lnSpc>
+              <a:spcBef>
+                <a:spcPts val="500"/>
+              </a:spcBef>
+              <a:buFont typeface="Arial" panose="020B0604020202020204" pitchFamily="34" charset="0"/>
+              <a:buNone/>
+              <a:defRPr sz="1600" kern="1200">
+                <a:solidFill>
+                  <a:schemeClr val="tx1"/>
+                </a:solidFill>
+                <a:latin typeface="+mn-lt"/>
+                <a:ea typeface="+mn-ea"/>
+                <a:cs typeface="+mn-cs"/>
+              </a:defRPr>
+            </a:lvl7pPr>
+            <a:lvl8pPr marL="3200400" indent="0" algn="ctr" defTabSz="914400" rtl="0" eaLnBrk="1" latinLnBrk="0" hangingPunct="1">
+              <a:lnSpc>
+                <a:spcPct val="90000"/>
+              </a:lnSpc>
+              <a:spcBef>
+                <a:spcPts val="500"/>
+              </a:spcBef>
+              <a:buFont typeface="Arial" panose="020B0604020202020204" pitchFamily="34" charset="0"/>
+              <a:buNone/>
+              <a:defRPr sz="1600" kern="1200">
+                <a:solidFill>
+                  <a:schemeClr val="tx1"/>
+                </a:solidFill>
+                <a:latin typeface="+mn-lt"/>
+                <a:ea typeface="+mn-ea"/>
+                <a:cs typeface="+mn-cs"/>
+              </a:defRPr>
+            </a:lvl8pPr>
+            <a:lvl9pPr marL="3657600" indent="0" algn="ctr" defTabSz="914400" rtl="0" eaLnBrk="1" latinLnBrk="0" hangingPunct="1">
+              <a:lnSpc>
+                <a:spcPct val="90000"/>
+              </a:lnSpc>
+              <a:spcBef>
+                <a:spcPts val="500"/>
+              </a:spcBef>
+              <a:buFont typeface="Arial" panose="020B0604020202020204" pitchFamily="34" charset="0"/>
+              <a:buNone/>
+              <a:defRPr sz="1600" kern="1200">
+                <a:solidFill>
+                  <a:schemeClr val="tx1"/>
+                </a:solidFill>
+                <a:latin typeface="+mn-lt"/>
+                <a:ea typeface="+mn-ea"/>
+                <a:cs typeface="+mn-cs"/>
+              </a:defRPr>
+            </a:lvl9pPr>
+          </a:lstStyle>
+          <a:p>
+            <a:pPr marL="571500" indent="-571500" algn="l">
+              <a:buFont typeface="Arial" panose="020B0604020202020204" pitchFamily="34" charset="0"/>
+              <a:buChar char="•"/>
+            </a:pPr>
+            <a:r>
+              <a:rPr lang="it-IT" sz="2800" dirty="0">
+                <a:latin typeface="Questrial" pitchFamily="2" charset="0"/>
+                <a:ea typeface="Questrial" pitchFamily="2" charset="0"/>
+                <a:cs typeface="Questrial" pitchFamily="2" charset="0"/>
+              </a:rPr>
+              <a:t>Con </a:t>
+            </a:r>
+            <a:r>
+              <a:rPr lang="it-IT" sz="2800" b="1" dirty="0">
+                <a:latin typeface="Questrial" pitchFamily="2" charset="0"/>
+                <a:ea typeface="Questrial" pitchFamily="2" charset="0"/>
+                <a:cs typeface="Questrial" pitchFamily="2" charset="0"/>
+              </a:rPr>
+              <a:t>DSGD</a:t>
+            </a:r>
+            <a:r>
+              <a:rPr lang="it-IT" sz="2800" dirty="0">
+                <a:latin typeface="Questrial" pitchFamily="2" charset="0"/>
+                <a:ea typeface="Questrial" pitchFamily="2" charset="0"/>
+                <a:cs typeface="Questrial" pitchFamily="2" charset="0"/>
+              </a:rPr>
+              <a:t> e </a:t>
+            </a:r>
+            <a:r>
+              <a:rPr lang="it-IT" sz="2800" b="1" dirty="0" err="1">
+                <a:latin typeface="Questrial" pitchFamily="2" charset="0"/>
+                <a:ea typeface="Questrial" pitchFamily="2" charset="0"/>
+                <a:cs typeface="Questrial" pitchFamily="2" charset="0"/>
+              </a:rPr>
+              <a:t>Hogwild</a:t>
+            </a:r>
+            <a:r>
+              <a:rPr lang="it-IT" sz="2800" b="1" dirty="0">
+                <a:latin typeface="Questrial" pitchFamily="2" charset="0"/>
+                <a:ea typeface="Questrial" pitchFamily="2" charset="0"/>
+                <a:cs typeface="Questrial" pitchFamily="2" charset="0"/>
+              </a:rPr>
+              <a:t>! </a:t>
+            </a:r>
+            <a:r>
+              <a:rPr lang="it-IT" sz="2800" dirty="0">
+                <a:latin typeface="Questrial" pitchFamily="2" charset="0"/>
+                <a:ea typeface="Questrial" pitchFamily="2" charset="0"/>
+                <a:cs typeface="Questrial" pitchFamily="2" charset="0"/>
+              </a:rPr>
+              <a:t>si possono ottenere prestazioni significative, nel caso siano soddisfatte </a:t>
+            </a:r>
+            <a:r>
+              <a:rPr lang="it-IT" sz="2800" b="1" dirty="0">
+                <a:latin typeface="Questrial" pitchFamily="2" charset="0"/>
+                <a:ea typeface="Questrial" pitchFamily="2" charset="0"/>
+                <a:cs typeface="Questrial" pitchFamily="2" charset="0"/>
+              </a:rPr>
+              <a:t>alcune condizioni</a:t>
+            </a:r>
+            <a:r>
+              <a:rPr lang="it-IT" sz="2800" dirty="0">
+                <a:latin typeface="Questrial" pitchFamily="2" charset="0"/>
+                <a:ea typeface="Questrial" pitchFamily="2" charset="0"/>
+                <a:cs typeface="Questrial" pitchFamily="2" charset="0"/>
+              </a:rPr>
+              <a:t>.</a:t>
+            </a:r>
+          </a:p>
+          <a:p>
+            <a:pPr marL="571500" indent="-571500" algn="l">
+              <a:buFont typeface="Arial" panose="020B0604020202020204" pitchFamily="34" charset="0"/>
+              <a:buChar char="•"/>
+            </a:pPr>
+            <a:r>
+              <a:rPr lang="it-IT" sz="2800" dirty="0">
+                <a:latin typeface="Questrial" pitchFamily="2" charset="0"/>
+                <a:ea typeface="Questrial" pitchFamily="2" charset="0"/>
+                <a:cs typeface="Questrial" pitchFamily="2" charset="0"/>
+              </a:rPr>
+              <a:t>l’</a:t>
+            </a:r>
+            <a:r>
+              <a:rPr lang="it-IT" sz="2800" b="1" dirty="0">
+                <a:latin typeface="Questrial" pitchFamily="2" charset="0"/>
+                <a:ea typeface="Questrial" pitchFamily="2" charset="0"/>
+                <a:cs typeface="Questrial" pitchFamily="2" charset="0"/>
+              </a:rPr>
+              <a:t>ASGD</a:t>
+            </a:r>
+            <a:r>
+              <a:rPr lang="it-IT" sz="2800" dirty="0">
+                <a:latin typeface="Questrial" pitchFamily="2" charset="0"/>
+                <a:ea typeface="Questrial" pitchFamily="2" charset="0"/>
+                <a:cs typeface="Questrial" pitchFamily="2" charset="0"/>
+              </a:rPr>
+              <a:t> conferma che la convergenza può essere mantenuta anche in presenza di ritardi e parametri non aggiornati in modo sincrono.</a:t>
+            </a:r>
+          </a:p>
+          <a:p>
+            <a:pPr marL="571500" indent="-571500" algn="l">
+              <a:buFont typeface="Arial" panose="020B0604020202020204" pitchFamily="34" charset="0"/>
+              <a:buChar char="•"/>
+            </a:pPr>
+            <a:r>
+              <a:rPr lang="it-IT" sz="2800" dirty="0">
+                <a:latin typeface="Questrial" pitchFamily="2" charset="0"/>
+                <a:ea typeface="Questrial" pitchFamily="2" charset="0"/>
+                <a:cs typeface="Questrial" pitchFamily="2" charset="0"/>
+              </a:rPr>
+              <a:t>Per </a:t>
+            </a:r>
+            <a:r>
+              <a:rPr lang="it-IT" sz="2800" b="1" dirty="0">
+                <a:latin typeface="Questrial" pitchFamily="2" charset="0"/>
+                <a:ea typeface="Questrial" pitchFamily="2" charset="0"/>
+                <a:cs typeface="Questrial" pitchFamily="2" charset="0"/>
+              </a:rPr>
+              <a:t>GPU</a:t>
+            </a:r>
+            <a:r>
+              <a:rPr lang="it-IT" sz="2800" dirty="0">
+                <a:latin typeface="Questrial" pitchFamily="2" charset="0"/>
+                <a:ea typeface="Questrial" pitchFamily="2" charset="0"/>
+                <a:cs typeface="Questrial" pitchFamily="2" charset="0"/>
+              </a:rPr>
+              <a:t> è possibile adottare una combinazione di tecniche per </a:t>
+            </a:r>
+            <a:r>
+              <a:rPr lang="it-IT" sz="2800" b="1" dirty="0">
+                <a:latin typeface="Questrial" pitchFamily="2" charset="0"/>
+                <a:ea typeface="Questrial" pitchFamily="2" charset="0"/>
+                <a:cs typeface="Questrial" pitchFamily="2" charset="0"/>
+              </a:rPr>
+              <a:t>mitigare i colli di bottiglia </a:t>
+            </a:r>
+            <a:r>
+              <a:rPr lang="it-IT" sz="2800" dirty="0">
+                <a:latin typeface="Questrial" pitchFamily="2" charset="0"/>
+                <a:ea typeface="Questrial" pitchFamily="2" charset="0"/>
+                <a:cs typeface="Questrial" pitchFamily="2" charset="0"/>
+              </a:rPr>
+              <a:t>legati alla coalescenza degli accessi, ai conflitti e alle </a:t>
+            </a:r>
+            <a:r>
+              <a:rPr lang="it-IT" sz="2800" dirty="0" err="1">
+                <a:latin typeface="Questrial" pitchFamily="2" charset="0"/>
+                <a:ea typeface="Questrial" pitchFamily="2" charset="0"/>
+                <a:cs typeface="Questrial" pitchFamily="2" charset="0"/>
+              </a:rPr>
+              <a:t>atomic</a:t>
+            </a:r>
+            <a:r>
+              <a:rPr lang="it-IT" sz="2800" dirty="0">
+                <a:latin typeface="Questrial" pitchFamily="2" charset="0"/>
+                <a:ea typeface="Questrial" pitchFamily="2" charset="0"/>
+                <a:cs typeface="Questrial" pitchFamily="2" charset="0"/>
+              </a:rPr>
+              <a:t> </a:t>
+            </a:r>
+            <a:r>
+              <a:rPr lang="it-IT" sz="2800" dirty="0" err="1">
+                <a:latin typeface="Questrial" pitchFamily="2" charset="0"/>
+                <a:ea typeface="Questrial" pitchFamily="2" charset="0"/>
+                <a:cs typeface="Questrial" pitchFamily="2" charset="0"/>
+              </a:rPr>
+              <a:t>operation</a:t>
+            </a:r>
+            <a:r>
+              <a:rPr lang="it-IT" sz="2800" dirty="0">
+                <a:latin typeface="Questrial" pitchFamily="2" charset="0"/>
+                <a:ea typeface="Questrial" pitchFamily="2" charset="0"/>
+                <a:cs typeface="Questrial" pitchFamily="2" charset="0"/>
+              </a:rPr>
+              <a:t>.</a:t>
+            </a:r>
+          </a:p>
+        </p:txBody>
+      </p:sp>
+      <p:sp>
+        <p:nvSpPr>
+          <p:cNvPr id="4" name="Rettangolo con angoli arrotondati 3">
+            <a:extLst>
+              <a:ext uri="{FF2B5EF4-FFF2-40B4-BE49-F238E27FC236}">
+                <a16:creationId xmlns:a16="http://schemas.microsoft.com/office/drawing/2014/main" id="{6D7F2A78-B14B-2C09-AB49-BF0A58E1342A}"/>
+              </a:ext>
+            </a:extLst>
+          </p:cNvPr>
+          <p:cNvSpPr/>
+          <p:nvPr/>
+        </p:nvSpPr>
+        <p:spPr>
+          <a:xfrm>
+            <a:off x="-1426966" y="807720"/>
+            <a:ext cx="6075165" cy="1203960"/>
+          </a:xfrm>
+          <a:prstGeom prst="roundRect">
+            <a:avLst/>
+          </a:prstGeom>
+          <a:solidFill>
+            <a:srgbClr val="FC993E"/>
+          </a:solidFill>
+          <a:ln>
+            <a:noFill/>
+          </a:ln>
+          <a:effectLst>
+            <a:outerShdw blurRad="50800" dist="38100" dir="2700000" algn="tl" rotWithShape="0">
+              <a:prstClr val="black">
+                <a:alpha val="40000"/>
+              </a:prstClr>
+            </a:outerShdw>
+          </a:effectLst>
+        </p:spPr>
+        <p:style>
+          <a:lnRef idx="2">
+            <a:schemeClr val="accent1">
+              <a:shade val="15000"/>
+            </a:schemeClr>
+          </a:lnRef>
+          <a:fillRef idx="1">
+            <a:schemeClr val="accent1"/>
+          </a:fillRef>
+          <a:effectRef idx="0">
+            <a:schemeClr val="accent1"/>
+          </a:effectRef>
+          <a:fontRef idx="minor">
+            <a:schemeClr val="lt1"/>
+          </a:fontRef>
+        </p:style>
+        <p:txBody>
+          <a:bodyPr rtlCol="0" anchor="ctr"/>
+          <a:lstStyle/>
+          <a:p>
+            <a:pPr algn="ctr"/>
+            <a:endParaRPr lang="it-IT" dirty="0"/>
+          </a:p>
+        </p:txBody>
+      </p:sp>
+      <p:sp>
+        <p:nvSpPr>
+          <p:cNvPr id="2" name="Titolo 1">
+            <a:extLst>
+              <a:ext uri="{FF2B5EF4-FFF2-40B4-BE49-F238E27FC236}">
+                <a16:creationId xmlns:a16="http://schemas.microsoft.com/office/drawing/2014/main" id="{4E1BC6EE-827D-EA55-DE6A-544918784C52}"/>
+              </a:ext>
+            </a:extLst>
+          </p:cNvPr>
+          <p:cNvSpPr>
+            <a:spLocks noGrp="1"/>
+          </p:cNvSpPr>
+          <p:nvPr>
+            <p:ph type="ctrTitle"/>
+          </p:nvPr>
+        </p:nvSpPr>
+        <p:spPr>
+          <a:xfrm>
+            <a:off x="400122" y="980992"/>
+            <a:ext cx="4248077" cy="861428"/>
+          </a:xfrm>
+        </p:spPr>
+        <p:txBody>
+          <a:bodyPr>
+            <a:noAutofit/>
+          </a:bodyPr>
+          <a:lstStyle/>
+          <a:p>
+            <a:pPr algn="l"/>
+            <a:r>
+              <a:rPr lang="it-IT" sz="5400" dirty="0">
+                <a:solidFill>
+                  <a:schemeClr val="bg1"/>
+                </a:solidFill>
+                <a:latin typeface="Posterama" panose="020B0502040204020203" pitchFamily="34" charset="0"/>
+                <a:ea typeface="Questrial" pitchFamily="2" charset="0"/>
+                <a:cs typeface="Posterama" panose="020B0502040204020203" pitchFamily="34" charset="0"/>
+              </a:rPr>
+              <a:t>Conclusioni</a:t>
+            </a:r>
+          </a:p>
+        </p:txBody>
+      </p:sp>
+    </p:spTree>
+    <p:extLst>
+      <p:ext uri="{BB962C8B-B14F-4D97-AF65-F5344CB8AC3E}">
+        <p14:creationId xmlns:p14="http://schemas.microsoft.com/office/powerpoint/2010/main" val="2119326107"/>
+      </p:ext>
+    </p:extLst>
+  </p:cSld>
+  <p:clrMapOvr>
+    <a:masterClrMapping/>
+  </p:clrMapOvr>
+</p:sld>
+</file>
+
+<file path=ppt/slides/slide19.xml><?xml version="1.0" encoding="utf-8"?>
+<p:sld xmlns:a="http://schemas.openxmlformats.org/drawingml/2006/main" xmlns:r="http://schemas.openxmlformats.org/officeDocument/2006/relationships" xmlns:p="http://schemas.openxmlformats.org/presentationml/2006/main">
+  <p:cSld>
+    <p:spTree>
+      <p:nvGrpSpPr>
+        <p:cNvPr id="1" name="">
+          <a:extLst>
+            <a:ext uri="{FF2B5EF4-FFF2-40B4-BE49-F238E27FC236}">
+              <a16:creationId xmlns:a16="http://schemas.microsoft.com/office/drawing/2014/main" id="{232F9842-1181-34C0-84E5-B6A305806BF8}"/>
+            </a:ext>
+          </a:extLst>
+        </p:cNvPr>
+        <p:cNvGrpSpPr/>
+        <p:nvPr/>
+      </p:nvGrpSpPr>
+      <p:grpSpPr>
+        <a:xfrm>
+          <a:off x="0" y="0"/>
+          <a:ext cx="0" cy="0"/>
+          <a:chOff x="0" y="0"/>
+          <a:chExt cx="0" cy="0"/>
+        </a:xfrm>
+      </p:grpSpPr>
+      <p:sp>
+        <p:nvSpPr>
+          <p:cNvPr id="7" name="Rettangolo 6">
+            <a:extLst>
+              <a:ext uri="{FF2B5EF4-FFF2-40B4-BE49-F238E27FC236}">
+                <a16:creationId xmlns:a16="http://schemas.microsoft.com/office/drawing/2014/main" id="{ACD6E05B-8FB2-C925-472A-5D6AE1DC4343}"/>
+              </a:ext>
+            </a:extLst>
+          </p:cNvPr>
+          <p:cNvSpPr>
+            <a:spLocks noGrp="1" noRot="1" noMove="1" noResize="1" noEditPoints="1" noAdjustHandles="1" noChangeArrowheads="1" noChangeShapeType="1"/>
+          </p:cNvSpPr>
+          <p:nvPr/>
+        </p:nvSpPr>
+        <p:spPr>
+          <a:xfrm>
+            <a:off x="0" y="0"/>
+            <a:ext cx="12192000" cy="6858000"/>
+          </a:xfrm>
+          <a:prstGeom prst="rect">
+            <a:avLst/>
+          </a:prstGeom>
+          <a:solidFill>
+            <a:srgbClr val="FCFCFC"/>
+          </a:solidFill>
+        </p:spPr>
+        <p:style>
+          <a:lnRef idx="2">
+            <a:schemeClr val="accent1">
+              <a:shade val="15000"/>
+            </a:schemeClr>
+          </a:lnRef>
+          <a:fillRef idx="1">
+            <a:schemeClr val="accent1"/>
+          </a:fillRef>
+          <a:effectRef idx="0">
+            <a:schemeClr val="accent1"/>
+          </a:effectRef>
+          <a:fontRef idx="minor">
+            <a:schemeClr val="lt1"/>
+          </a:fontRef>
+        </p:style>
+        <p:txBody>
+          <a:bodyPr rtlCol="0" anchor="ctr"/>
+          <a:lstStyle/>
+          <a:p>
+            <a:pPr algn="ctr"/>
+            <a:endParaRPr lang="it-IT" dirty="0"/>
+          </a:p>
+        </p:txBody>
+      </p:sp>
+      <p:sp>
+        <p:nvSpPr>
+          <p:cNvPr id="2" name="Titolo 1">
+            <a:extLst>
+              <a:ext uri="{FF2B5EF4-FFF2-40B4-BE49-F238E27FC236}">
+                <a16:creationId xmlns:a16="http://schemas.microsoft.com/office/drawing/2014/main" id="{625EDB22-8DAB-1556-59DD-48F737EDCB61}"/>
+              </a:ext>
+            </a:extLst>
+          </p:cNvPr>
+          <p:cNvSpPr>
+            <a:spLocks noGrp="1"/>
+          </p:cNvSpPr>
+          <p:nvPr>
+            <p:ph type="ctrTitle"/>
+          </p:nvPr>
+        </p:nvSpPr>
+        <p:spPr>
+          <a:xfrm>
+            <a:off x="284600" y="894578"/>
+            <a:ext cx="6926400" cy="861428"/>
+          </a:xfrm>
+        </p:spPr>
+        <p:txBody>
+          <a:bodyPr>
+            <a:noAutofit/>
+          </a:bodyPr>
+          <a:lstStyle/>
+          <a:p>
+            <a:pPr algn="l"/>
+            <a:r>
+              <a:rPr lang="en-US" sz="5400" b="1" dirty="0">
+                <a:latin typeface="Questrial" panose="020F0502020204030204" pitchFamily="2" charset="0"/>
+                <a:ea typeface="Questrial" panose="020F0502020204030204" pitchFamily="2" charset="0"/>
+                <a:cs typeface="Questrial" panose="020F0502020204030204" pitchFamily="2" charset="0"/>
+              </a:rPr>
+              <a:t>Bibliografia</a:t>
+            </a:r>
+            <a:endParaRPr lang="it-IT" sz="5400" b="1" dirty="0">
+              <a:latin typeface="Questrial" panose="020F0502020204030204" pitchFamily="2" charset="0"/>
+              <a:ea typeface="Questrial" panose="020F0502020204030204" pitchFamily="2" charset="0"/>
+              <a:cs typeface="Questrial" panose="020F0502020204030204" pitchFamily="2" charset="0"/>
+            </a:endParaRPr>
+          </a:p>
+        </p:txBody>
+      </p:sp>
+      <p:sp>
+        <p:nvSpPr>
+          <p:cNvPr id="13" name="Sottotitolo 2">
+            <a:extLst>
+              <a:ext uri="{FF2B5EF4-FFF2-40B4-BE49-F238E27FC236}">
+                <a16:creationId xmlns:a16="http://schemas.microsoft.com/office/drawing/2014/main" id="{B71070C7-6C89-BCD9-8D94-9AE4E5826A12}"/>
+              </a:ext>
+            </a:extLst>
+          </p:cNvPr>
+          <p:cNvSpPr txBox="1">
+            <a:spLocks/>
+          </p:cNvSpPr>
+          <p:nvPr/>
+        </p:nvSpPr>
+        <p:spPr>
+          <a:xfrm>
+            <a:off x="284600" y="2040753"/>
+            <a:ext cx="11602600" cy="4532499"/>
+          </a:xfrm>
+          <a:prstGeom prst="rect">
+            <a:avLst/>
+          </a:prstGeom>
+        </p:spPr>
+        <p:txBody>
+          <a:bodyPr vert="horz" lIns="91440" tIns="45720" rIns="91440" bIns="45720" rtlCol="0">
+            <a:noAutofit/>
+          </a:bodyPr>
+          <a:lstStyle>
+            <a:lvl1pPr marL="0" indent="0" algn="ctr" defTabSz="914400" rtl="0" eaLnBrk="1" latinLnBrk="0" hangingPunct="1">
+              <a:lnSpc>
+                <a:spcPct val="90000"/>
+              </a:lnSpc>
+              <a:spcBef>
+                <a:spcPts val="1000"/>
+              </a:spcBef>
+              <a:buFont typeface="Arial" panose="020B0604020202020204" pitchFamily="34" charset="0"/>
+              <a:buNone/>
+              <a:defRPr sz="2400" kern="1200">
+                <a:solidFill>
+                  <a:schemeClr val="tx1"/>
+                </a:solidFill>
+                <a:latin typeface="+mn-lt"/>
+                <a:ea typeface="+mn-ea"/>
+                <a:cs typeface="+mn-cs"/>
+              </a:defRPr>
+            </a:lvl1pPr>
+            <a:lvl2pPr marL="457200" indent="0" algn="ctr" defTabSz="914400" rtl="0" eaLnBrk="1" latinLnBrk="0" hangingPunct="1">
+              <a:lnSpc>
+                <a:spcPct val="90000"/>
+              </a:lnSpc>
+              <a:spcBef>
+                <a:spcPts val="500"/>
+              </a:spcBef>
+              <a:buFont typeface="Arial" panose="020B0604020202020204" pitchFamily="34" charset="0"/>
+              <a:buNone/>
+              <a:defRPr sz="2000" kern="1200">
+                <a:solidFill>
+                  <a:schemeClr val="tx1"/>
+                </a:solidFill>
+                <a:latin typeface="+mn-lt"/>
+                <a:ea typeface="+mn-ea"/>
+                <a:cs typeface="+mn-cs"/>
+              </a:defRPr>
+            </a:lvl2pPr>
+            <a:lvl3pPr marL="914400" indent="0" algn="ctr" defTabSz="914400" rtl="0" eaLnBrk="1" latinLnBrk="0" hangingPunct="1">
+              <a:lnSpc>
+                <a:spcPct val="90000"/>
+              </a:lnSpc>
+              <a:spcBef>
+                <a:spcPts val="500"/>
+              </a:spcBef>
+              <a:buFont typeface="Arial" panose="020B0604020202020204" pitchFamily="34" charset="0"/>
+              <a:buNone/>
+              <a:defRPr sz="1800" kern="1200">
+                <a:solidFill>
+                  <a:schemeClr val="tx1"/>
+                </a:solidFill>
+                <a:latin typeface="+mn-lt"/>
+                <a:ea typeface="+mn-ea"/>
+                <a:cs typeface="+mn-cs"/>
+              </a:defRPr>
+            </a:lvl3pPr>
+            <a:lvl4pPr marL="1371600" indent="0" algn="ctr" defTabSz="914400" rtl="0" eaLnBrk="1" latinLnBrk="0" hangingPunct="1">
+              <a:lnSpc>
+                <a:spcPct val="90000"/>
+              </a:lnSpc>
+              <a:spcBef>
+                <a:spcPts val="500"/>
+              </a:spcBef>
+              <a:buFont typeface="Arial" panose="020B0604020202020204" pitchFamily="34" charset="0"/>
+              <a:buNone/>
+              <a:defRPr sz="1600" kern="1200">
+                <a:solidFill>
+                  <a:schemeClr val="tx1"/>
+                </a:solidFill>
+                <a:latin typeface="+mn-lt"/>
+                <a:ea typeface="+mn-ea"/>
+                <a:cs typeface="+mn-cs"/>
+              </a:defRPr>
+            </a:lvl4pPr>
+            <a:lvl5pPr marL="1828800" indent="0" algn="ctr" defTabSz="914400" rtl="0" eaLnBrk="1" latinLnBrk="0" hangingPunct="1">
+              <a:lnSpc>
+                <a:spcPct val="90000"/>
+              </a:lnSpc>
+              <a:spcBef>
+                <a:spcPts val="500"/>
+              </a:spcBef>
+              <a:buFont typeface="Arial" panose="020B0604020202020204" pitchFamily="34" charset="0"/>
+              <a:buNone/>
+              <a:defRPr sz="1600" kern="1200">
+                <a:solidFill>
+                  <a:schemeClr val="tx1"/>
+                </a:solidFill>
+                <a:latin typeface="+mn-lt"/>
+                <a:ea typeface="+mn-ea"/>
+                <a:cs typeface="+mn-cs"/>
+              </a:defRPr>
+            </a:lvl5pPr>
+            <a:lvl6pPr marL="2286000" indent="0" algn="ctr" defTabSz="914400" rtl="0" eaLnBrk="1" latinLnBrk="0" hangingPunct="1">
+              <a:lnSpc>
+                <a:spcPct val="90000"/>
+              </a:lnSpc>
+              <a:spcBef>
+                <a:spcPts val="500"/>
+              </a:spcBef>
+              <a:buFont typeface="Arial" panose="020B0604020202020204" pitchFamily="34" charset="0"/>
+              <a:buNone/>
+              <a:defRPr sz="1600" kern="1200">
+                <a:solidFill>
+                  <a:schemeClr val="tx1"/>
+                </a:solidFill>
+                <a:latin typeface="+mn-lt"/>
+                <a:ea typeface="+mn-ea"/>
+                <a:cs typeface="+mn-cs"/>
+              </a:defRPr>
+            </a:lvl6pPr>
+            <a:lvl7pPr marL="2743200" indent="0" algn="ctr" defTabSz="914400" rtl="0" eaLnBrk="1" latinLnBrk="0" hangingPunct="1">
+              <a:lnSpc>
+                <a:spcPct val="90000"/>
+              </a:lnSpc>
+              <a:spcBef>
+                <a:spcPts val="500"/>
+              </a:spcBef>
+              <a:buFont typeface="Arial" panose="020B0604020202020204" pitchFamily="34" charset="0"/>
+              <a:buNone/>
+              <a:defRPr sz="1600" kern="1200">
+                <a:solidFill>
+                  <a:schemeClr val="tx1"/>
+                </a:solidFill>
+                <a:latin typeface="+mn-lt"/>
+                <a:ea typeface="+mn-ea"/>
+                <a:cs typeface="+mn-cs"/>
+              </a:defRPr>
+            </a:lvl7pPr>
+            <a:lvl8pPr marL="3200400" indent="0" algn="ctr" defTabSz="914400" rtl="0" eaLnBrk="1" latinLnBrk="0" hangingPunct="1">
+              <a:lnSpc>
+                <a:spcPct val="90000"/>
+              </a:lnSpc>
+              <a:spcBef>
+                <a:spcPts val="500"/>
+              </a:spcBef>
+              <a:buFont typeface="Arial" panose="020B0604020202020204" pitchFamily="34" charset="0"/>
+              <a:buNone/>
+              <a:defRPr sz="1600" kern="1200">
+                <a:solidFill>
+                  <a:schemeClr val="tx1"/>
+                </a:solidFill>
+                <a:latin typeface="+mn-lt"/>
+                <a:ea typeface="+mn-ea"/>
+                <a:cs typeface="+mn-cs"/>
+              </a:defRPr>
+            </a:lvl8pPr>
+            <a:lvl9pPr marL="3657600" indent="0" algn="ctr" defTabSz="914400" rtl="0" eaLnBrk="1" latinLnBrk="0" hangingPunct="1">
+              <a:lnSpc>
+                <a:spcPct val="90000"/>
+              </a:lnSpc>
+              <a:spcBef>
+                <a:spcPts val="500"/>
+              </a:spcBef>
+              <a:buFont typeface="Arial" panose="020B0604020202020204" pitchFamily="34" charset="0"/>
+              <a:buNone/>
+              <a:defRPr sz="1600" kern="1200">
+                <a:solidFill>
+                  <a:schemeClr val="tx1"/>
+                </a:solidFill>
+                <a:latin typeface="+mn-lt"/>
+                <a:ea typeface="+mn-ea"/>
+                <a:cs typeface="+mn-cs"/>
+              </a:defRPr>
+            </a:lvl9pPr>
+          </a:lstStyle>
+          <a:p>
+            <a:pPr marL="457200" indent="-457200" algn="l">
+              <a:buFont typeface="Arial" panose="020B0604020202020204" pitchFamily="34" charset="0"/>
+              <a:buChar char="•"/>
+            </a:pPr>
+            <a:r>
+              <a:rPr lang="en-US" dirty="0">
+                <a:latin typeface="Questrial" pitchFamily="2" charset="0"/>
+                <a:ea typeface="Questrial" pitchFamily="2" charset="0"/>
+                <a:cs typeface="Questrial" pitchFamily="2" charset="0"/>
+              </a:rPr>
+              <a:t>Christopher R </a:t>
+            </a:r>
+            <a:r>
+              <a:rPr lang="en-US" dirty="0" err="1">
+                <a:latin typeface="Questrial" pitchFamily="2" charset="0"/>
+                <a:ea typeface="Questrial" pitchFamily="2" charset="0"/>
+                <a:cs typeface="Questrial" pitchFamily="2" charset="0"/>
+              </a:rPr>
+              <a:t>Aberger</a:t>
+            </a:r>
+            <a:r>
+              <a:rPr lang="en-US" dirty="0">
+                <a:latin typeface="Questrial" pitchFamily="2" charset="0"/>
+                <a:ea typeface="Questrial" pitchFamily="2" charset="0"/>
+                <a:cs typeface="Questrial" pitchFamily="2" charset="0"/>
+              </a:rPr>
+              <a:t>. «Recommender: An analysis of collaborative filtering techniques». In: Personal and Ubiquitous Computing Journal 5 (2014).</a:t>
+            </a:r>
+          </a:p>
+          <a:p>
+            <a:pPr marL="457200" indent="-457200" algn="l">
+              <a:buFont typeface="Arial" panose="020B0604020202020204" pitchFamily="34" charset="0"/>
+              <a:buChar char="•"/>
+            </a:pPr>
+            <a:r>
+              <a:rPr lang="en-US" dirty="0">
+                <a:latin typeface="Questrial" pitchFamily="2" charset="0"/>
+                <a:ea typeface="Questrial" pitchFamily="2" charset="0"/>
+                <a:cs typeface="Questrial" pitchFamily="2" charset="0"/>
+              </a:rPr>
+              <a:t>David C </a:t>
+            </a:r>
+            <a:r>
+              <a:rPr lang="en-US" dirty="0" err="1">
+                <a:latin typeface="Questrial" pitchFamily="2" charset="0"/>
+                <a:ea typeface="Questrial" pitchFamily="2" charset="0"/>
+                <a:cs typeface="Questrial" pitchFamily="2" charset="0"/>
+              </a:rPr>
+              <a:t>Anastasiu</a:t>
+            </a:r>
+            <a:r>
+              <a:rPr lang="en-US" dirty="0">
+                <a:latin typeface="Questrial" pitchFamily="2" charset="0"/>
+                <a:ea typeface="Questrial" pitchFamily="2" charset="0"/>
+                <a:cs typeface="Questrial" pitchFamily="2" charset="0"/>
+              </a:rPr>
+              <a:t> et al. «Big data and recommender systems». In: (2016).</a:t>
+            </a:r>
+          </a:p>
+          <a:p>
+            <a:pPr marL="457200" indent="-457200" algn="l">
+              <a:buFont typeface="Arial" panose="020B0604020202020204" pitchFamily="34" charset="0"/>
+              <a:buChar char="•"/>
+            </a:pPr>
+            <a:r>
+              <a:rPr lang="en-US" dirty="0">
+                <a:latin typeface="Questrial" pitchFamily="2" charset="0"/>
+                <a:ea typeface="Questrial" pitchFamily="2" charset="0"/>
+                <a:cs typeface="Questrial" pitchFamily="2" charset="0"/>
+              </a:rPr>
+              <a:t>Rainer </a:t>
+            </a:r>
+            <a:r>
+              <a:rPr lang="en-US" dirty="0" err="1">
+                <a:latin typeface="Questrial" pitchFamily="2" charset="0"/>
+                <a:ea typeface="Questrial" pitchFamily="2" charset="0"/>
+                <a:cs typeface="Questrial" pitchFamily="2" charset="0"/>
+              </a:rPr>
+              <a:t>Gemulla</a:t>
+            </a:r>
+            <a:r>
+              <a:rPr lang="en-US" dirty="0">
+                <a:latin typeface="Questrial" pitchFamily="2" charset="0"/>
+                <a:ea typeface="Questrial" pitchFamily="2" charset="0"/>
+                <a:cs typeface="Questrial" pitchFamily="2" charset="0"/>
+              </a:rPr>
+              <a:t> et al. «Large-scale matrix factorization with distributed stochastic gradient descent». In: Proceedings of the 17th ACM SIGKDD international conference on Knowledge discovery and data mining. 2011. </a:t>
+            </a:r>
+          </a:p>
+          <a:p>
+            <a:pPr marL="457200" indent="-457200" algn="l">
+              <a:buFont typeface="Arial" panose="020B0604020202020204" pitchFamily="34" charset="0"/>
+              <a:buChar char="•"/>
+            </a:pPr>
+            <a:r>
+              <a:rPr lang="en-US" dirty="0">
+                <a:latin typeface="Questrial" pitchFamily="2" charset="0"/>
+                <a:ea typeface="Questrial" pitchFamily="2" charset="0"/>
+                <a:cs typeface="Questrial" pitchFamily="2" charset="0"/>
+              </a:rPr>
+              <a:t>Benjamin Recht et al. «</a:t>
+            </a:r>
+            <a:r>
+              <a:rPr lang="en-US" dirty="0" err="1">
+                <a:latin typeface="Questrial" pitchFamily="2" charset="0"/>
+                <a:ea typeface="Questrial" pitchFamily="2" charset="0"/>
+                <a:cs typeface="Questrial" pitchFamily="2" charset="0"/>
+              </a:rPr>
+              <a:t>Hogwild</a:t>
+            </a:r>
+            <a:r>
+              <a:rPr lang="en-US" dirty="0">
+                <a:latin typeface="Questrial" pitchFamily="2" charset="0"/>
+                <a:ea typeface="Questrial" pitchFamily="2" charset="0"/>
+                <a:cs typeface="Questrial" pitchFamily="2" charset="0"/>
+              </a:rPr>
+              <a:t>!: A lock-free approach to parallelizing stochastic gradient descent». In: Advances in neural information processing systems 24 (2011).</a:t>
+            </a:r>
+          </a:p>
+          <a:p>
+            <a:pPr marL="457200" indent="-457200" algn="l">
+              <a:buFont typeface="Arial" panose="020B0604020202020204" pitchFamily="34" charset="0"/>
+              <a:buChar char="•"/>
+            </a:pPr>
+            <a:r>
+              <a:rPr lang="en-US" dirty="0">
+                <a:latin typeface="Questrial" pitchFamily="2" charset="0"/>
+                <a:ea typeface="Questrial" pitchFamily="2" charset="0"/>
+                <a:cs typeface="Questrial" pitchFamily="2" charset="0"/>
+              </a:rPr>
+              <a:t>Peng Xie, Wang Tan et al. «Parallelized Stochastic Gradient Descent for Matrix Factorization on GPUs». In: Proceedings of the 2017 IEEE International Conference on Big Data. 2017. </a:t>
+            </a:r>
+            <a:endParaRPr lang="it-IT" dirty="0">
+              <a:latin typeface="Questrial" pitchFamily="2" charset="0"/>
+              <a:ea typeface="Questrial" pitchFamily="2" charset="0"/>
+              <a:cs typeface="Questrial" pitchFamily="2" charset="0"/>
+            </a:endParaRPr>
+          </a:p>
+        </p:txBody>
+      </p:sp>
+      <p:sp>
+        <p:nvSpPr>
+          <p:cNvPr id="3" name="Rettangolo con angoli arrotondati 2">
+            <a:extLst>
+              <a:ext uri="{FF2B5EF4-FFF2-40B4-BE49-F238E27FC236}">
+                <a16:creationId xmlns:a16="http://schemas.microsoft.com/office/drawing/2014/main" id="{6F5F6B44-72AD-F1E5-9755-459B3BBC5318}"/>
+              </a:ext>
+            </a:extLst>
+          </p:cNvPr>
+          <p:cNvSpPr/>
+          <p:nvPr/>
+        </p:nvSpPr>
+        <p:spPr>
+          <a:xfrm>
+            <a:off x="10331116" y="-1097461"/>
+            <a:ext cx="2710241" cy="2853466"/>
+          </a:xfrm>
+          <a:prstGeom prst="roundRect">
+            <a:avLst/>
+          </a:prstGeom>
+          <a:solidFill>
+            <a:srgbClr val="667C6F"/>
+          </a:solidFill>
+          <a:ln>
+            <a:noFill/>
+          </a:ln>
+        </p:spPr>
+        <p:style>
+          <a:lnRef idx="2">
+            <a:schemeClr val="accent1">
+              <a:shade val="15000"/>
+            </a:schemeClr>
+          </a:lnRef>
+          <a:fillRef idx="1">
+            <a:schemeClr val="accent1"/>
+          </a:fillRef>
+          <a:effectRef idx="0">
+            <a:schemeClr val="accent1"/>
+          </a:effectRef>
+          <a:fontRef idx="minor">
+            <a:schemeClr val="lt1"/>
+          </a:fontRef>
+        </p:style>
+        <p:txBody>
+          <a:bodyPr rtlCol="0" anchor="ctr"/>
+          <a:lstStyle/>
+          <a:p>
+            <a:pPr algn="ctr"/>
+            <a:endParaRPr lang="it-IT"/>
+          </a:p>
+        </p:txBody>
+      </p:sp>
+      <p:sp>
+        <p:nvSpPr>
+          <p:cNvPr id="4" name="Rettangolo con angoli arrotondati 3">
+            <a:extLst>
+              <a:ext uri="{FF2B5EF4-FFF2-40B4-BE49-F238E27FC236}">
+                <a16:creationId xmlns:a16="http://schemas.microsoft.com/office/drawing/2014/main" id="{A08C2711-892A-E388-2C0E-E12CD2E01339}"/>
+              </a:ext>
+            </a:extLst>
+          </p:cNvPr>
+          <p:cNvSpPr/>
+          <p:nvPr/>
+        </p:nvSpPr>
+        <p:spPr>
+          <a:xfrm>
+            <a:off x="9481759" y="117017"/>
+            <a:ext cx="633663" cy="1214478"/>
+          </a:xfrm>
+          <a:prstGeom prst="roundRect">
+            <a:avLst/>
+          </a:prstGeom>
+          <a:solidFill>
+            <a:srgbClr val="FC993E"/>
+          </a:solidFill>
+          <a:ln>
+            <a:noFill/>
+          </a:ln>
+        </p:spPr>
+        <p:style>
+          <a:lnRef idx="2">
+            <a:schemeClr val="accent1">
+              <a:shade val="15000"/>
+            </a:schemeClr>
+          </a:lnRef>
+          <a:fillRef idx="1">
+            <a:schemeClr val="accent1"/>
+          </a:fillRef>
+          <a:effectRef idx="0">
+            <a:schemeClr val="accent1"/>
+          </a:effectRef>
+          <a:fontRef idx="minor">
+            <a:schemeClr val="lt1"/>
+          </a:fontRef>
+        </p:style>
+        <p:txBody>
+          <a:bodyPr rtlCol="0" anchor="ctr"/>
+          <a:lstStyle/>
+          <a:p>
+            <a:pPr algn="ctr"/>
+            <a:endParaRPr lang="it-IT" dirty="0"/>
+          </a:p>
+        </p:txBody>
+      </p:sp>
+      <p:sp>
+        <p:nvSpPr>
+          <p:cNvPr id="5" name="Rettangolo con angoli arrotondati 4">
+            <a:extLst>
+              <a:ext uri="{FF2B5EF4-FFF2-40B4-BE49-F238E27FC236}">
+                <a16:creationId xmlns:a16="http://schemas.microsoft.com/office/drawing/2014/main" id="{2E18B940-12A0-E940-BDB4-57DBFCDCCF2E}"/>
+              </a:ext>
+            </a:extLst>
+          </p:cNvPr>
+          <p:cNvSpPr/>
+          <p:nvPr/>
+        </p:nvSpPr>
+        <p:spPr>
+          <a:xfrm>
+            <a:off x="8632401" y="-304800"/>
+            <a:ext cx="633664" cy="1010653"/>
+          </a:xfrm>
+          <a:prstGeom prst="roundRect">
+            <a:avLst/>
+          </a:prstGeom>
+          <a:solidFill>
+            <a:srgbClr val="667C6F"/>
+          </a:solidFill>
+          <a:ln>
+            <a:noFill/>
+          </a:ln>
+        </p:spPr>
+        <p:style>
+          <a:lnRef idx="2">
+            <a:schemeClr val="accent1">
+              <a:shade val="15000"/>
+            </a:schemeClr>
+          </a:lnRef>
+          <a:fillRef idx="1">
+            <a:schemeClr val="accent1"/>
+          </a:fillRef>
+          <a:effectRef idx="0">
+            <a:schemeClr val="accent1"/>
+          </a:effectRef>
+          <a:fontRef idx="minor">
+            <a:schemeClr val="lt1"/>
+          </a:fontRef>
+        </p:style>
+        <p:txBody>
+          <a:bodyPr rtlCol="0" anchor="ctr"/>
+          <a:lstStyle/>
+          <a:p>
+            <a:pPr algn="ctr"/>
+            <a:endParaRPr lang="it-IT"/>
+          </a:p>
+        </p:txBody>
+      </p:sp>
+    </p:spTree>
+    <p:extLst>
+      <p:ext uri="{BB962C8B-B14F-4D97-AF65-F5344CB8AC3E}">
+        <p14:creationId xmlns:p14="http://schemas.microsoft.com/office/powerpoint/2010/main" val="2885902714"/>
+      </p:ext>
+    </p:extLst>
+  </p:cSld>
+  <p:clrMapOvr>
+    <a:masterClrMapping/>
+  </p:clrMapOvr>
+</p:sld>
+</file>
+
+<file path=ppt/slides/slide2.xml><?xml version="1.0" encoding="utf-8"?>
+<p:sld xmlns:a="http://schemas.openxmlformats.org/drawingml/2006/main" xmlns:r="http://schemas.openxmlformats.org/officeDocument/2006/relationships" xmlns:p="http://schemas.openxmlformats.org/presentationml/2006/main">
+  <p:cSld>
+    <p:spTree>
+      <p:nvGrpSpPr>
+        <p:cNvPr id="1" name="">
+          <a:extLst>
+            <a:ext uri="{FF2B5EF4-FFF2-40B4-BE49-F238E27FC236}">
+              <a16:creationId xmlns:a16="http://schemas.microsoft.com/office/drawing/2014/main" id="{B45D7B5C-7293-798A-0521-27A7834A9A72}"/>
+            </a:ext>
+          </a:extLst>
+        </p:cNvPr>
+        <p:cNvGrpSpPr/>
+        <p:nvPr/>
+      </p:nvGrpSpPr>
+      <p:grpSpPr>
+        <a:xfrm>
+          <a:off x="0" y="0"/>
+          <a:ext cx="0" cy="0"/>
+          <a:chOff x="0" y="0"/>
+          <a:chExt cx="0" cy="0"/>
+        </a:xfrm>
+      </p:grpSpPr>
+      <p:sp>
+        <p:nvSpPr>
+          <p:cNvPr id="7" name="Rettangolo 6">
+            <a:extLst>
+              <a:ext uri="{FF2B5EF4-FFF2-40B4-BE49-F238E27FC236}">
+                <a16:creationId xmlns:a16="http://schemas.microsoft.com/office/drawing/2014/main" id="{A19786BA-3167-EFB4-138F-67A4056DDAAD}"/>
+              </a:ext>
+            </a:extLst>
+          </p:cNvPr>
+          <p:cNvSpPr>
+            <a:spLocks noGrp="1" noRot="1" noMove="1" noResize="1" noEditPoints="1" noAdjustHandles="1" noChangeArrowheads="1" noChangeShapeType="1"/>
+          </p:cNvSpPr>
+          <p:nvPr/>
+        </p:nvSpPr>
+        <p:spPr>
+          <a:xfrm>
+            <a:off x="0" y="0"/>
+            <a:ext cx="12192000" cy="6858000"/>
+          </a:xfrm>
+          <a:prstGeom prst="rect">
+            <a:avLst/>
+          </a:prstGeom>
+          <a:solidFill>
+            <a:srgbClr val="FCFCFC"/>
+          </a:solidFill>
+        </p:spPr>
+        <p:style>
+          <a:lnRef idx="2">
+            <a:schemeClr val="accent1">
+              <a:shade val="15000"/>
+            </a:schemeClr>
+          </a:lnRef>
+          <a:fillRef idx="1">
+            <a:schemeClr val="accent1"/>
+          </a:fillRef>
+          <a:effectRef idx="0">
+            <a:schemeClr val="accent1"/>
+          </a:effectRef>
+          <a:fontRef idx="minor">
+            <a:schemeClr val="lt1"/>
+          </a:fontRef>
+        </p:style>
+        <p:txBody>
+          <a:bodyPr rtlCol="0" anchor="ctr"/>
+          <a:lstStyle/>
+          <a:p>
             <a:pPr algn="ctr"/>
             <a:endParaRPr lang="it-IT" dirty="0"/>
           </a:p>
@@ -9205,6 +16339,793 @@
     <p:extLst>
       <p:ext uri="{BB962C8B-B14F-4D97-AF65-F5344CB8AC3E}">
         <p14:creationId xmlns:p14="http://schemas.microsoft.com/office/powerpoint/2010/main" val="2561011046"/>
+      </p:ext>
+    </p:extLst>
+  </p:cSld>
+  <p:clrMapOvr>
+    <a:masterClrMapping/>
+  </p:clrMapOvr>
+</p:sld>
+</file>
+
+<file path=ppt/slides/slide20.xml><?xml version="1.0" encoding="utf-8"?>
+<p:sld xmlns:a="http://schemas.openxmlformats.org/drawingml/2006/main" xmlns:r="http://schemas.openxmlformats.org/officeDocument/2006/relationships" xmlns:p="http://schemas.openxmlformats.org/presentationml/2006/main">
+  <p:cSld>
+    <p:spTree>
+      <p:nvGrpSpPr>
+        <p:cNvPr id="1" name="">
+          <a:extLst>
+            <a:ext uri="{FF2B5EF4-FFF2-40B4-BE49-F238E27FC236}">
+              <a16:creationId xmlns:a16="http://schemas.microsoft.com/office/drawing/2014/main" id="{4E22A3A7-7B8C-4ABF-2063-36D2835DDA2F}"/>
+            </a:ext>
+          </a:extLst>
+        </p:cNvPr>
+        <p:cNvGrpSpPr/>
+        <p:nvPr/>
+      </p:nvGrpSpPr>
+      <p:grpSpPr>
+        <a:xfrm>
+          <a:off x="0" y="0"/>
+          <a:ext cx="0" cy="0"/>
+          <a:chOff x="0" y="0"/>
+          <a:chExt cx="0" cy="0"/>
+        </a:xfrm>
+      </p:grpSpPr>
+      <p:sp>
+        <p:nvSpPr>
+          <p:cNvPr id="7" name="Rettangolo 6">
+            <a:extLst>
+              <a:ext uri="{FF2B5EF4-FFF2-40B4-BE49-F238E27FC236}">
+                <a16:creationId xmlns:a16="http://schemas.microsoft.com/office/drawing/2014/main" id="{5C97D053-FA62-83AE-694C-AF47EEA31581}"/>
+              </a:ext>
+            </a:extLst>
+          </p:cNvPr>
+          <p:cNvSpPr>
+            <a:spLocks noGrp="1" noRot="1" noMove="1" noResize="1" noEditPoints="1" noAdjustHandles="1" noChangeArrowheads="1" noChangeShapeType="1"/>
+          </p:cNvSpPr>
+          <p:nvPr/>
+        </p:nvSpPr>
+        <p:spPr>
+          <a:xfrm>
+            <a:off x="0" y="0"/>
+            <a:ext cx="12192000" cy="6858000"/>
+          </a:xfrm>
+          <a:prstGeom prst="rect">
+            <a:avLst/>
+          </a:prstGeom>
+          <a:solidFill>
+            <a:srgbClr val="FCFCFC"/>
+          </a:solidFill>
+        </p:spPr>
+        <p:style>
+          <a:lnRef idx="2">
+            <a:schemeClr val="accent1">
+              <a:shade val="15000"/>
+            </a:schemeClr>
+          </a:lnRef>
+          <a:fillRef idx="1">
+            <a:schemeClr val="accent1"/>
+          </a:fillRef>
+          <a:effectRef idx="0">
+            <a:schemeClr val="accent1"/>
+          </a:effectRef>
+          <a:fontRef idx="minor">
+            <a:schemeClr val="lt1"/>
+          </a:fontRef>
+        </p:style>
+        <p:txBody>
+          <a:bodyPr rtlCol="0" anchor="ctr"/>
+          <a:lstStyle/>
+          <a:p>
+            <a:pPr algn="ctr"/>
+            <a:endParaRPr lang="it-IT" dirty="0"/>
+          </a:p>
+        </p:txBody>
+      </p:sp>
+      <p:sp>
+        <p:nvSpPr>
+          <p:cNvPr id="2" name="Titolo 1">
+            <a:extLst>
+              <a:ext uri="{FF2B5EF4-FFF2-40B4-BE49-F238E27FC236}">
+                <a16:creationId xmlns:a16="http://schemas.microsoft.com/office/drawing/2014/main" id="{26C88443-6AD8-D1DA-5804-C321A021B290}"/>
+              </a:ext>
+            </a:extLst>
+          </p:cNvPr>
+          <p:cNvSpPr>
+            <a:spLocks noGrp="1"/>
+          </p:cNvSpPr>
+          <p:nvPr>
+            <p:ph type="ctrTitle"/>
+          </p:nvPr>
+        </p:nvSpPr>
+        <p:spPr>
+          <a:xfrm>
+            <a:off x="2632800" y="2218322"/>
+            <a:ext cx="6926400" cy="2298700"/>
+          </a:xfrm>
+        </p:spPr>
+        <p:txBody>
+          <a:bodyPr>
+            <a:noAutofit/>
+          </a:bodyPr>
+          <a:lstStyle/>
+          <a:p>
+            <a:r>
+              <a:rPr lang="it-IT" sz="8000" b="1" dirty="0">
+                <a:latin typeface="Questrial" panose="020F0502020204030204" pitchFamily="2" charset="0"/>
+                <a:ea typeface="Questrial" panose="020F0502020204030204" pitchFamily="2" charset="0"/>
+                <a:cs typeface="Questrial" panose="020F0502020204030204" pitchFamily="2" charset="0"/>
+              </a:rPr>
+              <a:t>Grazie per l’attenzione!</a:t>
+            </a:r>
+          </a:p>
+        </p:txBody>
+      </p:sp>
+      <p:sp>
+        <p:nvSpPr>
+          <p:cNvPr id="3" name="Sottotitolo 2">
+            <a:extLst>
+              <a:ext uri="{FF2B5EF4-FFF2-40B4-BE49-F238E27FC236}">
+                <a16:creationId xmlns:a16="http://schemas.microsoft.com/office/drawing/2014/main" id="{5A27189D-998A-E902-796D-67B2D4333864}"/>
+              </a:ext>
+            </a:extLst>
+          </p:cNvPr>
+          <p:cNvSpPr>
+            <a:spLocks noGrp="1"/>
+          </p:cNvSpPr>
+          <p:nvPr>
+            <p:ph type="subTitle" idx="1"/>
+          </p:nvPr>
+        </p:nvSpPr>
+        <p:spPr>
+          <a:xfrm>
+            <a:off x="3023531" y="1821611"/>
+            <a:ext cx="6821048" cy="434974"/>
+          </a:xfrm>
+        </p:spPr>
+        <p:txBody>
+          <a:bodyPr>
+            <a:normAutofit/>
+          </a:bodyPr>
+          <a:lstStyle/>
+          <a:p>
+            <a:r>
+              <a:rPr lang="en-US" sz="1800" b="1" dirty="0">
+                <a:latin typeface="Questrial" pitchFamily="2" charset="0"/>
+                <a:ea typeface="Questrial" pitchFamily="2" charset="0"/>
+                <a:cs typeface="Questrial" pitchFamily="2" charset="0"/>
+              </a:rPr>
+              <a:t>Metodi </a:t>
+            </a:r>
+            <a:r>
+              <a:rPr lang="en-US" sz="1800" b="1" dirty="0" err="1">
+                <a:latin typeface="Questrial" pitchFamily="2" charset="0"/>
+                <a:ea typeface="Questrial" pitchFamily="2" charset="0"/>
+                <a:cs typeface="Questrial" pitchFamily="2" charset="0"/>
+              </a:rPr>
+              <a:t>Numerici</a:t>
+            </a:r>
+            <a:r>
+              <a:rPr lang="en-US" sz="1800" b="1" dirty="0">
+                <a:latin typeface="Questrial" pitchFamily="2" charset="0"/>
+                <a:ea typeface="Questrial" pitchFamily="2" charset="0"/>
+                <a:cs typeface="Questrial" pitchFamily="2" charset="0"/>
+              </a:rPr>
+              <a:t> per </a:t>
+            </a:r>
+            <a:r>
+              <a:rPr lang="en-US" sz="1800" b="1" dirty="0" err="1">
+                <a:latin typeface="Questrial" pitchFamily="2" charset="0"/>
+                <a:ea typeface="Questrial" pitchFamily="2" charset="0"/>
+                <a:cs typeface="Questrial" pitchFamily="2" charset="0"/>
+              </a:rPr>
+              <a:t>l’Informatica</a:t>
+            </a:r>
+            <a:endParaRPr lang="it-IT" sz="1800" b="1" dirty="0">
+              <a:latin typeface="Questrial" pitchFamily="2" charset="0"/>
+              <a:ea typeface="Questrial" pitchFamily="2" charset="0"/>
+              <a:cs typeface="Questrial" pitchFamily="2" charset="0"/>
+            </a:endParaRPr>
+          </a:p>
+        </p:txBody>
+      </p:sp>
+      <p:pic>
+        <p:nvPicPr>
+          <p:cNvPr id="4" name="Immagine 3" descr="Immagine che contiene emblema, simbolo, vestiti, cresta&#10;&#10;Il contenuto generato dall'IA potrebbe non essere corretto.">
+            <a:extLst>
+              <a:ext uri="{FF2B5EF4-FFF2-40B4-BE49-F238E27FC236}">
+                <a16:creationId xmlns:a16="http://schemas.microsoft.com/office/drawing/2014/main" id="{36DE5F8C-E6F7-EC0B-070F-68AB7EA11505}"/>
+              </a:ext>
+            </a:extLst>
+          </p:cNvPr>
+          <p:cNvPicPr>
+            <a:picLocks noChangeAspect="1"/>
+          </p:cNvPicPr>
+          <p:nvPr/>
+        </p:nvPicPr>
+        <p:blipFill>
+          <a:blip r:embed="rId3"/>
+          <a:stretch>
+            <a:fillRect/>
+          </a:stretch>
+        </p:blipFill>
+        <p:spPr>
+          <a:xfrm>
+            <a:off x="10808811" y="186702"/>
+            <a:ext cx="1098589" cy="1098589"/>
+          </a:xfrm>
+          <a:prstGeom prst="rect">
+            <a:avLst/>
+          </a:prstGeom>
+        </p:spPr>
+      </p:pic>
+      <p:cxnSp>
+        <p:nvCxnSpPr>
+          <p:cNvPr id="9" name="Connettore diritto 8">
+            <a:extLst>
+              <a:ext uri="{FF2B5EF4-FFF2-40B4-BE49-F238E27FC236}">
+                <a16:creationId xmlns:a16="http://schemas.microsoft.com/office/drawing/2014/main" id="{947EA1E6-2BF9-0879-11F4-F8E7CE0F43CD}"/>
+              </a:ext>
+            </a:extLst>
+          </p:cNvPr>
+          <p:cNvCxnSpPr>
+            <a:cxnSpLocks/>
+          </p:cNvCxnSpPr>
+          <p:nvPr/>
+        </p:nvCxnSpPr>
+        <p:spPr>
+          <a:xfrm>
+            <a:off x="4654386" y="2176375"/>
+            <a:ext cx="3625848" cy="0"/>
+          </a:xfrm>
+          <a:prstGeom prst="line">
+            <a:avLst/>
+          </a:prstGeom>
+          <a:ln>
+            <a:solidFill>
+              <a:srgbClr val="667C6F"/>
+            </a:solidFill>
+          </a:ln>
+        </p:spPr>
+        <p:style>
+          <a:lnRef idx="2">
+            <a:schemeClr val="accent1"/>
+          </a:lnRef>
+          <a:fillRef idx="0">
+            <a:schemeClr val="accent1"/>
+          </a:fillRef>
+          <a:effectRef idx="1">
+            <a:schemeClr val="accent1"/>
+          </a:effectRef>
+          <a:fontRef idx="minor">
+            <a:schemeClr val="tx1"/>
+          </a:fontRef>
+        </p:style>
+      </p:cxnSp>
+      <p:sp>
+        <p:nvSpPr>
+          <p:cNvPr id="13" name="Sottotitolo 2">
+            <a:extLst>
+              <a:ext uri="{FF2B5EF4-FFF2-40B4-BE49-F238E27FC236}">
+                <a16:creationId xmlns:a16="http://schemas.microsoft.com/office/drawing/2014/main" id="{AA25AA48-D5D8-E947-5A17-606FE3AD3B16}"/>
+              </a:ext>
+            </a:extLst>
+          </p:cNvPr>
+          <p:cNvSpPr txBox="1">
+            <a:spLocks/>
+          </p:cNvSpPr>
+          <p:nvPr/>
+        </p:nvSpPr>
+        <p:spPr>
+          <a:xfrm>
+            <a:off x="4800480" y="4581943"/>
+            <a:ext cx="3267150" cy="435310"/>
+          </a:xfrm>
+          <a:prstGeom prst="rect">
+            <a:avLst/>
+          </a:prstGeom>
+        </p:spPr>
+        <p:txBody>
+          <a:bodyPr vert="horz" lIns="91440" tIns="45720" rIns="91440" bIns="45720" rtlCol="0">
+            <a:normAutofit lnSpcReduction="10000"/>
+          </a:bodyPr>
+          <a:lstStyle>
+            <a:lvl1pPr marL="0" indent="0" algn="ctr" defTabSz="914400" rtl="0" eaLnBrk="1" latinLnBrk="0" hangingPunct="1">
+              <a:lnSpc>
+                <a:spcPct val="90000"/>
+              </a:lnSpc>
+              <a:spcBef>
+                <a:spcPts val="1000"/>
+              </a:spcBef>
+              <a:buFont typeface="Arial" panose="020B0604020202020204" pitchFamily="34" charset="0"/>
+              <a:buNone/>
+              <a:defRPr sz="2400" kern="1200">
+                <a:solidFill>
+                  <a:schemeClr val="tx1"/>
+                </a:solidFill>
+                <a:latin typeface="+mn-lt"/>
+                <a:ea typeface="+mn-ea"/>
+                <a:cs typeface="+mn-cs"/>
+              </a:defRPr>
+            </a:lvl1pPr>
+            <a:lvl2pPr marL="457200" indent="0" algn="ctr" defTabSz="914400" rtl="0" eaLnBrk="1" latinLnBrk="0" hangingPunct="1">
+              <a:lnSpc>
+                <a:spcPct val="90000"/>
+              </a:lnSpc>
+              <a:spcBef>
+                <a:spcPts val="500"/>
+              </a:spcBef>
+              <a:buFont typeface="Arial" panose="020B0604020202020204" pitchFamily="34" charset="0"/>
+              <a:buNone/>
+              <a:defRPr sz="2000" kern="1200">
+                <a:solidFill>
+                  <a:schemeClr val="tx1"/>
+                </a:solidFill>
+                <a:latin typeface="+mn-lt"/>
+                <a:ea typeface="+mn-ea"/>
+                <a:cs typeface="+mn-cs"/>
+              </a:defRPr>
+            </a:lvl2pPr>
+            <a:lvl3pPr marL="914400" indent="0" algn="ctr" defTabSz="914400" rtl="0" eaLnBrk="1" latinLnBrk="0" hangingPunct="1">
+              <a:lnSpc>
+                <a:spcPct val="90000"/>
+              </a:lnSpc>
+              <a:spcBef>
+                <a:spcPts val="500"/>
+              </a:spcBef>
+              <a:buFont typeface="Arial" panose="020B0604020202020204" pitchFamily="34" charset="0"/>
+              <a:buNone/>
+              <a:defRPr sz="1800" kern="1200">
+                <a:solidFill>
+                  <a:schemeClr val="tx1"/>
+                </a:solidFill>
+                <a:latin typeface="+mn-lt"/>
+                <a:ea typeface="+mn-ea"/>
+                <a:cs typeface="+mn-cs"/>
+              </a:defRPr>
+            </a:lvl3pPr>
+            <a:lvl4pPr marL="1371600" indent="0" algn="ctr" defTabSz="914400" rtl="0" eaLnBrk="1" latinLnBrk="0" hangingPunct="1">
+              <a:lnSpc>
+                <a:spcPct val="90000"/>
+              </a:lnSpc>
+              <a:spcBef>
+                <a:spcPts val="500"/>
+              </a:spcBef>
+              <a:buFont typeface="Arial" panose="020B0604020202020204" pitchFamily="34" charset="0"/>
+              <a:buNone/>
+              <a:defRPr sz="1600" kern="1200">
+                <a:solidFill>
+                  <a:schemeClr val="tx1"/>
+                </a:solidFill>
+                <a:latin typeface="+mn-lt"/>
+                <a:ea typeface="+mn-ea"/>
+                <a:cs typeface="+mn-cs"/>
+              </a:defRPr>
+            </a:lvl4pPr>
+            <a:lvl5pPr marL="1828800" indent="0" algn="ctr" defTabSz="914400" rtl="0" eaLnBrk="1" latinLnBrk="0" hangingPunct="1">
+              <a:lnSpc>
+                <a:spcPct val="90000"/>
+              </a:lnSpc>
+              <a:spcBef>
+                <a:spcPts val="500"/>
+              </a:spcBef>
+              <a:buFont typeface="Arial" panose="020B0604020202020204" pitchFamily="34" charset="0"/>
+              <a:buNone/>
+              <a:defRPr sz="1600" kern="1200">
+                <a:solidFill>
+                  <a:schemeClr val="tx1"/>
+                </a:solidFill>
+                <a:latin typeface="+mn-lt"/>
+                <a:ea typeface="+mn-ea"/>
+                <a:cs typeface="+mn-cs"/>
+              </a:defRPr>
+            </a:lvl5pPr>
+            <a:lvl6pPr marL="2286000" indent="0" algn="ctr" defTabSz="914400" rtl="0" eaLnBrk="1" latinLnBrk="0" hangingPunct="1">
+              <a:lnSpc>
+                <a:spcPct val="90000"/>
+              </a:lnSpc>
+              <a:spcBef>
+                <a:spcPts val="500"/>
+              </a:spcBef>
+              <a:buFont typeface="Arial" panose="020B0604020202020204" pitchFamily="34" charset="0"/>
+              <a:buNone/>
+              <a:defRPr sz="1600" kern="1200">
+                <a:solidFill>
+                  <a:schemeClr val="tx1"/>
+                </a:solidFill>
+                <a:latin typeface="+mn-lt"/>
+                <a:ea typeface="+mn-ea"/>
+                <a:cs typeface="+mn-cs"/>
+              </a:defRPr>
+            </a:lvl6pPr>
+            <a:lvl7pPr marL="2743200" indent="0" algn="ctr" defTabSz="914400" rtl="0" eaLnBrk="1" latinLnBrk="0" hangingPunct="1">
+              <a:lnSpc>
+                <a:spcPct val="90000"/>
+              </a:lnSpc>
+              <a:spcBef>
+                <a:spcPts val="500"/>
+              </a:spcBef>
+              <a:buFont typeface="Arial" panose="020B0604020202020204" pitchFamily="34" charset="0"/>
+              <a:buNone/>
+              <a:defRPr sz="1600" kern="1200">
+                <a:solidFill>
+                  <a:schemeClr val="tx1"/>
+                </a:solidFill>
+                <a:latin typeface="+mn-lt"/>
+                <a:ea typeface="+mn-ea"/>
+                <a:cs typeface="+mn-cs"/>
+              </a:defRPr>
+            </a:lvl7pPr>
+            <a:lvl8pPr marL="3200400" indent="0" algn="ctr" defTabSz="914400" rtl="0" eaLnBrk="1" latinLnBrk="0" hangingPunct="1">
+              <a:lnSpc>
+                <a:spcPct val="90000"/>
+              </a:lnSpc>
+              <a:spcBef>
+                <a:spcPts val="500"/>
+              </a:spcBef>
+              <a:buFont typeface="Arial" panose="020B0604020202020204" pitchFamily="34" charset="0"/>
+              <a:buNone/>
+              <a:defRPr sz="1600" kern="1200">
+                <a:solidFill>
+                  <a:schemeClr val="tx1"/>
+                </a:solidFill>
+                <a:latin typeface="+mn-lt"/>
+                <a:ea typeface="+mn-ea"/>
+                <a:cs typeface="+mn-cs"/>
+              </a:defRPr>
+            </a:lvl8pPr>
+            <a:lvl9pPr marL="3657600" indent="0" algn="ctr" defTabSz="914400" rtl="0" eaLnBrk="1" latinLnBrk="0" hangingPunct="1">
+              <a:lnSpc>
+                <a:spcPct val="90000"/>
+              </a:lnSpc>
+              <a:spcBef>
+                <a:spcPts val="500"/>
+              </a:spcBef>
+              <a:buFont typeface="Arial" panose="020B0604020202020204" pitchFamily="34" charset="0"/>
+              <a:buNone/>
+              <a:defRPr sz="1600" kern="1200">
+                <a:solidFill>
+                  <a:schemeClr val="tx1"/>
+                </a:solidFill>
+                <a:latin typeface="+mn-lt"/>
+                <a:ea typeface="+mn-ea"/>
+                <a:cs typeface="+mn-cs"/>
+              </a:defRPr>
+            </a:lvl9pPr>
+          </a:lstStyle>
+          <a:p>
+            <a:r>
+              <a:rPr lang="en-US" sz="2800" b="1" dirty="0">
+                <a:latin typeface="Questrial" pitchFamily="2" charset="0"/>
+                <a:ea typeface="Questrial" pitchFamily="2" charset="0"/>
+                <a:cs typeface="Questrial" pitchFamily="2" charset="0"/>
+              </a:rPr>
+              <a:t>Simone D’Assisi</a:t>
+            </a:r>
+            <a:endParaRPr lang="it-IT" sz="2800" b="1" dirty="0">
+              <a:latin typeface="Questrial" pitchFamily="2" charset="0"/>
+              <a:ea typeface="Questrial" pitchFamily="2" charset="0"/>
+              <a:cs typeface="Questrial" pitchFamily="2" charset="0"/>
+            </a:endParaRPr>
+          </a:p>
+        </p:txBody>
+      </p:sp>
+      <p:sp>
+        <p:nvSpPr>
+          <p:cNvPr id="5" name="Rettangolo con angoli arrotondati 4">
+            <a:extLst>
+              <a:ext uri="{FF2B5EF4-FFF2-40B4-BE49-F238E27FC236}">
+                <a16:creationId xmlns:a16="http://schemas.microsoft.com/office/drawing/2014/main" id="{F0CB2C29-819E-B060-35FF-7B914E331CC1}"/>
+              </a:ext>
+            </a:extLst>
+          </p:cNvPr>
+          <p:cNvSpPr/>
+          <p:nvPr/>
+        </p:nvSpPr>
+        <p:spPr>
+          <a:xfrm>
+            <a:off x="2231371" y="5815894"/>
+            <a:ext cx="934083" cy="891393"/>
+          </a:xfrm>
+          <a:prstGeom prst="roundRect">
+            <a:avLst/>
+          </a:prstGeom>
+          <a:solidFill>
+            <a:srgbClr val="FC993E"/>
+          </a:solidFill>
+          <a:ln>
+            <a:noFill/>
+          </a:ln>
+        </p:spPr>
+        <p:style>
+          <a:lnRef idx="2">
+            <a:schemeClr val="accent1">
+              <a:shade val="15000"/>
+            </a:schemeClr>
+          </a:lnRef>
+          <a:fillRef idx="1">
+            <a:schemeClr val="accent1"/>
+          </a:fillRef>
+          <a:effectRef idx="0">
+            <a:schemeClr val="accent1"/>
+          </a:effectRef>
+          <a:fontRef idx="minor">
+            <a:schemeClr val="lt1"/>
+          </a:fontRef>
+        </p:style>
+        <p:txBody>
+          <a:bodyPr rtlCol="0" anchor="ctr"/>
+          <a:lstStyle/>
+          <a:p>
+            <a:pPr algn="ctr"/>
+            <a:endParaRPr lang="it-IT" dirty="0"/>
+          </a:p>
+        </p:txBody>
+      </p:sp>
+      <p:sp>
+        <p:nvSpPr>
+          <p:cNvPr id="8" name="Rettangolo con angoli arrotondati 7">
+            <a:extLst>
+              <a:ext uri="{FF2B5EF4-FFF2-40B4-BE49-F238E27FC236}">
+                <a16:creationId xmlns:a16="http://schemas.microsoft.com/office/drawing/2014/main" id="{1AB671AD-883C-2D86-98EE-BA8BF381A208}"/>
+              </a:ext>
+            </a:extLst>
+          </p:cNvPr>
+          <p:cNvSpPr/>
+          <p:nvPr/>
+        </p:nvSpPr>
+        <p:spPr>
+          <a:xfrm>
+            <a:off x="1101851" y="4859796"/>
+            <a:ext cx="934083" cy="1349459"/>
+          </a:xfrm>
+          <a:prstGeom prst="roundRect">
+            <a:avLst/>
+          </a:prstGeom>
+          <a:solidFill>
+            <a:srgbClr val="667C6F"/>
+          </a:solidFill>
+          <a:ln>
+            <a:noFill/>
+          </a:ln>
+        </p:spPr>
+        <p:style>
+          <a:lnRef idx="2">
+            <a:schemeClr val="accent1">
+              <a:shade val="15000"/>
+            </a:schemeClr>
+          </a:lnRef>
+          <a:fillRef idx="1">
+            <a:schemeClr val="accent1"/>
+          </a:fillRef>
+          <a:effectRef idx="0">
+            <a:schemeClr val="accent1"/>
+          </a:effectRef>
+          <a:fontRef idx="minor">
+            <a:schemeClr val="lt1"/>
+          </a:fontRef>
+        </p:style>
+        <p:txBody>
+          <a:bodyPr rtlCol="0" anchor="ctr"/>
+          <a:lstStyle/>
+          <a:p>
+            <a:pPr algn="ctr"/>
+            <a:endParaRPr lang="it-IT"/>
+          </a:p>
+        </p:txBody>
+      </p:sp>
+      <p:sp>
+        <p:nvSpPr>
+          <p:cNvPr id="10" name="Rettangolo con angoli arrotondati 9">
+            <a:extLst>
+              <a:ext uri="{FF2B5EF4-FFF2-40B4-BE49-F238E27FC236}">
+                <a16:creationId xmlns:a16="http://schemas.microsoft.com/office/drawing/2014/main" id="{C69946FD-B026-0BE0-A44A-577E80D4E04B}"/>
+              </a:ext>
+            </a:extLst>
+          </p:cNvPr>
+          <p:cNvSpPr/>
+          <p:nvPr/>
+        </p:nvSpPr>
+        <p:spPr>
+          <a:xfrm>
+            <a:off x="-818147" y="5087269"/>
+            <a:ext cx="1752232" cy="2243973"/>
+          </a:xfrm>
+          <a:prstGeom prst="roundRect">
+            <a:avLst/>
+          </a:prstGeom>
+          <a:solidFill>
+            <a:srgbClr val="FC993E"/>
+          </a:solidFill>
+          <a:ln>
+            <a:noFill/>
+          </a:ln>
+        </p:spPr>
+        <p:style>
+          <a:lnRef idx="2">
+            <a:schemeClr val="accent1">
+              <a:shade val="15000"/>
+            </a:schemeClr>
+          </a:lnRef>
+          <a:fillRef idx="1">
+            <a:schemeClr val="accent1"/>
+          </a:fillRef>
+          <a:effectRef idx="0">
+            <a:schemeClr val="accent1"/>
+          </a:effectRef>
+          <a:fontRef idx="minor">
+            <a:schemeClr val="lt1"/>
+          </a:fontRef>
+        </p:style>
+        <p:txBody>
+          <a:bodyPr rtlCol="0" anchor="ctr"/>
+          <a:lstStyle/>
+          <a:p>
+            <a:pPr algn="ctr"/>
+            <a:endParaRPr lang="it-IT" dirty="0"/>
+          </a:p>
+        </p:txBody>
+      </p:sp>
+      <p:sp>
+        <p:nvSpPr>
+          <p:cNvPr id="11" name="Rettangolo con angoli arrotondati 10">
+            <a:extLst>
+              <a:ext uri="{FF2B5EF4-FFF2-40B4-BE49-F238E27FC236}">
+                <a16:creationId xmlns:a16="http://schemas.microsoft.com/office/drawing/2014/main" id="{7B93D2EC-04C3-68BF-90B4-CFDDC95F159C}"/>
+              </a:ext>
+            </a:extLst>
+          </p:cNvPr>
+          <p:cNvSpPr/>
+          <p:nvPr/>
+        </p:nvSpPr>
+        <p:spPr>
+          <a:xfrm>
+            <a:off x="11221117" y="4601416"/>
+            <a:ext cx="2710241" cy="2853466"/>
+          </a:xfrm>
+          <a:prstGeom prst="roundRect">
+            <a:avLst/>
+          </a:prstGeom>
+          <a:solidFill>
+            <a:srgbClr val="667C6F"/>
+          </a:solidFill>
+          <a:ln>
+            <a:noFill/>
+          </a:ln>
+        </p:spPr>
+        <p:style>
+          <a:lnRef idx="2">
+            <a:schemeClr val="accent1">
+              <a:shade val="15000"/>
+            </a:schemeClr>
+          </a:lnRef>
+          <a:fillRef idx="1">
+            <a:schemeClr val="accent1"/>
+          </a:fillRef>
+          <a:effectRef idx="0">
+            <a:schemeClr val="accent1"/>
+          </a:effectRef>
+          <a:fontRef idx="minor">
+            <a:schemeClr val="lt1"/>
+          </a:fontRef>
+        </p:style>
+        <p:txBody>
+          <a:bodyPr rtlCol="0" anchor="ctr"/>
+          <a:lstStyle/>
+          <a:p>
+            <a:pPr algn="ctr"/>
+            <a:endParaRPr lang="it-IT"/>
+          </a:p>
+        </p:txBody>
+      </p:sp>
+      <p:sp>
+        <p:nvSpPr>
+          <p:cNvPr id="12" name="Rettangolo con angoli arrotondati 11">
+            <a:extLst>
+              <a:ext uri="{FF2B5EF4-FFF2-40B4-BE49-F238E27FC236}">
+                <a16:creationId xmlns:a16="http://schemas.microsoft.com/office/drawing/2014/main" id="{4945C656-7479-8B07-2348-3178D5F003E1}"/>
+              </a:ext>
+            </a:extLst>
+          </p:cNvPr>
+          <p:cNvSpPr/>
+          <p:nvPr/>
+        </p:nvSpPr>
+        <p:spPr>
+          <a:xfrm>
+            <a:off x="10371760" y="5815894"/>
+            <a:ext cx="633663" cy="1214478"/>
+          </a:xfrm>
+          <a:prstGeom prst="roundRect">
+            <a:avLst/>
+          </a:prstGeom>
+          <a:solidFill>
+            <a:srgbClr val="FC993E"/>
+          </a:solidFill>
+          <a:ln>
+            <a:noFill/>
+          </a:ln>
+        </p:spPr>
+        <p:style>
+          <a:lnRef idx="2">
+            <a:schemeClr val="accent1">
+              <a:shade val="15000"/>
+            </a:schemeClr>
+          </a:lnRef>
+          <a:fillRef idx="1">
+            <a:schemeClr val="accent1"/>
+          </a:fillRef>
+          <a:effectRef idx="0">
+            <a:schemeClr val="accent1"/>
+          </a:effectRef>
+          <a:fontRef idx="minor">
+            <a:schemeClr val="lt1"/>
+          </a:fontRef>
+        </p:style>
+        <p:txBody>
+          <a:bodyPr rtlCol="0" anchor="ctr"/>
+          <a:lstStyle/>
+          <a:p>
+            <a:pPr algn="ctr"/>
+            <a:endParaRPr lang="it-IT" dirty="0"/>
+          </a:p>
+        </p:txBody>
+      </p:sp>
+      <p:sp>
+        <p:nvSpPr>
+          <p:cNvPr id="14" name="Rettangolo con angoli arrotondati 13">
+            <a:extLst>
+              <a:ext uri="{FF2B5EF4-FFF2-40B4-BE49-F238E27FC236}">
+                <a16:creationId xmlns:a16="http://schemas.microsoft.com/office/drawing/2014/main" id="{DAC4D041-C919-69D8-5E3A-0C22A6070C0C}"/>
+              </a:ext>
+            </a:extLst>
+          </p:cNvPr>
+          <p:cNvSpPr/>
+          <p:nvPr/>
+        </p:nvSpPr>
+        <p:spPr>
+          <a:xfrm>
+            <a:off x="9522402" y="5394077"/>
+            <a:ext cx="633664" cy="1010653"/>
+          </a:xfrm>
+          <a:prstGeom prst="roundRect">
+            <a:avLst/>
+          </a:prstGeom>
+          <a:solidFill>
+            <a:srgbClr val="667C6F"/>
+          </a:solidFill>
+          <a:ln>
+            <a:noFill/>
+          </a:ln>
+        </p:spPr>
+        <p:style>
+          <a:lnRef idx="2">
+            <a:schemeClr val="accent1">
+              <a:shade val="15000"/>
+            </a:schemeClr>
+          </a:lnRef>
+          <a:fillRef idx="1">
+            <a:schemeClr val="accent1"/>
+          </a:fillRef>
+          <a:effectRef idx="0">
+            <a:schemeClr val="accent1"/>
+          </a:effectRef>
+          <a:fontRef idx="minor">
+            <a:schemeClr val="lt1"/>
+          </a:fontRef>
+        </p:style>
+        <p:txBody>
+          <a:bodyPr rtlCol="0" anchor="ctr"/>
+          <a:lstStyle/>
+          <a:p>
+            <a:pPr algn="ctr"/>
+            <a:endParaRPr lang="it-IT"/>
+          </a:p>
+        </p:txBody>
+      </p:sp>
+    </p:spTree>
+    <p:extLst>
+      <p:ext uri="{BB962C8B-B14F-4D97-AF65-F5344CB8AC3E}">
+        <p14:creationId xmlns:p14="http://schemas.microsoft.com/office/powerpoint/2010/main" val="2432692734"/>
       </p:ext>
     </p:extLst>
   </p:cSld>
@@ -11283,8 +19204,8 @@
           </a:p>
         </p:txBody>
       </p:sp>
-      <mc:AlternateContent xmlns:mc="http://schemas.openxmlformats.org/markup-compatibility/2006">
-        <mc:Choice xmlns:a14="http://schemas.microsoft.com/office/drawing/2010/main" Requires="a14">
+      <mc:AlternateContent xmlns:mc="http://schemas.openxmlformats.org/markup-compatibility/2006" xmlns:a14="http://schemas.microsoft.com/office/drawing/2010/main">
+        <mc:Choice Requires="a14">
           <p:sp>
             <p:nvSpPr>
               <p:cNvPr id="4" name="Sottotitolo 2">
@@ -11640,7 +19561,7 @@
             </p:txBody>
           </p:sp>
         </mc:Choice>
-        <mc:Fallback>
+        <mc:Fallback xmlns="">
           <p:sp>
             <p:nvSpPr>
               <p:cNvPr id="4" name="Sottotitolo 2">
@@ -11685,8 +19606,8 @@
           </p:sp>
         </mc:Fallback>
       </mc:AlternateContent>
-      <mc:AlternateContent xmlns:mc="http://schemas.openxmlformats.org/markup-compatibility/2006">
-        <mc:Choice xmlns:a14="http://schemas.microsoft.com/office/drawing/2010/main" Requires="a14">
+      <mc:AlternateContent xmlns:mc="http://schemas.openxmlformats.org/markup-compatibility/2006" xmlns:a14="http://schemas.microsoft.com/office/drawing/2010/main">
+        <mc:Choice Requires="a14">
           <p:sp>
             <p:nvSpPr>
               <p:cNvPr id="5" name="Sottotitolo 2">
@@ -11939,7 +19860,7 @@
             </p:txBody>
           </p:sp>
         </mc:Choice>
-        <mc:Fallback>
+        <mc:Fallback xmlns="">
           <p:sp>
             <p:nvSpPr>
               <p:cNvPr id="5" name="Sottotitolo 2">
@@ -11984,8 +19905,8 @@
           </p:sp>
         </mc:Fallback>
       </mc:AlternateContent>
-      <mc:AlternateContent xmlns:mc="http://schemas.openxmlformats.org/markup-compatibility/2006">
-        <mc:Choice xmlns:a14="http://schemas.microsoft.com/office/drawing/2010/main" Requires="a14">
+      <mc:AlternateContent xmlns:mc="http://schemas.openxmlformats.org/markup-compatibility/2006" xmlns:a14="http://schemas.microsoft.com/office/drawing/2010/main">
+        <mc:Choice Requires="a14">
           <p:sp>
             <p:nvSpPr>
               <p:cNvPr id="6" name="Sottotitolo 2">
@@ -12238,7 +20159,7 @@
             </p:txBody>
           </p:sp>
         </mc:Choice>
-        <mc:Fallback>
+        <mc:Fallback xmlns="">
           <p:sp>
             <p:nvSpPr>
               <p:cNvPr id="6" name="Sottotitolo 2">
@@ -12669,8 +20590,8 @@
           </a:p>
         </p:txBody>
       </p:sp>
-      <mc:AlternateContent xmlns:mc="http://schemas.openxmlformats.org/markup-compatibility/2006">
-        <mc:Choice xmlns:a14="http://schemas.microsoft.com/office/drawing/2010/main" Requires="a14">
+      <mc:AlternateContent xmlns:mc="http://schemas.openxmlformats.org/markup-compatibility/2006" xmlns:a14="http://schemas.microsoft.com/office/drawing/2010/main">
+        <mc:Choice Requires="a14">
           <p:sp>
             <p:nvSpPr>
               <p:cNvPr id="11" name="Sottotitolo 2">
@@ -13100,7 +21021,7 @@
             </p:txBody>
           </p:sp>
         </mc:Choice>
-        <mc:Fallback>
+        <mc:Fallback xmlns="">
           <p:sp>
             <p:nvSpPr>
               <p:cNvPr id="11" name="Sottotitolo 2">
@@ -13145,8 +21066,8 @@
           </p:sp>
         </mc:Fallback>
       </mc:AlternateContent>
-      <mc:AlternateContent xmlns:mc="http://schemas.openxmlformats.org/markup-compatibility/2006">
-        <mc:Choice xmlns:a14="http://schemas.microsoft.com/office/drawing/2010/main" Requires="a14">
+      <mc:AlternateContent xmlns:mc="http://schemas.openxmlformats.org/markup-compatibility/2006" xmlns:a14="http://schemas.microsoft.com/office/drawing/2010/main">
+        <mc:Choice Requires="a14">
           <p:sp>
             <p:nvSpPr>
               <p:cNvPr id="12" name="Sottotitolo 2">
@@ -13506,7 +21427,7 @@
             </p:txBody>
           </p:sp>
         </mc:Choice>
-        <mc:Fallback>
+        <mc:Fallback xmlns="">
           <p:sp>
             <p:nvSpPr>
               <p:cNvPr id="12" name="Sottotitolo 2">
@@ -13735,8 +21656,8 @@
           </a:p>
         </p:txBody>
       </p:sp>
-      <mc:AlternateContent xmlns:mc="http://schemas.openxmlformats.org/markup-compatibility/2006">
-        <mc:Choice xmlns:a14="http://schemas.microsoft.com/office/drawing/2010/main" Requires="a14">
+      <mc:AlternateContent xmlns:mc="http://schemas.openxmlformats.org/markup-compatibility/2006" xmlns:a14="http://schemas.microsoft.com/office/drawing/2010/main">
+        <mc:Choice Requires="a14">
           <p:sp>
             <p:nvSpPr>
               <p:cNvPr id="13" name="Sottotitolo 2">
@@ -14054,7 +21975,7 @@
             </p:txBody>
           </p:sp>
         </mc:Choice>
-        <mc:Fallback>
+        <mc:Fallback xmlns="">
           <p:sp>
             <p:nvSpPr>
               <p:cNvPr id="13" name="Sottotitolo 2">
@@ -14151,8 +22072,8 @@
           </a:p>
         </p:txBody>
       </p:sp>
-      <mc:AlternateContent xmlns:mc="http://schemas.openxmlformats.org/markup-compatibility/2006">
-        <mc:Choice xmlns:a14="http://schemas.microsoft.com/office/drawing/2010/main" Requires="a14">
+      <mc:AlternateContent xmlns:mc="http://schemas.openxmlformats.org/markup-compatibility/2006" xmlns:a14="http://schemas.microsoft.com/office/drawing/2010/main">
+        <mc:Choice Requires="a14">
           <p:sp>
             <p:nvSpPr>
               <p:cNvPr id="15" name="CasellaDiTesto 14">
@@ -14410,7 +22331,7 @@
             </p:txBody>
           </p:sp>
         </mc:Choice>
-        <mc:Fallback>
+        <mc:Fallback xmlns="">
           <p:sp>
             <p:nvSpPr>
               <p:cNvPr id="15" name="CasellaDiTesto 14">
@@ -14455,8 +22376,8 @@
           </p:sp>
         </mc:Fallback>
       </mc:AlternateContent>
-      <mc:AlternateContent xmlns:mc="http://schemas.openxmlformats.org/markup-compatibility/2006">
-        <mc:Choice xmlns:a14="http://schemas.microsoft.com/office/drawing/2010/main" Requires="a14">
+      <mc:AlternateContent xmlns:mc="http://schemas.openxmlformats.org/markup-compatibility/2006" xmlns:a14="http://schemas.microsoft.com/office/drawing/2010/main">
+        <mc:Choice Requires="a14">
           <p:sp>
             <p:nvSpPr>
               <p:cNvPr id="16" name="CasellaDiTesto 15">
@@ -14485,6 +22406,7 @@
               </a:bodyPr>
               <a:lstStyle/>
               <a:p>
+                <a:pPr/>
                 <a14:m>
                   <m:oMathPara xmlns:m="http://schemas.openxmlformats.org/officeDocument/2006/math">
                     <m:oMathParaPr>
@@ -14713,7 +22635,7 @@
             </p:txBody>
           </p:sp>
         </mc:Choice>
-        <mc:Fallback>
+        <mc:Fallback xmlns="">
           <p:sp>
             <p:nvSpPr>
               <p:cNvPr id="16" name="CasellaDiTesto 15">
@@ -15085,8 +23007,8 @@
           </a:p>
         </p:txBody>
       </p:sp>
-      <mc:AlternateContent xmlns:mc="http://schemas.openxmlformats.org/markup-compatibility/2006">
-        <mc:Choice xmlns:a14="http://schemas.microsoft.com/office/drawing/2010/main" Requires="a14">
+      <mc:AlternateContent xmlns:mc="http://schemas.openxmlformats.org/markup-compatibility/2006" xmlns:a14="http://schemas.microsoft.com/office/drawing/2010/main">
+        <mc:Choice Requires="a14">
           <p:sp>
             <p:nvSpPr>
               <p:cNvPr id="13" name="Sottotitolo 2">
@@ -15468,7 +23390,7 @@
             </p:txBody>
           </p:sp>
         </mc:Choice>
-        <mc:Fallback>
+        <mc:Fallback xmlns="">
           <p:sp>
             <p:nvSpPr>
               <p:cNvPr id="13" name="Sottotitolo 2">
@@ -15572,8 +23494,8 @@
           </a:p>
         </p:txBody>
       </p:sp>
-      <mc:AlternateContent xmlns:mc="http://schemas.openxmlformats.org/markup-compatibility/2006">
-        <mc:Choice xmlns:a14="http://schemas.microsoft.com/office/drawing/2010/main" Requires="a14">
+      <mc:AlternateContent xmlns:mc="http://schemas.openxmlformats.org/markup-compatibility/2006" xmlns:a14="http://schemas.microsoft.com/office/drawing/2010/main">
+        <mc:Choice Requires="a14">
           <p:sp>
             <p:nvSpPr>
               <p:cNvPr id="15" name="CasellaDiTesto 14">
@@ -15833,7 +23755,7 @@
             </p:txBody>
           </p:sp>
         </mc:Choice>
-        <mc:Fallback>
+        <mc:Fallback xmlns="">
           <p:sp>
             <p:nvSpPr>
               <p:cNvPr id="15" name="CasellaDiTesto 14">
@@ -15878,8 +23800,8 @@
           </p:sp>
         </mc:Fallback>
       </mc:AlternateContent>
-      <mc:AlternateContent xmlns:mc="http://schemas.openxmlformats.org/markup-compatibility/2006">
-        <mc:Choice xmlns:a14="http://schemas.microsoft.com/office/drawing/2010/main" Requires="a14">
+      <mc:AlternateContent xmlns:mc="http://schemas.openxmlformats.org/markup-compatibility/2006" xmlns:a14="http://schemas.microsoft.com/office/drawing/2010/main">
+        <mc:Choice Requires="a14">
           <p:sp>
             <p:nvSpPr>
               <p:cNvPr id="16" name="CasellaDiTesto 15">
@@ -15910,6 +23832,7 @@
               </a:bodyPr>
               <a:lstStyle/>
               <a:p>
+                <a:pPr/>
                 <a14:m>
                   <m:oMathPara xmlns:m="http://schemas.openxmlformats.org/officeDocument/2006/math">
                     <m:oMathParaPr>
@@ -16138,7 +24061,7 @@
             </p:txBody>
           </p:sp>
         </mc:Choice>
-        <mc:Fallback>
+        <mc:Fallback xmlns="">
           <p:sp>
             <p:nvSpPr>
               <p:cNvPr id="16" name="CasellaDiTesto 15">

--- a/Documentazione/[MNI]_PresentazioneSeminario.pptx
+++ b/Documentazione/[MNI]_PresentazioneSeminario.pptx
@@ -280,7 +280,7 @@
           <a:p>
             <a:fld id="{5BB39080-8F44-46B6-B27F-2DEAA9A68D0D}" type="datetimeFigureOut">
               <a:rPr lang="it-IT" smtClean="0"/>
-              <a:t>09/12/2025</a:t>
+              <a:t>10/12/2025</a:t>
             </a:fld>
             <a:endParaRPr lang="it-IT"/>
           </a:p>
@@ -5469,7 +5469,47 @@
           <a:bodyPr/>
           <a:lstStyle/>
           <a:p>
-            <a:endParaRPr lang="it-IT" dirty="0"/>
+            <a:r>
+              <a:rPr lang="it-IT" dirty="0"/>
+              <a:t>I sistemi di raccomandazione model-</a:t>
+            </a:r>
+            <a:r>
+              <a:rPr lang="it-IT" dirty="0" err="1"/>
+              <a:t>based</a:t>
+            </a:r>
+            <a:r>
+              <a:rPr lang="it-IT" dirty="0"/>
+              <a:t> costruiscono un modello statistico in grado di</a:t>
+            </a:r>
+          </a:p>
+          <a:p>
+            <a:r>
+              <a:rPr lang="it-IT" dirty="0"/>
+              <a:t>apprendere schemi complessi a partire da un set di dati di training.. Si approssima R in Rˆ = U · V.</a:t>
+            </a:r>
+            <a:br>
+              <a:rPr lang="it-IT" dirty="0"/>
+            </a:br>
+            <a:r>
+              <a:rPr lang="it-IT" dirty="0"/>
+              <a:t>La singole valutazioni sono date da </a:t>
+            </a:r>
+            <a:r>
+              <a:rPr lang="it-IT" dirty="0" err="1"/>
+              <a:t>rki</a:t>
+            </a:r>
+            <a:r>
+              <a:rPr lang="it-IT" dirty="0"/>
+              <a:t> = </a:t>
+            </a:r>
+            <a:r>
+              <a:rPr lang="it-IT" dirty="0" err="1"/>
+              <a:t>uk</a:t>
+            </a:r>
+            <a:r>
+              <a:rPr lang="it-IT" dirty="0"/>
+              <a:t> vi</a:t>
+            </a:r>
           </a:p>
         </p:txBody>
       </p:sp>
@@ -6220,7 +6260,7 @@
           <a:p>
             <a:fld id="{6E4C13E4-AE53-4D7F-831B-9D7C1470C077}" type="datetimeFigureOut">
               <a:rPr lang="it-IT" smtClean="0"/>
-              <a:t>09/12/2025</a:t>
+              <a:t>10/12/2025</a:t>
             </a:fld>
             <a:endParaRPr lang="it-IT"/>
           </a:p>
@@ -6418,7 +6458,7 @@
           <a:p>
             <a:fld id="{6E4C13E4-AE53-4D7F-831B-9D7C1470C077}" type="datetimeFigureOut">
               <a:rPr lang="it-IT" smtClean="0"/>
-              <a:t>09/12/2025</a:t>
+              <a:t>10/12/2025</a:t>
             </a:fld>
             <a:endParaRPr lang="it-IT"/>
           </a:p>
@@ -6626,7 +6666,7 @@
           <a:p>
             <a:fld id="{6E4C13E4-AE53-4D7F-831B-9D7C1470C077}" type="datetimeFigureOut">
               <a:rPr lang="it-IT" smtClean="0"/>
-              <a:t>09/12/2025</a:t>
+              <a:t>10/12/2025</a:t>
             </a:fld>
             <a:endParaRPr lang="it-IT"/>
           </a:p>
@@ -6824,7 +6864,7 @@
           <a:p>
             <a:fld id="{6E4C13E4-AE53-4D7F-831B-9D7C1470C077}" type="datetimeFigureOut">
               <a:rPr lang="it-IT" smtClean="0"/>
-              <a:t>09/12/2025</a:t>
+              <a:t>10/12/2025</a:t>
             </a:fld>
             <a:endParaRPr lang="it-IT"/>
           </a:p>
@@ -7099,7 +7139,7 @@
           <a:p>
             <a:fld id="{6E4C13E4-AE53-4D7F-831B-9D7C1470C077}" type="datetimeFigureOut">
               <a:rPr lang="it-IT" smtClean="0"/>
-              <a:t>09/12/2025</a:t>
+              <a:t>10/12/2025</a:t>
             </a:fld>
             <a:endParaRPr lang="it-IT"/>
           </a:p>
@@ -7364,7 +7404,7 @@
           <a:p>
             <a:fld id="{6E4C13E4-AE53-4D7F-831B-9D7C1470C077}" type="datetimeFigureOut">
               <a:rPr lang="it-IT" smtClean="0"/>
-              <a:t>09/12/2025</a:t>
+              <a:t>10/12/2025</a:t>
             </a:fld>
             <a:endParaRPr lang="it-IT"/>
           </a:p>
@@ -7776,7 +7816,7 @@
           <a:p>
             <a:fld id="{6E4C13E4-AE53-4D7F-831B-9D7C1470C077}" type="datetimeFigureOut">
               <a:rPr lang="it-IT" smtClean="0"/>
-              <a:t>09/12/2025</a:t>
+              <a:t>10/12/2025</a:t>
             </a:fld>
             <a:endParaRPr lang="it-IT"/>
           </a:p>
@@ -7917,7 +7957,7 @@
           <a:p>
             <a:fld id="{6E4C13E4-AE53-4D7F-831B-9D7C1470C077}" type="datetimeFigureOut">
               <a:rPr lang="it-IT" smtClean="0"/>
-              <a:t>09/12/2025</a:t>
+              <a:t>10/12/2025</a:t>
             </a:fld>
             <a:endParaRPr lang="it-IT"/>
           </a:p>
@@ -8030,7 +8070,7 @@
           <a:p>
             <a:fld id="{6E4C13E4-AE53-4D7F-831B-9D7C1470C077}" type="datetimeFigureOut">
               <a:rPr lang="it-IT" smtClean="0"/>
-              <a:t>09/12/2025</a:t>
+              <a:t>10/12/2025</a:t>
             </a:fld>
             <a:endParaRPr lang="it-IT"/>
           </a:p>
@@ -8341,7 +8381,7 @@
           <a:p>
             <a:fld id="{6E4C13E4-AE53-4D7F-831B-9D7C1470C077}" type="datetimeFigureOut">
               <a:rPr lang="it-IT" smtClean="0"/>
-              <a:t>09/12/2025</a:t>
+              <a:t>10/12/2025</a:t>
             </a:fld>
             <a:endParaRPr lang="it-IT"/>
           </a:p>
@@ -8629,7 +8669,7 @@
           <a:p>
             <a:fld id="{6E4C13E4-AE53-4D7F-831B-9D7C1470C077}" type="datetimeFigureOut">
               <a:rPr lang="it-IT" smtClean="0"/>
-              <a:t>09/12/2025</a:t>
+              <a:t>10/12/2025</a:t>
             </a:fld>
             <a:endParaRPr lang="it-IT"/>
           </a:p>
@@ -8870,7 +8910,7 @@
           <a:p>
             <a:fld id="{6E4C13E4-AE53-4D7F-831B-9D7C1470C077}" type="datetimeFigureOut">
               <a:rPr lang="it-IT" smtClean="0"/>
-              <a:t>09/12/2025</a:t>
+              <a:t>10/12/2025</a:t>
             </a:fld>
             <a:endParaRPr lang="it-IT"/>
           </a:p>
@@ -11686,49 +11726,6 @@
           </a:p>
         </p:txBody>
       </p:sp>
-      <p:pic>
-        <p:nvPicPr>
-          <p:cNvPr id="6" name="Immagine 5" descr="Immagine che contiene custodia, elettronica, unità&#10;&#10;Il contenuto generato dall'IA potrebbe non essere corretto.">
-            <a:extLst>
-              <a:ext uri="{FF2B5EF4-FFF2-40B4-BE49-F238E27FC236}">
-                <a16:creationId xmlns:a16="http://schemas.microsoft.com/office/drawing/2014/main" id="{761E3EBA-8F1F-ADD6-9373-5C85B9EA755E}"/>
-              </a:ext>
-            </a:extLst>
-          </p:cNvPr>
-          <p:cNvPicPr>
-            <a:picLocks noChangeAspect="1"/>
-          </p:cNvPicPr>
-          <p:nvPr/>
-        </p:nvPicPr>
-        <p:blipFill>
-          <a:blip r:embed="rId3">
-            <a:extLst>
-              <a:ext uri="{28A0092B-C50C-407E-A947-70E740481C1C}">
-                <a14:useLocalDpi xmlns:a14="http://schemas.microsoft.com/office/drawing/2010/main" val="0"/>
-              </a:ext>
-            </a:extLst>
-          </a:blip>
-          <a:stretch>
-            <a:fillRect/>
-          </a:stretch>
-        </p:blipFill>
-        <p:spPr>
-          <a:xfrm>
-            <a:off x="5155188" y="1292639"/>
-            <a:ext cx="6861810" cy="3859768"/>
-          </a:xfrm>
-          <a:prstGeom prst="rect">
-            <a:avLst/>
-          </a:prstGeom>
-          <a:effectLst>
-            <a:outerShdw blurRad="50800" dist="38100" dir="5400000" algn="t" rotWithShape="0">
-              <a:prstClr val="black">
-                <a:alpha val="40000"/>
-              </a:prstClr>
-            </a:outerShdw>
-          </a:effectLst>
-        </p:spPr>
-      </p:pic>
       <p:sp>
         <p:nvSpPr>
           <p:cNvPr id="2" name="Titolo 1">
@@ -11812,6 +11809,49 @@
           </a:p>
         </p:txBody>
       </p:sp>
+      <p:pic>
+        <p:nvPicPr>
+          <p:cNvPr id="8" name="Immagine 7" descr="Immagine che contiene testo, etichetta, Blu elettrico, Rettangolo&#10;&#10;Il contenuto generato dall'IA potrebbe non essere corretto.">
+            <a:extLst>
+              <a:ext uri="{FF2B5EF4-FFF2-40B4-BE49-F238E27FC236}">
+                <a16:creationId xmlns:a16="http://schemas.microsoft.com/office/drawing/2014/main" id="{2168CD33-49BB-4F1B-5F99-44E5E2E19F4B}"/>
+              </a:ext>
+            </a:extLst>
+          </p:cNvPr>
+          <p:cNvPicPr>
+            <a:picLocks noChangeAspect="1"/>
+          </p:cNvPicPr>
+          <p:nvPr/>
+        </p:nvPicPr>
+        <p:blipFill>
+          <a:blip r:embed="rId3">
+            <a:extLst>
+              <a:ext uri="{28A0092B-C50C-407E-A947-70E740481C1C}">
+                <a14:useLocalDpi xmlns:a14="http://schemas.microsoft.com/office/drawing/2010/main" val="0"/>
+              </a:ext>
+            </a:extLst>
+          </a:blip>
+          <a:stretch>
+            <a:fillRect/>
+          </a:stretch>
+        </p:blipFill>
+        <p:spPr>
+          <a:xfrm>
+            <a:off x="5842630" y="1120137"/>
+            <a:ext cx="5887259" cy="4617721"/>
+          </a:xfrm>
+          <a:prstGeom prst="rect">
+            <a:avLst/>
+          </a:prstGeom>
+          <a:effectLst>
+            <a:outerShdw blurRad="50800" dist="38100" dir="5400000" algn="t" rotWithShape="0">
+              <a:prstClr val="black">
+                <a:alpha val="40000"/>
+              </a:prstClr>
+            </a:outerShdw>
+          </a:effectLst>
+        </p:spPr>
+      </p:pic>
     </p:spTree>
     <p:extLst>
       <p:ext uri="{BB962C8B-B14F-4D97-AF65-F5344CB8AC3E}">
@@ -24505,29 +24545,7 @@
                 <a:ea typeface="Questrial" pitchFamily="2" charset="0"/>
                 <a:cs typeface="Questrial" pitchFamily="2" charset="0"/>
               </a:rPr>
-              <a:t> di aggiornare gli stessi parametri senza lock </a:t>
-            </a:r>
-            <a:r>
-              <a:rPr lang="it-IT" sz="4000" dirty="0" err="1">
-                <a:solidFill>
-                  <a:srgbClr val="FCFCFC"/>
-                </a:solidFill>
-                <a:latin typeface="Questrial" pitchFamily="2" charset="0"/>
-                <a:ea typeface="Questrial" pitchFamily="2" charset="0"/>
-                <a:cs typeface="Questrial" pitchFamily="2" charset="0"/>
-              </a:rPr>
-              <a:t>epsliciti</a:t>
-            </a:r>
-            <a:r>
-              <a:rPr lang="it-IT" sz="4000" dirty="0">
-                <a:solidFill>
-                  <a:srgbClr val="FCFCFC"/>
-                </a:solidFill>
-                <a:latin typeface="Questrial" pitchFamily="2" charset="0"/>
-                <a:ea typeface="Questrial" pitchFamily="2" charset="0"/>
-                <a:cs typeface="Questrial" pitchFamily="2" charset="0"/>
-              </a:rPr>
-              <a:t>.</a:t>
+              <a:t> di aggiornare gli stessi parametri senza lock espliciti.</a:t>
             </a:r>
           </a:p>
         </p:txBody>
@@ -35998,7 +36016,7 @@
         </p:nvSpPr>
         <p:spPr>
           <a:xfrm>
-            <a:off x="-1422400" y="323849"/>
+            <a:off x="-1447800" y="323849"/>
             <a:ext cx="7683743" cy="7673521"/>
           </a:xfrm>
           <a:prstGeom prst="roundRect">
@@ -36338,8 +36356,8 @@
           </a:p>
         </p:txBody>
       </p:sp>
-      <mc:AlternateContent xmlns:mc="http://schemas.openxmlformats.org/markup-compatibility/2006" xmlns:a14="http://schemas.microsoft.com/office/drawing/2010/main">
-        <mc:Choice Requires="a14">
+      <mc:AlternateContent xmlns:mc="http://schemas.openxmlformats.org/markup-compatibility/2006">
+        <mc:Choice xmlns:a14="http://schemas.microsoft.com/office/drawing/2010/main" Requires="a14">
           <p:sp>
             <p:nvSpPr>
               <p:cNvPr id="4" name="Sottotitolo 2">
@@ -36539,9 +36557,8 @@
                       <m:jc m:val="centerGroup"/>
                     </m:oMathParaPr>
                     <m:oMath xmlns:m="http://schemas.openxmlformats.org/officeDocument/2006/math">
-                      <m:acc>
-                        <m:accPr>
-                          <m:chr m:val="̂"/>
+                      <m:sSub>
+                        <m:sSubPr>
                           <m:ctrlPr>
                             <a:rPr lang="en-US" sz="4000" b="0" i="1" smtClean="0">
                               <a:solidFill>
@@ -36552,10 +36569,40 @@
                               <a:cs typeface="Questrial" pitchFamily="2" charset="0"/>
                             </a:rPr>
                           </m:ctrlPr>
-                        </m:accPr>
+                        </m:sSubPr>
                         <m:e>
+                          <m:acc>
+                            <m:accPr>
+                              <m:chr m:val="̂"/>
+                              <m:ctrlPr>
+                                <a:rPr lang="en-US" sz="4000" b="0" i="1" smtClean="0">
+                                  <a:solidFill>
+                                    <a:srgbClr val="FCFCFC"/>
+                                  </a:solidFill>
+                                  <a:latin typeface="Cambria Math" panose="02040503050406030204" pitchFamily="18" charset="0"/>
+                                  <a:ea typeface="Questrial" pitchFamily="2" charset="0"/>
+                                  <a:cs typeface="Questrial" pitchFamily="2" charset="0"/>
+                                </a:rPr>
+                              </m:ctrlPr>
+                            </m:accPr>
+                            <m:e>
+                              <m:r>
+                                <a:rPr lang="en-US" sz="4000" b="0" i="1" smtClean="0">
+                                  <a:solidFill>
+                                    <a:srgbClr val="FCFCFC"/>
+                                  </a:solidFill>
+                                  <a:latin typeface="Cambria Math" panose="02040503050406030204" pitchFamily="18" charset="0"/>
+                                  <a:ea typeface="Questrial" pitchFamily="2" charset="0"/>
+                                  <a:cs typeface="Questrial" pitchFamily="2" charset="0"/>
+                                </a:rPr>
+                                <m:t>𝑟</m:t>
+                              </m:r>
+                            </m:e>
+                          </m:acc>
+                        </m:e>
+                        <m:sub>
                           <m:r>
-                            <a:rPr lang="en-US" sz="4000" b="0" i="1" smtClean="0">
+                            <a:rPr lang="en-US" sz="4000" i="1">
                               <a:solidFill>
                                 <a:srgbClr val="FCFCFC"/>
                               </a:solidFill>
@@ -36563,10 +36610,10 @@
                               <a:ea typeface="Questrial" pitchFamily="2" charset="0"/>
                               <a:cs typeface="Questrial" pitchFamily="2" charset="0"/>
                             </a:rPr>
-                            <m:t>𝑟</m:t>
+                            <m:t>𝑘𝑖</m:t>
                           </m:r>
-                        </m:e>
-                      </m:acc>
+                        </m:sub>
+                      </m:sSub>
                       <m:r>
                         <a:rPr lang="en-US" sz="4000" b="0" i="1" smtClean="0">
                           <a:solidFill>
@@ -36695,7 +36742,7 @@
             </p:txBody>
           </p:sp>
         </mc:Choice>
-        <mc:Fallback xmlns="">
+        <mc:Fallback>
           <p:sp>
             <p:nvSpPr>
               <p:cNvPr id="4" name="Sottotitolo 2">
@@ -37779,8 +37826,8 @@
           </a:p>
         </p:txBody>
       </p:sp>
-      <mc:AlternateContent xmlns:mc="http://schemas.openxmlformats.org/markup-compatibility/2006" xmlns:a14="http://schemas.microsoft.com/office/drawing/2010/main">
-        <mc:Choice Requires="a14">
+      <mc:AlternateContent xmlns:mc="http://schemas.openxmlformats.org/markup-compatibility/2006">
+        <mc:Choice xmlns:a14="http://schemas.microsoft.com/office/drawing/2010/main" Requires="a14">
           <p:sp>
             <p:nvSpPr>
               <p:cNvPr id="4" name="Sottotitolo 2">
@@ -37980,11 +38027,10 @@
                       <m:jc m:val="centerGroup"/>
                     </m:oMathParaPr>
                     <m:oMath xmlns:m="http://schemas.openxmlformats.org/officeDocument/2006/math">
-                      <m:acc>
-                        <m:accPr>
-                          <m:chr m:val="̂"/>
+                      <m:sSub>
+                        <m:sSubPr>
                           <m:ctrlPr>
-                            <a:rPr lang="en-US" sz="4000" b="0" i="1" smtClean="0">
+                            <a:rPr lang="en-US" sz="4000" i="1">
                               <a:solidFill>
                                 <a:srgbClr val="FCFCFC"/>
                               </a:solidFill>
@@ -37993,10 +38039,40 @@
                               <a:cs typeface="Questrial" pitchFamily="2" charset="0"/>
                             </a:rPr>
                           </m:ctrlPr>
-                        </m:accPr>
+                        </m:sSubPr>
                         <m:e>
+                          <m:acc>
+                            <m:accPr>
+                              <m:chr m:val="̂"/>
+                              <m:ctrlPr>
+                                <a:rPr lang="en-US" sz="4000" i="1">
+                                  <a:solidFill>
+                                    <a:srgbClr val="FCFCFC"/>
+                                  </a:solidFill>
+                                  <a:latin typeface="Cambria Math" panose="02040503050406030204" pitchFamily="18" charset="0"/>
+                                  <a:ea typeface="Questrial" pitchFamily="2" charset="0"/>
+                                  <a:cs typeface="Questrial" pitchFamily="2" charset="0"/>
+                                </a:rPr>
+                              </m:ctrlPr>
+                            </m:accPr>
+                            <m:e>
+                              <m:r>
+                                <a:rPr lang="en-US" sz="4000" i="1">
+                                  <a:solidFill>
+                                    <a:srgbClr val="FCFCFC"/>
+                                  </a:solidFill>
+                                  <a:latin typeface="Cambria Math" panose="02040503050406030204" pitchFamily="18" charset="0"/>
+                                  <a:ea typeface="Questrial" pitchFamily="2" charset="0"/>
+                                  <a:cs typeface="Questrial" pitchFamily="2" charset="0"/>
+                                </a:rPr>
+                                <m:t>𝑟</m:t>
+                              </m:r>
+                            </m:e>
+                          </m:acc>
+                        </m:e>
+                        <m:sub>
                           <m:r>
-                            <a:rPr lang="en-US" sz="4000" b="0" i="1" smtClean="0">
+                            <a:rPr lang="en-US" sz="4000" i="1">
                               <a:solidFill>
                                 <a:srgbClr val="FCFCFC"/>
                               </a:solidFill>
@@ -38004,12 +38080,12 @@
                               <a:ea typeface="Questrial" pitchFamily="2" charset="0"/>
                               <a:cs typeface="Questrial" pitchFamily="2" charset="0"/>
                             </a:rPr>
-                            <m:t>𝑟</m:t>
+                            <m:t>𝑘𝑖</m:t>
                           </m:r>
-                        </m:e>
-                      </m:acc>
+                        </m:sub>
+                      </m:sSub>
                       <m:r>
-                        <a:rPr lang="en-US" sz="4000" b="0" i="1" smtClean="0">
+                        <a:rPr lang="en-US" sz="4000" i="1">
                           <a:solidFill>
                             <a:srgbClr val="FCFCFC"/>
                           </a:solidFill>
@@ -38136,13 +38212,13 @@
             </p:txBody>
           </p:sp>
         </mc:Choice>
-        <mc:Fallback xmlns="">
+        <mc:Fallback>
           <p:sp>
             <p:nvSpPr>
               <p:cNvPr id="4" name="Sottotitolo 2">
                 <a:extLst>
                   <a:ext uri="{FF2B5EF4-FFF2-40B4-BE49-F238E27FC236}">
-                    <a16:creationId xmlns:a16="http://schemas.microsoft.com/office/drawing/2014/main" id="{67EC5689-C4A5-CC49-EF1D-209C718FCEF2}"/>
+                    <a16:creationId xmlns:a16="http://schemas.microsoft.com/office/drawing/2014/main" id="{89D6DE86-8470-861B-EBBB-A3A7EA1BBD3A}"/>
                   </a:ext>
                 </a:extLst>
               </p:cNvPr>
@@ -42788,7 +42864,7 @@
         </p:blipFill>
         <p:spPr>
           <a:xfrm>
-            <a:off x="7333036" y="1175658"/>
+            <a:off x="7307157" y="583238"/>
             <a:ext cx="4757364" cy="3970000"/>
           </a:xfrm>
           <a:prstGeom prst="roundRect">
@@ -42820,6 +42896,464 @@
           </a:sp3d>
         </p:spPr>
       </p:pic>
+      <mc:AlternateContent xmlns:mc="http://schemas.openxmlformats.org/markup-compatibility/2006">
+        <mc:Choice xmlns:a14="http://schemas.microsoft.com/office/drawing/2010/main" Requires="a14">
+          <p:sp>
+            <p:nvSpPr>
+              <p:cNvPr id="3" name="CasellaDiTesto 2">
+                <a:extLst>
+                  <a:ext uri="{FF2B5EF4-FFF2-40B4-BE49-F238E27FC236}">
+                    <a16:creationId xmlns:a16="http://schemas.microsoft.com/office/drawing/2014/main" id="{7C0E9C24-274C-26DB-6BDC-D6662CA1784C}"/>
+                  </a:ext>
+                </a:extLst>
+              </p:cNvPr>
+              <p:cNvSpPr txBox="1"/>
+              <p:nvPr/>
+            </p:nvSpPr>
+            <p:spPr>
+              <a:xfrm>
+                <a:off x="7307157" y="4669245"/>
+                <a:ext cx="4757364" cy="1184299"/>
+              </a:xfrm>
+              <a:prstGeom prst="rect">
+                <a:avLst/>
+              </a:prstGeom>
+              <a:noFill/>
+            </p:spPr>
+            <p:txBody>
+              <a:bodyPr wrap="square">
+                <a:spAutoFit/>
+              </a:bodyPr>
+              <a:lstStyle/>
+              <a:p>
+                <a14:m>
+                  <m:oMathPara xmlns:m="http://schemas.openxmlformats.org/officeDocument/2006/math">
+                    <m:oMathParaPr>
+                      <m:jc m:val="centerGroup"/>
+                    </m:oMathParaPr>
+                    <m:oMath xmlns:m="http://schemas.openxmlformats.org/officeDocument/2006/math">
+                      <m:func>
+                        <m:funcPr>
+                          <m:ctrlPr>
+                            <a:rPr lang="en-US" sz="2800" i="0" smtClean="0">
+                              <a:solidFill>
+                                <a:srgbClr val="FCFCFC"/>
+                              </a:solidFill>
+                              <a:latin typeface="Cambria Math" panose="02040503050406030204" pitchFamily="18" charset="0"/>
+                              <a:ea typeface="Questrial" pitchFamily="2" charset="0"/>
+                              <a:cs typeface="Questrial" pitchFamily="2" charset="0"/>
+                            </a:rPr>
+                          </m:ctrlPr>
+                        </m:funcPr>
+                        <m:fName>
+                          <m:limLow>
+                            <m:limLowPr>
+                              <m:ctrlPr>
+                                <a:rPr lang="en-US" sz="2800" i="1">
+                                  <a:solidFill>
+                                    <a:srgbClr val="FCFCFC"/>
+                                  </a:solidFill>
+                                  <a:latin typeface="Cambria Math" panose="02040503050406030204" pitchFamily="18" charset="0"/>
+                                  <a:ea typeface="Questrial" pitchFamily="2" charset="0"/>
+                                  <a:cs typeface="Questrial" pitchFamily="2" charset="0"/>
+                                </a:rPr>
+                              </m:ctrlPr>
+                            </m:limLowPr>
+                            <m:e>
+                              <m:r>
+                                <m:rPr>
+                                  <m:sty m:val="p"/>
+                                </m:rPr>
+                                <a:rPr lang="en-US" sz="2800" i="0">
+                                  <a:solidFill>
+                                    <a:srgbClr val="FCFCFC"/>
+                                  </a:solidFill>
+                                  <a:latin typeface="Cambria Math" panose="02040503050406030204" pitchFamily="18" charset="0"/>
+                                  <a:ea typeface="Questrial" pitchFamily="2" charset="0"/>
+                                  <a:cs typeface="Questrial" pitchFamily="2" charset="0"/>
+                                </a:rPr>
+                                <m:t>min</m:t>
+                              </m:r>
+                            </m:e>
+                            <m:lim>
+                              <m:r>
+                                <a:rPr lang="en-US" sz="2800" i="1">
+                                  <a:solidFill>
+                                    <a:srgbClr val="FCFCFC"/>
+                                  </a:solidFill>
+                                  <a:latin typeface="Cambria Math" panose="02040503050406030204" pitchFamily="18" charset="0"/>
+                                  <a:ea typeface="Questrial" pitchFamily="2" charset="0"/>
+                                  <a:cs typeface="Questrial" pitchFamily="2" charset="0"/>
+                                </a:rPr>
+                                <m:t>𝑈</m:t>
+                              </m:r>
+                              <m:r>
+                                <a:rPr lang="en-US" sz="2800" i="1">
+                                  <a:solidFill>
+                                    <a:srgbClr val="FCFCFC"/>
+                                  </a:solidFill>
+                                  <a:latin typeface="Cambria Math" panose="02040503050406030204" pitchFamily="18" charset="0"/>
+                                  <a:ea typeface="Questrial" pitchFamily="2" charset="0"/>
+                                  <a:cs typeface="Questrial" pitchFamily="2" charset="0"/>
+                                </a:rPr>
+                                <m:t>,</m:t>
+                              </m:r>
+                              <m:r>
+                                <a:rPr lang="en-US" sz="2800" i="1">
+                                  <a:solidFill>
+                                    <a:srgbClr val="FCFCFC"/>
+                                  </a:solidFill>
+                                  <a:latin typeface="Cambria Math" panose="02040503050406030204" pitchFamily="18" charset="0"/>
+                                  <a:ea typeface="Questrial" pitchFamily="2" charset="0"/>
+                                  <a:cs typeface="Questrial" pitchFamily="2" charset="0"/>
+                                </a:rPr>
+                                <m:t>𝑉</m:t>
+                              </m:r>
+                            </m:lim>
+                          </m:limLow>
+                        </m:fName>
+                        <m:e>
+                          <m:nary>
+                            <m:naryPr>
+                              <m:chr m:val="∑"/>
+                              <m:supHide m:val="on"/>
+                              <m:ctrlPr>
+                                <a:rPr lang="en-US" sz="2800" i="1">
+                                  <a:solidFill>
+                                    <a:srgbClr val="FCFCFC"/>
+                                  </a:solidFill>
+                                  <a:latin typeface="Cambria Math" panose="02040503050406030204" pitchFamily="18" charset="0"/>
+                                  <a:ea typeface="Questrial" pitchFamily="2" charset="0"/>
+                                  <a:cs typeface="Questrial" pitchFamily="2" charset="0"/>
+                                </a:rPr>
+                              </m:ctrlPr>
+                            </m:naryPr>
+                            <m:sub>
+                              <m:d>
+                                <m:dPr>
+                                  <m:ctrlPr>
+                                    <a:rPr lang="en-US" sz="2800" i="1">
+                                      <a:solidFill>
+                                        <a:srgbClr val="FCFCFC"/>
+                                      </a:solidFill>
+                                      <a:latin typeface="Cambria Math" panose="02040503050406030204" pitchFamily="18" charset="0"/>
+                                      <a:ea typeface="Questrial" pitchFamily="2" charset="0"/>
+                                      <a:cs typeface="Questrial" pitchFamily="2" charset="0"/>
+                                    </a:rPr>
+                                  </m:ctrlPr>
+                                </m:dPr>
+                                <m:e>
+                                  <m:r>
+                                    <a:rPr lang="en-US" sz="2800" i="1">
+                                      <a:solidFill>
+                                        <a:srgbClr val="FCFCFC"/>
+                                      </a:solidFill>
+                                      <a:latin typeface="Cambria Math" panose="02040503050406030204" pitchFamily="18" charset="0"/>
+                                      <a:ea typeface="Questrial" pitchFamily="2" charset="0"/>
+                                      <a:cs typeface="Questrial" pitchFamily="2" charset="0"/>
+                                    </a:rPr>
+                                    <m:t>𝑘</m:t>
+                                  </m:r>
+                                  <m:r>
+                                    <a:rPr lang="en-US" sz="2800" i="1">
+                                      <a:solidFill>
+                                        <a:srgbClr val="FCFCFC"/>
+                                      </a:solidFill>
+                                      <a:latin typeface="Cambria Math" panose="02040503050406030204" pitchFamily="18" charset="0"/>
+                                      <a:ea typeface="Questrial" pitchFamily="2" charset="0"/>
+                                      <a:cs typeface="Questrial" pitchFamily="2" charset="0"/>
+                                    </a:rPr>
+                                    <m:t>,</m:t>
+                                  </m:r>
+                                  <m:r>
+                                    <a:rPr lang="en-US" sz="2800" i="1">
+                                      <a:solidFill>
+                                        <a:srgbClr val="FCFCFC"/>
+                                      </a:solidFill>
+                                      <a:latin typeface="Cambria Math" panose="02040503050406030204" pitchFamily="18" charset="0"/>
+                                      <a:ea typeface="Questrial" pitchFamily="2" charset="0"/>
+                                      <a:cs typeface="Questrial" pitchFamily="2" charset="0"/>
+                                    </a:rPr>
+                                    <m:t>𝑖</m:t>
+                                  </m:r>
+                                </m:e>
+                              </m:d>
+                              <m:r>
+                                <a:rPr lang="en-US" sz="2800" i="1">
+                                  <a:solidFill>
+                                    <a:srgbClr val="FCFCFC"/>
+                                  </a:solidFill>
+                                  <a:latin typeface="Cambria Math" panose="02040503050406030204" pitchFamily="18" charset="0"/>
+                                  <a:ea typeface="Questrial" pitchFamily="2" charset="0"/>
+                                  <a:cs typeface="Questrial" pitchFamily="2" charset="0"/>
+                                </a:rPr>
+                                <m:t>∈</m:t>
+                              </m:r>
+                              <m:r>
+                                <a:rPr lang="en-US" sz="2800" i="1">
+                                  <a:solidFill>
+                                    <a:srgbClr val="FCFCFC"/>
+                                  </a:solidFill>
+                                  <a:latin typeface="Cambria Math" panose="02040503050406030204" pitchFamily="18" charset="0"/>
+                                  <a:ea typeface="Questrial" pitchFamily="2" charset="0"/>
+                                  <a:cs typeface="Questrial" pitchFamily="2" charset="0"/>
+                                </a:rPr>
+                                <m:t>𝐾</m:t>
+                              </m:r>
+                            </m:sub>
+                            <m:sup/>
+                            <m:e>
+                              <m:sSup>
+                                <m:sSupPr>
+                                  <m:ctrlPr>
+                                    <a:rPr lang="en-US" sz="2800" i="1">
+                                      <a:solidFill>
+                                        <a:srgbClr val="FCFCFC"/>
+                                      </a:solidFill>
+                                      <a:latin typeface="Cambria Math" panose="02040503050406030204" pitchFamily="18" charset="0"/>
+                                      <a:ea typeface="Questrial" pitchFamily="2" charset="0"/>
+                                      <a:cs typeface="Questrial" pitchFamily="2" charset="0"/>
+                                    </a:rPr>
+                                  </m:ctrlPr>
+                                </m:sSupPr>
+                                <m:e>
+                                  <m:d>
+                                    <m:dPr>
+                                      <m:ctrlPr>
+                                        <a:rPr lang="en-US" sz="2800" i="1">
+                                          <a:solidFill>
+                                            <a:srgbClr val="FCFCFC"/>
+                                          </a:solidFill>
+                                          <a:latin typeface="Cambria Math" panose="02040503050406030204" pitchFamily="18" charset="0"/>
+                                          <a:ea typeface="Questrial" pitchFamily="2" charset="0"/>
+                                          <a:cs typeface="Questrial" pitchFamily="2" charset="0"/>
+                                        </a:rPr>
+                                      </m:ctrlPr>
+                                    </m:dPr>
+                                    <m:e>
+                                      <m:sSub>
+                                        <m:sSubPr>
+                                          <m:ctrlPr>
+                                            <a:rPr lang="en-US" sz="2800" i="1">
+                                              <a:solidFill>
+                                                <a:srgbClr val="FCFCFC"/>
+                                              </a:solidFill>
+                                              <a:latin typeface="Cambria Math" panose="02040503050406030204" pitchFamily="18" charset="0"/>
+                                              <a:ea typeface="Questrial" pitchFamily="2" charset="0"/>
+                                              <a:cs typeface="Questrial" pitchFamily="2" charset="0"/>
+                                            </a:rPr>
+                                          </m:ctrlPr>
+                                        </m:sSubPr>
+                                        <m:e>
+                                          <m:r>
+                                            <a:rPr lang="en-US" sz="2800" i="1">
+                                              <a:solidFill>
+                                                <a:srgbClr val="FCFCFC"/>
+                                              </a:solidFill>
+                                              <a:latin typeface="Cambria Math" panose="02040503050406030204" pitchFamily="18" charset="0"/>
+                                              <a:ea typeface="Questrial" pitchFamily="2" charset="0"/>
+                                              <a:cs typeface="Questrial" pitchFamily="2" charset="0"/>
+                                            </a:rPr>
+                                            <m:t>𝑟</m:t>
+                                          </m:r>
+                                        </m:e>
+                                        <m:sub>
+                                          <m:r>
+                                            <a:rPr lang="en-US" sz="2800" i="1">
+                                              <a:solidFill>
+                                                <a:srgbClr val="FCFCFC"/>
+                                              </a:solidFill>
+                                              <a:latin typeface="Cambria Math" panose="02040503050406030204" pitchFamily="18" charset="0"/>
+                                              <a:ea typeface="Questrial" pitchFamily="2" charset="0"/>
+                                              <a:cs typeface="Questrial" pitchFamily="2" charset="0"/>
+                                            </a:rPr>
+                                            <m:t>𝑘𝑖</m:t>
+                                          </m:r>
+                                        </m:sub>
+                                      </m:sSub>
+                                      <m:r>
+                                        <a:rPr lang="en-US" sz="2800" i="1">
+                                          <a:solidFill>
+                                            <a:srgbClr val="FCFCFC"/>
+                                          </a:solidFill>
+                                          <a:latin typeface="Cambria Math" panose="02040503050406030204" pitchFamily="18" charset="0"/>
+                                          <a:ea typeface="Questrial" pitchFamily="2" charset="0"/>
+                                          <a:cs typeface="Questrial" pitchFamily="2" charset="0"/>
+                                        </a:rPr>
+                                        <m:t>−</m:t>
+                                      </m:r>
+                                      <m:sSub>
+                                        <m:sSubPr>
+                                          <m:ctrlPr>
+                                            <a:rPr lang="en-US" sz="2800" i="1">
+                                              <a:solidFill>
+                                                <a:srgbClr val="FCFCFC"/>
+                                              </a:solidFill>
+                                              <a:latin typeface="Cambria Math" panose="02040503050406030204" pitchFamily="18" charset="0"/>
+                                              <a:ea typeface="Questrial" pitchFamily="2" charset="0"/>
+                                              <a:cs typeface="Questrial" pitchFamily="2" charset="0"/>
+                                            </a:rPr>
+                                          </m:ctrlPr>
+                                        </m:sSubPr>
+                                        <m:e>
+                                          <m:r>
+                                            <a:rPr lang="en-US" sz="2800" i="1">
+                                              <a:solidFill>
+                                                <a:srgbClr val="FCFCFC"/>
+                                              </a:solidFill>
+                                              <a:latin typeface="Cambria Math" panose="02040503050406030204" pitchFamily="18" charset="0"/>
+                                              <a:ea typeface="Questrial" pitchFamily="2" charset="0"/>
+                                              <a:cs typeface="Questrial" pitchFamily="2" charset="0"/>
+                                            </a:rPr>
+                                            <m:t>𝑢</m:t>
+                                          </m:r>
+                                        </m:e>
+                                        <m:sub>
+                                          <m:r>
+                                            <a:rPr lang="en-US" sz="2800" i="1">
+                                              <a:solidFill>
+                                                <a:srgbClr val="FCFCFC"/>
+                                              </a:solidFill>
+                                              <a:latin typeface="Cambria Math" panose="02040503050406030204" pitchFamily="18" charset="0"/>
+                                              <a:ea typeface="Questrial" pitchFamily="2" charset="0"/>
+                                              <a:cs typeface="Questrial" pitchFamily="2" charset="0"/>
+                                            </a:rPr>
+                                            <m:t>𝑘</m:t>
+                                          </m:r>
+                                        </m:sub>
+                                      </m:sSub>
+                                      <m:r>
+                                        <a:rPr lang="en-US" sz="2800" i="1">
+                                          <a:solidFill>
+                                            <a:srgbClr val="FCFCFC"/>
+                                          </a:solidFill>
+                                          <a:latin typeface="Cambria Math" panose="02040503050406030204" pitchFamily="18" charset="0"/>
+                                          <a:ea typeface="Questrial" pitchFamily="2" charset="0"/>
+                                          <a:cs typeface="Questrial" pitchFamily="2" charset="0"/>
+                                        </a:rPr>
+                                        <m:t>⋅</m:t>
+                                      </m:r>
+                                      <m:sSub>
+                                        <m:sSubPr>
+                                          <m:ctrlPr>
+                                            <a:rPr lang="en-US" sz="2800" i="1">
+                                              <a:solidFill>
+                                                <a:srgbClr val="FCFCFC"/>
+                                              </a:solidFill>
+                                              <a:latin typeface="Cambria Math" panose="02040503050406030204" pitchFamily="18" charset="0"/>
+                                              <a:ea typeface="Questrial" pitchFamily="2" charset="0"/>
+                                              <a:cs typeface="Questrial" pitchFamily="2" charset="0"/>
+                                            </a:rPr>
+                                          </m:ctrlPr>
+                                        </m:sSubPr>
+                                        <m:e>
+                                          <m:r>
+                                            <a:rPr lang="en-US" sz="2800" i="1">
+                                              <a:solidFill>
+                                                <a:srgbClr val="FCFCFC"/>
+                                              </a:solidFill>
+                                              <a:latin typeface="Cambria Math" panose="02040503050406030204" pitchFamily="18" charset="0"/>
+                                              <a:ea typeface="Questrial" pitchFamily="2" charset="0"/>
+                                              <a:cs typeface="Questrial" pitchFamily="2" charset="0"/>
+                                            </a:rPr>
+                                            <m:t>𝑣</m:t>
+                                          </m:r>
+                                        </m:e>
+                                        <m:sub>
+                                          <m:r>
+                                            <a:rPr lang="en-US" sz="2800" i="1">
+                                              <a:solidFill>
+                                                <a:srgbClr val="FCFCFC"/>
+                                              </a:solidFill>
+                                              <a:latin typeface="Cambria Math" panose="02040503050406030204" pitchFamily="18" charset="0"/>
+                                              <a:ea typeface="Questrial" pitchFamily="2" charset="0"/>
+                                              <a:cs typeface="Questrial" pitchFamily="2" charset="0"/>
+                                            </a:rPr>
+                                            <m:t>𝑖</m:t>
+                                          </m:r>
+                                        </m:sub>
+                                      </m:sSub>
+                                    </m:e>
+                                  </m:d>
+                                </m:e>
+                                <m:sup>
+                                  <m:r>
+                                    <a:rPr lang="en-US" sz="2800" i="1">
+                                      <a:solidFill>
+                                        <a:srgbClr val="FCFCFC"/>
+                                      </a:solidFill>
+                                      <a:latin typeface="Cambria Math" panose="02040503050406030204" pitchFamily="18" charset="0"/>
+                                      <a:ea typeface="Questrial" pitchFamily="2" charset="0"/>
+                                      <a:cs typeface="Questrial" pitchFamily="2" charset="0"/>
+                                    </a:rPr>
+                                    <m:t>2</m:t>
+                                  </m:r>
+                                </m:sup>
+                              </m:sSup>
+                            </m:e>
+                          </m:nary>
+                        </m:e>
+                      </m:func>
+                    </m:oMath>
+                  </m:oMathPara>
+                </a14:m>
+                <a:endParaRPr lang="it-IT" sz="2800" dirty="0">
+                  <a:solidFill>
+                    <a:srgbClr val="FCFCFC"/>
+                  </a:solidFill>
+                  <a:latin typeface="Questrial" pitchFamily="2" charset="0"/>
+                  <a:ea typeface="Questrial" pitchFamily="2" charset="0"/>
+                  <a:cs typeface="Questrial" pitchFamily="2" charset="0"/>
+                </a:endParaRPr>
+              </a:p>
+            </p:txBody>
+          </p:sp>
+        </mc:Choice>
+        <mc:Fallback>
+          <p:sp>
+            <p:nvSpPr>
+              <p:cNvPr id="3" name="CasellaDiTesto 2">
+                <a:extLst>
+                  <a:ext uri="{FF2B5EF4-FFF2-40B4-BE49-F238E27FC236}">
+                    <a16:creationId xmlns:a16="http://schemas.microsoft.com/office/drawing/2014/main" id="{7C0E9C24-274C-26DB-6BDC-D6662CA1784C}"/>
+                  </a:ext>
+                </a:extLst>
+              </p:cNvPr>
+              <p:cNvSpPr txBox="1">
+                <a:spLocks noRot="1" noChangeAspect="1" noMove="1" noResize="1" noEditPoints="1" noAdjustHandles="1" noChangeArrowheads="1" noChangeShapeType="1" noTextEdit="1"/>
+              </p:cNvSpPr>
+              <p:nvPr/>
+            </p:nvSpPr>
+            <p:spPr>
+              <a:xfrm>
+                <a:off x="7307157" y="4669245"/>
+                <a:ext cx="4757364" cy="1184299"/>
+              </a:xfrm>
+              <a:prstGeom prst="rect">
+                <a:avLst/>
+              </a:prstGeom>
+              <a:blipFill>
+                <a:blip r:embed="rId7"/>
+                <a:stretch>
+                  <a:fillRect/>
+                </a:stretch>
+              </a:blipFill>
+            </p:spPr>
+            <p:txBody>
+              <a:bodyPr/>
+              <a:lstStyle/>
+              <a:p>
+                <a:r>
+                  <a:rPr lang="it-IT">
+                    <a:noFill/>
+                  </a:rPr>
+                  <a:t> </a:t>
+                </a:r>
+              </a:p>
+            </p:txBody>
+          </p:sp>
+        </mc:Fallback>
+      </mc:AlternateContent>
     </p:spTree>
     <p:extLst>
       <p:ext uri="{BB962C8B-B14F-4D97-AF65-F5344CB8AC3E}">
@@ -42999,6 +43533,79 @@
                                   </p:childTnLst>
                                 </p:cTn>
                               </p:par>
+                              <p:par>
+                                <p:cTn id="13" presetID="2" presetClass="entr" presetSubtype="2" fill="hold" grpId="0" nodeType="withEffect">
+                                  <p:stCondLst>
+                                    <p:cond delay="0"/>
+                                  </p:stCondLst>
+                                  <p:childTnLst>
+                                    <p:set>
+                                      <p:cBhvr>
+                                        <p:cTn id="14" dur="1" fill="hold">
+                                          <p:stCondLst>
+                                            <p:cond delay="0"/>
+                                          </p:stCondLst>
+                                        </p:cTn>
+                                        <p:tgtEl>
+                                          <p:spTgt spid="3"/>
+                                        </p:tgtEl>
+                                        <p:attrNameLst>
+                                          <p:attrName>style.visibility</p:attrName>
+                                        </p:attrNameLst>
+                                      </p:cBhvr>
+                                      <p:to>
+                                        <p:strVal val="visible"/>
+                                      </p:to>
+                                    </p:set>
+                                    <p:anim calcmode="lin" valueType="num">
+                                      <p:cBhvr additive="base">
+                                        <p:cTn id="15" dur="250" fill="hold"/>
+                                        <p:tgtEl>
+                                          <p:spTgt spid="3"/>
+                                        </p:tgtEl>
+                                        <p:attrNameLst>
+                                          <p:attrName>ppt_x</p:attrName>
+                                        </p:attrNameLst>
+                                      </p:cBhvr>
+                                      <p:tavLst>
+                                        <p:tav tm="0">
+                                          <p:val>
+                                            <p:strVal val="1+#ppt_w/2"/>
+                                          </p:val>
+                                        </p:tav>
+                                        <p:tav tm="100000">
+                                          <p:val>
+                                            <p:strVal val="#ppt_x"/>
+                                          </p:val>
+                                        </p:tav>
+                                      </p:tavLst>
+                                    </p:anim>
+                                    <p:anim calcmode="lin" valueType="num">
+                                      <p:cBhvr additive="base">
+                                        <p:cTn id="16" dur="250" fill="hold"/>
+                                        <p:tgtEl>
+                                          <p:spTgt spid="3"/>
+                                        </p:tgtEl>
+                                        <p:attrNameLst>
+                                          <p:attrName>ppt_y</p:attrName>
+                                        </p:attrNameLst>
+                                      </p:cBhvr>
+                                      <p:tavLst>
+                                        <p:tav tm="0">
+                                          <p:val>
+                                            <p:strVal val="#ppt_y"/>
+                                          </p:val>
+                                        </p:tav>
+                                        <p:tav tm="100000">
+                                          <p:val>
+                                            <p:strVal val="#ppt_y"/>
+                                          </p:val>
+                                        </p:tav>
+                                      </p:tavLst>
+                                    </p:anim>
+                                  </p:childTnLst>
+                                </p:cTn>
+                              </p:par>
                             </p:childTnLst>
                           </p:cTn>
                         </p:par>
@@ -43028,6 +43635,7 @@
     </p:tnLst>
     <p:bldLst>
       <p:bldP spid="6" grpId="0" animBg="1"/>
+      <p:bldP spid="3" grpId="0"/>
     </p:bldLst>
   </p:timing>
 </p:sld>

--- a/Documentazione/[MNI]_PresentazioneSeminario.pptx
+++ b/Documentazione/[MNI]_PresentazioneSeminario.pptx
@@ -280,7 +280,7 @@
           <a:p>
             <a:fld id="{5BB39080-8F44-46B6-B27F-2DEAA9A68D0D}" type="datetimeFigureOut">
               <a:rPr lang="it-IT" smtClean="0"/>
-              <a:t>10/12/2025</a:t>
+              <a:t>11/12/2025</a:t>
             </a:fld>
             <a:endParaRPr lang="it-IT"/>
           </a:p>
@@ -6260,7 +6260,7 @@
           <a:p>
             <a:fld id="{6E4C13E4-AE53-4D7F-831B-9D7C1470C077}" type="datetimeFigureOut">
               <a:rPr lang="it-IT" smtClean="0"/>
-              <a:t>10/12/2025</a:t>
+              <a:t>11/12/2025</a:t>
             </a:fld>
             <a:endParaRPr lang="it-IT"/>
           </a:p>
@@ -6458,7 +6458,7 @@
           <a:p>
             <a:fld id="{6E4C13E4-AE53-4D7F-831B-9D7C1470C077}" type="datetimeFigureOut">
               <a:rPr lang="it-IT" smtClean="0"/>
-              <a:t>10/12/2025</a:t>
+              <a:t>11/12/2025</a:t>
             </a:fld>
             <a:endParaRPr lang="it-IT"/>
           </a:p>
@@ -6666,7 +6666,7 @@
           <a:p>
             <a:fld id="{6E4C13E4-AE53-4D7F-831B-9D7C1470C077}" type="datetimeFigureOut">
               <a:rPr lang="it-IT" smtClean="0"/>
-              <a:t>10/12/2025</a:t>
+              <a:t>11/12/2025</a:t>
             </a:fld>
             <a:endParaRPr lang="it-IT"/>
           </a:p>
@@ -6864,7 +6864,7 @@
           <a:p>
             <a:fld id="{6E4C13E4-AE53-4D7F-831B-9D7C1470C077}" type="datetimeFigureOut">
               <a:rPr lang="it-IT" smtClean="0"/>
-              <a:t>10/12/2025</a:t>
+              <a:t>11/12/2025</a:t>
             </a:fld>
             <a:endParaRPr lang="it-IT"/>
           </a:p>
@@ -7139,7 +7139,7 @@
           <a:p>
             <a:fld id="{6E4C13E4-AE53-4D7F-831B-9D7C1470C077}" type="datetimeFigureOut">
               <a:rPr lang="it-IT" smtClean="0"/>
-              <a:t>10/12/2025</a:t>
+              <a:t>11/12/2025</a:t>
             </a:fld>
             <a:endParaRPr lang="it-IT"/>
           </a:p>
@@ -7404,7 +7404,7 @@
           <a:p>
             <a:fld id="{6E4C13E4-AE53-4D7F-831B-9D7C1470C077}" type="datetimeFigureOut">
               <a:rPr lang="it-IT" smtClean="0"/>
-              <a:t>10/12/2025</a:t>
+              <a:t>11/12/2025</a:t>
             </a:fld>
             <a:endParaRPr lang="it-IT"/>
           </a:p>
@@ -7816,7 +7816,7 @@
           <a:p>
             <a:fld id="{6E4C13E4-AE53-4D7F-831B-9D7C1470C077}" type="datetimeFigureOut">
               <a:rPr lang="it-IT" smtClean="0"/>
-              <a:t>10/12/2025</a:t>
+              <a:t>11/12/2025</a:t>
             </a:fld>
             <a:endParaRPr lang="it-IT"/>
           </a:p>
@@ -7957,7 +7957,7 @@
           <a:p>
             <a:fld id="{6E4C13E4-AE53-4D7F-831B-9D7C1470C077}" type="datetimeFigureOut">
               <a:rPr lang="it-IT" smtClean="0"/>
-              <a:t>10/12/2025</a:t>
+              <a:t>11/12/2025</a:t>
             </a:fld>
             <a:endParaRPr lang="it-IT"/>
           </a:p>
@@ -8070,7 +8070,7 @@
           <a:p>
             <a:fld id="{6E4C13E4-AE53-4D7F-831B-9D7C1470C077}" type="datetimeFigureOut">
               <a:rPr lang="it-IT" smtClean="0"/>
-              <a:t>10/12/2025</a:t>
+              <a:t>11/12/2025</a:t>
             </a:fld>
             <a:endParaRPr lang="it-IT"/>
           </a:p>
@@ -8381,7 +8381,7 @@
           <a:p>
             <a:fld id="{6E4C13E4-AE53-4D7F-831B-9D7C1470C077}" type="datetimeFigureOut">
               <a:rPr lang="it-IT" smtClean="0"/>
-              <a:t>10/12/2025</a:t>
+              <a:t>11/12/2025</a:t>
             </a:fld>
             <a:endParaRPr lang="it-IT"/>
           </a:p>
@@ -8669,7 +8669,7 @@
           <a:p>
             <a:fld id="{6E4C13E4-AE53-4D7F-831B-9D7C1470C077}" type="datetimeFigureOut">
               <a:rPr lang="it-IT" smtClean="0"/>
-              <a:t>10/12/2025</a:t>
+              <a:t>11/12/2025</a:t>
             </a:fld>
             <a:endParaRPr lang="it-IT"/>
           </a:p>
@@ -8910,7 +8910,7 @@
           <a:p>
             <a:fld id="{6E4C13E4-AE53-4D7F-831B-9D7C1470C077}" type="datetimeFigureOut">
               <a:rPr lang="it-IT" smtClean="0"/>
-              <a:t>10/12/2025</a:t>
+              <a:t>11/12/2025</a:t>
             </a:fld>
             <a:endParaRPr lang="it-IT"/>
           </a:p>
@@ -36356,8 +36356,8 @@
           </a:p>
         </p:txBody>
       </p:sp>
-      <mc:AlternateContent xmlns:mc="http://schemas.openxmlformats.org/markup-compatibility/2006">
-        <mc:Choice xmlns:a14="http://schemas.microsoft.com/office/drawing/2010/main" Requires="a14">
+      <mc:AlternateContent xmlns:mc="http://schemas.openxmlformats.org/markup-compatibility/2006" xmlns:a14="http://schemas.microsoft.com/office/drawing/2010/main">
+        <mc:Choice Requires="a14">
           <p:sp>
             <p:nvSpPr>
               <p:cNvPr id="4" name="Sottotitolo 2">
@@ -36742,7 +36742,7 @@
             </p:txBody>
           </p:sp>
         </mc:Choice>
-        <mc:Fallback>
+        <mc:Fallback xmlns="">
           <p:sp>
             <p:nvSpPr>
               <p:cNvPr id="4" name="Sottotitolo 2">
@@ -37826,8 +37826,8 @@
           </a:p>
         </p:txBody>
       </p:sp>
-      <mc:AlternateContent xmlns:mc="http://schemas.openxmlformats.org/markup-compatibility/2006">
-        <mc:Choice xmlns:a14="http://schemas.microsoft.com/office/drawing/2010/main" Requires="a14">
+      <mc:AlternateContent xmlns:mc="http://schemas.openxmlformats.org/markup-compatibility/2006" xmlns:a14="http://schemas.microsoft.com/office/drawing/2010/main">
+        <mc:Choice Requires="a14">
           <p:sp>
             <p:nvSpPr>
               <p:cNvPr id="4" name="Sottotitolo 2">
@@ -38212,7 +38212,7 @@
             </p:txBody>
           </p:sp>
         </mc:Choice>
-        <mc:Fallback>
+        <mc:Fallback xmlns="">
           <p:sp>
             <p:nvSpPr>
               <p:cNvPr id="4" name="Sottotitolo 2">
@@ -42896,8 +42896,8 @@
           </a:sp3d>
         </p:spPr>
       </p:pic>
-      <mc:AlternateContent xmlns:mc="http://schemas.openxmlformats.org/markup-compatibility/2006">
-        <mc:Choice xmlns:a14="http://schemas.microsoft.com/office/drawing/2010/main" Requires="a14">
+      <mc:AlternateContent xmlns:mc="http://schemas.openxmlformats.org/markup-compatibility/2006" xmlns:a14="http://schemas.microsoft.com/office/drawing/2010/main">
+        <mc:Choice Requires="a14">
           <p:sp>
             <p:nvSpPr>
               <p:cNvPr id="3" name="CasellaDiTesto 2">
@@ -42926,6 +42926,7 @@
               </a:bodyPr>
               <a:lstStyle/>
               <a:p>
+                <a:pPr/>
                 <a14:m>
                   <m:oMathPara xmlns:m="http://schemas.openxmlformats.org/officeDocument/2006/math">
                     <m:oMathParaPr>
@@ -42935,7 +42936,7 @@
                       <m:func>
                         <m:funcPr>
                           <m:ctrlPr>
-                            <a:rPr lang="en-US" sz="2800" i="0" smtClean="0">
+                            <a:rPr lang="en-US" sz="2800" i="1" smtClean="0">
                               <a:solidFill>
                                 <a:srgbClr val="FCFCFC"/>
                               </a:solidFill>
@@ -43309,7 +43310,7 @@
             </p:txBody>
           </p:sp>
         </mc:Choice>
-        <mc:Fallback>
+        <mc:Fallback xmlns="">
           <p:sp>
             <p:nvSpPr>
               <p:cNvPr id="3" name="CasellaDiTesto 2">

--- a/Documentazione/[MNI]_PresentazioneSeminario.pptx
+++ b/Documentazione/[MNI]_PresentazioneSeminario.pptx
@@ -280,7 +280,7 @@
           <a:p>
             <a:fld id="{5BB39080-8F44-46B6-B27F-2DEAA9A68D0D}" type="datetimeFigureOut">
               <a:rPr lang="it-IT" smtClean="0"/>
-              <a:t>11/12/2025</a:t>
+              <a:t>12/12/2025</a:t>
             </a:fld>
             <a:endParaRPr lang="it-IT"/>
           </a:p>
@@ -6260,7 +6260,7 @@
           <a:p>
             <a:fld id="{6E4C13E4-AE53-4D7F-831B-9D7C1470C077}" type="datetimeFigureOut">
               <a:rPr lang="it-IT" smtClean="0"/>
-              <a:t>11/12/2025</a:t>
+              <a:t>12/12/2025</a:t>
             </a:fld>
             <a:endParaRPr lang="it-IT"/>
           </a:p>
@@ -6458,7 +6458,7 @@
           <a:p>
             <a:fld id="{6E4C13E4-AE53-4D7F-831B-9D7C1470C077}" type="datetimeFigureOut">
               <a:rPr lang="it-IT" smtClean="0"/>
-              <a:t>11/12/2025</a:t>
+              <a:t>12/12/2025</a:t>
             </a:fld>
             <a:endParaRPr lang="it-IT"/>
           </a:p>
@@ -6666,7 +6666,7 @@
           <a:p>
             <a:fld id="{6E4C13E4-AE53-4D7F-831B-9D7C1470C077}" type="datetimeFigureOut">
               <a:rPr lang="it-IT" smtClean="0"/>
-              <a:t>11/12/2025</a:t>
+              <a:t>12/12/2025</a:t>
             </a:fld>
             <a:endParaRPr lang="it-IT"/>
           </a:p>
@@ -6864,7 +6864,7 @@
           <a:p>
             <a:fld id="{6E4C13E4-AE53-4D7F-831B-9D7C1470C077}" type="datetimeFigureOut">
               <a:rPr lang="it-IT" smtClean="0"/>
-              <a:t>11/12/2025</a:t>
+              <a:t>12/12/2025</a:t>
             </a:fld>
             <a:endParaRPr lang="it-IT"/>
           </a:p>
@@ -7139,7 +7139,7 @@
           <a:p>
             <a:fld id="{6E4C13E4-AE53-4D7F-831B-9D7C1470C077}" type="datetimeFigureOut">
               <a:rPr lang="it-IT" smtClean="0"/>
-              <a:t>11/12/2025</a:t>
+              <a:t>12/12/2025</a:t>
             </a:fld>
             <a:endParaRPr lang="it-IT"/>
           </a:p>
@@ -7404,7 +7404,7 @@
           <a:p>
             <a:fld id="{6E4C13E4-AE53-4D7F-831B-9D7C1470C077}" type="datetimeFigureOut">
               <a:rPr lang="it-IT" smtClean="0"/>
-              <a:t>11/12/2025</a:t>
+              <a:t>12/12/2025</a:t>
             </a:fld>
             <a:endParaRPr lang="it-IT"/>
           </a:p>
@@ -7816,7 +7816,7 @@
           <a:p>
             <a:fld id="{6E4C13E4-AE53-4D7F-831B-9D7C1470C077}" type="datetimeFigureOut">
               <a:rPr lang="it-IT" smtClean="0"/>
-              <a:t>11/12/2025</a:t>
+              <a:t>12/12/2025</a:t>
             </a:fld>
             <a:endParaRPr lang="it-IT"/>
           </a:p>
@@ -7957,7 +7957,7 @@
           <a:p>
             <a:fld id="{6E4C13E4-AE53-4D7F-831B-9D7C1470C077}" type="datetimeFigureOut">
               <a:rPr lang="it-IT" smtClean="0"/>
-              <a:t>11/12/2025</a:t>
+              <a:t>12/12/2025</a:t>
             </a:fld>
             <a:endParaRPr lang="it-IT"/>
           </a:p>
@@ -8070,7 +8070,7 @@
           <a:p>
             <a:fld id="{6E4C13E4-AE53-4D7F-831B-9D7C1470C077}" type="datetimeFigureOut">
               <a:rPr lang="it-IT" smtClean="0"/>
-              <a:t>11/12/2025</a:t>
+              <a:t>12/12/2025</a:t>
             </a:fld>
             <a:endParaRPr lang="it-IT"/>
           </a:p>
@@ -8381,7 +8381,7 @@
           <a:p>
             <a:fld id="{6E4C13E4-AE53-4D7F-831B-9D7C1470C077}" type="datetimeFigureOut">
               <a:rPr lang="it-IT" smtClean="0"/>
-              <a:t>11/12/2025</a:t>
+              <a:t>12/12/2025</a:t>
             </a:fld>
             <a:endParaRPr lang="it-IT"/>
           </a:p>
@@ -8669,7 +8669,7 @@
           <a:p>
             <a:fld id="{6E4C13E4-AE53-4D7F-831B-9D7C1470C077}" type="datetimeFigureOut">
               <a:rPr lang="it-IT" smtClean="0"/>
-              <a:t>11/12/2025</a:t>
+              <a:t>12/12/2025</a:t>
             </a:fld>
             <a:endParaRPr lang="it-IT"/>
           </a:p>
@@ -8910,7 +8910,7 @@
           <a:p>
             <a:fld id="{6E4C13E4-AE53-4D7F-831B-9D7C1470C077}" type="datetimeFigureOut">
               <a:rPr lang="it-IT" smtClean="0"/>
-              <a:t>11/12/2025</a:t>
+              <a:t>12/12/2025</a:t>
             </a:fld>
             <a:endParaRPr lang="it-IT"/>
           </a:p>
@@ -20892,7 +20892,7 @@
                 <a:ea typeface="Questrial" pitchFamily="2" charset="0"/>
                 <a:cs typeface="Questrial" pitchFamily="2" charset="0"/>
               </a:rPr>
-              <a:t>Usato nei sistemi distribuiti a larga scala</a:t>
+              <a:t>Usato nei sistemi distribuiti a larga scala.</a:t>
             </a:r>
           </a:p>
         </p:txBody>
@@ -25676,29 +25676,7 @@
                 <a:ea typeface="Questrial" pitchFamily="2" charset="0"/>
                 <a:cs typeface="Questrial" pitchFamily="2" charset="0"/>
               </a:rPr>
-              <a:t> di aggiornare gli stessi parametri senza lock </a:t>
-            </a:r>
-            <a:r>
-              <a:rPr lang="it-IT" sz="4000" dirty="0" err="1">
-                <a:solidFill>
-                  <a:srgbClr val="FCFCFC"/>
-                </a:solidFill>
-                <a:latin typeface="Questrial" pitchFamily="2" charset="0"/>
-                <a:ea typeface="Questrial" pitchFamily="2" charset="0"/>
-                <a:cs typeface="Questrial" pitchFamily="2" charset="0"/>
-              </a:rPr>
-              <a:t>epsliciti</a:t>
-            </a:r>
-            <a:r>
-              <a:rPr lang="it-IT" sz="4000" dirty="0">
-                <a:solidFill>
-                  <a:srgbClr val="FCFCFC"/>
-                </a:solidFill>
-                <a:latin typeface="Questrial" pitchFamily="2" charset="0"/>
-                <a:ea typeface="Questrial" pitchFamily="2" charset="0"/>
-                <a:cs typeface="Questrial" pitchFamily="2" charset="0"/>
-              </a:rPr>
-              <a:t>.</a:t>
+              <a:t> di aggiornare gli stessi parametri senza lock espliciti.</a:t>
             </a:r>
           </a:p>
         </p:txBody>

--- a/Documentazione/[MNI]_PresentazioneSeminario.pptx
+++ b/Documentazione/[MNI]_PresentazioneSeminario.pptx
@@ -36070,7 +36070,7 @@
                 <a:ea typeface="Questrial" panose="020F0502020204030204" pitchFamily="2" charset="0"/>
                 <a:cs typeface="Questrial" panose="020F0502020204030204" pitchFamily="2" charset="0"/>
               </a:rPr>
-              <a:t>Modello</a:t>
+              <a:t>Predizione</a:t>
             </a:r>
             <a:endParaRPr lang="it-IT" sz="5400" b="1" dirty="0">
               <a:solidFill>
@@ -37540,7 +37540,7 @@
                 <a:ea typeface="Questrial" panose="020F0502020204030204" pitchFamily="2" charset="0"/>
                 <a:cs typeface="Questrial" panose="020F0502020204030204" pitchFamily="2" charset="0"/>
               </a:rPr>
-              <a:t>Modello</a:t>
+              <a:t>Predizione</a:t>
             </a:r>
             <a:endParaRPr lang="it-IT" sz="5400" b="1" dirty="0">
               <a:solidFill>
